--- a/PresentaciónProyecto.pptx
+++ b/PresentaciónProyecto.pptx
@@ -12,18 +12,19 @@
     <p:sldId id="283" r:id="rId6"/>
     <p:sldId id="284" r:id="rId7"/>
     <p:sldId id="276" r:id="rId8"/>
-    <p:sldId id="260" r:id="rId9"/>
-    <p:sldId id="269" r:id="rId10"/>
-    <p:sldId id="271" r:id="rId11"/>
-    <p:sldId id="277" r:id="rId12"/>
-    <p:sldId id="261" r:id="rId13"/>
-    <p:sldId id="272" r:id="rId14"/>
-    <p:sldId id="273" r:id="rId15"/>
-    <p:sldId id="282" r:id="rId16"/>
-    <p:sldId id="287" r:id="rId17"/>
-    <p:sldId id="278" r:id="rId18"/>
-    <p:sldId id="285" r:id="rId19"/>
-    <p:sldId id="280" r:id="rId20"/>
+    <p:sldId id="288" r:id="rId9"/>
+    <p:sldId id="289" r:id="rId10"/>
+    <p:sldId id="269" r:id="rId11"/>
+    <p:sldId id="271" r:id="rId12"/>
+    <p:sldId id="277" r:id="rId13"/>
+    <p:sldId id="261" r:id="rId14"/>
+    <p:sldId id="272" r:id="rId15"/>
+    <p:sldId id="273" r:id="rId16"/>
+    <p:sldId id="282" r:id="rId17"/>
+    <p:sldId id="287" r:id="rId18"/>
+    <p:sldId id="278" r:id="rId19"/>
+    <p:sldId id="285" r:id="rId20"/>
+    <p:sldId id="280" r:id="rId21"/>
   </p:sldIdLst>
   <p:sldSz cx="12192000" cy="6858000"/>
   <p:notesSz cx="6858000" cy="9144000"/>
@@ -139,6 +140,7 @@
     <p1510:client id="{16A38915-6406-2129-2964-54F60F0A632C}" v="1507" dt="2022-12-08T17:59:49.265"/>
     <p1510:client id="{21325F55-FC72-1736-0862-AE3E02F14224}" v="19" dt="2022-12-09T18:31:04.216"/>
     <p1510:client id="{29E25A0E-6CA4-E92C-1F16-72D477401A61}" v="163" dt="2022-12-09T19:25:50.967"/>
+    <p1510:client id="{2BC1BE9E-5167-0257-5324-21622F1B93A7}" v="6" dt="2022-12-10T01:13:04.416"/>
     <p1510:client id="{335F6F29-954F-7B53-FEAE-79A19CAB3CA4}" v="209" dt="2022-12-08T20:14:03.246"/>
     <p1510:client id="{34635944-ABBD-47B7-7AEA-32DEB677FEA5}" v="47" dt="2022-12-09T03:22:47.003"/>
     <p1510:client id="{3930076D-D2EA-AEB3-B6FE-3505350EFB23}" v="98" dt="2022-12-08T19:37:19.499"/>
@@ -149,7 +151,10 @@
     <p1510:client id="{75428C76-38BD-8EEA-E8CA-C0C4CFE39436}" v="24" dt="2022-12-08T22:37:20.286"/>
     <p1510:client id="{800812D7-EA78-079E-F373-F500EF30C8D0}" v="4" dt="2022-12-07T18:23:06.381"/>
     <p1510:client id="{8F6B66D3-EE7B-CD6B-67DA-B4C7874F7ED2}" v="182" dt="2022-12-08T19:19:59.508"/>
+    <p1510:client id="{953DB1D6-A029-E5A4-A509-372B3AD0C5D0}" v="298" dt="2022-12-10T03:05:25.375"/>
+    <p1510:client id="{AD0678C8-CD90-D3F0-76A6-EBED3637A36B}" v="304" dt="2022-12-10T01:43:17.670"/>
     <p1510:client id="{CB143206-897C-8902-B4F8-4E3DE4C39D95}" v="1" dt="2022-12-09T20:05:10.195"/>
+    <p1510:client id="{D1DCE548-03B5-7FED-9189-8D4BD1D00814}" v="14" dt="2022-12-09T22:31:31.039"/>
     <p1510:client id="{FEFB425B-970B-3EEE-5CC4-4774C8A1A24F}" v="3" dt="2022-12-07T17:50:39.700"/>
   </p1510:revLst>
 </p1510:revInfo>
@@ -157,6 +162,169 @@
 
 <file path=ppt/changesInfos/changesInfo1.xml><?xml version="1.0" encoding="utf-8"?>
 <pc:chgInfo xmlns:a="http://schemas.openxmlformats.org/drawingml/2006/main" xmlns:r="http://schemas.openxmlformats.org/officeDocument/2006/relationships" xmlns:ac="http://schemas.microsoft.com/office/drawing/2013/main/command" xmlns:pc="http://schemas.microsoft.com/office/powerpoint/2013/main/command">
+  <pc:docChgLst>
+    <pc:chgData name="Cristian Castro Arias" userId="S::ccastroa@eafit.edu.co::be24d1df-70db-473d-97ae-2a9982a38bd8" providerId="AD" clId="Web-{1505CB1A-B4D2-3C56-1495-59B25C0F4CFB}"/>
+    <pc:docChg chg="addSld delSld modSld">
+      <pc:chgData name="Cristian Castro Arias" userId="S::ccastroa@eafit.edu.co::be24d1df-70db-473d-97ae-2a9982a38bd8" providerId="AD" clId="Web-{1505CB1A-B4D2-3C56-1495-59B25C0F4CFB}" dt="2022-12-09T03:15:49.772" v="21"/>
+      <pc:docMkLst>
+        <pc:docMk/>
+      </pc:docMkLst>
+      <pc:sldChg chg="del">
+        <pc:chgData name="Cristian Castro Arias" userId="S::ccastroa@eafit.edu.co::be24d1df-70db-473d-97ae-2a9982a38bd8" providerId="AD" clId="Web-{1505CB1A-B4D2-3C56-1495-59B25C0F4CFB}" dt="2022-12-09T03:15:46.084" v="20"/>
+        <pc:sldMkLst>
+          <pc:docMk/>
+          <pc:sldMk cId="4009866458" sldId="268"/>
+        </pc:sldMkLst>
+      </pc:sldChg>
+      <pc:sldChg chg="del">
+        <pc:chgData name="Cristian Castro Arias" userId="S::ccastroa@eafit.edu.co::be24d1df-70db-473d-97ae-2a9982a38bd8" providerId="AD" clId="Web-{1505CB1A-B4D2-3C56-1495-59B25C0F4CFB}" dt="2022-12-09T03:15:49.772" v="21"/>
+        <pc:sldMkLst>
+          <pc:docMk/>
+          <pc:sldMk cId="3362010317" sldId="281"/>
+        </pc:sldMkLst>
+      </pc:sldChg>
+      <pc:sldChg chg="addSp delSp modSp add replId">
+        <pc:chgData name="Cristian Castro Arias" userId="S::ccastroa@eafit.edu.co::be24d1df-70db-473d-97ae-2a9982a38bd8" providerId="AD" clId="Web-{1505CB1A-B4D2-3C56-1495-59B25C0F4CFB}" dt="2022-12-09T03:15:38.959" v="19" actId="20577"/>
+        <pc:sldMkLst>
+          <pc:docMk/>
+          <pc:sldMk cId="4107087460" sldId="284"/>
+        </pc:sldMkLst>
+        <pc:spChg chg="mod">
+          <ac:chgData name="Cristian Castro Arias" userId="S::ccastroa@eafit.edu.co::be24d1df-70db-473d-97ae-2a9982a38bd8" providerId="AD" clId="Web-{1505CB1A-B4D2-3C56-1495-59B25C0F4CFB}" dt="2022-12-09T03:15:38.959" v="19" actId="20577"/>
+          <ac:spMkLst>
+            <pc:docMk/>
+            <pc:sldMk cId="4107087460" sldId="284"/>
+            <ac:spMk id="8" creationId="{6C84337B-8CF9-736F-3295-9E1D6FA97EC1}"/>
+          </ac:spMkLst>
+        </pc:spChg>
+        <pc:picChg chg="add mod">
+          <ac:chgData name="Cristian Castro Arias" userId="S::ccastroa@eafit.edu.co::be24d1df-70db-473d-97ae-2a9982a38bd8" providerId="AD" clId="Web-{1505CB1A-B4D2-3C56-1495-59B25C0F4CFB}" dt="2022-12-09T03:15:20.631" v="15" actId="14100"/>
+          <ac:picMkLst>
+            <pc:docMk/>
+            <pc:sldMk cId="4107087460" sldId="284"/>
+            <ac:picMk id="2" creationId="{2E36C26F-B53B-FB7F-B590-8EA3031D3034}"/>
+          </ac:picMkLst>
+        </pc:picChg>
+        <pc:picChg chg="del">
+          <ac:chgData name="Cristian Castro Arias" userId="S::ccastroa@eafit.edu.co::be24d1df-70db-473d-97ae-2a9982a38bd8" providerId="AD" clId="Web-{1505CB1A-B4D2-3C56-1495-59B25C0F4CFB}" dt="2022-12-09T03:14:46.130" v="1"/>
+          <ac:picMkLst>
+            <pc:docMk/>
+            <pc:sldMk cId="4107087460" sldId="284"/>
+            <ac:picMk id="3" creationId="{2F8019D9-FA46-D85F-1348-4A58A9B8FBD2}"/>
+          </ac:picMkLst>
+        </pc:picChg>
+      </pc:sldChg>
+    </pc:docChg>
+  </pc:docChgLst>
+  <pc:docChgLst>
+    <pc:chgData name="Sandra Marcela Diaz Cordero" userId="S::smdiazc@eafit.edu.co::75d8c3d6-ed6c-4721-a95e-02435709600f" providerId="AD" clId="Web-{4A64DAA1-839F-856F-9D13-9D6172BF019B}"/>
+    <pc:docChg chg="modSld">
+      <pc:chgData name="Sandra Marcela Diaz Cordero" userId="S::smdiazc@eafit.edu.co::75d8c3d6-ed6c-4721-a95e-02435709600f" providerId="AD" clId="Web-{4A64DAA1-839F-856F-9D13-9D6172BF019B}" dt="2022-12-09T11:38:06.097" v="5" actId="20577"/>
+      <pc:docMkLst>
+        <pc:docMk/>
+      </pc:docMkLst>
+      <pc:sldChg chg="modSp">
+        <pc:chgData name="Sandra Marcela Diaz Cordero" userId="S::smdiazc@eafit.edu.co::75d8c3d6-ed6c-4721-a95e-02435709600f" providerId="AD" clId="Web-{4A64DAA1-839F-856F-9D13-9D6172BF019B}" dt="2022-12-09T11:36:19.985" v="1" actId="20577"/>
+        <pc:sldMkLst>
+          <pc:docMk/>
+          <pc:sldMk cId="4107087460" sldId="284"/>
+        </pc:sldMkLst>
+        <pc:spChg chg="mod">
+          <ac:chgData name="Sandra Marcela Diaz Cordero" userId="S::smdiazc@eafit.edu.co::75d8c3d6-ed6c-4721-a95e-02435709600f" providerId="AD" clId="Web-{4A64DAA1-839F-856F-9D13-9D6172BF019B}" dt="2022-12-09T11:36:19.985" v="1" actId="20577"/>
+          <ac:spMkLst>
+            <pc:docMk/>
+            <pc:sldMk cId="4107087460" sldId="284"/>
+            <ac:spMk id="8" creationId="{6C84337B-8CF9-736F-3295-9E1D6FA97EC1}"/>
+          </ac:spMkLst>
+        </pc:spChg>
+      </pc:sldChg>
+      <pc:sldChg chg="modSp">
+        <pc:chgData name="Sandra Marcela Diaz Cordero" userId="S::smdiazc@eafit.edu.co::75d8c3d6-ed6c-4721-a95e-02435709600f" providerId="AD" clId="Web-{4A64DAA1-839F-856F-9D13-9D6172BF019B}" dt="2022-12-09T11:38:06.097" v="5" actId="20577"/>
+        <pc:sldMkLst>
+          <pc:docMk/>
+          <pc:sldMk cId="3748891991" sldId="285"/>
+        </pc:sldMkLst>
+        <pc:spChg chg="mod">
+          <ac:chgData name="Sandra Marcela Diaz Cordero" userId="S::smdiazc@eafit.edu.co::75d8c3d6-ed6c-4721-a95e-02435709600f" providerId="AD" clId="Web-{4A64DAA1-839F-856F-9D13-9D6172BF019B}" dt="2022-12-09T11:37:46.769" v="3" actId="20577"/>
+          <ac:spMkLst>
+            <pc:docMk/>
+            <pc:sldMk cId="3748891991" sldId="285"/>
+            <ac:spMk id="8" creationId="{C6200F7A-5157-7691-D0BB-D96158021859}"/>
+          </ac:spMkLst>
+        </pc:spChg>
+        <pc:spChg chg="mod">
+          <ac:chgData name="Sandra Marcela Diaz Cordero" userId="S::smdiazc@eafit.edu.co::75d8c3d6-ed6c-4721-a95e-02435709600f" providerId="AD" clId="Web-{4A64DAA1-839F-856F-9D13-9D6172BF019B}" dt="2022-12-09T11:38:06.097" v="5" actId="20577"/>
+          <ac:spMkLst>
+            <pc:docMk/>
+            <pc:sldMk cId="3748891991" sldId="285"/>
+            <ac:spMk id="17" creationId="{F9890DC5-8C98-F592-C244-2D96D5BE0756}"/>
+          </ac:spMkLst>
+        </pc:spChg>
+      </pc:sldChg>
+    </pc:docChg>
+  </pc:docChgLst>
+  <pc:docChgLst>
+    <pc:chgData name="Sandra Marcela Diaz Cordero" userId="S::smdiazc@eafit.edu.co::75d8c3d6-ed6c-4721-a95e-02435709600f" providerId="AD" clId="Web-{21325F55-FC72-1736-0862-AE3E02F14224}"/>
+    <pc:docChg chg="modSld">
+      <pc:chgData name="Sandra Marcela Diaz Cordero" userId="S::smdiazc@eafit.edu.co::75d8c3d6-ed6c-4721-a95e-02435709600f" providerId="AD" clId="Web-{21325F55-FC72-1736-0862-AE3E02F14224}" dt="2022-12-09T18:31:04.216" v="16" actId="14100"/>
+      <pc:docMkLst>
+        <pc:docMk/>
+      </pc:docMkLst>
+      <pc:sldChg chg="addSp delSp modSp">
+        <pc:chgData name="Sandra Marcela Diaz Cordero" userId="S::smdiazc@eafit.edu.co::75d8c3d6-ed6c-4721-a95e-02435709600f" providerId="AD" clId="Web-{21325F55-FC72-1736-0862-AE3E02F14224}" dt="2022-12-09T18:27:28.031" v="14" actId="1076"/>
+        <pc:sldMkLst>
+          <pc:docMk/>
+          <pc:sldMk cId="4107087460" sldId="284"/>
+        </pc:sldMkLst>
+        <pc:picChg chg="del">
+          <ac:chgData name="Sandra Marcela Diaz Cordero" userId="S::smdiazc@eafit.edu.co::75d8c3d6-ed6c-4721-a95e-02435709600f" providerId="AD" clId="Web-{21325F55-FC72-1736-0862-AE3E02F14224}" dt="2022-12-09T18:27:14.843" v="8"/>
+          <ac:picMkLst>
+            <pc:docMk/>
+            <pc:sldMk cId="4107087460" sldId="284"/>
+            <ac:picMk id="2" creationId="{2E36C26F-B53B-FB7F-B590-8EA3031D3034}"/>
+          </ac:picMkLst>
+        </pc:picChg>
+        <pc:picChg chg="add mod">
+          <ac:chgData name="Sandra Marcela Diaz Cordero" userId="S::smdiazc@eafit.edu.co::75d8c3d6-ed6c-4721-a95e-02435709600f" providerId="AD" clId="Web-{21325F55-FC72-1736-0862-AE3E02F14224}" dt="2022-12-09T18:27:28.031" v="14" actId="1076"/>
+          <ac:picMkLst>
+            <pc:docMk/>
+            <pc:sldMk cId="4107087460" sldId="284"/>
+            <ac:picMk id="3" creationId="{2F07CB9F-63B9-B6E6-34E2-304DFCA9E74C}"/>
+          </ac:picMkLst>
+        </pc:picChg>
+      </pc:sldChg>
+      <pc:sldChg chg="modSp">
+        <pc:chgData name="Sandra Marcela Diaz Cordero" userId="S::smdiazc@eafit.edu.co::75d8c3d6-ed6c-4721-a95e-02435709600f" providerId="AD" clId="Web-{21325F55-FC72-1736-0862-AE3E02F14224}" dt="2022-12-09T18:31:04.216" v="16" actId="14100"/>
+        <pc:sldMkLst>
+          <pc:docMk/>
+          <pc:sldMk cId="3748891991" sldId="285"/>
+        </pc:sldMkLst>
+        <pc:spChg chg="mod">
+          <ac:chgData name="Sandra Marcela Diaz Cordero" userId="S::smdiazc@eafit.edu.co::75d8c3d6-ed6c-4721-a95e-02435709600f" providerId="AD" clId="Web-{21325F55-FC72-1736-0862-AE3E02F14224}" dt="2022-12-09T18:31:04.216" v="16" actId="14100"/>
+          <ac:spMkLst>
+            <pc:docMk/>
+            <pc:sldMk cId="3748891991" sldId="285"/>
+            <ac:spMk id="14" creationId="{0B23DB37-735C-F41E-4595-3393B111979C}"/>
+          </ac:spMkLst>
+        </pc:spChg>
+      </pc:sldChg>
+      <pc:sldChg chg="modSp">
+        <pc:chgData name="Sandra Marcela Diaz Cordero" userId="S::smdiazc@eafit.edu.co::75d8c3d6-ed6c-4721-a95e-02435709600f" providerId="AD" clId="Web-{21325F55-FC72-1736-0862-AE3E02F14224}" dt="2022-12-09T18:20:22.710" v="7" actId="20577"/>
+        <pc:sldMkLst>
+          <pc:docMk/>
+          <pc:sldMk cId="3704163924" sldId="287"/>
+        </pc:sldMkLst>
+        <pc:spChg chg="mod">
+          <ac:chgData name="Sandra Marcela Diaz Cordero" userId="S::smdiazc@eafit.edu.co::75d8c3d6-ed6c-4721-a95e-02435709600f" providerId="AD" clId="Web-{21325F55-FC72-1736-0862-AE3E02F14224}" dt="2022-12-09T18:20:22.710" v="7" actId="20577"/>
+          <ac:spMkLst>
+            <pc:docMk/>
+            <pc:sldMk cId="3704163924" sldId="287"/>
+            <ac:spMk id="3" creationId="{5C6020AF-2FE9-6888-6434-3730057057AC}"/>
+          </ac:spMkLst>
+        </pc:spChg>
+      </pc:sldChg>
+    </pc:docChg>
+  </pc:docChgLst>
   <pc:docChgLst>
     <pc:chgData name="Sandra Marcela Diaz Cordero" userId="S::smdiazc@eafit.edu.co::75d8c3d6-ed6c-4721-a95e-02435709600f" providerId="AD" clId="Web-{5ACB4DBB-7A05-469B-8ADA-734944B11346}"/>
     <pc:docChg chg="addSld delSld modSld sldOrd">
@@ -855,205 +1023,2207 @@
     </pc:docChg>
   </pc:docChgLst>
   <pc:docChgLst>
-    <pc:chgData name="Cristian Castro Arias" userId="S::ccastroa@eafit.edu.co::be24d1df-70db-473d-97ae-2a9982a38bd8" providerId="AD" clId="Web-{34635944-ABBD-47B7-7AEA-32DEB677FEA5}"/>
-    <pc:docChg chg="addSld delSld modSld sldOrd">
-      <pc:chgData name="Cristian Castro Arias" userId="S::ccastroa@eafit.edu.co::be24d1df-70db-473d-97ae-2a9982a38bd8" providerId="AD" clId="Web-{34635944-ABBD-47B7-7AEA-32DEB677FEA5}" dt="2022-12-09T03:22:47.003" v="29"/>
+    <pc:chgData name="Simón Madrid Álvarez" userId="S::smadrida@eafit.edu.co::6f4efad3-e448-495f-90da-29be945a5783" providerId="AD" clId="Web-{29E25A0E-6CA4-E92C-1F16-72D477401A61}"/>
+    <pc:docChg chg="addSld modSld">
+      <pc:chgData name="Simón Madrid Álvarez" userId="S::smadrida@eafit.edu.co::6f4efad3-e448-495f-90da-29be945a5783" providerId="AD" clId="Web-{29E25A0E-6CA4-E92C-1F16-72D477401A61}" dt="2022-12-09T19:25:50.967" v="98" actId="1076"/>
       <pc:docMkLst>
         <pc:docMk/>
       </pc:docMkLst>
-      <pc:sldChg chg="del">
-        <pc:chgData name="Cristian Castro Arias" userId="S::ccastroa@eafit.edu.co::be24d1df-70db-473d-97ae-2a9982a38bd8" providerId="AD" clId="Web-{34635944-ABBD-47B7-7AEA-32DEB677FEA5}" dt="2022-12-09T03:22:47.003" v="29"/>
+      <pc:sldChg chg="delSp modSp">
+        <pc:chgData name="Simón Madrid Álvarez" userId="S::smadrida@eafit.edu.co::6f4efad3-e448-495f-90da-29be945a5783" providerId="AD" clId="Web-{29E25A0E-6CA4-E92C-1F16-72D477401A61}" dt="2022-12-09T19:25:50.967" v="98" actId="1076"/>
+        <pc:sldMkLst>
+          <pc:docMk/>
+          <pc:sldMk cId="677003340" sldId="273"/>
+        </pc:sldMkLst>
+        <pc:spChg chg="mod">
+          <ac:chgData name="Simón Madrid Álvarez" userId="S::smadrida@eafit.edu.co::6f4efad3-e448-495f-90da-29be945a5783" providerId="AD" clId="Web-{29E25A0E-6CA4-E92C-1F16-72D477401A61}" dt="2022-12-09T19:25:50.967" v="98" actId="1076"/>
+          <ac:spMkLst>
+            <pc:docMk/>
+            <pc:sldMk cId="677003340" sldId="273"/>
+            <ac:spMk id="7" creationId="{86F75E8A-7FFA-BBA2-2A36-B2BEB1317CDE}"/>
+          </ac:spMkLst>
+        </pc:spChg>
+        <pc:spChg chg="mod">
+          <ac:chgData name="Simón Madrid Álvarez" userId="S::smadrida@eafit.edu.co::6f4efad3-e448-495f-90da-29be945a5783" providerId="AD" clId="Web-{29E25A0E-6CA4-E92C-1F16-72D477401A61}" dt="2022-12-09T19:25:39.873" v="96" actId="1076"/>
+          <ac:spMkLst>
+            <pc:docMk/>
+            <pc:sldMk cId="677003340" sldId="273"/>
+            <ac:spMk id="8" creationId="{6EDA4361-6A65-B4FA-44F4-55390252A1DA}"/>
+          </ac:spMkLst>
+        </pc:spChg>
+        <pc:spChg chg="del">
+          <ac:chgData name="Simón Madrid Álvarez" userId="S::smadrida@eafit.edu.co::6f4efad3-e448-495f-90da-29be945a5783" providerId="AD" clId="Web-{29E25A0E-6CA4-E92C-1F16-72D477401A61}" dt="2022-12-09T13:42:59.004" v="52"/>
+          <ac:spMkLst>
+            <pc:docMk/>
+            <pc:sldMk cId="677003340" sldId="273"/>
+            <ac:spMk id="10" creationId="{BF4547F6-AC69-B351-66F4-64BA0F2DA550}"/>
+          </ac:spMkLst>
+        </pc:spChg>
+        <pc:spChg chg="mod">
+          <ac:chgData name="Simón Madrid Álvarez" userId="S::smadrida@eafit.edu.co::6f4efad3-e448-495f-90da-29be945a5783" providerId="AD" clId="Web-{29E25A0E-6CA4-E92C-1F16-72D477401A61}" dt="2022-12-09T19:24:59.841" v="91" actId="1076"/>
+          <ac:spMkLst>
+            <pc:docMk/>
+            <pc:sldMk cId="677003340" sldId="273"/>
+            <ac:spMk id="11" creationId="{01374E51-6828-44B9-7546-7D6DD19748D1}"/>
+          </ac:spMkLst>
+        </pc:spChg>
+        <pc:picChg chg="mod">
+          <ac:chgData name="Simón Madrid Álvarez" userId="S::smadrida@eafit.edu.co::6f4efad3-e448-495f-90da-29be945a5783" providerId="AD" clId="Web-{29E25A0E-6CA4-E92C-1F16-72D477401A61}" dt="2022-12-09T19:25:35.779" v="95" actId="1076"/>
+          <ac:picMkLst>
+            <pc:docMk/>
+            <pc:sldMk cId="677003340" sldId="273"/>
+            <ac:picMk id="2" creationId="{CF61499F-A08D-1683-6627-0B78815C0888}"/>
+          </ac:picMkLst>
+        </pc:picChg>
+        <pc:picChg chg="mod">
+          <ac:chgData name="Simón Madrid Álvarez" userId="S::smadrida@eafit.edu.co::6f4efad3-e448-495f-90da-29be945a5783" providerId="AD" clId="Web-{29E25A0E-6CA4-E92C-1F16-72D477401A61}" dt="2022-12-09T19:25:45.420" v="97" actId="1076"/>
+          <ac:picMkLst>
+            <pc:docMk/>
+            <pc:sldMk cId="677003340" sldId="273"/>
+            <ac:picMk id="5" creationId="{E85B8B06-2F67-76A3-295E-5CAFE3F4936E}"/>
+          </ac:picMkLst>
+        </pc:picChg>
+      </pc:sldChg>
+      <pc:sldChg chg="addSp delSp modSp add replId">
+        <pc:chgData name="Simón Madrid Álvarez" userId="S::smadrida@eafit.edu.co::6f4efad3-e448-495f-90da-29be945a5783" providerId="AD" clId="Web-{29E25A0E-6CA4-E92C-1F16-72D477401A61}" dt="2022-12-09T15:04:03.931" v="90" actId="14100"/>
+        <pc:sldMkLst>
+          <pc:docMk/>
+          <pc:sldMk cId="3704163924" sldId="287"/>
+        </pc:sldMkLst>
+        <pc:spChg chg="mod">
+          <ac:chgData name="Simón Madrid Álvarez" userId="S::smadrida@eafit.edu.co::6f4efad3-e448-495f-90da-29be945a5783" providerId="AD" clId="Web-{29E25A0E-6CA4-E92C-1F16-72D477401A61}" dt="2022-12-09T15:02:30.508" v="69" actId="20577"/>
+          <ac:spMkLst>
+            <pc:docMk/>
+            <pc:sldMk cId="3704163924" sldId="287"/>
+            <ac:spMk id="3" creationId="{5C6020AF-2FE9-6888-6434-3730057057AC}"/>
+          </ac:spMkLst>
+        </pc:spChg>
+        <pc:spChg chg="del mod">
+          <ac:chgData name="Simón Madrid Álvarez" userId="S::smadrida@eafit.edu.co::6f4efad3-e448-495f-90da-29be945a5783" providerId="AD" clId="Web-{29E25A0E-6CA4-E92C-1F16-72D477401A61}" dt="2022-12-09T15:02:49.414" v="80"/>
+          <ac:spMkLst>
+            <pc:docMk/>
+            <pc:sldMk cId="3704163924" sldId="287"/>
+            <ac:spMk id="7" creationId="{18AA061B-5A98-EAFA-F368-7797A435306D}"/>
+          </ac:spMkLst>
+        </pc:spChg>
+        <pc:spChg chg="del mod">
+          <ac:chgData name="Simón Madrid Álvarez" userId="S::smadrida@eafit.edu.co::6f4efad3-e448-495f-90da-29be945a5783" providerId="AD" clId="Web-{29E25A0E-6CA4-E92C-1F16-72D477401A61}" dt="2022-12-09T15:02:42.524" v="75"/>
+          <ac:spMkLst>
+            <pc:docMk/>
+            <pc:sldMk cId="3704163924" sldId="287"/>
+            <ac:spMk id="11" creationId="{01374E51-6828-44B9-7546-7D6DD19748D1}"/>
+          </ac:spMkLst>
+        </pc:spChg>
+        <pc:spChg chg="del mod">
+          <ac:chgData name="Simón Madrid Álvarez" userId="S::smadrida@eafit.edu.co::6f4efad3-e448-495f-90da-29be945a5783" providerId="AD" clId="Web-{29E25A0E-6CA4-E92C-1F16-72D477401A61}" dt="2022-12-09T15:02:46.696" v="78"/>
+          <ac:spMkLst>
+            <pc:docMk/>
+            <pc:sldMk cId="3704163924" sldId="287"/>
+            <ac:spMk id="13" creationId="{B4AA2761-4FA0-0CF2-C32B-D0D731708A46}"/>
+          </ac:spMkLst>
+        </pc:spChg>
+        <pc:graphicFrameChg chg="del mod modGraphic">
+          <ac:chgData name="Simón Madrid Álvarez" userId="S::smadrida@eafit.edu.co::6f4efad3-e448-495f-90da-29be945a5783" providerId="AD" clId="Web-{29E25A0E-6CA4-E92C-1F16-72D477401A61}" dt="2022-12-09T15:02:39.930" v="74"/>
+          <ac:graphicFrameMkLst>
+            <pc:docMk/>
+            <pc:sldMk cId="3704163924" sldId="287"/>
+            <ac:graphicFrameMk id="2" creationId="{0828EE45-F3BF-2BD0-5D4E-A032118F7FDE}"/>
+          </ac:graphicFrameMkLst>
+        </pc:graphicFrameChg>
+        <pc:picChg chg="mod">
+          <ac:chgData name="Simón Madrid Álvarez" userId="S::smadrida@eafit.edu.co::6f4efad3-e448-495f-90da-29be945a5783" providerId="AD" clId="Web-{29E25A0E-6CA4-E92C-1F16-72D477401A61}" dt="2022-12-09T15:03:59.822" v="89" actId="1076"/>
+          <ac:picMkLst>
+            <pc:docMk/>
+            <pc:sldMk cId="3704163924" sldId="287"/>
+            <ac:picMk id="4" creationId="{634C13E9-8655-5DB1-D2E2-E6F70FC16D7E}"/>
+          </ac:picMkLst>
+        </pc:picChg>
+        <pc:picChg chg="add mod">
+          <ac:chgData name="Simón Madrid Álvarez" userId="S::smadrida@eafit.edu.co::6f4efad3-e448-495f-90da-29be945a5783" providerId="AD" clId="Web-{29E25A0E-6CA4-E92C-1F16-72D477401A61}" dt="2022-12-09T15:04:03.931" v="90" actId="14100"/>
+          <ac:picMkLst>
+            <pc:docMk/>
+            <pc:sldMk cId="3704163924" sldId="287"/>
+            <ac:picMk id="5" creationId="{5B97CFB5-F003-6324-AC70-D049445A7B49}"/>
+          </ac:picMkLst>
+        </pc:picChg>
+        <pc:picChg chg="del">
+          <ac:chgData name="Simón Madrid Álvarez" userId="S::smadrida@eafit.edu.co::6f4efad3-e448-495f-90da-29be945a5783" providerId="AD" clId="Web-{29E25A0E-6CA4-E92C-1F16-72D477401A61}" dt="2022-12-09T15:02:31.602" v="70"/>
+          <ac:picMkLst>
+            <pc:docMk/>
+            <pc:sldMk cId="3704163924" sldId="287"/>
+            <ac:picMk id="6" creationId="{07EF319B-7DCC-A0E4-9558-14EC5B0FA8B8}"/>
+          </ac:picMkLst>
+        </pc:picChg>
+      </pc:sldChg>
+    </pc:docChg>
+  </pc:docChgLst>
+  <pc:docChgLst>
+    <pc:chgData name="Cristian Castro Arias" userId="S::ccastroa@eafit.edu.co::be24d1df-70db-473d-97ae-2a9982a38bd8" providerId="AD" clId="Web-{4D5ED21D-EBB3-FB8D-214B-95E6200276A9}"/>
+    <pc:docChg chg="addSld modSld">
+      <pc:chgData name="Cristian Castro Arias" userId="S::ccastroa@eafit.edu.co::be24d1df-70db-473d-97ae-2a9982a38bd8" providerId="AD" clId="Web-{4D5ED21D-EBB3-FB8D-214B-95E6200276A9}" dt="2022-12-07T17:35:49.560" v="12"/>
+      <pc:docMkLst>
+        <pc:docMk/>
+      </pc:docMkLst>
+      <pc:sldChg chg="addSp modSp">
+        <pc:chgData name="Cristian Castro Arias" userId="S::ccastroa@eafit.edu.co::be24d1df-70db-473d-97ae-2a9982a38bd8" providerId="AD" clId="Web-{4D5ED21D-EBB3-FB8D-214B-95E6200276A9}" dt="2022-12-07T17:31:30.134" v="6" actId="1076"/>
+        <pc:sldMkLst>
+          <pc:docMk/>
+          <pc:sldMk cId="3206464282" sldId="260"/>
+        </pc:sldMkLst>
+        <pc:spChg chg="mod">
+          <ac:chgData name="Cristian Castro Arias" userId="S::ccastroa@eafit.edu.co::be24d1df-70db-473d-97ae-2a9982a38bd8" providerId="AD" clId="Web-{4D5ED21D-EBB3-FB8D-214B-95E6200276A9}" dt="2022-12-07T17:31:29.009" v="5" actId="1076"/>
+          <ac:spMkLst>
+            <pc:docMk/>
+            <pc:sldMk cId="3206464282" sldId="260"/>
+            <ac:spMk id="10" creationId="{2FBE0690-72E2-3C2C-22E6-16DA68564B3D}"/>
+          </ac:spMkLst>
+        </pc:spChg>
+        <pc:picChg chg="add mod">
+          <ac:chgData name="Cristian Castro Arias" userId="S::ccastroa@eafit.edu.co::be24d1df-70db-473d-97ae-2a9982a38bd8" providerId="AD" clId="Web-{4D5ED21D-EBB3-FB8D-214B-95E6200276A9}" dt="2022-12-07T17:31:30.134" v="6" actId="1076"/>
+          <ac:picMkLst>
+            <pc:docMk/>
+            <pc:sldMk cId="3206464282" sldId="260"/>
+            <ac:picMk id="2" creationId="{39F55272-7092-3DFD-5D9F-226EC23BA3A1}"/>
+          </ac:picMkLst>
+        </pc:picChg>
+      </pc:sldChg>
+      <pc:sldChg chg="delSp modSp">
+        <pc:chgData name="Cristian Castro Arias" userId="S::ccastroa@eafit.edu.co::be24d1df-70db-473d-97ae-2a9982a38bd8" providerId="AD" clId="Web-{4D5ED21D-EBB3-FB8D-214B-95E6200276A9}" dt="2022-12-07T17:32:29.604" v="9"/>
+        <pc:sldMkLst>
+          <pc:docMk/>
+          <pc:sldMk cId="218370719" sldId="261"/>
+        </pc:sldMkLst>
+        <pc:spChg chg="mod">
+          <ac:chgData name="Cristian Castro Arias" userId="S::ccastroa@eafit.edu.co::be24d1df-70db-473d-97ae-2a9982a38bd8" providerId="AD" clId="Web-{4D5ED21D-EBB3-FB8D-214B-95E6200276A9}" dt="2022-12-07T17:32:29.557" v="8" actId="20577"/>
+          <ac:spMkLst>
+            <pc:docMk/>
+            <pc:sldMk cId="218370719" sldId="261"/>
+            <ac:spMk id="8" creationId="{6C84337B-8CF9-736F-3295-9E1D6FA97EC1}"/>
+          </ac:spMkLst>
+        </pc:spChg>
+        <pc:spChg chg="del">
+          <ac:chgData name="Cristian Castro Arias" userId="S::ccastroa@eafit.edu.co::be24d1df-70db-473d-97ae-2a9982a38bd8" providerId="AD" clId="Web-{4D5ED21D-EBB3-FB8D-214B-95E6200276A9}" dt="2022-12-07T17:32:29.604" v="9"/>
+          <ac:spMkLst>
+            <pc:docMk/>
+            <pc:sldMk cId="218370719" sldId="261"/>
+            <ac:spMk id="10" creationId="{2FBE0690-72E2-3C2C-22E6-16DA68564B3D}"/>
+          </ac:spMkLst>
+        </pc:spChg>
+      </pc:sldChg>
+      <pc:sldChg chg="modSp add replId">
+        <pc:chgData name="Cristian Castro Arias" userId="S::ccastroa@eafit.edu.co::be24d1df-70db-473d-97ae-2a9982a38bd8" providerId="AD" clId="Web-{4D5ED21D-EBB3-FB8D-214B-95E6200276A9}" dt="2022-12-07T17:35:36.029" v="11" actId="20577"/>
+        <pc:sldMkLst>
+          <pc:docMk/>
+          <pc:sldMk cId="1931765798" sldId="262"/>
+        </pc:sldMkLst>
+        <pc:spChg chg="mod">
+          <ac:chgData name="Cristian Castro Arias" userId="S::ccastroa@eafit.edu.co::be24d1df-70db-473d-97ae-2a9982a38bd8" providerId="AD" clId="Web-{4D5ED21D-EBB3-FB8D-214B-95E6200276A9}" dt="2022-12-07T17:35:36.029" v="11" actId="20577"/>
+          <ac:spMkLst>
+            <pc:docMk/>
+            <pc:sldMk cId="1931765798" sldId="262"/>
+            <ac:spMk id="8" creationId="{6C84337B-8CF9-736F-3295-9E1D6FA97EC1}"/>
+          </ac:spMkLst>
+        </pc:spChg>
+      </pc:sldChg>
+      <pc:sldChg chg="add replId">
+        <pc:chgData name="Cristian Castro Arias" userId="S::ccastroa@eafit.edu.co::be24d1df-70db-473d-97ae-2a9982a38bd8" providerId="AD" clId="Web-{4D5ED21D-EBB3-FB8D-214B-95E6200276A9}" dt="2022-12-07T17:35:49.560" v="12"/>
+        <pc:sldMkLst>
+          <pc:docMk/>
+          <pc:sldMk cId="4055847151" sldId="263"/>
+        </pc:sldMkLst>
+      </pc:sldChg>
+    </pc:docChg>
+  </pc:docChgLst>
+  <pc:docChgLst>
+    <pc:chgData name="Javier Patiño Serna" userId="S::jpatinos@eafit.edu.co::73276bcd-7ebe-4288-a77b-14e1e6e5189b" providerId="AD" clId="Web-{3930076D-D2EA-AEB3-B6FE-3505350EFB23}"/>
+    <pc:docChg chg="addSld modSld">
+      <pc:chgData name="Javier Patiño Serna" userId="S::jpatinos@eafit.edu.co::73276bcd-7ebe-4288-a77b-14e1e6e5189b" providerId="AD" clId="Web-{3930076D-D2EA-AEB3-B6FE-3505350EFB23}" dt="2022-12-08T19:37:19.202" v="55" actId="20577"/>
+      <pc:docMkLst>
+        <pc:docMk/>
+      </pc:docMkLst>
+      <pc:sldChg chg="modSp">
+        <pc:chgData name="Javier Patiño Serna" userId="S::jpatinos@eafit.edu.co::73276bcd-7ebe-4288-a77b-14e1e6e5189b" providerId="AD" clId="Web-{3930076D-D2EA-AEB3-B6FE-3505350EFB23}" dt="2022-12-08T19:32:44.897" v="15" actId="1076"/>
+        <pc:sldMkLst>
+          <pc:docMk/>
+          <pc:sldMk cId="677003340" sldId="273"/>
+        </pc:sldMkLst>
+        <pc:spChg chg="mod">
+          <ac:chgData name="Javier Patiño Serna" userId="S::jpatinos@eafit.edu.co::73276bcd-7ebe-4288-a77b-14e1e6e5189b" providerId="AD" clId="Web-{3930076D-D2EA-AEB3-B6FE-3505350EFB23}" dt="2022-12-08T19:32:44.897" v="14" actId="1076"/>
+          <ac:spMkLst>
+            <pc:docMk/>
+            <pc:sldMk cId="677003340" sldId="273"/>
+            <ac:spMk id="7" creationId="{86F75E8A-7FFA-BBA2-2A36-B2BEB1317CDE}"/>
+          </ac:spMkLst>
+        </pc:spChg>
+        <pc:spChg chg="mod">
+          <ac:chgData name="Javier Patiño Serna" userId="S::jpatinos@eafit.edu.co::73276bcd-7ebe-4288-a77b-14e1e6e5189b" providerId="AD" clId="Web-{3930076D-D2EA-AEB3-B6FE-3505350EFB23}" dt="2022-12-08T19:32:44.897" v="15" actId="1076"/>
+          <ac:spMkLst>
+            <pc:docMk/>
+            <pc:sldMk cId="677003340" sldId="273"/>
+            <ac:spMk id="8" creationId="{6EDA4361-6A65-B4FA-44F4-55390252A1DA}"/>
+          </ac:spMkLst>
+        </pc:spChg>
+        <pc:picChg chg="mod">
+          <ac:chgData name="Javier Patiño Serna" userId="S::jpatinos@eafit.edu.co::73276bcd-7ebe-4288-a77b-14e1e6e5189b" providerId="AD" clId="Web-{3930076D-D2EA-AEB3-B6FE-3505350EFB23}" dt="2022-12-08T19:32:44.866" v="12" actId="1076"/>
+          <ac:picMkLst>
+            <pc:docMk/>
+            <pc:sldMk cId="677003340" sldId="273"/>
+            <ac:picMk id="2" creationId="{CF61499F-A08D-1683-6627-0B78815C0888}"/>
+          </ac:picMkLst>
+        </pc:picChg>
+        <pc:picChg chg="mod">
+          <ac:chgData name="Javier Patiño Serna" userId="S::jpatinos@eafit.edu.co::73276bcd-7ebe-4288-a77b-14e1e6e5189b" providerId="AD" clId="Web-{3930076D-D2EA-AEB3-B6FE-3505350EFB23}" dt="2022-12-08T19:32:44.897" v="13" actId="1076"/>
+          <ac:picMkLst>
+            <pc:docMk/>
+            <pc:sldMk cId="677003340" sldId="273"/>
+            <ac:picMk id="5" creationId="{E85B8B06-2F67-76A3-295E-5CAFE3F4936E}"/>
+          </ac:picMkLst>
+        </pc:picChg>
+      </pc:sldChg>
+      <pc:sldChg chg="addSp delSp modSp add replId">
+        <pc:chgData name="Javier Patiño Serna" userId="S::jpatinos@eafit.edu.co::73276bcd-7ebe-4288-a77b-14e1e6e5189b" providerId="AD" clId="Web-{3930076D-D2EA-AEB3-B6FE-3505350EFB23}" dt="2022-12-08T19:37:19.202" v="55" actId="20577"/>
+        <pc:sldMkLst>
+          <pc:docMk/>
+          <pc:sldMk cId="1282824657" sldId="282"/>
+        </pc:sldMkLst>
+        <pc:spChg chg="del">
+          <ac:chgData name="Javier Patiño Serna" userId="S::jpatinos@eafit.edu.co::73276bcd-7ebe-4288-a77b-14e1e6e5189b" providerId="AD" clId="Web-{3930076D-D2EA-AEB3-B6FE-3505350EFB23}" dt="2022-12-08T19:32:15.459" v="2"/>
+          <ac:spMkLst>
+            <pc:docMk/>
+            <pc:sldMk cId="1282824657" sldId="282"/>
+            <ac:spMk id="7" creationId="{86F75E8A-7FFA-BBA2-2A36-B2BEB1317CDE}"/>
+          </ac:spMkLst>
+        </pc:spChg>
+        <pc:spChg chg="del">
+          <ac:chgData name="Javier Patiño Serna" userId="S::jpatinos@eafit.edu.co::73276bcd-7ebe-4288-a77b-14e1e6e5189b" providerId="AD" clId="Web-{3930076D-D2EA-AEB3-B6FE-3505350EFB23}" dt="2022-12-08T19:32:15.459" v="1"/>
+          <ac:spMkLst>
+            <pc:docMk/>
+            <pc:sldMk cId="1282824657" sldId="282"/>
+            <ac:spMk id="8" creationId="{6EDA4361-6A65-B4FA-44F4-55390252A1DA}"/>
+          </ac:spMkLst>
+        </pc:spChg>
+        <pc:spChg chg="add mod">
+          <ac:chgData name="Javier Patiño Serna" userId="S::jpatinos@eafit.edu.co::73276bcd-7ebe-4288-a77b-14e1e6e5189b" providerId="AD" clId="Web-{3930076D-D2EA-AEB3-B6FE-3505350EFB23}" dt="2022-12-08T19:37:19.202" v="55" actId="20577"/>
+          <ac:spMkLst>
+            <pc:docMk/>
+            <pc:sldMk cId="1282824657" sldId="282"/>
+            <ac:spMk id="13" creationId="{B4AA2761-4FA0-0CF2-C32B-D0D731708A46}"/>
+          </ac:spMkLst>
+        </pc:spChg>
+        <pc:picChg chg="del">
+          <ac:chgData name="Javier Patiño Serna" userId="S::jpatinos@eafit.edu.co::73276bcd-7ebe-4288-a77b-14e1e6e5189b" providerId="AD" clId="Web-{3930076D-D2EA-AEB3-B6FE-3505350EFB23}" dt="2022-12-08T19:32:15.459" v="4"/>
+          <ac:picMkLst>
+            <pc:docMk/>
+            <pc:sldMk cId="1282824657" sldId="282"/>
+            <ac:picMk id="2" creationId="{CF61499F-A08D-1683-6627-0B78815C0888}"/>
+          </ac:picMkLst>
+        </pc:picChg>
+        <pc:picChg chg="del">
+          <ac:chgData name="Javier Patiño Serna" userId="S::jpatinos@eafit.edu.co::73276bcd-7ebe-4288-a77b-14e1e6e5189b" providerId="AD" clId="Web-{3930076D-D2EA-AEB3-B6FE-3505350EFB23}" dt="2022-12-08T19:32:15.459" v="3"/>
+          <ac:picMkLst>
+            <pc:docMk/>
+            <pc:sldMk cId="1282824657" sldId="282"/>
+            <ac:picMk id="5" creationId="{E85B8B06-2F67-76A3-295E-5CAFE3F4936E}"/>
+          </ac:picMkLst>
+        </pc:picChg>
+        <pc:picChg chg="add mod">
+          <ac:chgData name="Javier Patiño Serna" userId="S::jpatinos@eafit.edu.co::73276bcd-7ebe-4288-a77b-14e1e6e5189b" providerId="AD" clId="Web-{3930076D-D2EA-AEB3-B6FE-3505350EFB23}" dt="2022-12-08T19:36:54.155" v="16" actId="1076"/>
+          <ac:picMkLst>
+            <pc:docMk/>
+            <pc:sldMk cId="1282824657" sldId="282"/>
+            <ac:picMk id="6" creationId="{07EF319B-7DCC-A0E4-9558-14EC5B0FA8B8}"/>
+          </ac:picMkLst>
+        </pc:picChg>
+      </pc:sldChg>
+    </pc:docChg>
+  </pc:docChgLst>
+  <pc:docChgLst>
+    <pc:chgData name="Cristian Castro Arias" userId="S::ccastroa@eafit.edu.co::be24d1df-70db-473d-97ae-2a9982a38bd8" providerId="AD" clId="Web-{74F4D478-6F6D-572D-C3F5-F8CC18FB4718}"/>
+    <pc:docChg chg="addSld modSld sldOrd">
+      <pc:chgData name="Cristian Castro Arias" userId="S::ccastroa@eafit.edu.co::be24d1df-70db-473d-97ae-2a9982a38bd8" providerId="AD" clId="Web-{74F4D478-6F6D-572D-C3F5-F8CC18FB4718}" dt="2022-12-09T03:14:17.094" v="31"/>
+      <pc:docMkLst>
+        <pc:docMk/>
+      </pc:docMkLst>
+      <pc:sldChg chg="addSp delSp modSp">
+        <pc:chgData name="Cristian Castro Arias" userId="S::ccastroa@eafit.edu.co::be24d1df-70db-473d-97ae-2a9982a38bd8" providerId="AD" clId="Web-{74F4D478-6F6D-572D-C3F5-F8CC18FB4718}" dt="2022-12-09T03:14:17.094" v="31"/>
+        <pc:sldMkLst>
+          <pc:docMk/>
+          <pc:sldMk cId="4009866458" sldId="268"/>
+        </pc:sldMkLst>
+        <pc:spChg chg="mod">
+          <ac:chgData name="Cristian Castro Arias" userId="S::ccastroa@eafit.edu.co::be24d1df-70db-473d-97ae-2a9982a38bd8" providerId="AD" clId="Web-{74F4D478-6F6D-572D-C3F5-F8CC18FB4718}" dt="2022-12-09T03:13:53.500" v="26" actId="1076"/>
+          <ac:spMkLst>
+            <pc:docMk/>
+            <pc:sldMk cId="4009866458" sldId="268"/>
+            <ac:spMk id="3" creationId="{ADAAD70B-23D3-328D-F1F9-1C5B17B16F6E}"/>
+          </ac:spMkLst>
+        </pc:spChg>
+        <pc:picChg chg="add del mod">
+          <ac:chgData name="Cristian Castro Arias" userId="S::ccastroa@eafit.edu.co::be24d1df-70db-473d-97ae-2a9982a38bd8" providerId="AD" clId="Web-{74F4D478-6F6D-572D-C3F5-F8CC18FB4718}" dt="2022-12-09T03:14:17.094" v="31"/>
+          <ac:picMkLst>
+            <pc:docMk/>
+            <pc:sldMk cId="4009866458" sldId="268"/>
+            <ac:picMk id="2" creationId="{E51D8086-8CF2-DFEB-94D1-7B674B240F55}"/>
+          </ac:picMkLst>
+        </pc:picChg>
+        <pc:picChg chg="del">
+          <ac:chgData name="Cristian Castro Arias" userId="S::ccastroa@eafit.edu.co::be24d1df-70db-473d-97ae-2a9982a38bd8" providerId="AD" clId="Web-{74F4D478-6F6D-572D-C3F5-F8CC18FB4718}" dt="2022-12-09T03:14:04.328" v="28"/>
+          <ac:picMkLst>
+            <pc:docMk/>
+            <pc:sldMk cId="4009866458" sldId="268"/>
+            <ac:picMk id="8" creationId="{1AB0DA02-2E01-2D7B-774D-60EC0C001773}"/>
+          </ac:picMkLst>
+        </pc:picChg>
+      </pc:sldChg>
+      <pc:sldChg chg="delSp modSp">
+        <pc:chgData name="Cristian Castro Arias" userId="S::ccastroa@eafit.edu.co::be24d1df-70db-473d-97ae-2a9982a38bd8" providerId="AD" clId="Web-{74F4D478-6F6D-572D-C3F5-F8CC18FB4718}" dt="2022-12-09T03:14:09.500" v="29"/>
+        <pc:sldMkLst>
+          <pc:docMk/>
+          <pc:sldMk cId="3362010317" sldId="281"/>
+        </pc:sldMkLst>
+        <pc:picChg chg="del mod">
+          <ac:chgData name="Cristian Castro Arias" userId="S::ccastroa@eafit.edu.co::be24d1df-70db-473d-97ae-2a9982a38bd8" providerId="AD" clId="Web-{74F4D478-6F6D-572D-C3F5-F8CC18FB4718}" dt="2022-12-09T03:14:09.500" v="29"/>
+          <ac:picMkLst>
+            <pc:docMk/>
+            <pc:sldMk cId="3362010317" sldId="281"/>
+            <ac:picMk id="2" creationId="{67BEC276-8AA6-273B-C135-3A6E3FE0ECDC}"/>
+          </ac:picMkLst>
+        </pc:picChg>
+      </pc:sldChg>
+      <pc:sldChg chg="addSp delSp modSp add ord replId delAnim">
+        <pc:chgData name="Cristian Castro Arias" userId="S::ccastroa@eafit.edu.co::be24d1df-70db-473d-97ae-2a9982a38bd8" providerId="AD" clId="Web-{74F4D478-6F6D-572D-C3F5-F8CC18FB4718}" dt="2022-12-09T03:13:56.891" v="27" actId="20577"/>
+        <pc:sldMkLst>
+          <pc:docMk/>
+          <pc:sldMk cId="3234692788" sldId="283"/>
+        </pc:sldMkLst>
+        <pc:spChg chg="del">
+          <ac:chgData name="Cristian Castro Arias" userId="S::ccastroa@eafit.edu.co::be24d1df-70db-473d-97ae-2a9982a38bd8" providerId="AD" clId="Web-{74F4D478-6F6D-572D-C3F5-F8CC18FB4718}" dt="2022-12-09T03:12:27.887" v="10"/>
+          <ac:spMkLst>
+            <pc:docMk/>
+            <pc:sldMk cId="3234692788" sldId="283"/>
+            <ac:spMk id="7" creationId="{76029143-B6D8-71F1-4039-88EA4F457958}"/>
+          </ac:spMkLst>
+        </pc:spChg>
+        <pc:spChg chg="mod">
+          <ac:chgData name="Cristian Castro Arias" userId="S::ccastroa@eafit.edu.co::be24d1df-70db-473d-97ae-2a9982a38bd8" providerId="AD" clId="Web-{74F4D478-6F6D-572D-C3F5-F8CC18FB4718}" dt="2022-12-09T03:13:56.891" v="27" actId="20577"/>
+          <ac:spMkLst>
+            <pc:docMk/>
+            <pc:sldMk cId="3234692788" sldId="283"/>
+            <ac:spMk id="8" creationId="{6C84337B-8CF9-736F-3295-9E1D6FA97EC1}"/>
+          </ac:spMkLst>
+        </pc:spChg>
+        <pc:spChg chg="del">
+          <ac:chgData name="Cristian Castro Arias" userId="S::ccastroa@eafit.edu.co::be24d1df-70db-473d-97ae-2a9982a38bd8" providerId="AD" clId="Web-{74F4D478-6F6D-572D-C3F5-F8CC18FB4718}" dt="2022-12-09T03:12:26.200" v="9"/>
+          <ac:spMkLst>
+            <pc:docMk/>
+            <pc:sldMk cId="3234692788" sldId="283"/>
+            <ac:spMk id="9" creationId="{8E6F0CB1-6203-C390-182D-0534E5DF6AF2}"/>
+          </ac:spMkLst>
+        </pc:spChg>
+        <pc:spChg chg="del mod">
+          <ac:chgData name="Cristian Castro Arias" userId="S::ccastroa@eafit.edu.co::be24d1df-70db-473d-97ae-2a9982a38bd8" providerId="AD" clId="Web-{74F4D478-6F6D-572D-C3F5-F8CC18FB4718}" dt="2022-12-09T03:12:32.872" v="13"/>
+          <ac:spMkLst>
+            <pc:docMk/>
+            <pc:sldMk cId="3234692788" sldId="283"/>
+            <ac:spMk id="10" creationId="{688B7398-390A-6E4A-A219-29A4C288E5B7}"/>
+          </ac:spMkLst>
+        </pc:spChg>
+        <pc:spChg chg="del">
+          <ac:chgData name="Cristian Castro Arias" userId="S::ccastroa@eafit.edu.co::be24d1df-70db-473d-97ae-2a9982a38bd8" providerId="AD" clId="Web-{74F4D478-6F6D-572D-C3F5-F8CC18FB4718}" dt="2022-12-09T03:12:30.591" v="11"/>
+          <ac:spMkLst>
+            <pc:docMk/>
+            <pc:sldMk cId="3234692788" sldId="283"/>
+            <ac:spMk id="11" creationId="{1D028F0B-7532-AEF7-DABE-82EA6278F683}"/>
+          </ac:spMkLst>
+        </pc:spChg>
+        <pc:picChg chg="add mod">
+          <ac:chgData name="Cristian Castro Arias" userId="S::ccastroa@eafit.edu.co::be24d1df-70db-473d-97ae-2a9982a38bd8" providerId="AD" clId="Web-{74F4D478-6F6D-572D-C3F5-F8CC18FB4718}" dt="2022-12-09T03:12:47.122" v="15" actId="1076"/>
+          <ac:picMkLst>
+            <pc:docMk/>
+            <pc:sldMk cId="3234692788" sldId="283"/>
+            <ac:picMk id="3" creationId="{2F8019D9-FA46-D85F-1348-4A58A9B8FBD2}"/>
+          </ac:picMkLst>
+        </pc:picChg>
+      </pc:sldChg>
+    </pc:docChg>
+  </pc:docChgLst>
+  <pc:docChgLst>
+    <pc:chgData name="Cristian Castro Arias" userId="S::ccastroa@eafit.edu.co::be24d1df-70db-473d-97ae-2a9982a38bd8" providerId="AD" clId="Web-{800812D7-EA78-079E-F373-F500EF30C8D0}"/>
+    <pc:docChg chg="addSld modSld">
+      <pc:chgData name="Cristian Castro Arias" userId="S::ccastroa@eafit.edu.co::be24d1df-70db-473d-97ae-2a9982a38bd8" providerId="AD" clId="Web-{800812D7-EA78-079E-F373-F500EF30C8D0}" dt="2022-12-07T18:23:06.381" v="3"/>
+      <pc:docMkLst>
+        <pc:docMk/>
+      </pc:docMkLst>
+      <pc:sldChg chg="modSp">
+        <pc:chgData name="Cristian Castro Arias" userId="S::ccastroa@eafit.edu.co::be24d1df-70db-473d-97ae-2a9982a38bd8" providerId="AD" clId="Web-{800812D7-EA78-079E-F373-F500EF30C8D0}" dt="2022-12-07T18:20:59.502" v="1" actId="20577"/>
+        <pc:sldMkLst>
+          <pc:docMk/>
+          <pc:sldMk cId="4215523861" sldId="264"/>
+        </pc:sldMkLst>
+        <pc:spChg chg="mod">
+          <ac:chgData name="Cristian Castro Arias" userId="S::ccastroa@eafit.edu.co::be24d1df-70db-473d-97ae-2a9982a38bd8" providerId="AD" clId="Web-{800812D7-EA78-079E-F373-F500EF30C8D0}" dt="2022-12-07T18:20:59.502" v="1" actId="20577"/>
+          <ac:spMkLst>
+            <pc:docMk/>
+            <pc:sldMk cId="4215523861" sldId="264"/>
+            <ac:spMk id="8" creationId="{6C84337B-8CF9-736F-3295-9E1D6FA97EC1}"/>
+          </ac:spMkLst>
+        </pc:spChg>
+      </pc:sldChg>
+      <pc:sldChg chg="new">
+        <pc:chgData name="Cristian Castro Arias" userId="S::ccastroa@eafit.edu.co::be24d1df-70db-473d-97ae-2a9982a38bd8" providerId="AD" clId="Web-{800812D7-EA78-079E-F373-F500EF30C8D0}" dt="2022-12-07T18:23:06.287" v="2"/>
+        <pc:sldMkLst>
+          <pc:docMk/>
+          <pc:sldMk cId="837064794" sldId="265"/>
+        </pc:sldMkLst>
+      </pc:sldChg>
+      <pc:sldChg chg="add replId">
+        <pc:chgData name="Cristian Castro Arias" userId="S::ccastroa@eafit.edu.co::be24d1df-70db-473d-97ae-2a9982a38bd8" providerId="AD" clId="Web-{800812D7-EA78-079E-F373-F500EF30C8D0}" dt="2022-12-07T18:23:06.381" v="3"/>
+        <pc:sldMkLst>
+          <pc:docMk/>
+          <pc:sldMk cId="270035790" sldId="266"/>
+        </pc:sldMkLst>
+      </pc:sldChg>
+    </pc:docChg>
+  </pc:docChgLst>
+  <pc:docChgLst>
+    <pc:chgData name="Cristian Castro Arias" userId="S::ccastroa@eafit.edu.co::be24d1df-70db-473d-97ae-2a9982a38bd8" providerId="AD" clId="Web-{16248086-5C13-BB9C-0BD6-746894047EBA}"/>
+    <pc:docChg chg="addSld delSld modSld addMainMaster delMainMaster">
+      <pc:chgData name="Cristian Castro Arias" userId="S::ccastroa@eafit.edu.co::be24d1df-70db-473d-97ae-2a9982a38bd8" providerId="AD" clId="Web-{16248086-5C13-BB9C-0BD6-746894047EBA}" dt="2022-12-06T23:33:55.654" v="372" actId="14100"/>
+      <pc:docMkLst>
+        <pc:docMk/>
+      </pc:docMkLst>
+      <pc:sldChg chg="addSp delSp modSp mod setBg modClrScheme addAnim chgLayout">
+        <pc:chgData name="Cristian Castro Arias" userId="S::ccastroa@eafit.edu.co::be24d1df-70db-473d-97ae-2a9982a38bd8" providerId="AD" clId="Web-{16248086-5C13-BB9C-0BD6-746894047EBA}" dt="2022-12-06T21:14:59.040" v="32" actId="1076"/>
+        <pc:sldMkLst>
+          <pc:docMk/>
+          <pc:sldMk cId="2406273178" sldId="256"/>
+        </pc:sldMkLst>
+        <pc:spChg chg="mod ord">
+          <ac:chgData name="Cristian Castro Arias" userId="S::ccastroa@eafit.edu.co::be24d1df-70db-473d-97ae-2a9982a38bd8" providerId="AD" clId="Web-{16248086-5C13-BB9C-0BD6-746894047EBA}" dt="2022-12-06T21:14:59.009" v="31" actId="1076"/>
+          <ac:spMkLst>
+            <pc:docMk/>
+            <pc:sldMk cId="2406273178" sldId="256"/>
+            <ac:spMk id="2" creationId="{00000000-0000-0000-0000-000000000000}"/>
+          </ac:spMkLst>
+        </pc:spChg>
+        <pc:spChg chg="del mod ord">
+          <ac:chgData name="Cristian Castro Arias" userId="S::ccastroa@eafit.edu.co::be24d1df-70db-473d-97ae-2a9982a38bd8" providerId="AD" clId="Web-{16248086-5C13-BB9C-0BD6-746894047EBA}" dt="2022-12-06T20:42:15.990" v="12"/>
+          <ac:spMkLst>
+            <pc:docMk/>
+            <pc:sldMk cId="2406273178" sldId="256"/>
+            <ac:spMk id="3" creationId="{00000000-0000-0000-0000-000000000000}"/>
+          </ac:spMkLst>
+        </pc:spChg>
+        <pc:spChg chg="add del">
+          <ac:chgData name="Cristian Castro Arias" userId="S::ccastroa@eafit.edu.co::be24d1df-70db-473d-97ae-2a9982a38bd8" providerId="AD" clId="Web-{16248086-5C13-BB9C-0BD6-746894047EBA}" dt="2022-12-06T20:41:21.301" v="9"/>
+          <ac:spMkLst>
+            <pc:docMk/>
+            <pc:sldMk cId="2406273178" sldId="256"/>
+            <ac:spMk id="9" creationId="{E91DC736-0EF8-4F87-9146-EBF1D2EE4D3D}"/>
+          </ac:spMkLst>
+        </pc:spChg>
+        <pc:spChg chg="add del">
+          <ac:chgData name="Cristian Castro Arias" userId="S::ccastroa@eafit.edu.co::be24d1df-70db-473d-97ae-2a9982a38bd8" providerId="AD" clId="Web-{16248086-5C13-BB9C-0BD6-746894047EBA}" dt="2022-12-06T20:41:21.301" v="9"/>
+          <ac:spMkLst>
+            <pc:docMk/>
+            <pc:sldMk cId="2406273178" sldId="256"/>
+            <ac:spMk id="11" creationId="{097CD68E-23E3-4007-8847-CD0944C4F7BE}"/>
+          </ac:spMkLst>
+        </pc:spChg>
+        <pc:spChg chg="add del">
+          <ac:chgData name="Cristian Castro Arias" userId="S::ccastroa@eafit.edu.co::be24d1df-70db-473d-97ae-2a9982a38bd8" providerId="AD" clId="Web-{16248086-5C13-BB9C-0BD6-746894047EBA}" dt="2022-12-06T20:41:21.301" v="9"/>
+          <ac:spMkLst>
+            <pc:docMk/>
+            <pc:sldMk cId="2406273178" sldId="256"/>
+            <ac:spMk id="13" creationId="{AF2F604E-43BE-4DC3-B983-E071523364F8}"/>
+          </ac:spMkLst>
+        </pc:spChg>
+        <pc:spChg chg="add del">
+          <ac:chgData name="Cristian Castro Arias" userId="S::ccastroa@eafit.edu.co::be24d1df-70db-473d-97ae-2a9982a38bd8" providerId="AD" clId="Web-{16248086-5C13-BB9C-0BD6-746894047EBA}" dt="2022-12-06T20:41:21.301" v="9"/>
+          <ac:spMkLst>
+            <pc:docMk/>
+            <pc:sldMk cId="2406273178" sldId="256"/>
+            <ac:spMk id="15" creationId="{08C9B587-E65E-4B52-B37C-ABEBB6E87928}"/>
+          </ac:spMkLst>
+        </pc:spChg>
+        <pc:spChg chg="add del">
+          <ac:chgData name="Cristian Castro Arias" userId="S::ccastroa@eafit.edu.co::be24d1df-70db-473d-97ae-2a9982a38bd8" providerId="AD" clId="Web-{16248086-5C13-BB9C-0BD6-746894047EBA}" dt="2022-12-06T20:42:15.990" v="12"/>
+          <ac:spMkLst>
+            <pc:docMk/>
+            <pc:sldMk cId="2406273178" sldId="256"/>
+            <ac:spMk id="20" creationId="{CAA37442-EAE9-6CFC-AC74-44222B37FA80}"/>
+          </ac:spMkLst>
+        </pc:spChg>
+        <pc:spChg chg="add del">
+          <ac:chgData name="Cristian Castro Arias" userId="S::ccastroa@eafit.edu.co::be24d1df-70db-473d-97ae-2a9982a38bd8" providerId="AD" clId="Web-{16248086-5C13-BB9C-0BD6-746894047EBA}" dt="2022-12-06T20:42:15.990" v="12"/>
+          <ac:spMkLst>
+            <pc:docMk/>
+            <pc:sldMk cId="2406273178" sldId="256"/>
+            <ac:spMk id="22" creationId="{54117A24-9D5E-A791-A2F4-8C81AC603C15}"/>
+          </ac:spMkLst>
+        </pc:spChg>
+        <pc:spChg chg="add mod">
+          <ac:chgData name="Cristian Castro Arias" userId="S::ccastroa@eafit.edu.co::be24d1df-70db-473d-97ae-2a9982a38bd8" providerId="AD" clId="Web-{16248086-5C13-BB9C-0BD6-746894047EBA}" dt="2022-12-06T21:14:59.040" v="32" actId="1076"/>
+          <ac:spMkLst>
+            <pc:docMk/>
+            <pc:sldMk cId="2406273178" sldId="256"/>
+            <ac:spMk id="27" creationId="{F8FE6C11-B56E-D593-91F8-4157FCB4AFD4}"/>
+          </ac:spMkLst>
+        </pc:spChg>
+        <pc:spChg chg="add">
+          <ac:chgData name="Cristian Castro Arias" userId="S::ccastroa@eafit.edu.co::be24d1df-70db-473d-97ae-2a9982a38bd8" providerId="AD" clId="Web-{16248086-5C13-BB9C-0BD6-746894047EBA}" dt="2022-12-06T20:42:15.990" v="12"/>
+          <ac:spMkLst>
+            <pc:docMk/>
+            <pc:sldMk cId="2406273178" sldId="256"/>
+            <ac:spMk id="29" creationId="{6D3A378B-30F2-677E-ADE3-D99793471434}"/>
+          </ac:spMkLst>
+        </pc:spChg>
+        <pc:spChg chg="add">
+          <ac:chgData name="Cristian Castro Arias" userId="S::ccastroa@eafit.edu.co::be24d1df-70db-473d-97ae-2a9982a38bd8" providerId="AD" clId="Web-{16248086-5C13-BB9C-0BD6-746894047EBA}" dt="2022-12-06T20:42:15.990" v="12"/>
+          <ac:spMkLst>
+            <pc:docMk/>
+            <pc:sldMk cId="2406273178" sldId="256"/>
+            <ac:spMk id="31" creationId="{9C23378E-16EF-7D77-ECA0-65A9A9CBCAEA}"/>
+          </ac:spMkLst>
+        </pc:spChg>
+        <pc:spChg chg="add">
+          <ac:chgData name="Cristian Castro Arias" userId="S::ccastroa@eafit.edu.co::be24d1df-70db-473d-97ae-2a9982a38bd8" providerId="AD" clId="Web-{16248086-5C13-BB9C-0BD6-746894047EBA}" dt="2022-12-06T20:42:15.990" v="12"/>
+          <ac:spMkLst>
+            <pc:docMk/>
+            <pc:sldMk cId="2406273178" sldId="256"/>
+            <ac:spMk id="33" creationId="{EE0CB3F7-D607-DD27-6318-D95A7FBB1439}"/>
+          </ac:spMkLst>
+        </pc:spChg>
+        <pc:picChg chg="add mod ord">
+          <ac:chgData name="Cristian Castro Arias" userId="S::ccastroa@eafit.edu.co::be24d1df-70db-473d-97ae-2a9982a38bd8" providerId="AD" clId="Web-{16248086-5C13-BB9C-0BD6-746894047EBA}" dt="2022-12-06T20:42:15.990" v="12"/>
+          <ac:picMkLst>
+            <pc:docMk/>
+            <pc:sldMk cId="2406273178" sldId="256"/>
+            <ac:picMk id="4" creationId="{6750F1B9-70A8-0EAF-765F-E0F3775C07C3}"/>
+          </ac:picMkLst>
+        </pc:picChg>
+      </pc:sldChg>
+      <pc:sldChg chg="addSp delSp modSp new mod modClrScheme chgLayout">
+        <pc:chgData name="Cristian Castro Arias" userId="S::ccastroa@eafit.edu.co::be24d1df-70db-473d-97ae-2a9982a38bd8" providerId="AD" clId="Web-{16248086-5C13-BB9C-0BD6-746894047EBA}" dt="2022-12-06T23:33:55.654" v="372" actId="14100"/>
+        <pc:sldMkLst>
+          <pc:docMk/>
+          <pc:sldMk cId="2427641800" sldId="257"/>
+        </pc:sldMkLst>
+        <pc:spChg chg="del">
+          <ac:chgData name="Cristian Castro Arias" userId="S::ccastroa@eafit.edu.co::be24d1df-70db-473d-97ae-2a9982a38bd8" providerId="AD" clId="Web-{16248086-5C13-BB9C-0BD6-746894047EBA}" dt="2022-12-06T20:56:25.090" v="16"/>
+          <ac:spMkLst>
+            <pc:docMk/>
+            <pc:sldMk cId="2427641800" sldId="257"/>
+            <ac:spMk id="2" creationId="{3CED8DB9-F28A-9BCD-D8BA-69043FB6D03C}"/>
+          </ac:spMkLst>
+        </pc:spChg>
+        <pc:spChg chg="add del mod">
+          <ac:chgData name="Cristian Castro Arias" userId="S::ccastroa@eafit.edu.co::be24d1df-70db-473d-97ae-2a9982a38bd8" providerId="AD" clId="Web-{16248086-5C13-BB9C-0BD6-746894047EBA}" dt="2022-12-06T22:46:55.256" v="36"/>
+          <ac:spMkLst>
+            <pc:docMk/>
+            <pc:sldMk cId="2427641800" sldId="257"/>
+            <ac:spMk id="2" creationId="{68659209-D1EB-F5C0-74CA-E68DF1CF4D48}"/>
+          </ac:spMkLst>
+        </pc:spChg>
+        <pc:spChg chg="del">
+          <ac:chgData name="Cristian Castro Arias" userId="S::ccastroa@eafit.edu.co::be24d1df-70db-473d-97ae-2a9982a38bd8" providerId="AD" clId="Web-{16248086-5C13-BB9C-0BD6-746894047EBA}" dt="2022-12-06T20:56:25.090" v="16"/>
+          <ac:spMkLst>
+            <pc:docMk/>
+            <pc:sldMk cId="2427641800" sldId="257"/>
+            <ac:spMk id="3" creationId="{5A9BD8DD-5865-DBD6-8E6B-B1AED683E982}"/>
+          </ac:spMkLst>
+        </pc:spChg>
+        <pc:spChg chg="add mod">
+          <ac:chgData name="Cristian Castro Arias" userId="S::ccastroa@eafit.edu.co::be24d1df-70db-473d-97ae-2a9982a38bd8" providerId="AD" clId="Web-{16248086-5C13-BB9C-0BD6-746894047EBA}" dt="2022-12-06T22:47:16.928" v="41" actId="14100"/>
+          <ac:spMkLst>
+            <pc:docMk/>
+            <pc:sldMk cId="2427641800" sldId="257"/>
+            <ac:spMk id="3" creationId="{B6B3C84B-5FB7-E861-6C21-85E508C04AD5}"/>
+          </ac:spMkLst>
+        </pc:spChg>
+        <pc:spChg chg="add mod">
+          <ac:chgData name="Cristian Castro Arias" userId="S::ccastroa@eafit.edu.co::be24d1df-70db-473d-97ae-2a9982a38bd8" providerId="AD" clId="Web-{16248086-5C13-BB9C-0BD6-746894047EBA}" dt="2022-12-06T23:15:05.173" v="229" actId="1076"/>
+          <ac:spMkLst>
+            <pc:docMk/>
+            <pc:sldMk cId="2427641800" sldId="257"/>
+            <ac:spMk id="7" creationId="{5104D03E-2301-BFF6-3A72-A5F0DE6EC80E}"/>
+          </ac:spMkLst>
+        </pc:spChg>
+        <pc:spChg chg="add del mod">
+          <ac:chgData name="Cristian Castro Arias" userId="S::ccastroa@eafit.edu.co::be24d1df-70db-473d-97ae-2a9982a38bd8" providerId="AD" clId="Web-{16248086-5C13-BB9C-0BD6-746894047EBA}" dt="2022-12-06T22:46:22.333" v="33"/>
+          <ac:spMkLst>
+            <pc:docMk/>
+            <pc:sldMk cId="2427641800" sldId="257"/>
+            <ac:spMk id="8" creationId="{6C84337B-8CF9-736F-3295-9E1D6FA97EC1}"/>
+          </ac:spMkLst>
+        </pc:spChg>
+        <pc:spChg chg="add mod">
+          <ac:chgData name="Cristian Castro Arias" userId="S::ccastroa@eafit.edu.co::be24d1df-70db-473d-97ae-2a9982a38bd8" providerId="AD" clId="Web-{16248086-5C13-BB9C-0BD6-746894047EBA}" dt="2022-12-06T22:51:57.513" v="68" actId="1076"/>
+          <ac:spMkLst>
+            <pc:docMk/>
+            <pc:sldMk cId="2427641800" sldId="257"/>
+            <ac:spMk id="9" creationId="{36888DA4-8191-EEF4-2D49-DD3FEB28EB51}"/>
+          </ac:spMkLst>
+        </pc:spChg>
+        <pc:spChg chg="add del mod">
+          <ac:chgData name="Cristian Castro Arias" userId="S::ccastroa@eafit.edu.co::be24d1df-70db-473d-97ae-2a9982a38bd8" providerId="AD" clId="Web-{16248086-5C13-BB9C-0BD6-746894047EBA}" dt="2022-12-06T23:14:51.047" v="227"/>
+          <ac:spMkLst>
+            <pc:docMk/>
+            <pc:sldMk cId="2427641800" sldId="257"/>
+            <ac:spMk id="10" creationId="{2FBE0690-72E2-3C2C-22E6-16DA68564B3D}"/>
+          </ac:spMkLst>
+        </pc:spChg>
+        <pc:spChg chg="add mod">
+          <ac:chgData name="Cristian Castro Arias" userId="S::ccastroa@eafit.edu.co::be24d1df-70db-473d-97ae-2a9982a38bd8" providerId="AD" clId="Web-{16248086-5C13-BB9C-0BD6-746894047EBA}" dt="2022-12-06T23:15:37.158" v="237" actId="1076"/>
+          <ac:spMkLst>
+            <pc:docMk/>
+            <pc:sldMk cId="2427641800" sldId="257"/>
+            <ac:spMk id="11" creationId="{3E3C7E69-C14C-56A0-70EF-B413CE2D9D47}"/>
+          </ac:spMkLst>
+        </pc:spChg>
+        <pc:spChg chg="add mod">
+          <ac:chgData name="Cristian Castro Arias" userId="S::ccastroa@eafit.edu.co::be24d1df-70db-473d-97ae-2a9982a38bd8" providerId="AD" clId="Web-{16248086-5C13-BB9C-0BD6-746894047EBA}" dt="2022-12-06T20:56:25.090" v="16"/>
+          <ac:spMkLst>
+            <pc:docMk/>
+            <pc:sldMk cId="2427641800" sldId="257"/>
+            <ac:spMk id="12" creationId="{B58F934D-B69C-6114-644A-68334C9A12AD}"/>
+          </ac:spMkLst>
+        </pc:spChg>
+        <pc:spChg chg="add del">
+          <ac:chgData name="Cristian Castro Arias" userId="S::ccastroa@eafit.edu.co::be24d1df-70db-473d-97ae-2a9982a38bd8" providerId="AD" clId="Web-{16248086-5C13-BB9C-0BD6-746894047EBA}" dt="2022-12-06T22:56:00.816" v="77"/>
+          <ac:spMkLst>
+            <pc:docMk/>
+            <pc:sldMk cId="2427641800" sldId="257"/>
+            <ac:spMk id="13" creationId="{B6B3C84B-5FB7-E861-6C21-85E508C04AD5}"/>
+          </ac:spMkLst>
+        </pc:spChg>
+        <pc:spChg chg="add del mod">
+          <ac:chgData name="Cristian Castro Arias" userId="S::ccastroa@eafit.edu.co::be24d1df-70db-473d-97ae-2a9982a38bd8" providerId="AD" clId="Web-{16248086-5C13-BB9C-0BD6-746894047EBA}" dt="2022-12-06T20:57:54.451" v="24"/>
+          <ac:spMkLst>
+            <pc:docMk/>
+            <pc:sldMk cId="2427641800" sldId="257"/>
+            <ac:spMk id="14" creationId="{2BADA83D-9020-6C14-0DD9-90C7C22C5EA9}"/>
+          </ac:spMkLst>
+        </pc:spChg>
+        <pc:spChg chg="add mod">
+          <ac:chgData name="Cristian Castro Arias" userId="S::ccastroa@eafit.edu.co::be24d1df-70db-473d-97ae-2a9982a38bd8" providerId="AD" clId="Web-{16248086-5C13-BB9C-0BD6-746894047EBA}" dt="2022-12-06T20:56:25.090" v="16"/>
+          <ac:spMkLst>
+            <pc:docMk/>
+            <pc:sldMk cId="2427641800" sldId="257"/>
+            <ac:spMk id="16" creationId="{4D73FAA3-2CB6-5F50-577D-A0BC3C1E9819}"/>
+          </ac:spMkLst>
+        </pc:spChg>
+        <pc:spChg chg="add mod">
+          <ac:chgData name="Cristian Castro Arias" userId="S::ccastroa@eafit.edu.co::be24d1df-70db-473d-97ae-2a9982a38bd8" providerId="AD" clId="Web-{16248086-5C13-BB9C-0BD6-746894047EBA}" dt="2022-12-06T23:00:20.291" v="145" actId="1076"/>
+          <ac:spMkLst>
+            <pc:docMk/>
+            <pc:sldMk cId="2427641800" sldId="257"/>
+            <ac:spMk id="17" creationId="{5F3D0F7A-028E-CD0F-B7CC-164D5C5152D0}"/>
+          </ac:spMkLst>
+        </pc:spChg>
+        <pc:spChg chg="add del mod">
+          <ac:chgData name="Cristian Castro Arias" userId="S::ccastroa@eafit.edu.co::be24d1df-70db-473d-97ae-2a9982a38bd8" providerId="AD" clId="Web-{16248086-5C13-BB9C-0BD6-746894047EBA}" dt="2022-12-06T22:59:42.384" v="122"/>
+          <ac:spMkLst>
+            <pc:docMk/>
+            <pc:sldMk cId="2427641800" sldId="257"/>
+            <ac:spMk id="18" creationId="{15DB64F4-BD46-2EA4-A2FB-349EBCB9EA91}"/>
+          </ac:spMkLst>
+        </pc:spChg>
+        <pc:spChg chg="add del mod">
+          <ac:chgData name="Cristian Castro Arias" userId="S::ccastroa@eafit.edu.co::be24d1df-70db-473d-97ae-2a9982a38bd8" providerId="AD" clId="Web-{16248086-5C13-BB9C-0BD6-746894047EBA}" dt="2022-12-06T22:59:42.384" v="120"/>
+          <ac:spMkLst>
+            <pc:docMk/>
+            <pc:sldMk cId="2427641800" sldId="257"/>
+            <ac:spMk id="20" creationId="{C81A23DD-EA06-EA71-A350-16CEC66BE362}"/>
+          </ac:spMkLst>
+        </pc:spChg>
+        <pc:spChg chg="add mod">
+          <ac:chgData name="Cristian Castro Arias" userId="S::ccastroa@eafit.edu.co::be24d1df-70db-473d-97ae-2a9982a38bd8" providerId="AD" clId="Web-{16248086-5C13-BB9C-0BD6-746894047EBA}" dt="2022-12-06T23:27:04.690" v="306" actId="1076"/>
+          <ac:spMkLst>
+            <pc:docMk/>
+            <pc:sldMk cId="2427641800" sldId="257"/>
+            <ac:spMk id="21" creationId="{AD9E41EA-6F2E-C3F8-7D2B-9239B650C8FF}"/>
+          </ac:spMkLst>
+        </pc:spChg>
+        <pc:spChg chg="add mod">
+          <ac:chgData name="Cristian Castro Arias" userId="S::ccastroa@eafit.edu.co::be24d1df-70db-473d-97ae-2a9982a38bd8" providerId="AD" clId="Web-{16248086-5C13-BB9C-0BD6-746894047EBA}" dt="2022-12-06T23:00:26.698" v="148" actId="1076"/>
+          <ac:spMkLst>
+            <pc:docMk/>
+            <pc:sldMk cId="2427641800" sldId="257"/>
+            <ac:spMk id="23" creationId="{51998C90-AD38-2194-3A77-544695E04092}"/>
+          </ac:spMkLst>
+        </pc:spChg>
+        <pc:spChg chg="add mod">
+          <ac:chgData name="Cristian Castro Arias" userId="S::ccastroa@eafit.edu.co::be24d1df-70db-473d-97ae-2a9982a38bd8" providerId="AD" clId="Web-{16248086-5C13-BB9C-0BD6-746894047EBA}" dt="2022-12-06T23:28:02.614" v="335" actId="1076"/>
+          <ac:spMkLst>
+            <pc:docMk/>
+            <pc:sldMk cId="2427641800" sldId="257"/>
+            <ac:spMk id="24" creationId="{5456FE28-8352-566F-3556-78903F46AFFB}"/>
+          </ac:spMkLst>
+        </pc:spChg>
+        <pc:spChg chg="add mod">
+          <ac:chgData name="Cristian Castro Arias" userId="S::ccastroa@eafit.edu.co::be24d1df-70db-473d-97ae-2a9982a38bd8" providerId="AD" clId="Web-{16248086-5C13-BB9C-0BD6-746894047EBA}" dt="2022-12-06T23:00:15.432" v="141" actId="1076"/>
+          <ac:spMkLst>
+            <pc:docMk/>
+            <pc:sldMk cId="2427641800" sldId="257"/>
+            <ac:spMk id="26" creationId="{2A3B4902-85B3-A000-639B-82C78C5572BD}"/>
+          </ac:spMkLst>
+        </pc:spChg>
+        <pc:spChg chg="add mod">
+          <ac:chgData name="Cristian Castro Arias" userId="S::ccastroa@eafit.edu.co::be24d1df-70db-473d-97ae-2a9982a38bd8" providerId="AD" clId="Web-{16248086-5C13-BB9C-0BD6-746894047EBA}" dt="2022-12-06T23:04:47.157" v="164" actId="1076"/>
+          <ac:spMkLst>
+            <pc:docMk/>
+            <pc:sldMk cId="2427641800" sldId="257"/>
+            <ac:spMk id="30" creationId="{5E1D6394-19B1-A305-4BE0-0A80B8348F4D}"/>
+          </ac:spMkLst>
+        </pc:spChg>
+        <pc:spChg chg="add mod">
+          <ac:chgData name="Cristian Castro Arias" userId="S::ccastroa@eafit.edu.co::be24d1df-70db-473d-97ae-2a9982a38bd8" providerId="AD" clId="Web-{16248086-5C13-BB9C-0BD6-746894047EBA}" dt="2022-12-06T23:27:44.082" v="334" actId="1076"/>
+          <ac:spMkLst>
+            <pc:docMk/>
+            <pc:sldMk cId="2427641800" sldId="257"/>
+            <ac:spMk id="32" creationId="{FCA743DD-A038-2F7D-6D2E-F39CA114FC00}"/>
+          </ac:spMkLst>
+        </pc:spChg>
+        <pc:spChg chg="add mod">
+          <ac:chgData name="Cristian Castro Arias" userId="S::ccastroa@eafit.edu.co::be24d1df-70db-473d-97ae-2a9982a38bd8" providerId="AD" clId="Web-{16248086-5C13-BB9C-0BD6-746894047EBA}" dt="2022-12-06T23:27:35.160" v="332" actId="1076"/>
+          <ac:spMkLst>
+            <pc:docMk/>
+            <pc:sldMk cId="2427641800" sldId="257"/>
+            <ac:spMk id="34" creationId="{2705491B-677F-A9F9-E39D-BCB6AB706BFB}"/>
+          </ac:spMkLst>
+        </pc:spChg>
+        <pc:spChg chg="add mod">
+          <ac:chgData name="Cristian Castro Arias" userId="S::ccastroa@eafit.edu.co::be24d1df-70db-473d-97ae-2a9982a38bd8" providerId="AD" clId="Web-{16248086-5C13-BB9C-0BD6-746894047EBA}" dt="2022-12-06T23:27:18.363" v="328" actId="1076"/>
+          <ac:spMkLst>
+            <pc:docMk/>
+            <pc:sldMk cId="2427641800" sldId="257"/>
+            <ac:spMk id="36" creationId="{92405251-3164-C989-EA62-D38DE7E5DE10}"/>
+          </ac:spMkLst>
+        </pc:spChg>
+        <pc:spChg chg="add mod">
+          <ac:chgData name="Cristian Castro Arias" userId="S::ccastroa@eafit.edu.co::be24d1df-70db-473d-97ae-2a9982a38bd8" providerId="AD" clId="Web-{16248086-5C13-BB9C-0BD6-746894047EBA}" dt="2022-12-06T23:14:15.015" v="219" actId="20577"/>
+          <ac:spMkLst>
+            <pc:docMk/>
+            <pc:sldMk cId="2427641800" sldId="257"/>
+            <ac:spMk id="37" creationId="{7A5500F2-D0DD-5B36-D143-B56B220993DA}"/>
+          </ac:spMkLst>
+        </pc:spChg>
+        <pc:spChg chg="add mod">
+          <ac:chgData name="Cristian Castro Arias" userId="S::ccastroa@eafit.edu.co::be24d1df-70db-473d-97ae-2a9982a38bd8" providerId="AD" clId="Web-{16248086-5C13-BB9C-0BD6-746894047EBA}" dt="2022-12-06T23:14:10.828" v="218" actId="20577"/>
+          <ac:spMkLst>
+            <pc:docMk/>
+            <pc:sldMk cId="2427641800" sldId="257"/>
+            <ac:spMk id="38" creationId="{6C65C516-6158-6C91-043F-1C4594E8AF8A}"/>
+          </ac:spMkLst>
+        </pc:spChg>
+        <pc:spChg chg="add mod">
+          <ac:chgData name="Cristian Castro Arias" userId="S::ccastroa@eafit.edu.co::be24d1df-70db-473d-97ae-2a9982a38bd8" providerId="AD" clId="Web-{16248086-5C13-BB9C-0BD6-746894047EBA}" dt="2022-12-06T23:13:59.343" v="216" actId="1076"/>
+          <ac:spMkLst>
+            <pc:docMk/>
+            <pc:sldMk cId="2427641800" sldId="257"/>
+            <ac:spMk id="39" creationId="{141CC6E3-5F92-A8ED-D7F4-9B86E6483933}"/>
+          </ac:spMkLst>
+        </pc:spChg>
+        <pc:spChg chg="add mod">
+          <ac:chgData name="Cristian Castro Arias" userId="S::ccastroa@eafit.edu.co::be24d1df-70db-473d-97ae-2a9982a38bd8" providerId="AD" clId="Web-{16248086-5C13-BB9C-0BD6-746894047EBA}" dt="2022-12-06T23:32:30.980" v="363" actId="14100"/>
+          <ac:spMkLst>
+            <pc:docMk/>
+            <pc:sldMk cId="2427641800" sldId="257"/>
+            <ac:spMk id="40" creationId="{F436EA6C-2E61-487B-41FA-61DD7AD4EAB8}"/>
+          </ac:spMkLst>
+        </pc:spChg>
+        <pc:spChg chg="add mod">
+          <ac:chgData name="Cristian Castro Arias" userId="S::ccastroa@eafit.edu.co::be24d1df-70db-473d-97ae-2a9982a38bd8" providerId="AD" clId="Web-{16248086-5C13-BB9C-0BD6-746894047EBA}" dt="2022-12-06T23:27:31.051" v="329" actId="1076"/>
+          <ac:spMkLst>
+            <pc:docMk/>
+            <pc:sldMk cId="2427641800" sldId="257"/>
+            <ac:spMk id="42" creationId="{8D606B99-9738-3266-E039-7DD575A7CF50}"/>
+          </ac:spMkLst>
+        </pc:spChg>
+        <pc:spChg chg="add mod">
+          <ac:chgData name="Cristian Castro Arias" userId="S::ccastroa@eafit.edu.co::be24d1df-70db-473d-97ae-2a9982a38bd8" providerId="AD" clId="Web-{16248086-5C13-BB9C-0BD6-746894047EBA}" dt="2022-12-06T23:27:31.066" v="330" actId="1076"/>
+          <ac:spMkLst>
+            <pc:docMk/>
+            <pc:sldMk cId="2427641800" sldId="257"/>
+            <ac:spMk id="43" creationId="{8D606B99-9738-3266-E039-7DD575A7CF50}"/>
+          </ac:spMkLst>
+        </pc:spChg>
+        <pc:spChg chg="add mod">
+          <ac:chgData name="Cristian Castro Arias" userId="S::ccastroa@eafit.edu.co::be24d1df-70db-473d-97ae-2a9982a38bd8" providerId="AD" clId="Web-{16248086-5C13-BB9C-0BD6-746894047EBA}" dt="2022-12-06T23:27:18.347" v="327" actId="1076"/>
+          <ac:spMkLst>
+            <pc:docMk/>
+            <pc:sldMk cId="2427641800" sldId="257"/>
+            <ac:spMk id="44" creationId="{18AD2D1D-A112-2BEC-C0D2-9A66BB0E3AB3}"/>
+          </ac:spMkLst>
+        </pc:spChg>
+        <pc:spChg chg="add del mod">
+          <ac:chgData name="Cristian Castro Arias" userId="S::ccastroa@eafit.edu.co::be24d1df-70db-473d-97ae-2a9982a38bd8" providerId="AD" clId="Web-{16248086-5C13-BB9C-0BD6-746894047EBA}" dt="2022-12-06T23:28:42.412" v="341"/>
+          <ac:spMkLst>
+            <pc:docMk/>
+            <pc:sldMk cId="2427641800" sldId="257"/>
+            <ac:spMk id="45" creationId="{80D5DF0B-68BA-CE52-C0CC-99097A24E244}"/>
+          </ac:spMkLst>
+        </pc:spChg>
+        <pc:grpChg chg="add mod">
+          <ac:chgData name="Cristian Castro Arias" userId="S::ccastroa@eafit.edu.co::be24d1df-70db-473d-97ae-2a9982a38bd8" providerId="AD" clId="Web-{16248086-5C13-BB9C-0BD6-746894047EBA}" dt="2022-12-06T23:14:47.750" v="226" actId="14100"/>
+          <ac:grpSpMkLst>
+            <pc:docMk/>
+            <pc:sldMk cId="2427641800" sldId="257"/>
+            <ac:grpSpMk id="6" creationId="{4559F161-327E-160C-4BFE-C86CE8293AC2}"/>
+          </ac:grpSpMkLst>
+        </pc:grpChg>
+        <pc:picChg chg="add mod">
+          <ac:chgData name="Cristian Castro Arias" userId="S::ccastroa@eafit.edu.co::be24d1df-70db-473d-97ae-2a9982a38bd8" providerId="AD" clId="Web-{16248086-5C13-BB9C-0BD6-746894047EBA}" dt="2022-12-06T20:57:56.951" v="25" actId="1076"/>
+          <ac:picMkLst>
+            <pc:docMk/>
+            <pc:sldMk cId="2427641800" sldId="257"/>
+            <ac:picMk id="4" creationId="{634C13E9-8655-5DB1-D2E2-E6F70FC16D7E}"/>
+          </ac:picMkLst>
+        </pc:picChg>
+        <pc:picChg chg="add mod">
+          <ac:chgData name="Cristian Castro Arias" userId="S::ccastroa@eafit.edu.co::be24d1df-70db-473d-97ae-2a9982a38bd8" providerId="AD" clId="Web-{16248086-5C13-BB9C-0BD6-746894047EBA}" dt="2022-12-06T22:48:17.617" v="52" actId="14100"/>
+          <ac:picMkLst>
+            <pc:docMk/>
+            <pc:sldMk cId="2427641800" sldId="257"/>
+            <ac:picMk id="5" creationId="{D9A3FC04-27FA-975A-5779-B3DBAAD7B783}"/>
+          </ac:picMkLst>
+        </pc:picChg>
+        <pc:picChg chg="add del">
+          <ac:chgData name="Cristian Castro Arias" userId="S::ccastroa@eafit.edu.co::be24d1df-70db-473d-97ae-2a9982a38bd8" providerId="AD" clId="Web-{16248086-5C13-BB9C-0BD6-746894047EBA}" dt="2022-12-06T22:56:00.816" v="77"/>
+          <ac:picMkLst>
+            <pc:docMk/>
+            <pc:sldMk cId="2427641800" sldId="257"/>
+            <ac:picMk id="14" creationId="{D9A3FC04-27FA-975A-5779-B3DBAAD7B783}"/>
+          </ac:picMkLst>
+        </pc:picChg>
+        <pc:picChg chg="add mod">
+          <ac:chgData name="Cristian Castro Arias" userId="S::ccastroa@eafit.edu.co::be24d1df-70db-473d-97ae-2a9982a38bd8" providerId="AD" clId="Web-{16248086-5C13-BB9C-0BD6-746894047EBA}" dt="2022-12-06T23:00:20.291" v="144" actId="1076"/>
+          <ac:picMkLst>
+            <pc:docMk/>
+            <pc:sldMk cId="2427641800" sldId="257"/>
+            <ac:picMk id="15" creationId="{A77D1B42-CA6B-6DBE-3168-A1A8F8AEF1D7}"/>
+          </ac:picMkLst>
+        </pc:picChg>
+        <pc:picChg chg="add del mod">
+          <ac:chgData name="Cristian Castro Arias" userId="S::ccastroa@eafit.edu.co::be24d1df-70db-473d-97ae-2a9982a38bd8" providerId="AD" clId="Web-{16248086-5C13-BB9C-0BD6-746894047EBA}" dt="2022-12-06T22:59:42.384" v="121"/>
+          <ac:picMkLst>
+            <pc:docMk/>
+            <pc:sldMk cId="2427641800" sldId="257"/>
+            <ac:picMk id="19" creationId="{21B30BEB-116B-0CBF-95FC-5C29B4A2A496}"/>
+          </ac:picMkLst>
+        </pc:picChg>
+        <pc:picChg chg="add mod">
+          <ac:chgData name="Cristian Castro Arias" userId="S::ccastroa@eafit.edu.co::be24d1df-70db-473d-97ae-2a9982a38bd8" providerId="AD" clId="Web-{16248086-5C13-BB9C-0BD6-746894047EBA}" dt="2022-12-06T23:00:26.698" v="147" actId="1076"/>
+          <ac:picMkLst>
+            <pc:docMk/>
+            <pc:sldMk cId="2427641800" sldId="257"/>
+            <ac:picMk id="22" creationId="{9EC379A2-698E-87EA-8C18-1D7F042EDF21}"/>
+          </ac:picMkLst>
+        </pc:picChg>
+        <pc:picChg chg="add mod">
+          <ac:chgData name="Cristian Castro Arias" userId="S::ccastroa@eafit.edu.co::be24d1df-70db-473d-97ae-2a9982a38bd8" providerId="AD" clId="Web-{16248086-5C13-BB9C-0BD6-746894047EBA}" dt="2022-12-06T23:00:15.432" v="142" actId="1076"/>
+          <ac:picMkLst>
+            <pc:docMk/>
+            <pc:sldMk cId="2427641800" sldId="257"/>
+            <ac:picMk id="25" creationId="{94ADADCD-E2EA-7BAF-760B-107D6F8DCB0F}"/>
+          </ac:picMkLst>
+        </pc:picChg>
+        <pc:picChg chg="add mod">
+          <ac:chgData name="Cristian Castro Arias" userId="S::ccastroa@eafit.edu.co::be24d1df-70db-473d-97ae-2a9982a38bd8" providerId="AD" clId="Web-{16248086-5C13-BB9C-0BD6-746894047EBA}" dt="2022-12-06T23:27:18.222" v="318" actId="1076"/>
+          <ac:picMkLst>
+            <pc:docMk/>
+            <pc:sldMk cId="2427641800" sldId="257"/>
+            <ac:picMk id="27" creationId="{57511BCD-5721-E9BB-C18A-25199250BF91}"/>
+          </ac:picMkLst>
+        </pc:picChg>
+        <pc:picChg chg="add mod">
+          <ac:chgData name="Cristian Castro Arias" userId="S::ccastroa@eafit.edu.co::be24d1df-70db-473d-97ae-2a9982a38bd8" providerId="AD" clId="Web-{16248086-5C13-BB9C-0BD6-746894047EBA}" dt="2022-12-06T23:23:08.763" v="296" actId="1076"/>
+          <ac:picMkLst>
+            <pc:docMk/>
+            <pc:sldMk cId="2427641800" sldId="257"/>
+            <ac:picMk id="28" creationId="{49CF20B7-2481-F9B0-CBE6-2AF772DF6512}"/>
+          </ac:picMkLst>
+        </pc:picChg>
+        <pc:picChg chg="add mod">
+          <ac:chgData name="Cristian Castro Arias" userId="S::ccastroa@eafit.edu.co::be24d1df-70db-473d-97ae-2a9982a38bd8" providerId="AD" clId="Web-{16248086-5C13-BB9C-0BD6-746894047EBA}" dt="2022-12-06T23:04:43.470" v="163" actId="1076"/>
+          <ac:picMkLst>
+            <pc:docMk/>
+            <pc:sldMk cId="2427641800" sldId="257"/>
+            <ac:picMk id="29" creationId="{BCC84561-EF76-182D-1E25-64CEE41F879E}"/>
+          </ac:picMkLst>
+        </pc:picChg>
+        <pc:picChg chg="add mod">
+          <ac:chgData name="Cristian Castro Arias" userId="S::ccastroa@eafit.edu.co::be24d1df-70db-473d-97ae-2a9982a38bd8" providerId="AD" clId="Web-{16248086-5C13-BB9C-0BD6-746894047EBA}" dt="2022-12-06T23:27:44.082" v="333" actId="1076"/>
+          <ac:picMkLst>
+            <pc:docMk/>
+            <pc:sldMk cId="2427641800" sldId="257"/>
+            <ac:picMk id="31" creationId="{1E32D140-F808-6AF8-23EE-7B31EB9765FE}"/>
+          </ac:picMkLst>
+        </pc:picChg>
+        <pc:picChg chg="add mod">
+          <ac:chgData name="Cristian Castro Arias" userId="S::ccastroa@eafit.edu.co::be24d1df-70db-473d-97ae-2a9982a38bd8" providerId="AD" clId="Web-{16248086-5C13-BB9C-0BD6-746894047EBA}" dt="2022-12-06T23:27:35.144" v="331" actId="1076"/>
+          <ac:picMkLst>
+            <pc:docMk/>
+            <pc:sldMk cId="2427641800" sldId="257"/>
+            <ac:picMk id="33" creationId="{3A876C76-6254-3DF0-97B9-FD5BDFB289C7}"/>
+          </ac:picMkLst>
+        </pc:picChg>
+        <pc:picChg chg="add mod">
+          <ac:chgData name="Cristian Castro Arias" userId="S::ccastroa@eafit.edu.co::be24d1df-70db-473d-97ae-2a9982a38bd8" providerId="AD" clId="Web-{16248086-5C13-BB9C-0BD6-746894047EBA}" dt="2022-12-06T23:27:18.285" v="323" actId="1076"/>
+          <ac:picMkLst>
+            <pc:docMk/>
+            <pc:sldMk cId="2427641800" sldId="257"/>
+            <ac:picMk id="35" creationId="{008FDD16-C79C-F37F-6585-9BAB6C4605EF}"/>
+          </ac:picMkLst>
+        </pc:picChg>
+        <pc:cxnChg chg="add del mod">
+          <ac:chgData name="Cristian Castro Arias" userId="S::ccastroa@eafit.edu.co::be24d1df-70db-473d-97ae-2a9982a38bd8" providerId="AD" clId="Web-{16248086-5C13-BB9C-0BD6-746894047EBA}" dt="2022-12-06T23:22:05.636" v="293"/>
+          <ac:cxnSpMkLst>
+            <pc:docMk/>
+            <pc:sldMk cId="2427641800" sldId="257"/>
+            <ac:cxnSpMk id="41" creationId="{44B99605-5F1A-5F75-83D0-EF25E8AC0482}"/>
+          </ac:cxnSpMkLst>
+        </pc:cxnChg>
+        <pc:cxnChg chg="add del mod">
+          <ac:chgData name="Cristian Castro Arias" userId="S::ccastroa@eafit.edu.co::be24d1df-70db-473d-97ae-2a9982a38bd8" providerId="AD" clId="Web-{16248086-5C13-BB9C-0BD6-746894047EBA}" dt="2022-12-06T23:29:56.179" v="347"/>
+          <ac:cxnSpMkLst>
+            <pc:docMk/>
+            <pc:sldMk cId="2427641800" sldId="257"/>
+            <ac:cxnSpMk id="46" creationId="{7C9DC8C6-66EE-267C-9F69-9DE31FEF3402}"/>
+          </ac:cxnSpMkLst>
+        </pc:cxnChg>
+        <pc:cxnChg chg="add del mod">
+          <ac:chgData name="Cristian Castro Arias" userId="S::ccastroa@eafit.edu.co::be24d1df-70db-473d-97ae-2a9982a38bd8" providerId="AD" clId="Web-{16248086-5C13-BB9C-0BD6-746894047EBA}" dt="2022-12-06T23:30:47.649" v="357"/>
+          <ac:cxnSpMkLst>
+            <pc:docMk/>
+            <pc:sldMk cId="2427641800" sldId="257"/>
+            <ac:cxnSpMk id="47" creationId="{23D83369-6E86-0AE1-FE73-041B4C30EED1}"/>
+          </ac:cxnSpMkLst>
+        </pc:cxnChg>
+        <pc:cxnChg chg="add mod">
+          <ac:chgData name="Cristian Castro Arias" userId="S::ccastroa@eafit.edu.co::be24d1df-70db-473d-97ae-2a9982a38bd8" providerId="AD" clId="Web-{16248086-5C13-BB9C-0BD6-746894047EBA}" dt="2022-12-06T23:32:35.011" v="364" actId="14100"/>
+          <ac:cxnSpMkLst>
+            <pc:docMk/>
+            <pc:sldMk cId="2427641800" sldId="257"/>
+            <ac:cxnSpMk id="48" creationId="{4F316790-C4B3-0A49-7B08-4F508C0E4EB8}"/>
+          </ac:cxnSpMkLst>
+        </pc:cxnChg>
+        <pc:cxnChg chg="add mod">
+          <ac:chgData name="Cristian Castro Arias" userId="S::ccastroa@eafit.edu.co::be24d1df-70db-473d-97ae-2a9982a38bd8" providerId="AD" clId="Web-{16248086-5C13-BB9C-0BD6-746894047EBA}" dt="2022-12-06T23:33:14.168" v="369" actId="14100"/>
+          <ac:cxnSpMkLst>
+            <pc:docMk/>
+            <pc:sldMk cId="2427641800" sldId="257"/>
+            <ac:cxnSpMk id="49" creationId="{E2F0EC22-74A0-6E5D-2BBA-4900441A5B9D}"/>
+          </ac:cxnSpMkLst>
+        </pc:cxnChg>
+        <pc:cxnChg chg="add mod">
+          <ac:chgData name="Cristian Castro Arias" userId="S::ccastroa@eafit.edu.co::be24d1df-70db-473d-97ae-2a9982a38bd8" providerId="AD" clId="Web-{16248086-5C13-BB9C-0BD6-746894047EBA}" dt="2022-12-06T23:33:55.654" v="372" actId="14100"/>
+          <ac:cxnSpMkLst>
+            <pc:docMk/>
+            <pc:sldMk cId="2427641800" sldId="257"/>
+            <ac:cxnSpMk id="50" creationId="{5D9A524C-9D95-E7B0-D961-A1684CFEB197}"/>
+          </ac:cxnSpMkLst>
+        </pc:cxnChg>
+      </pc:sldChg>
+      <pc:sldChg chg="new del">
+        <pc:chgData name="Cristian Castro Arias" userId="S::ccastroa@eafit.edu.co::be24d1df-70db-473d-97ae-2a9982a38bd8" providerId="AD" clId="Web-{16248086-5C13-BB9C-0BD6-746894047EBA}" dt="2022-12-06T21:14:28.039" v="29"/>
+        <pc:sldMkLst>
+          <pc:docMk/>
+          <pc:sldMk cId="2749991655" sldId="258"/>
+        </pc:sldMkLst>
+      </pc:sldChg>
+      <pc:sldChg chg="add replId">
+        <pc:chgData name="Cristian Castro Arias" userId="S::ccastroa@eafit.edu.co::be24d1df-70db-473d-97ae-2a9982a38bd8" providerId="AD" clId="Web-{16248086-5C13-BB9C-0BD6-746894047EBA}" dt="2022-12-06T21:14:08.226" v="28"/>
         <pc:sldMkLst>
           <pc:docMk/>
           <pc:sldMk cId="497754927" sldId="259"/>
         </pc:sldMkLst>
       </pc:sldChg>
-      <pc:sldChg chg="addSp delSp modSp addAnim delAnim">
-        <pc:chgData name="Cristian Castro Arias" userId="S::ccastroa@eafit.edu.co::be24d1df-70db-473d-97ae-2a9982a38bd8" providerId="AD" clId="Web-{34635944-ABBD-47B7-7AEA-32DEB677FEA5}" dt="2022-12-09T03:22:19.002" v="28"/>
+      <pc:sldMasterChg chg="del delSldLayout">
+        <pc:chgData name="Cristian Castro Arias" userId="S::ccastroa@eafit.edu.co::be24d1df-70db-473d-97ae-2a9982a38bd8" providerId="AD" clId="Web-{16248086-5C13-BB9C-0BD6-746894047EBA}" dt="2022-12-06T20:40:34.956" v="0"/>
+        <pc:sldMasterMkLst>
+          <pc:docMk/>
+          <pc:sldMasterMk cId="2933118997" sldId="2147483648"/>
+        </pc:sldMasterMkLst>
+        <pc:sldLayoutChg chg="del">
+          <pc:chgData name="Cristian Castro Arias" userId="S::ccastroa@eafit.edu.co::be24d1df-70db-473d-97ae-2a9982a38bd8" providerId="AD" clId="Web-{16248086-5C13-BB9C-0BD6-746894047EBA}" dt="2022-12-06T20:40:34.956" v="0"/>
+          <pc:sldLayoutMkLst>
+            <pc:docMk/>
+            <pc:sldMasterMk cId="2933118997" sldId="2147483648"/>
+            <pc:sldLayoutMk cId="2288191458" sldId="2147483649"/>
+          </pc:sldLayoutMkLst>
+        </pc:sldLayoutChg>
+        <pc:sldLayoutChg chg="del">
+          <pc:chgData name="Cristian Castro Arias" userId="S::ccastroa@eafit.edu.co::be24d1df-70db-473d-97ae-2a9982a38bd8" providerId="AD" clId="Web-{16248086-5C13-BB9C-0BD6-746894047EBA}" dt="2022-12-06T20:40:34.956" v="0"/>
+          <pc:sldLayoutMkLst>
+            <pc:docMk/>
+            <pc:sldMasterMk cId="2933118997" sldId="2147483648"/>
+            <pc:sldLayoutMk cId="3398174421" sldId="2147483650"/>
+          </pc:sldLayoutMkLst>
+        </pc:sldLayoutChg>
+        <pc:sldLayoutChg chg="del">
+          <pc:chgData name="Cristian Castro Arias" userId="S::ccastroa@eafit.edu.co::be24d1df-70db-473d-97ae-2a9982a38bd8" providerId="AD" clId="Web-{16248086-5C13-BB9C-0BD6-746894047EBA}" dt="2022-12-06T20:40:34.956" v="0"/>
+          <pc:sldLayoutMkLst>
+            <pc:docMk/>
+            <pc:sldMasterMk cId="2933118997" sldId="2147483648"/>
+            <pc:sldLayoutMk cId="2339700568" sldId="2147483651"/>
+          </pc:sldLayoutMkLst>
+        </pc:sldLayoutChg>
+        <pc:sldLayoutChg chg="del">
+          <pc:chgData name="Cristian Castro Arias" userId="S::ccastroa@eafit.edu.co::be24d1df-70db-473d-97ae-2a9982a38bd8" providerId="AD" clId="Web-{16248086-5C13-BB9C-0BD6-746894047EBA}" dt="2022-12-06T20:40:34.956" v="0"/>
+          <pc:sldLayoutMkLst>
+            <pc:docMk/>
+            <pc:sldMasterMk cId="2933118997" sldId="2147483648"/>
+            <pc:sldLayoutMk cId="979029867" sldId="2147483652"/>
+          </pc:sldLayoutMkLst>
+        </pc:sldLayoutChg>
+        <pc:sldLayoutChg chg="del">
+          <pc:chgData name="Cristian Castro Arias" userId="S::ccastroa@eafit.edu.co::be24d1df-70db-473d-97ae-2a9982a38bd8" providerId="AD" clId="Web-{16248086-5C13-BB9C-0BD6-746894047EBA}" dt="2022-12-06T20:40:34.956" v="0"/>
+          <pc:sldLayoutMkLst>
+            <pc:docMk/>
+            <pc:sldMasterMk cId="2933118997" sldId="2147483648"/>
+            <pc:sldLayoutMk cId="1752394269" sldId="2147483653"/>
+          </pc:sldLayoutMkLst>
+        </pc:sldLayoutChg>
+        <pc:sldLayoutChg chg="del">
+          <pc:chgData name="Cristian Castro Arias" userId="S::ccastroa@eafit.edu.co::be24d1df-70db-473d-97ae-2a9982a38bd8" providerId="AD" clId="Web-{16248086-5C13-BB9C-0BD6-746894047EBA}" dt="2022-12-06T20:40:34.956" v="0"/>
+          <pc:sldLayoutMkLst>
+            <pc:docMk/>
+            <pc:sldMasterMk cId="2933118997" sldId="2147483648"/>
+            <pc:sldLayoutMk cId="3630658609" sldId="2147483654"/>
+          </pc:sldLayoutMkLst>
+        </pc:sldLayoutChg>
+        <pc:sldLayoutChg chg="del">
+          <pc:chgData name="Cristian Castro Arias" userId="S::ccastroa@eafit.edu.co::be24d1df-70db-473d-97ae-2a9982a38bd8" providerId="AD" clId="Web-{16248086-5C13-BB9C-0BD6-746894047EBA}" dt="2022-12-06T20:40:34.956" v="0"/>
+          <pc:sldLayoutMkLst>
+            <pc:docMk/>
+            <pc:sldMasterMk cId="2933118997" sldId="2147483648"/>
+            <pc:sldLayoutMk cId="3682375612" sldId="2147483655"/>
+          </pc:sldLayoutMkLst>
+        </pc:sldLayoutChg>
+        <pc:sldLayoutChg chg="del">
+          <pc:chgData name="Cristian Castro Arias" userId="S::ccastroa@eafit.edu.co::be24d1df-70db-473d-97ae-2a9982a38bd8" providerId="AD" clId="Web-{16248086-5C13-BB9C-0BD6-746894047EBA}" dt="2022-12-06T20:40:34.956" v="0"/>
+          <pc:sldLayoutMkLst>
+            <pc:docMk/>
+            <pc:sldMasterMk cId="2933118997" sldId="2147483648"/>
+            <pc:sldLayoutMk cId="1360449816" sldId="2147483656"/>
+          </pc:sldLayoutMkLst>
+        </pc:sldLayoutChg>
+        <pc:sldLayoutChg chg="del">
+          <pc:chgData name="Cristian Castro Arias" userId="S::ccastroa@eafit.edu.co::be24d1df-70db-473d-97ae-2a9982a38bd8" providerId="AD" clId="Web-{16248086-5C13-BB9C-0BD6-746894047EBA}" dt="2022-12-06T20:40:34.956" v="0"/>
+          <pc:sldLayoutMkLst>
+            <pc:docMk/>
+            <pc:sldMasterMk cId="2933118997" sldId="2147483648"/>
+            <pc:sldLayoutMk cId="383603595" sldId="2147483657"/>
+          </pc:sldLayoutMkLst>
+        </pc:sldLayoutChg>
+        <pc:sldLayoutChg chg="del">
+          <pc:chgData name="Cristian Castro Arias" userId="S::ccastroa@eafit.edu.co::be24d1df-70db-473d-97ae-2a9982a38bd8" providerId="AD" clId="Web-{16248086-5C13-BB9C-0BD6-746894047EBA}" dt="2022-12-06T20:40:34.956" v="0"/>
+          <pc:sldLayoutMkLst>
+            <pc:docMk/>
+            <pc:sldMasterMk cId="2933118997" sldId="2147483648"/>
+            <pc:sldLayoutMk cId="541863252" sldId="2147483658"/>
+          </pc:sldLayoutMkLst>
+        </pc:sldLayoutChg>
+        <pc:sldLayoutChg chg="del">
+          <pc:chgData name="Cristian Castro Arias" userId="S::ccastroa@eafit.edu.co::be24d1df-70db-473d-97ae-2a9982a38bd8" providerId="AD" clId="Web-{16248086-5C13-BB9C-0BD6-746894047EBA}" dt="2022-12-06T20:40:34.956" v="0"/>
+          <pc:sldLayoutMkLst>
+            <pc:docMk/>
+            <pc:sldMasterMk cId="2933118997" sldId="2147483648"/>
+            <pc:sldLayoutMk cId="2215096201" sldId="2147483659"/>
+          </pc:sldLayoutMkLst>
+        </pc:sldLayoutChg>
+      </pc:sldMasterChg>
+      <pc:sldMasterChg chg="add del addSldLayout delSldLayout modSldLayout">
+        <pc:chgData name="Cristian Castro Arias" userId="S::ccastroa@eafit.edu.co::be24d1df-70db-473d-97ae-2a9982a38bd8" providerId="AD" clId="Web-{16248086-5C13-BB9C-0BD6-746894047EBA}" dt="2022-12-06T20:40:38.847" v="1"/>
+        <pc:sldMasterMkLst>
+          <pc:docMk/>
+          <pc:sldMasterMk cId="3619997516" sldId="2147483660"/>
+        </pc:sldMasterMkLst>
+        <pc:sldLayoutChg chg="add del mod replId">
+          <pc:chgData name="Cristian Castro Arias" userId="S::ccastroa@eafit.edu.co::be24d1df-70db-473d-97ae-2a9982a38bd8" providerId="AD" clId="Web-{16248086-5C13-BB9C-0BD6-746894047EBA}" dt="2022-12-06T20:40:38.847" v="1"/>
+          <pc:sldLayoutMkLst>
+            <pc:docMk/>
+            <pc:sldMasterMk cId="3619997516" sldId="2147483660"/>
+            <pc:sldLayoutMk cId="2760882239" sldId="2147483661"/>
+          </pc:sldLayoutMkLst>
+        </pc:sldLayoutChg>
+        <pc:sldLayoutChg chg="add del mod replId">
+          <pc:chgData name="Cristian Castro Arias" userId="S::ccastroa@eafit.edu.co::be24d1df-70db-473d-97ae-2a9982a38bd8" providerId="AD" clId="Web-{16248086-5C13-BB9C-0BD6-746894047EBA}" dt="2022-12-06T20:40:38.847" v="1"/>
+          <pc:sldLayoutMkLst>
+            <pc:docMk/>
+            <pc:sldMasterMk cId="3619997516" sldId="2147483660"/>
+            <pc:sldLayoutMk cId="1313176639" sldId="2147483662"/>
+          </pc:sldLayoutMkLst>
+        </pc:sldLayoutChg>
+        <pc:sldLayoutChg chg="add del mod replId">
+          <pc:chgData name="Cristian Castro Arias" userId="S::ccastroa@eafit.edu.co::be24d1df-70db-473d-97ae-2a9982a38bd8" providerId="AD" clId="Web-{16248086-5C13-BB9C-0BD6-746894047EBA}" dt="2022-12-06T20:40:38.847" v="1"/>
+          <pc:sldLayoutMkLst>
+            <pc:docMk/>
+            <pc:sldMasterMk cId="3619997516" sldId="2147483660"/>
+            <pc:sldLayoutMk cId="2545943459" sldId="2147483663"/>
+          </pc:sldLayoutMkLst>
+        </pc:sldLayoutChg>
+        <pc:sldLayoutChg chg="add del mod replId">
+          <pc:chgData name="Cristian Castro Arias" userId="S::ccastroa@eafit.edu.co::be24d1df-70db-473d-97ae-2a9982a38bd8" providerId="AD" clId="Web-{16248086-5C13-BB9C-0BD6-746894047EBA}" dt="2022-12-06T20:40:38.847" v="1"/>
+          <pc:sldLayoutMkLst>
+            <pc:docMk/>
+            <pc:sldMasterMk cId="3619997516" sldId="2147483660"/>
+            <pc:sldLayoutMk cId="377152592" sldId="2147483664"/>
+          </pc:sldLayoutMkLst>
+        </pc:sldLayoutChg>
+        <pc:sldLayoutChg chg="add del mod replId">
+          <pc:chgData name="Cristian Castro Arias" userId="S::ccastroa@eafit.edu.co::be24d1df-70db-473d-97ae-2a9982a38bd8" providerId="AD" clId="Web-{16248086-5C13-BB9C-0BD6-746894047EBA}" dt="2022-12-06T20:40:38.847" v="1"/>
+          <pc:sldLayoutMkLst>
+            <pc:docMk/>
+            <pc:sldMasterMk cId="3619997516" sldId="2147483660"/>
+            <pc:sldLayoutMk cId="1100421734" sldId="2147483665"/>
+          </pc:sldLayoutMkLst>
+        </pc:sldLayoutChg>
+        <pc:sldLayoutChg chg="add del mod replId">
+          <pc:chgData name="Cristian Castro Arias" userId="S::ccastroa@eafit.edu.co::be24d1df-70db-473d-97ae-2a9982a38bd8" providerId="AD" clId="Web-{16248086-5C13-BB9C-0BD6-746894047EBA}" dt="2022-12-06T20:40:38.847" v="1"/>
+          <pc:sldLayoutMkLst>
+            <pc:docMk/>
+            <pc:sldMasterMk cId="3619997516" sldId="2147483660"/>
+            <pc:sldLayoutMk cId="3417436428" sldId="2147483666"/>
+          </pc:sldLayoutMkLst>
+        </pc:sldLayoutChg>
+        <pc:sldLayoutChg chg="add del mod replId">
+          <pc:chgData name="Cristian Castro Arias" userId="S::ccastroa@eafit.edu.co::be24d1df-70db-473d-97ae-2a9982a38bd8" providerId="AD" clId="Web-{16248086-5C13-BB9C-0BD6-746894047EBA}" dt="2022-12-06T20:40:38.847" v="1"/>
+          <pc:sldLayoutMkLst>
+            <pc:docMk/>
+            <pc:sldMasterMk cId="3619997516" sldId="2147483660"/>
+            <pc:sldLayoutMk cId="2364486759" sldId="2147483667"/>
+          </pc:sldLayoutMkLst>
+        </pc:sldLayoutChg>
+        <pc:sldLayoutChg chg="add del mod replId">
+          <pc:chgData name="Cristian Castro Arias" userId="S::ccastroa@eafit.edu.co::be24d1df-70db-473d-97ae-2a9982a38bd8" providerId="AD" clId="Web-{16248086-5C13-BB9C-0BD6-746894047EBA}" dt="2022-12-06T20:40:38.847" v="1"/>
+          <pc:sldLayoutMkLst>
+            <pc:docMk/>
+            <pc:sldMasterMk cId="3619997516" sldId="2147483660"/>
+            <pc:sldLayoutMk cId="1567788551" sldId="2147483668"/>
+          </pc:sldLayoutMkLst>
+        </pc:sldLayoutChg>
+        <pc:sldLayoutChg chg="add del mod replId">
+          <pc:chgData name="Cristian Castro Arias" userId="S::ccastroa@eafit.edu.co::be24d1df-70db-473d-97ae-2a9982a38bd8" providerId="AD" clId="Web-{16248086-5C13-BB9C-0BD6-746894047EBA}" dt="2022-12-06T20:40:38.847" v="1"/>
+          <pc:sldLayoutMkLst>
+            <pc:docMk/>
+            <pc:sldMasterMk cId="3619997516" sldId="2147483660"/>
+            <pc:sldLayoutMk cId="415559504" sldId="2147483669"/>
+          </pc:sldLayoutMkLst>
+        </pc:sldLayoutChg>
+        <pc:sldLayoutChg chg="add del mod replId">
+          <pc:chgData name="Cristian Castro Arias" userId="S::ccastroa@eafit.edu.co::be24d1df-70db-473d-97ae-2a9982a38bd8" providerId="AD" clId="Web-{16248086-5C13-BB9C-0BD6-746894047EBA}" dt="2022-12-06T20:40:38.847" v="1"/>
+          <pc:sldLayoutMkLst>
+            <pc:docMk/>
+            <pc:sldMasterMk cId="3619997516" sldId="2147483660"/>
+            <pc:sldLayoutMk cId="2826116574" sldId="2147483670"/>
+          </pc:sldLayoutMkLst>
+        </pc:sldLayoutChg>
+        <pc:sldLayoutChg chg="add del mod replId">
+          <pc:chgData name="Cristian Castro Arias" userId="S::ccastroa@eafit.edu.co::be24d1df-70db-473d-97ae-2a9982a38bd8" providerId="AD" clId="Web-{16248086-5C13-BB9C-0BD6-746894047EBA}" dt="2022-12-06T20:40:38.847" v="1"/>
+          <pc:sldLayoutMkLst>
+            <pc:docMk/>
+            <pc:sldMasterMk cId="3619997516" sldId="2147483660"/>
+            <pc:sldLayoutMk cId="2020289707" sldId="2147483671"/>
+          </pc:sldLayoutMkLst>
+        </pc:sldLayoutChg>
+      </pc:sldMasterChg>
+      <pc:sldMasterChg chg="add del addSldLayout delSldLayout modSldLayout">
+        <pc:chgData name="Cristian Castro Arias" userId="S::ccastroa@eafit.edu.co::be24d1df-70db-473d-97ae-2a9982a38bd8" providerId="AD" clId="Web-{16248086-5C13-BB9C-0BD6-746894047EBA}" dt="2022-12-06T20:40:49.394" v="2"/>
+        <pc:sldMasterMkLst>
+          <pc:docMk/>
+          <pc:sldMasterMk cId="3460018013" sldId="2147483672"/>
+        </pc:sldMasterMkLst>
+        <pc:sldLayoutChg chg="add del mod replId">
+          <pc:chgData name="Cristian Castro Arias" userId="S::ccastroa@eafit.edu.co::be24d1df-70db-473d-97ae-2a9982a38bd8" providerId="AD" clId="Web-{16248086-5C13-BB9C-0BD6-746894047EBA}" dt="2022-12-06T20:40:49.394" v="2"/>
+          <pc:sldLayoutMkLst>
+            <pc:docMk/>
+            <pc:sldMasterMk cId="3460018013" sldId="2147483672"/>
+            <pc:sldLayoutMk cId="3612712788" sldId="2147483673"/>
+          </pc:sldLayoutMkLst>
+        </pc:sldLayoutChg>
+        <pc:sldLayoutChg chg="add del mod replId">
+          <pc:chgData name="Cristian Castro Arias" userId="S::ccastroa@eafit.edu.co::be24d1df-70db-473d-97ae-2a9982a38bd8" providerId="AD" clId="Web-{16248086-5C13-BB9C-0BD6-746894047EBA}" dt="2022-12-06T20:40:49.394" v="2"/>
+          <pc:sldLayoutMkLst>
+            <pc:docMk/>
+            <pc:sldMasterMk cId="3460018013" sldId="2147483672"/>
+            <pc:sldLayoutMk cId="1260696428" sldId="2147483674"/>
+          </pc:sldLayoutMkLst>
+        </pc:sldLayoutChg>
+        <pc:sldLayoutChg chg="add del mod replId">
+          <pc:chgData name="Cristian Castro Arias" userId="S::ccastroa@eafit.edu.co::be24d1df-70db-473d-97ae-2a9982a38bd8" providerId="AD" clId="Web-{16248086-5C13-BB9C-0BD6-746894047EBA}" dt="2022-12-06T20:40:49.394" v="2"/>
+          <pc:sldLayoutMkLst>
+            <pc:docMk/>
+            <pc:sldMasterMk cId="3460018013" sldId="2147483672"/>
+            <pc:sldLayoutMk cId="1649193775" sldId="2147483675"/>
+          </pc:sldLayoutMkLst>
+        </pc:sldLayoutChg>
+        <pc:sldLayoutChg chg="add del mod replId">
+          <pc:chgData name="Cristian Castro Arias" userId="S::ccastroa@eafit.edu.co::be24d1df-70db-473d-97ae-2a9982a38bd8" providerId="AD" clId="Web-{16248086-5C13-BB9C-0BD6-746894047EBA}" dt="2022-12-06T20:40:49.394" v="2"/>
+          <pc:sldLayoutMkLst>
+            <pc:docMk/>
+            <pc:sldMasterMk cId="3460018013" sldId="2147483672"/>
+            <pc:sldLayoutMk cId="2808564067" sldId="2147483676"/>
+          </pc:sldLayoutMkLst>
+        </pc:sldLayoutChg>
+        <pc:sldLayoutChg chg="add del mod replId">
+          <pc:chgData name="Cristian Castro Arias" userId="S::ccastroa@eafit.edu.co::be24d1df-70db-473d-97ae-2a9982a38bd8" providerId="AD" clId="Web-{16248086-5C13-BB9C-0BD6-746894047EBA}" dt="2022-12-06T20:40:49.394" v="2"/>
+          <pc:sldLayoutMkLst>
+            <pc:docMk/>
+            <pc:sldMasterMk cId="3460018013" sldId="2147483672"/>
+            <pc:sldLayoutMk cId="398684714" sldId="2147483677"/>
+          </pc:sldLayoutMkLst>
+        </pc:sldLayoutChg>
+        <pc:sldLayoutChg chg="add del mod replId">
+          <pc:chgData name="Cristian Castro Arias" userId="S::ccastroa@eafit.edu.co::be24d1df-70db-473d-97ae-2a9982a38bd8" providerId="AD" clId="Web-{16248086-5C13-BB9C-0BD6-746894047EBA}" dt="2022-12-06T20:40:49.394" v="2"/>
+          <pc:sldLayoutMkLst>
+            <pc:docMk/>
+            <pc:sldMasterMk cId="3460018013" sldId="2147483672"/>
+            <pc:sldLayoutMk cId="564788503" sldId="2147483678"/>
+          </pc:sldLayoutMkLst>
+        </pc:sldLayoutChg>
+        <pc:sldLayoutChg chg="add del mod replId">
+          <pc:chgData name="Cristian Castro Arias" userId="S::ccastroa@eafit.edu.co::be24d1df-70db-473d-97ae-2a9982a38bd8" providerId="AD" clId="Web-{16248086-5C13-BB9C-0BD6-746894047EBA}" dt="2022-12-06T20:40:49.394" v="2"/>
+          <pc:sldLayoutMkLst>
+            <pc:docMk/>
+            <pc:sldMasterMk cId="3460018013" sldId="2147483672"/>
+            <pc:sldLayoutMk cId="2756062127" sldId="2147483679"/>
+          </pc:sldLayoutMkLst>
+        </pc:sldLayoutChg>
+        <pc:sldLayoutChg chg="add del mod replId">
+          <pc:chgData name="Cristian Castro Arias" userId="S::ccastroa@eafit.edu.co::be24d1df-70db-473d-97ae-2a9982a38bd8" providerId="AD" clId="Web-{16248086-5C13-BB9C-0BD6-746894047EBA}" dt="2022-12-06T20:40:49.394" v="2"/>
+          <pc:sldLayoutMkLst>
+            <pc:docMk/>
+            <pc:sldMasterMk cId="3460018013" sldId="2147483672"/>
+            <pc:sldLayoutMk cId="271575935" sldId="2147483680"/>
+          </pc:sldLayoutMkLst>
+        </pc:sldLayoutChg>
+        <pc:sldLayoutChg chg="add del mod replId">
+          <pc:chgData name="Cristian Castro Arias" userId="S::ccastroa@eafit.edu.co::be24d1df-70db-473d-97ae-2a9982a38bd8" providerId="AD" clId="Web-{16248086-5C13-BB9C-0BD6-746894047EBA}" dt="2022-12-06T20:40:49.394" v="2"/>
+          <pc:sldLayoutMkLst>
+            <pc:docMk/>
+            <pc:sldMasterMk cId="3460018013" sldId="2147483672"/>
+            <pc:sldLayoutMk cId="2586575068" sldId="2147483681"/>
+          </pc:sldLayoutMkLst>
+        </pc:sldLayoutChg>
+        <pc:sldLayoutChg chg="add del mod replId">
+          <pc:chgData name="Cristian Castro Arias" userId="S::ccastroa@eafit.edu.co::be24d1df-70db-473d-97ae-2a9982a38bd8" providerId="AD" clId="Web-{16248086-5C13-BB9C-0BD6-746894047EBA}" dt="2022-12-06T20:40:49.394" v="2"/>
+          <pc:sldLayoutMkLst>
+            <pc:docMk/>
+            <pc:sldMasterMk cId="3460018013" sldId="2147483672"/>
+            <pc:sldLayoutMk cId="3912953554" sldId="2147483682"/>
+          </pc:sldLayoutMkLst>
+        </pc:sldLayoutChg>
+        <pc:sldLayoutChg chg="add del mod replId">
+          <pc:chgData name="Cristian Castro Arias" userId="S::ccastroa@eafit.edu.co::be24d1df-70db-473d-97ae-2a9982a38bd8" providerId="AD" clId="Web-{16248086-5C13-BB9C-0BD6-746894047EBA}" dt="2022-12-06T20:40:49.394" v="2"/>
+          <pc:sldLayoutMkLst>
+            <pc:docMk/>
+            <pc:sldMasterMk cId="3460018013" sldId="2147483672"/>
+            <pc:sldLayoutMk cId="1526843116" sldId="2147483683"/>
+          </pc:sldLayoutMkLst>
+        </pc:sldLayoutChg>
+      </pc:sldMasterChg>
+      <pc:sldMasterChg chg="add del addSldLayout delSldLayout">
+        <pc:chgData name="Cristian Castro Arias" userId="S::ccastroa@eafit.edu.co::be24d1df-70db-473d-97ae-2a9982a38bd8" providerId="AD" clId="Web-{16248086-5C13-BB9C-0BD6-746894047EBA}" dt="2022-12-06T20:41:21.301" v="9"/>
+        <pc:sldMasterMkLst>
+          <pc:docMk/>
+          <pc:sldMasterMk cId="3684067189" sldId="2147483710"/>
+        </pc:sldMasterMkLst>
+        <pc:sldLayoutChg chg="add del">
+          <pc:chgData name="Cristian Castro Arias" userId="S::ccastroa@eafit.edu.co::be24d1df-70db-473d-97ae-2a9982a38bd8" providerId="AD" clId="Web-{16248086-5C13-BB9C-0BD6-746894047EBA}" dt="2022-12-06T20:41:21.301" v="9"/>
+          <pc:sldLayoutMkLst>
+            <pc:docMk/>
+            <pc:sldMasterMk cId="3684067189" sldId="2147483710"/>
+            <pc:sldLayoutMk cId="2185070672" sldId="2147483699"/>
+          </pc:sldLayoutMkLst>
+        </pc:sldLayoutChg>
+        <pc:sldLayoutChg chg="add del">
+          <pc:chgData name="Cristian Castro Arias" userId="S::ccastroa@eafit.edu.co::be24d1df-70db-473d-97ae-2a9982a38bd8" providerId="AD" clId="Web-{16248086-5C13-BB9C-0BD6-746894047EBA}" dt="2022-12-06T20:41:21.301" v="9"/>
+          <pc:sldLayoutMkLst>
+            <pc:docMk/>
+            <pc:sldMasterMk cId="3684067189" sldId="2147483710"/>
+            <pc:sldLayoutMk cId="3105991629" sldId="2147483700"/>
+          </pc:sldLayoutMkLst>
+        </pc:sldLayoutChg>
+        <pc:sldLayoutChg chg="add del">
+          <pc:chgData name="Cristian Castro Arias" userId="S::ccastroa@eafit.edu.co::be24d1df-70db-473d-97ae-2a9982a38bd8" providerId="AD" clId="Web-{16248086-5C13-BB9C-0BD6-746894047EBA}" dt="2022-12-06T20:41:21.301" v="9"/>
+          <pc:sldLayoutMkLst>
+            <pc:docMk/>
+            <pc:sldMasterMk cId="3684067189" sldId="2147483710"/>
+            <pc:sldLayoutMk cId="3737999859" sldId="2147483701"/>
+          </pc:sldLayoutMkLst>
+        </pc:sldLayoutChg>
+        <pc:sldLayoutChg chg="add del">
+          <pc:chgData name="Cristian Castro Arias" userId="S::ccastroa@eafit.edu.co::be24d1df-70db-473d-97ae-2a9982a38bd8" providerId="AD" clId="Web-{16248086-5C13-BB9C-0BD6-746894047EBA}" dt="2022-12-06T20:41:21.301" v="9"/>
+          <pc:sldLayoutMkLst>
+            <pc:docMk/>
+            <pc:sldMasterMk cId="3684067189" sldId="2147483710"/>
+            <pc:sldLayoutMk cId="1307796311" sldId="2147483702"/>
+          </pc:sldLayoutMkLst>
+        </pc:sldLayoutChg>
+        <pc:sldLayoutChg chg="add del">
+          <pc:chgData name="Cristian Castro Arias" userId="S::ccastroa@eafit.edu.co::be24d1df-70db-473d-97ae-2a9982a38bd8" providerId="AD" clId="Web-{16248086-5C13-BB9C-0BD6-746894047EBA}" dt="2022-12-06T20:41:21.301" v="9"/>
+          <pc:sldLayoutMkLst>
+            <pc:docMk/>
+            <pc:sldMasterMk cId="3684067189" sldId="2147483710"/>
+            <pc:sldLayoutMk cId="4142423289" sldId="2147483703"/>
+          </pc:sldLayoutMkLst>
+        </pc:sldLayoutChg>
+        <pc:sldLayoutChg chg="add del">
+          <pc:chgData name="Cristian Castro Arias" userId="S::ccastroa@eafit.edu.co::be24d1df-70db-473d-97ae-2a9982a38bd8" providerId="AD" clId="Web-{16248086-5C13-BB9C-0BD6-746894047EBA}" dt="2022-12-06T20:41:21.301" v="9"/>
+          <pc:sldLayoutMkLst>
+            <pc:docMk/>
+            <pc:sldMasterMk cId="3684067189" sldId="2147483710"/>
+            <pc:sldLayoutMk cId="585878898" sldId="2147483704"/>
+          </pc:sldLayoutMkLst>
+        </pc:sldLayoutChg>
+        <pc:sldLayoutChg chg="add del">
+          <pc:chgData name="Cristian Castro Arias" userId="S::ccastroa@eafit.edu.co::be24d1df-70db-473d-97ae-2a9982a38bd8" providerId="AD" clId="Web-{16248086-5C13-BB9C-0BD6-746894047EBA}" dt="2022-12-06T20:41:21.301" v="9"/>
+          <pc:sldLayoutMkLst>
+            <pc:docMk/>
+            <pc:sldMasterMk cId="3684067189" sldId="2147483710"/>
+            <pc:sldLayoutMk cId="2115139198" sldId="2147483705"/>
+          </pc:sldLayoutMkLst>
+        </pc:sldLayoutChg>
+        <pc:sldLayoutChg chg="add del">
+          <pc:chgData name="Cristian Castro Arias" userId="S::ccastroa@eafit.edu.co::be24d1df-70db-473d-97ae-2a9982a38bd8" providerId="AD" clId="Web-{16248086-5C13-BB9C-0BD6-746894047EBA}" dt="2022-12-06T20:41:21.301" v="9"/>
+          <pc:sldLayoutMkLst>
+            <pc:docMk/>
+            <pc:sldMasterMk cId="3684067189" sldId="2147483710"/>
+            <pc:sldLayoutMk cId="2765381045" sldId="2147483706"/>
+          </pc:sldLayoutMkLst>
+        </pc:sldLayoutChg>
+        <pc:sldLayoutChg chg="add del">
+          <pc:chgData name="Cristian Castro Arias" userId="S::ccastroa@eafit.edu.co::be24d1df-70db-473d-97ae-2a9982a38bd8" providerId="AD" clId="Web-{16248086-5C13-BB9C-0BD6-746894047EBA}" dt="2022-12-06T20:41:21.301" v="9"/>
+          <pc:sldLayoutMkLst>
+            <pc:docMk/>
+            <pc:sldMasterMk cId="3684067189" sldId="2147483710"/>
+            <pc:sldLayoutMk cId="1074113094" sldId="2147483707"/>
+          </pc:sldLayoutMkLst>
+        </pc:sldLayoutChg>
+        <pc:sldLayoutChg chg="add del">
+          <pc:chgData name="Cristian Castro Arias" userId="S::ccastroa@eafit.edu.co::be24d1df-70db-473d-97ae-2a9982a38bd8" providerId="AD" clId="Web-{16248086-5C13-BB9C-0BD6-746894047EBA}" dt="2022-12-06T20:41:21.301" v="9"/>
+          <pc:sldLayoutMkLst>
+            <pc:docMk/>
+            <pc:sldMasterMk cId="3684067189" sldId="2147483710"/>
+            <pc:sldLayoutMk cId="4224677530" sldId="2147483708"/>
+          </pc:sldLayoutMkLst>
+        </pc:sldLayoutChg>
+        <pc:sldLayoutChg chg="add del">
+          <pc:chgData name="Cristian Castro Arias" userId="S::ccastroa@eafit.edu.co::be24d1df-70db-473d-97ae-2a9982a38bd8" providerId="AD" clId="Web-{16248086-5C13-BB9C-0BD6-746894047EBA}" dt="2022-12-06T20:41:21.301" v="9"/>
+          <pc:sldLayoutMkLst>
+            <pc:docMk/>
+            <pc:sldMasterMk cId="3684067189" sldId="2147483710"/>
+            <pc:sldLayoutMk cId="2556129646" sldId="2147483709"/>
+          </pc:sldLayoutMkLst>
+        </pc:sldLayoutChg>
+      </pc:sldMasterChg>
+      <pc:sldMasterChg chg="add addSldLayout">
+        <pc:chgData name="Cristian Castro Arias" userId="S::ccastroa@eafit.edu.co::be24d1df-70db-473d-97ae-2a9982a38bd8" providerId="AD" clId="Web-{16248086-5C13-BB9C-0BD6-746894047EBA}" dt="2022-12-06T20:41:21.301" v="9"/>
+        <pc:sldMasterMkLst>
+          <pc:docMk/>
+          <pc:sldMasterMk cId="3629147958" sldId="2147483711"/>
+        </pc:sldMasterMkLst>
+        <pc:sldLayoutChg chg="add">
+          <pc:chgData name="Cristian Castro Arias" userId="S::ccastroa@eafit.edu.co::be24d1df-70db-473d-97ae-2a9982a38bd8" providerId="AD" clId="Web-{16248086-5C13-BB9C-0BD6-746894047EBA}" dt="2022-12-06T20:41:21.301" v="9"/>
+          <pc:sldLayoutMkLst>
+            <pc:docMk/>
+            <pc:sldMasterMk cId="3629147958" sldId="2147483711"/>
+            <pc:sldLayoutMk cId="3138001712" sldId="2147483712"/>
+          </pc:sldLayoutMkLst>
+        </pc:sldLayoutChg>
+        <pc:sldLayoutChg chg="add">
+          <pc:chgData name="Cristian Castro Arias" userId="S::ccastroa@eafit.edu.co::be24d1df-70db-473d-97ae-2a9982a38bd8" providerId="AD" clId="Web-{16248086-5C13-BB9C-0BD6-746894047EBA}" dt="2022-12-06T20:41:21.301" v="9"/>
+          <pc:sldLayoutMkLst>
+            <pc:docMk/>
+            <pc:sldMasterMk cId="3629147958" sldId="2147483711"/>
+            <pc:sldLayoutMk cId="1039636098" sldId="2147483713"/>
+          </pc:sldLayoutMkLst>
+        </pc:sldLayoutChg>
+        <pc:sldLayoutChg chg="add">
+          <pc:chgData name="Cristian Castro Arias" userId="S::ccastroa@eafit.edu.co::be24d1df-70db-473d-97ae-2a9982a38bd8" providerId="AD" clId="Web-{16248086-5C13-BB9C-0BD6-746894047EBA}" dt="2022-12-06T20:41:21.301" v="9"/>
+          <pc:sldLayoutMkLst>
+            <pc:docMk/>
+            <pc:sldMasterMk cId="3629147958" sldId="2147483711"/>
+            <pc:sldLayoutMk cId="2775950397" sldId="2147483714"/>
+          </pc:sldLayoutMkLst>
+        </pc:sldLayoutChg>
+        <pc:sldLayoutChg chg="add">
+          <pc:chgData name="Cristian Castro Arias" userId="S::ccastroa@eafit.edu.co::be24d1df-70db-473d-97ae-2a9982a38bd8" providerId="AD" clId="Web-{16248086-5C13-BB9C-0BD6-746894047EBA}" dt="2022-12-06T20:41:21.301" v="9"/>
+          <pc:sldLayoutMkLst>
+            <pc:docMk/>
+            <pc:sldMasterMk cId="3629147958" sldId="2147483711"/>
+            <pc:sldLayoutMk cId="466715999" sldId="2147483715"/>
+          </pc:sldLayoutMkLst>
+        </pc:sldLayoutChg>
+        <pc:sldLayoutChg chg="add">
+          <pc:chgData name="Cristian Castro Arias" userId="S::ccastroa@eafit.edu.co::be24d1df-70db-473d-97ae-2a9982a38bd8" providerId="AD" clId="Web-{16248086-5C13-BB9C-0BD6-746894047EBA}" dt="2022-12-06T20:41:21.301" v="9"/>
+          <pc:sldLayoutMkLst>
+            <pc:docMk/>
+            <pc:sldMasterMk cId="3629147958" sldId="2147483711"/>
+            <pc:sldLayoutMk cId="1501443338" sldId="2147483716"/>
+          </pc:sldLayoutMkLst>
+        </pc:sldLayoutChg>
+        <pc:sldLayoutChg chg="add">
+          <pc:chgData name="Cristian Castro Arias" userId="S::ccastroa@eafit.edu.co::be24d1df-70db-473d-97ae-2a9982a38bd8" providerId="AD" clId="Web-{16248086-5C13-BB9C-0BD6-746894047EBA}" dt="2022-12-06T20:41:21.301" v="9"/>
+          <pc:sldLayoutMkLst>
+            <pc:docMk/>
+            <pc:sldMasterMk cId="3629147958" sldId="2147483711"/>
+            <pc:sldLayoutMk cId="2372853024" sldId="2147483717"/>
+          </pc:sldLayoutMkLst>
+        </pc:sldLayoutChg>
+        <pc:sldLayoutChg chg="add">
+          <pc:chgData name="Cristian Castro Arias" userId="S::ccastroa@eafit.edu.co::be24d1df-70db-473d-97ae-2a9982a38bd8" providerId="AD" clId="Web-{16248086-5C13-BB9C-0BD6-746894047EBA}" dt="2022-12-06T20:41:21.301" v="9"/>
+          <pc:sldLayoutMkLst>
+            <pc:docMk/>
+            <pc:sldMasterMk cId="3629147958" sldId="2147483711"/>
+            <pc:sldLayoutMk cId="2680105761" sldId="2147483718"/>
+          </pc:sldLayoutMkLst>
+        </pc:sldLayoutChg>
+        <pc:sldLayoutChg chg="add">
+          <pc:chgData name="Cristian Castro Arias" userId="S::ccastroa@eafit.edu.co::be24d1df-70db-473d-97ae-2a9982a38bd8" providerId="AD" clId="Web-{16248086-5C13-BB9C-0BD6-746894047EBA}" dt="2022-12-06T20:41:21.301" v="9"/>
+          <pc:sldLayoutMkLst>
+            <pc:docMk/>
+            <pc:sldMasterMk cId="3629147958" sldId="2147483711"/>
+            <pc:sldLayoutMk cId="64065319" sldId="2147483719"/>
+          </pc:sldLayoutMkLst>
+        </pc:sldLayoutChg>
+        <pc:sldLayoutChg chg="add">
+          <pc:chgData name="Cristian Castro Arias" userId="S::ccastroa@eafit.edu.co::be24d1df-70db-473d-97ae-2a9982a38bd8" providerId="AD" clId="Web-{16248086-5C13-BB9C-0BD6-746894047EBA}" dt="2022-12-06T20:41:21.301" v="9"/>
+          <pc:sldLayoutMkLst>
+            <pc:docMk/>
+            <pc:sldMasterMk cId="3629147958" sldId="2147483711"/>
+            <pc:sldLayoutMk cId="3518224411" sldId="2147483720"/>
+          </pc:sldLayoutMkLst>
+        </pc:sldLayoutChg>
+        <pc:sldLayoutChg chg="add">
+          <pc:chgData name="Cristian Castro Arias" userId="S::ccastroa@eafit.edu.co::be24d1df-70db-473d-97ae-2a9982a38bd8" providerId="AD" clId="Web-{16248086-5C13-BB9C-0BD6-746894047EBA}" dt="2022-12-06T20:41:21.301" v="9"/>
+          <pc:sldLayoutMkLst>
+            <pc:docMk/>
+            <pc:sldMasterMk cId="3629147958" sldId="2147483711"/>
+            <pc:sldLayoutMk cId="4291948276" sldId="2147483721"/>
+          </pc:sldLayoutMkLst>
+        </pc:sldLayoutChg>
+        <pc:sldLayoutChg chg="add">
+          <pc:chgData name="Cristian Castro Arias" userId="S::ccastroa@eafit.edu.co::be24d1df-70db-473d-97ae-2a9982a38bd8" providerId="AD" clId="Web-{16248086-5C13-BB9C-0BD6-746894047EBA}" dt="2022-12-06T20:41:21.301" v="9"/>
+          <pc:sldLayoutMkLst>
+            <pc:docMk/>
+            <pc:sldMasterMk cId="3629147958" sldId="2147483711"/>
+            <pc:sldLayoutMk cId="1334962327" sldId="2147483722"/>
+          </pc:sldLayoutMkLst>
+        </pc:sldLayoutChg>
+      </pc:sldMasterChg>
+    </pc:docChg>
+  </pc:docChgLst>
+  <pc:docChgLst>
+    <pc:chgData name="Sandra Marcela Diaz Cordero" userId="S::smdiazc@eafit.edu.co::75d8c3d6-ed6c-4721-a95e-02435709600f" providerId="AD" clId="Web-{D1DCE548-03B5-7FED-9189-8D4BD1D00814}"/>
+    <pc:docChg chg="modSld">
+      <pc:chgData name="Sandra Marcela Diaz Cordero" userId="S::smdiazc@eafit.edu.co::75d8c3d6-ed6c-4721-a95e-02435709600f" providerId="AD" clId="Web-{D1DCE548-03B5-7FED-9189-8D4BD1D00814}" dt="2022-12-09T22:31:30.680" v="5" actId="20577"/>
+      <pc:docMkLst>
+        <pc:docMk/>
+      </pc:docMkLst>
+      <pc:sldChg chg="modSp">
+        <pc:chgData name="Sandra Marcela Diaz Cordero" userId="S::smdiazc@eafit.edu.co::75d8c3d6-ed6c-4721-a95e-02435709600f" providerId="AD" clId="Web-{D1DCE548-03B5-7FED-9189-8D4BD1D00814}" dt="2022-12-09T22:31:30.680" v="5" actId="20577"/>
+        <pc:sldMkLst>
+          <pc:docMk/>
+          <pc:sldMk cId="3748891991" sldId="285"/>
+        </pc:sldMkLst>
+        <pc:spChg chg="mod">
+          <ac:chgData name="Sandra Marcela Diaz Cordero" userId="S::smdiazc@eafit.edu.co::75d8c3d6-ed6c-4721-a95e-02435709600f" providerId="AD" clId="Web-{D1DCE548-03B5-7FED-9189-8D4BD1D00814}" dt="2022-12-09T22:31:30.680" v="5" actId="20577"/>
+          <ac:spMkLst>
+            <pc:docMk/>
+            <pc:sldMk cId="3748891991" sldId="285"/>
+            <ac:spMk id="14" creationId="{0B23DB37-735C-F41E-4595-3393B111979C}"/>
+          </ac:spMkLst>
+        </pc:spChg>
+      </pc:sldChg>
+    </pc:docChg>
+  </pc:docChgLst>
+  <pc:docChgLst>
+    <pc:chgData name="Sandra Marcela Diaz Cordero" userId="S::smdiazc@eafit.edu.co::75d8c3d6-ed6c-4721-a95e-02435709600f" providerId="AD" clId="Web-{75428C76-38BD-8EEA-E8CA-C0C4CFE39436}"/>
+    <pc:docChg chg="delSld modSld sldOrd">
+      <pc:chgData name="Sandra Marcela Diaz Cordero" userId="S::smdiazc@eafit.edu.co::75d8c3d6-ed6c-4721-a95e-02435709600f" providerId="AD" clId="Web-{75428C76-38BD-8EEA-E8CA-C0C4CFE39436}" dt="2022-12-08T22:37:20.286" v="22"/>
+      <pc:docMkLst>
+        <pc:docMk/>
+      </pc:docMkLst>
+      <pc:sldChg chg="del">
+        <pc:chgData name="Sandra Marcela Diaz Cordero" userId="S::smdiazc@eafit.edu.co::75d8c3d6-ed6c-4721-a95e-02435709600f" providerId="AD" clId="Web-{75428C76-38BD-8EEA-E8CA-C0C4CFE39436}" dt="2022-12-08T22:37:20.286" v="22"/>
+        <pc:sldMkLst>
+          <pc:docMk/>
+          <pc:sldMk cId="2427641800" sldId="257"/>
+        </pc:sldMkLst>
+      </pc:sldChg>
+      <pc:sldChg chg="ord">
+        <pc:chgData name="Sandra Marcela Diaz Cordero" userId="S::smdiazc@eafit.edu.co::75d8c3d6-ed6c-4721-a95e-02435709600f" providerId="AD" clId="Web-{75428C76-38BD-8EEA-E8CA-C0C4CFE39436}" dt="2022-12-08T22:37:11.770" v="21"/>
+        <pc:sldMkLst>
+          <pc:docMk/>
+          <pc:sldMk cId="4009866458" sldId="268"/>
+        </pc:sldMkLst>
+      </pc:sldChg>
+      <pc:sldChg chg="addSp delSp modSp">
+        <pc:chgData name="Sandra Marcela Diaz Cordero" userId="S::smdiazc@eafit.edu.co::75d8c3d6-ed6c-4721-a95e-02435709600f" providerId="AD" clId="Web-{75428C76-38BD-8EEA-E8CA-C0C4CFE39436}" dt="2022-12-08T22:36:42.628" v="19" actId="1076"/>
+        <pc:sldMkLst>
+          <pc:docMk/>
+          <pc:sldMk cId="3362010317" sldId="281"/>
+        </pc:sldMkLst>
+        <pc:spChg chg="mod">
+          <ac:chgData name="Sandra Marcela Diaz Cordero" userId="S::smdiazc@eafit.edu.co::75d8c3d6-ed6c-4721-a95e-02435709600f" providerId="AD" clId="Web-{75428C76-38BD-8EEA-E8CA-C0C4CFE39436}" dt="2022-12-08T22:36:36.549" v="18" actId="20577"/>
+          <ac:spMkLst>
+            <pc:docMk/>
+            <pc:sldMk cId="3362010317" sldId="281"/>
+            <ac:spMk id="3" creationId="{ADAAD70B-23D3-328D-F1F9-1C5B17B16F6E}"/>
+          </ac:spMkLst>
+        </pc:spChg>
+        <pc:picChg chg="add mod">
+          <ac:chgData name="Sandra Marcela Diaz Cordero" userId="S::smdiazc@eafit.edu.co::75d8c3d6-ed6c-4721-a95e-02435709600f" providerId="AD" clId="Web-{75428C76-38BD-8EEA-E8CA-C0C4CFE39436}" dt="2022-12-08T22:36:42.628" v="19" actId="1076"/>
+          <ac:picMkLst>
+            <pc:docMk/>
+            <pc:sldMk cId="3362010317" sldId="281"/>
+            <ac:picMk id="2" creationId="{67BEC276-8AA6-273B-C135-3A6E3FE0ECDC}"/>
+          </ac:picMkLst>
+        </pc:picChg>
+        <pc:picChg chg="del">
+          <ac:chgData name="Sandra Marcela Diaz Cordero" userId="S::smdiazc@eafit.edu.co::75d8c3d6-ed6c-4721-a95e-02435709600f" providerId="AD" clId="Web-{75428C76-38BD-8EEA-E8CA-C0C4CFE39436}" dt="2022-12-08T22:35:52.625" v="4"/>
+          <ac:picMkLst>
+            <pc:docMk/>
+            <pc:sldMk cId="3362010317" sldId="281"/>
+            <ac:picMk id="4" creationId="{634C13E9-8655-5DB1-D2E2-E6F70FC16D7E}"/>
+          </ac:picMkLst>
+        </pc:picChg>
+      </pc:sldChg>
+    </pc:docChg>
+  </pc:docChgLst>
+  <pc:docChgLst>
+    <pc:chgData name="Javier Patiño Serna" userId="S::jpatinos@eafit.edu.co::73276bcd-7ebe-4288-a77b-14e1e6e5189b" providerId="AD" clId="Web-{AD0678C8-CD90-D3F0-76A6-EBED3637A36B}"/>
+    <pc:docChg chg="addSld modSld">
+      <pc:chgData name="Javier Patiño Serna" userId="S::jpatinos@eafit.edu.co::73276bcd-7ebe-4288-a77b-14e1e6e5189b" providerId="AD" clId="Web-{AD0678C8-CD90-D3F0-76A6-EBED3637A36B}" dt="2022-12-10T01:43:15.217" v="173" actId="20577"/>
+      <pc:docMkLst>
+        <pc:docMk/>
+      </pc:docMkLst>
+      <pc:sldChg chg="addSp delSp modSp">
+        <pc:chgData name="Javier Patiño Serna" userId="S::jpatinos@eafit.edu.co::73276bcd-7ebe-4288-a77b-14e1e6e5189b" providerId="AD" clId="Web-{AD0678C8-CD90-D3F0-76A6-EBED3637A36B}" dt="2022-12-10T01:43:15.217" v="173" actId="20577"/>
+        <pc:sldMkLst>
+          <pc:docMk/>
+          <pc:sldMk cId="3593459895" sldId="288"/>
+        </pc:sldMkLst>
+        <pc:spChg chg="add del">
+          <ac:chgData name="Javier Patiño Serna" userId="S::jpatinos@eafit.edu.co::73276bcd-7ebe-4288-a77b-14e1e6e5189b" providerId="AD" clId="Web-{AD0678C8-CD90-D3F0-76A6-EBED3637A36B}" dt="2022-12-10T01:37:36.560" v="10"/>
+          <ac:spMkLst>
+            <pc:docMk/>
+            <pc:sldMk cId="3593459895" sldId="288"/>
+            <ac:spMk id="5" creationId="{D7F5D0E6-A811-55C3-7D77-650A9C65082F}"/>
+          </ac:spMkLst>
+        </pc:spChg>
+        <pc:spChg chg="add del">
+          <ac:chgData name="Javier Patiño Serna" userId="S::jpatinos@eafit.edu.co::73276bcd-7ebe-4288-a77b-14e1e6e5189b" providerId="AD" clId="Web-{AD0678C8-CD90-D3F0-76A6-EBED3637A36B}" dt="2022-12-10T01:37:38.701" v="11"/>
+          <ac:spMkLst>
+            <pc:docMk/>
+            <pc:sldMk cId="3593459895" sldId="288"/>
+            <ac:spMk id="6" creationId="{CDC29DD7-7C92-FD57-B81A-EA714CECB24B}"/>
+          </ac:spMkLst>
+        </pc:spChg>
+        <pc:spChg chg="add mod">
+          <ac:chgData name="Javier Patiño Serna" userId="S::jpatinos@eafit.edu.co::73276bcd-7ebe-4288-a77b-14e1e6e5189b" providerId="AD" clId="Web-{AD0678C8-CD90-D3F0-76A6-EBED3637A36B}" dt="2022-12-10T01:42:11.336" v="107" actId="1076"/>
+          <ac:spMkLst>
+            <pc:docMk/>
+            <pc:sldMk cId="3593459895" sldId="288"/>
+            <ac:spMk id="7" creationId="{3E46BC8D-CDD0-CFC0-05CB-F83B695C4D88}"/>
+          </ac:spMkLst>
+        </pc:spChg>
+        <pc:spChg chg="mod">
+          <ac:chgData name="Javier Patiño Serna" userId="S::jpatinos@eafit.edu.co::73276bcd-7ebe-4288-a77b-14e1e6e5189b" providerId="AD" clId="Web-{AD0678C8-CD90-D3F0-76A6-EBED3637A36B}" dt="2022-12-10T01:37:26.435" v="1" actId="1076"/>
+          <ac:spMkLst>
+            <pc:docMk/>
+            <pc:sldMk cId="3593459895" sldId="288"/>
+            <ac:spMk id="8" creationId="{6C84337B-8CF9-736F-3295-9E1D6FA97EC1}"/>
+          </ac:spMkLst>
+        </pc:spChg>
+        <pc:spChg chg="add mod">
+          <ac:chgData name="Javier Patiño Serna" userId="S::jpatinos@eafit.edu.co::73276bcd-7ebe-4288-a77b-14e1e6e5189b" providerId="AD" clId="Web-{AD0678C8-CD90-D3F0-76A6-EBED3637A36B}" dt="2022-12-10T01:43:15.217" v="173" actId="20577"/>
+          <ac:spMkLst>
+            <pc:docMk/>
+            <pc:sldMk cId="3593459895" sldId="288"/>
+            <ac:spMk id="10" creationId="{F8A54B4D-4F4F-65D4-01F7-925E7A25A44C}"/>
+          </ac:spMkLst>
+        </pc:spChg>
+        <pc:spChg chg="add del">
+          <ac:chgData name="Javier Patiño Serna" userId="S::jpatinos@eafit.edu.co::73276bcd-7ebe-4288-a77b-14e1e6e5189b" providerId="AD" clId="Web-{AD0678C8-CD90-D3F0-76A6-EBED3637A36B}" dt="2022-12-10T01:42:16.508" v="109"/>
+          <ac:spMkLst>
+            <pc:docMk/>
+            <pc:sldMk cId="3593459895" sldId="288"/>
+            <ac:spMk id="11" creationId="{9CB99631-5E1C-66B3-FE7A-2699BC724730}"/>
+          </ac:spMkLst>
+        </pc:spChg>
+        <pc:spChg chg="add mod">
+          <ac:chgData name="Javier Patiño Serna" userId="S::jpatinos@eafit.edu.co::73276bcd-7ebe-4288-a77b-14e1e6e5189b" providerId="AD" clId="Web-{AD0678C8-CD90-D3F0-76A6-EBED3637A36B}" dt="2022-12-10T01:43:14.045" v="172" actId="20577"/>
+          <ac:spMkLst>
+            <pc:docMk/>
+            <pc:sldMk cId="3593459895" sldId="288"/>
+            <ac:spMk id="14" creationId="{C70B2C33-B22A-CD3C-6FAA-2FF9F1C15D6E}"/>
+          </ac:spMkLst>
+        </pc:spChg>
+        <pc:picChg chg="del">
+          <ac:chgData name="Javier Patiño Serna" userId="S::jpatinos@eafit.edu.co::73276bcd-7ebe-4288-a77b-14e1e6e5189b" providerId="AD" clId="Web-{AD0678C8-CD90-D3F0-76A6-EBED3637A36B}" dt="2022-12-10T01:37:33.935" v="9"/>
+          <ac:picMkLst>
+            <pc:docMk/>
+            <pc:sldMk cId="3593459895" sldId="288"/>
+            <ac:picMk id="2" creationId="{39F55272-7092-3DFD-5D9F-226EC23BA3A1}"/>
+          </ac:picMkLst>
+        </pc:picChg>
+        <pc:picChg chg="del">
+          <ac:chgData name="Javier Patiño Serna" userId="S::jpatinos@eafit.edu.co::73276bcd-7ebe-4288-a77b-14e1e6e5189b" providerId="AD" clId="Web-{AD0678C8-CD90-D3F0-76A6-EBED3637A36B}" dt="2022-12-10T01:37:32.170" v="8"/>
+          <ac:picMkLst>
+            <pc:docMk/>
+            <pc:sldMk cId="3593459895" sldId="288"/>
+            <ac:picMk id="3" creationId="{6B805931-3434-AA0D-C881-45B00DD2B4B2}"/>
+          </ac:picMkLst>
+        </pc:picChg>
+        <pc:picChg chg="add del">
+          <ac:chgData name="Javier Patiño Serna" userId="S::jpatinos@eafit.edu.co::73276bcd-7ebe-4288-a77b-14e1e6e5189b" providerId="AD" clId="Web-{AD0678C8-CD90-D3F0-76A6-EBED3637A36B}" dt="2022-12-10T01:37:30.154" v="5"/>
+          <ac:picMkLst>
+            <pc:docMk/>
+            <pc:sldMk cId="3593459895" sldId="288"/>
+            <ac:picMk id="4" creationId="{634C13E9-8655-5DB1-D2E2-E6F70FC16D7E}"/>
+          </ac:picMkLst>
+        </pc:picChg>
+        <pc:picChg chg="add mod">
+          <ac:chgData name="Javier Patiño Serna" userId="S::jpatinos@eafit.edu.co::73276bcd-7ebe-4288-a77b-14e1e6e5189b" providerId="AD" clId="Web-{AD0678C8-CD90-D3F0-76A6-EBED3637A36B}" dt="2022-12-10T01:42:49.477" v="154" actId="1076"/>
+          <ac:picMkLst>
+            <pc:docMk/>
+            <pc:sldMk cId="3593459895" sldId="288"/>
+            <ac:picMk id="9" creationId="{528A2FBF-0F67-85E3-3C4C-1EF115A1EE06}"/>
+          </ac:picMkLst>
+        </pc:picChg>
+      </pc:sldChg>
+      <pc:sldChg chg="add replId">
+        <pc:chgData name="Javier Patiño Serna" userId="S::jpatinos@eafit.edu.co::73276bcd-7ebe-4288-a77b-14e1e6e5189b" providerId="AD" clId="Web-{AD0678C8-CD90-D3F0-76A6-EBED3637A36B}" dt="2022-12-10T01:37:22.732" v="0"/>
+        <pc:sldMkLst>
+          <pc:docMk/>
+          <pc:sldMk cId="258887427" sldId="289"/>
+        </pc:sldMkLst>
+      </pc:sldChg>
+    </pc:docChg>
+  </pc:docChgLst>
+  <pc:docChgLst>
+    <pc:chgData name="Javier Patiño Serna" userId="S::jpatinos@eafit.edu.co::73276bcd-7ebe-4288-a77b-14e1e6e5189b" providerId="AD" clId="Web-{2BC1BE9E-5167-0257-5324-21622F1B93A7}"/>
+    <pc:docChg chg="addSld delSld modSld">
+      <pc:chgData name="Javier Patiño Serna" userId="S::jpatinos@eafit.edu.co::73276bcd-7ebe-4288-a77b-14e1e6e5189b" providerId="AD" clId="Web-{2BC1BE9E-5167-0257-5324-21622F1B93A7}" dt="2022-12-10T01:13:04.416" v="5"/>
+      <pc:docMkLst>
+        <pc:docMk/>
+      </pc:docMkLst>
+      <pc:sldChg chg="delSp del">
+        <pc:chgData name="Javier Patiño Serna" userId="S::jpatinos@eafit.edu.co::73276bcd-7ebe-4288-a77b-14e1e6e5189b" providerId="AD" clId="Web-{2BC1BE9E-5167-0257-5324-21622F1B93A7}" dt="2022-12-10T01:13:04.416" v="5"/>
+        <pc:sldMkLst>
+          <pc:docMk/>
+          <pc:sldMk cId="3206464282" sldId="260"/>
+        </pc:sldMkLst>
+        <pc:spChg chg="del">
+          <ac:chgData name="Javier Patiño Serna" userId="S::jpatinos@eafit.edu.co::73276bcd-7ebe-4288-a77b-14e1e6e5189b" providerId="AD" clId="Web-{2BC1BE9E-5167-0257-5324-21622F1B93A7}" dt="2022-12-10T01:12:53.009" v="2"/>
+          <ac:spMkLst>
+            <pc:docMk/>
+            <pc:sldMk cId="3206464282" sldId="260"/>
+            <ac:spMk id="5" creationId="{D7F5D0E6-A811-55C3-7D77-650A9C65082F}"/>
+          </ac:spMkLst>
+        </pc:spChg>
+        <pc:spChg chg="del">
+          <ac:chgData name="Javier Patiño Serna" userId="S::jpatinos@eafit.edu.co::73276bcd-7ebe-4288-a77b-14e1e6e5189b" providerId="AD" clId="Web-{2BC1BE9E-5167-0257-5324-21622F1B93A7}" dt="2022-12-10T01:12:53.009" v="1"/>
+          <ac:spMkLst>
+            <pc:docMk/>
+            <pc:sldMk cId="3206464282" sldId="260"/>
+            <ac:spMk id="6" creationId="{CDC29DD7-7C92-FD57-B81A-EA714CECB24B}"/>
+          </ac:spMkLst>
+        </pc:spChg>
+        <pc:picChg chg="del">
+          <ac:chgData name="Javier Patiño Serna" userId="S::jpatinos@eafit.edu.co::73276bcd-7ebe-4288-a77b-14e1e6e5189b" providerId="AD" clId="Web-{2BC1BE9E-5167-0257-5324-21622F1B93A7}" dt="2022-12-10T01:12:57.838" v="4"/>
+          <ac:picMkLst>
+            <pc:docMk/>
+            <pc:sldMk cId="3206464282" sldId="260"/>
+            <ac:picMk id="2" creationId="{39F55272-7092-3DFD-5D9F-226EC23BA3A1}"/>
+          </ac:picMkLst>
+        </pc:picChg>
+        <pc:picChg chg="del">
+          <ac:chgData name="Javier Patiño Serna" userId="S::jpatinos@eafit.edu.co::73276bcd-7ebe-4288-a77b-14e1e6e5189b" providerId="AD" clId="Web-{2BC1BE9E-5167-0257-5324-21622F1B93A7}" dt="2022-12-10T01:12:57.556" v="3"/>
+          <ac:picMkLst>
+            <pc:docMk/>
+            <pc:sldMk cId="3206464282" sldId="260"/>
+            <ac:picMk id="3" creationId="{6B805931-3434-AA0D-C881-45B00DD2B4B2}"/>
+          </ac:picMkLst>
+        </pc:picChg>
+      </pc:sldChg>
+      <pc:sldChg chg="add replId">
+        <pc:chgData name="Javier Patiño Serna" userId="S::jpatinos@eafit.edu.co::73276bcd-7ebe-4288-a77b-14e1e6e5189b" providerId="AD" clId="Web-{2BC1BE9E-5167-0257-5324-21622F1B93A7}" dt="2022-12-10T01:12:47.900" v="0"/>
+        <pc:sldMkLst>
+          <pc:docMk/>
+          <pc:sldMk cId="3593459895" sldId="288"/>
+        </pc:sldMkLst>
+      </pc:sldChg>
+    </pc:docChg>
+  </pc:docChgLst>
+  <pc:docChgLst>
+    <pc:chgData name="Sandra Marcela Diaz Cordero" userId="S::smdiazc@eafit.edu.co::75d8c3d6-ed6c-4721-a95e-02435709600f" providerId="AD" clId="Web-{CB143206-897C-8902-B4F8-4E3DE4C39D95}"/>
+    <pc:docChg chg="modSld">
+      <pc:chgData name="Sandra Marcela Diaz Cordero" userId="S::smdiazc@eafit.edu.co::75d8c3d6-ed6c-4721-a95e-02435709600f" providerId="AD" clId="Web-{CB143206-897C-8902-B4F8-4E3DE4C39D95}" dt="2022-12-09T20:05:10.195" v="0"/>
+      <pc:docMkLst>
+        <pc:docMk/>
+      </pc:docMkLst>
+      <pc:sldChg chg="delAnim modAnim">
+        <pc:chgData name="Sandra Marcela Diaz Cordero" userId="S::smdiazc@eafit.edu.co::75d8c3d6-ed6c-4721-a95e-02435709600f" providerId="AD" clId="Web-{CB143206-897C-8902-B4F8-4E3DE4C39D95}" dt="2022-12-09T20:05:10.195" v="0"/>
         <pc:sldMkLst>
           <pc:docMk/>
           <pc:sldMk cId="2637831117" sldId="275"/>
         </pc:sldMkLst>
-        <pc:spChg chg="add del mod">
-          <ac:chgData name="Cristian Castro Arias" userId="S::ccastroa@eafit.edu.co::be24d1df-70db-473d-97ae-2a9982a38bd8" providerId="AD" clId="Web-{34635944-ABBD-47B7-7AEA-32DEB677FEA5}" dt="2022-12-09T03:22:02.643" v="22"/>
-          <ac:spMkLst>
-            <pc:docMk/>
-            <pc:sldMk cId="2637831117" sldId="275"/>
-            <ac:spMk id="3" creationId="{4E14801E-4CCC-716F-D2B6-39B18431BD75}"/>
-          </ac:spMkLst>
-        </pc:spChg>
-        <pc:spChg chg="add">
-          <ac:chgData name="Cristian Castro Arias" userId="S::ccastroa@eafit.edu.co::be24d1df-70db-473d-97ae-2a9982a38bd8" providerId="AD" clId="Web-{34635944-ABBD-47B7-7AEA-32DEB677FEA5}" dt="2022-12-09T03:22:18.924" v="25"/>
-          <ac:spMkLst>
-            <pc:docMk/>
-            <pc:sldMk cId="2637831117" sldId="275"/>
-            <ac:spMk id="6" creationId="{5018D2A8-40DC-D1C3-6B51-C570A11F1F90}"/>
-          </ac:spMkLst>
-        </pc:spChg>
+      </pc:sldChg>
+    </pc:docChg>
+  </pc:docChgLst>
+  <pc:docChgLst>
+    <pc:chgData name="Javier Patiño Serna" userId="S::jpatinos@eafit.edu.co::73276bcd-7ebe-4288-a77b-14e1e6e5189b" providerId="AD" clId="Web-{16A38915-6406-2129-2964-54F60F0A632C}"/>
+    <pc:docChg chg="addSld modSld">
+      <pc:chgData name="Javier Patiño Serna" userId="S::jpatinos@eafit.edu.co::73276bcd-7ebe-4288-a77b-14e1e6e5189b" providerId="AD" clId="Web-{16A38915-6406-2129-2964-54F60F0A632C}" dt="2022-12-08T17:59:47.609" v="1010" actId="20577"/>
+      <pc:docMkLst>
+        <pc:docMk/>
+      </pc:docMkLst>
+      <pc:sldChg chg="delSp">
+        <pc:chgData name="Javier Patiño Serna" userId="S::jpatinos@eafit.edu.co::73276bcd-7ebe-4288-a77b-14e1e6e5189b" providerId="AD" clId="Web-{16A38915-6406-2129-2964-54F60F0A632C}" dt="2022-12-08T16:36:35.571" v="61"/>
+        <pc:sldMkLst>
+          <pc:docMk/>
+          <pc:sldMk cId="497754927" sldId="259"/>
+        </pc:sldMkLst>
         <pc:spChg chg="del">
-          <ac:chgData name="Cristian Castro Arias" userId="S::ccastroa@eafit.edu.co::be24d1df-70db-473d-97ae-2a9982a38bd8" providerId="AD" clId="Web-{34635944-ABBD-47B7-7AEA-32DEB677FEA5}" dt="2022-12-09T03:22:00.674" v="21"/>
-          <ac:spMkLst>
-            <pc:docMk/>
-            <pc:sldMk cId="2637831117" sldId="275"/>
-            <ac:spMk id="7" creationId="{76029143-B6D8-71F1-4039-88EA4F457958}"/>
-          </ac:spMkLst>
-        </pc:spChg>
-        <pc:spChg chg="del">
-          <ac:chgData name="Cristian Castro Arias" userId="S::ccastroa@eafit.edu.co::be24d1df-70db-473d-97ae-2a9982a38bd8" providerId="AD" clId="Web-{34635944-ABBD-47B7-7AEA-32DEB677FEA5}" dt="2022-12-09T03:21:56.002" v="19"/>
-          <ac:spMkLst>
-            <pc:docMk/>
-            <pc:sldMk cId="2637831117" sldId="275"/>
+          <ac:chgData name="Javier Patiño Serna" userId="S::jpatinos@eafit.edu.co::73276bcd-7ebe-4288-a77b-14e1e6e5189b" providerId="AD" clId="Web-{16A38915-6406-2129-2964-54F60F0A632C}" dt="2022-12-08T16:36:35.571" v="61"/>
+          <ac:spMkLst>
+            <pc:docMk/>
+            <pc:sldMk cId="497754927" sldId="259"/>
+            <ac:spMk id="10" creationId="{2FBE0690-72E2-3C2C-22E6-16DA68564B3D}"/>
+          </ac:spMkLst>
+        </pc:spChg>
+      </pc:sldChg>
+      <pc:sldChg chg="addSp delSp modSp">
+        <pc:chgData name="Javier Patiño Serna" userId="S::jpatinos@eafit.edu.co::73276bcd-7ebe-4288-a77b-14e1e6e5189b" providerId="AD" clId="Web-{16A38915-6406-2129-2964-54F60F0A632C}" dt="2022-12-08T17:39:26.066" v="634" actId="20577"/>
+        <pc:sldMkLst>
+          <pc:docMk/>
+          <pc:sldMk cId="3206464282" sldId="260"/>
+        </pc:sldMkLst>
+        <pc:spChg chg="add mod">
+          <ac:chgData name="Javier Patiño Serna" userId="S::jpatinos@eafit.edu.co::73276bcd-7ebe-4288-a77b-14e1e6e5189b" providerId="AD" clId="Web-{16A38915-6406-2129-2964-54F60F0A632C}" dt="2022-12-08T17:39:14.065" v="628" actId="20577"/>
+          <ac:spMkLst>
+            <pc:docMk/>
+            <pc:sldMk cId="3206464282" sldId="260"/>
+            <ac:spMk id="5" creationId="{D7F5D0E6-A811-55C3-7D77-650A9C65082F}"/>
+          </ac:spMkLst>
+        </pc:spChg>
+        <pc:spChg chg="add mod">
+          <ac:chgData name="Javier Patiño Serna" userId="S::jpatinos@eafit.edu.co::73276bcd-7ebe-4288-a77b-14e1e6e5189b" providerId="AD" clId="Web-{16A38915-6406-2129-2964-54F60F0A632C}" dt="2022-12-08T17:39:26.066" v="634" actId="20577"/>
+          <ac:spMkLst>
+            <pc:docMk/>
+            <pc:sldMk cId="3206464282" sldId="260"/>
+            <ac:spMk id="6" creationId="{CDC29DD7-7C92-FD57-B81A-EA714CECB24B}"/>
+          </ac:spMkLst>
+        </pc:spChg>
+        <pc:spChg chg="mod">
+          <ac:chgData name="Javier Patiño Serna" userId="S::jpatinos@eafit.edu.co::73276bcd-7ebe-4288-a77b-14e1e6e5189b" providerId="AD" clId="Web-{16A38915-6406-2129-2964-54F60F0A632C}" dt="2022-12-08T16:33:22.145" v="10" actId="1076"/>
+          <ac:spMkLst>
+            <pc:docMk/>
+            <pc:sldMk cId="3206464282" sldId="260"/>
             <ac:spMk id="8" creationId="{6C84337B-8CF9-736F-3295-9E1D6FA97EC1}"/>
           </ac:spMkLst>
         </pc:spChg>
-        <pc:spChg chg="del">
-          <ac:chgData name="Cristian Castro Arias" userId="S::ccastroa@eafit.edu.co::be24d1df-70db-473d-97ae-2a9982a38bd8" providerId="AD" clId="Web-{34635944-ABBD-47B7-7AEA-32DEB677FEA5}" dt="2022-12-09T03:21:57.064" v="20"/>
-          <ac:spMkLst>
-            <pc:docMk/>
-            <pc:sldMk cId="2637831117" sldId="275"/>
-            <ac:spMk id="9" creationId="{8E6F0CB1-6203-C390-182D-0534E5DF6AF2}"/>
-          </ac:spMkLst>
-        </pc:spChg>
-        <pc:spChg chg="del">
-          <ac:chgData name="Cristian Castro Arias" userId="S::ccastroa@eafit.edu.co::be24d1df-70db-473d-97ae-2a9982a38bd8" providerId="AD" clId="Web-{34635944-ABBD-47B7-7AEA-32DEB677FEA5}" dt="2022-12-09T03:22:05.502" v="24"/>
-          <ac:spMkLst>
-            <pc:docMk/>
-            <pc:sldMk cId="2637831117" sldId="275"/>
-            <ac:spMk id="10" creationId="{688B7398-390A-6E4A-A219-29A4C288E5B7}"/>
-          </ac:spMkLst>
-        </pc:spChg>
-        <pc:spChg chg="del">
-          <ac:chgData name="Cristian Castro Arias" userId="S::ccastroa@eafit.edu.co::be24d1df-70db-473d-97ae-2a9982a38bd8" providerId="AD" clId="Web-{34635944-ABBD-47B7-7AEA-32DEB677FEA5}" dt="2022-12-09T03:22:04.424" v="23"/>
-          <ac:spMkLst>
-            <pc:docMk/>
-            <pc:sldMk cId="2637831117" sldId="275"/>
-            <ac:spMk id="11" creationId="{1D028F0B-7532-AEF7-DABE-82EA6278F683}"/>
-          </ac:spMkLst>
-        </pc:spChg>
-        <pc:spChg chg="add">
-          <ac:chgData name="Cristian Castro Arias" userId="S::ccastroa@eafit.edu.co::be24d1df-70db-473d-97ae-2a9982a38bd8" providerId="AD" clId="Web-{34635944-ABBD-47B7-7AEA-32DEB677FEA5}" dt="2022-12-09T03:22:19.002" v="28"/>
-          <ac:spMkLst>
-            <pc:docMk/>
-            <pc:sldMk cId="2637831117" sldId="275"/>
-            <ac:spMk id="19" creationId="{C7900EA9-5115-42B7-3AEE-B50C3157D473}"/>
-          </ac:spMkLst>
-        </pc:spChg>
-        <pc:picChg chg="add">
-          <ac:chgData name="Cristian Castro Arias" userId="S::ccastroa@eafit.edu.co::be24d1df-70db-473d-97ae-2a9982a38bd8" providerId="AD" clId="Web-{34635944-ABBD-47B7-7AEA-32DEB677FEA5}" dt="2022-12-09T03:22:18.956" v="26"/>
+        <pc:spChg chg="del mod">
+          <ac:chgData name="Javier Patiño Serna" userId="S::jpatinos@eafit.edu.co::73276bcd-7ebe-4288-a77b-14e1e6e5189b" providerId="AD" clId="Web-{16A38915-6406-2129-2964-54F60F0A632C}" dt="2022-12-08T16:33:29.410" v="12"/>
+          <ac:spMkLst>
+            <pc:docMk/>
+            <pc:sldMk cId="3206464282" sldId="260"/>
+            <ac:spMk id="10" creationId="{2FBE0690-72E2-3C2C-22E6-16DA68564B3D}"/>
+          </ac:spMkLst>
+        </pc:spChg>
+        <pc:picChg chg="mod">
+          <ac:chgData name="Javier Patiño Serna" userId="S::jpatinos@eafit.edu.co::73276bcd-7ebe-4288-a77b-14e1e6e5189b" providerId="AD" clId="Web-{16A38915-6406-2129-2964-54F60F0A632C}" dt="2022-12-08T16:34:13.599" v="20" actId="1076"/>
           <ac:picMkLst>
             <pc:docMk/>
-            <pc:sldMk cId="2637831117" sldId="275"/>
-            <ac:picMk id="14" creationId="{222194B8-80DC-F53D-3962-2E6895F2730D}"/>
+            <pc:sldMk cId="3206464282" sldId="260"/>
+            <ac:picMk id="2" creationId="{39F55272-7092-3DFD-5D9F-226EC23BA3A1}"/>
           </ac:picMkLst>
         </pc:picChg>
-        <pc:picChg chg="add">
-          <ac:chgData name="Cristian Castro Arias" userId="S::ccastroa@eafit.edu.co::be24d1df-70db-473d-97ae-2a9982a38bd8" providerId="AD" clId="Web-{34635944-ABBD-47B7-7AEA-32DEB677FEA5}" dt="2022-12-09T03:22:18.987" v="27"/>
+        <pc:picChg chg="add mod">
+          <ac:chgData name="Javier Patiño Serna" userId="S::jpatinos@eafit.edu.co::73276bcd-7ebe-4288-a77b-14e1e6e5189b" providerId="AD" clId="Web-{16A38915-6406-2129-2964-54F60F0A632C}" dt="2022-12-08T16:34:18.615" v="21" actId="1076"/>
           <ac:picMkLst>
             <pc:docMk/>
-            <pc:sldMk cId="2637831117" sldId="275"/>
-            <ac:picMk id="17" creationId="{5F86C05A-9742-6C39-CF59-961025EABE7F}"/>
+            <pc:sldMk cId="3206464282" sldId="260"/>
+            <ac:picMk id="3" creationId="{6B805931-3434-AA0D-C881-45B00DD2B4B2}"/>
           </ac:picMkLst>
         </pc:picChg>
       </pc:sldChg>
-      <pc:sldChg chg="del">
-        <pc:chgData name="Cristian Castro Arias" userId="S::ccastroa@eafit.edu.co::be24d1df-70db-473d-97ae-2a9982a38bd8" providerId="AD" clId="Web-{34635944-ABBD-47B7-7AEA-32DEB677FEA5}" dt="2022-12-09T03:21:07.657" v="17"/>
+      <pc:sldChg chg="addSp delSp modSp">
+        <pc:chgData name="Javier Patiño Serna" userId="S::jpatinos@eafit.edu.co::73276bcd-7ebe-4288-a77b-14e1e6e5189b" providerId="AD" clId="Web-{16A38915-6406-2129-2964-54F60F0A632C}" dt="2022-12-08T17:41:33.694" v="716" actId="1076"/>
         <pc:sldMkLst>
           <pc:docMk/>
-          <pc:sldMk cId="1780959748" sldId="279"/>
+          <pc:sldMk cId="218370719" sldId="261"/>
         </pc:sldMkLst>
+        <pc:spChg chg="add mod">
+          <ac:chgData name="Javier Patiño Serna" userId="S::jpatinos@eafit.edu.co::73276bcd-7ebe-4288-a77b-14e1e6e5189b" providerId="AD" clId="Web-{16A38915-6406-2129-2964-54F60F0A632C}" dt="2022-12-08T17:06:02.709" v="222" actId="20577"/>
+          <ac:spMkLst>
+            <pc:docMk/>
+            <pc:sldMk cId="218370719" sldId="261"/>
+            <ac:spMk id="3" creationId="{5C6020AF-2FE9-6888-6434-3730057057AC}"/>
+          </ac:spMkLst>
+        </pc:spChg>
+        <pc:spChg chg="add del mod">
+          <ac:chgData name="Javier Patiño Serna" userId="S::jpatinos@eafit.edu.co::73276bcd-7ebe-4288-a77b-14e1e6e5189b" providerId="AD" clId="Web-{16A38915-6406-2129-2964-54F60F0A632C}" dt="2022-12-08T17:06:05.193" v="223"/>
+          <ac:spMkLst>
+            <pc:docMk/>
+            <pc:sldMk cId="218370719" sldId="261"/>
+            <ac:spMk id="6" creationId="{8C075941-277F-2381-8A0D-F9ECE8577F61}"/>
+          </ac:spMkLst>
+        </pc:spChg>
+        <pc:spChg chg="add mod">
+          <ac:chgData name="Javier Patiño Serna" userId="S::jpatinos@eafit.edu.co::73276bcd-7ebe-4288-a77b-14e1e6e5189b" providerId="AD" clId="Web-{16A38915-6406-2129-2964-54F60F0A632C}" dt="2022-12-08T17:38:37.612" v="619" actId="1076"/>
+          <ac:spMkLst>
+            <pc:docMk/>
+            <pc:sldMk cId="218370719" sldId="261"/>
+            <ac:spMk id="7" creationId="{5AFE8C22-0B93-3963-FE32-3608E35C5CBD}"/>
+          </ac:spMkLst>
+        </pc:spChg>
+        <pc:spChg chg="del mod">
+          <ac:chgData name="Javier Patiño Serna" userId="S::jpatinos@eafit.edu.co::73276bcd-7ebe-4288-a77b-14e1e6e5189b" providerId="AD" clId="Web-{16A38915-6406-2129-2964-54F60F0A632C}" dt="2022-12-08T17:05:56.474" v="207"/>
+          <ac:spMkLst>
+            <pc:docMk/>
+            <pc:sldMk cId="218370719" sldId="261"/>
+            <ac:spMk id="8" creationId="{6C84337B-8CF9-736F-3295-9E1D6FA97EC1}"/>
+          </ac:spMkLst>
+        </pc:spChg>
+        <pc:spChg chg="add">
+          <ac:chgData name="Javier Patiño Serna" userId="S::jpatinos@eafit.edu.co::73276bcd-7ebe-4288-a77b-14e1e6e5189b" providerId="AD" clId="Web-{16A38915-6406-2129-2964-54F60F0A632C}" dt="2022-12-08T17:38:54.674" v="621"/>
+          <ac:spMkLst>
+            <pc:docMk/>
+            <pc:sldMk cId="218370719" sldId="261"/>
+            <ac:spMk id="10" creationId="{BF4547F6-AC69-B351-66F4-64BA0F2DA550}"/>
+          </ac:spMkLst>
+        </pc:spChg>
+        <pc:spChg chg="add mod">
+          <ac:chgData name="Javier Patiño Serna" userId="S::jpatinos@eafit.edu.co::73276bcd-7ebe-4288-a77b-14e1e6e5189b" providerId="AD" clId="Web-{16A38915-6406-2129-2964-54F60F0A632C}" dt="2022-12-08T17:41:33.694" v="716" actId="1076"/>
+          <ac:spMkLst>
+            <pc:docMk/>
+            <pc:sldMk cId="218370719" sldId="261"/>
+            <ac:spMk id="11" creationId="{12DC135C-A5EA-6D2E-69FC-E6F10E88B004}"/>
+          </ac:spMkLst>
+        </pc:spChg>
+        <pc:graphicFrameChg chg="add mod modGraphic">
+          <ac:chgData name="Javier Patiño Serna" userId="S::jpatinos@eafit.edu.co::73276bcd-7ebe-4288-a77b-14e1e6e5189b" providerId="AD" clId="Web-{16A38915-6406-2129-2964-54F60F0A632C}" dt="2022-12-08T17:41:26.912" v="715" actId="1076"/>
+          <ac:graphicFrameMkLst>
+            <pc:docMk/>
+            <pc:sldMk cId="218370719" sldId="261"/>
+            <ac:graphicFrameMk id="9" creationId="{037ABE74-FD10-8F5D-A380-D672EB9484AF}"/>
+          </ac:graphicFrameMkLst>
+        </pc:graphicFrameChg>
       </pc:sldChg>
-      <pc:sldChg chg="addSp delSp modSp add ord replId">
-        <pc:chgData name="Cristian Castro Arias" userId="S::ccastroa@eafit.edu.co::be24d1df-70db-473d-97ae-2a9982a38bd8" providerId="AD" clId="Web-{34635944-ABBD-47B7-7AEA-32DEB677FEA5}" dt="2022-12-09T03:20:57.391" v="16"/>
+      <pc:sldChg chg="addSp delSp modSp add replId">
+        <pc:chgData name="Javier Patiño Serna" userId="S::jpatinos@eafit.edu.co::73276bcd-7ebe-4288-a77b-14e1e6e5189b" providerId="AD" clId="Web-{16A38915-6406-2129-2964-54F60F0A632C}" dt="2022-12-08T17:39:43.863" v="649" actId="20577"/>
         <pc:sldMkLst>
           <pc:docMk/>
-          <pc:sldMk cId="3748891991" sldId="285"/>
+          <pc:sldMk cId="2466202108" sldId="269"/>
         </pc:sldMkLst>
         <pc:spChg chg="del">
-          <ac:chgData name="Cristian Castro Arias" userId="S::ccastroa@eafit.edu.co::be24d1df-70db-473d-97ae-2a9982a38bd8" providerId="AD" clId="Web-{34635944-ABBD-47B7-7AEA-32DEB677FEA5}" dt="2022-12-09T03:20:55.516" v="13"/>
-          <ac:spMkLst>
-            <pc:docMk/>
-            <pc:sldMk cId="3748891991" sldId="285"/>
-            <ac:spMk id="3" creationId="{5C6020AF-2FE9-6888-6434-3730057057AC}"/>
+          <ac:chgData name="Javier Patiño Serna" userId="S::jpatinos@eafit.edu.co::73276bcd-7ebe-4288-a77b-14e1e6e5189b" providerId="AD" clId="Web-{16A38915-6406-2129-2964-54F60F0A632C}" dt="2022-12-08T16:35:59.977" v="58"/>
+          <ac:spMkLst>
+            <pc:docMk/>
+            <pc:sldMk cId="2466202108" sldId="269"/>
+            <ac:spMk id="5" creationId="{D7F5D0E6-A811-55C3-7D77-650A9C65082F}"/>
           </ac:spMkLst>
         </pc:spChg>
         <pc:spChg chg="del">
-          <ac:chgData name="Cristian Castro Arias" userId="S::ccastroa@eafit.edu.co::be24d1df-70db-473d-97ae-2a9982a38bd8" providerId="AD" clId="Web-{34635944-ABBD-47B7-7AEA-32DEB677FEA5}" dt="2022-12-09T03:20:00.061" v="6"/>
-          <ac:spMkLst>
-            <pc:docMk/>
-            <pc:sldMk cId="3748891991" sldId="285"/>
-            <ac:spMk id="7" creationId="{18AA061B-5A98-EAFA-F368-7797A435306D}"/>
-          </ac:spMkLst>
-        </pc:spChg>
-        <pc:spChg chg="add">
-          <ac:chgData name="Cristian Castro Arias" userId="S::ccastroa@eafit.edu.co::be24d1df-70db-473d-97ae-2a9982a38bd8" providerId="AD" clId="Web-{34635944-ABBD-47B7-7AEA-32DEB677FEA5}" dt="2022-12-09T03:20:57.359" v="14"/>
-          <ac:spMkLst>
-            <pc:docMk/>
-            <pc:sldMk cId="3748891991" sldId="285"/>
-            <ac:spMk id="8" creationId="{C6200F7A-5157-7691-D0BB-D96158021859}"/>
+          <ac:chgData name="Javier Patiño Serna" userId="S::jpatinos@eafit.edu.co::73276bcd-7ebe-4288-a77b-14e1e6e5189b" providerId="AD" clId="Web-{16A38915-6406-2129-2964-54F60F0A632C}" dt="2022-12-08T16:35:59.977" v="57"/>
+          <ac:spMkLst>
+            <pc:docMk/>
+            <pc:sldMk cId="2466202108" sldId="269"/>
+            <ac:spMk id="6" creationId="{CDC29DD7-7C92-FD57-B81A-EA714CECB24B}"/>
+          </ac:spMkLst>
+        </pc:spChg>
+        <pc:spChg chg="add mod">
+          <ac:chgData name="Javier Patiño Serna" userId="S::jpatinos@eafit.edu.co::73276bcd-7ebe-4288-a77b-14e1e6e5189b" providerId="AD" clId="Web-{16A38915-6406-2129-2964-54F60F0A632C}" dt="2022-12-08T17:39:36.410" v="640" actId="20577"/>
+          <ac:spMkLst>
+            <pc:docMk/>
+            <pc:sldMk cId="2466202108" sldId="269"/>
+            <ac:spMk id="9" creationId="{854CD6B5-7E73-939F-92DE-B841690E8EEF}"/>
+          </ac:spMkLst>
+        </pc:spChg>
+        <pc:spChg chg="add mod">
+          <ac:chgData name="Javier Patiño Serna" userId="S::jpatinos@eafit.edu.co::73276bcd-7ebe-4288-a77b-14e1e6e5189b" providerId="AD" clId="Web-{16A38915-6406-2129-2964-54F60F0A632C}" dt="2022-12-08T17:39:43.863" v="649" actId="20577"/>
+          <ac:spMkLst>
+            <pc:docMk/>
+            <pc:sldMk cId="2466202108" sldId="269"/>
+            <ac:spMk id="13" creationId="{536B0E48-65E8-67AD-12F7-3F8FD21DCB83}"/>
+          </ac:spMkLst>
+        </pc:spChg>
+        <pc:picChg chg="del">
+          <ac:chgData name="Javier Patiño Serna" userId="S::jpatinos@eafit.edu.co::73276bcd-7ebe-4288-a77b-14e1e6e5189b" providerId="AD" clId="Web-{16A38915-6406-2129-2964-54F60F0A632C}" dt="2022-12-08T16:36:00.023" v="60"/>
+          <ac:picMkLst>
+            <pc:docMk/>
+            <pc:sldMk cId="2466202108" sldId="269"/>
+            <ac:picMk id="2" creationId="{39F55272-7092-3DFD-5D9F-226EC23BA3A1}"/>
+          </ac:picMkLst>
+        </pc:picChg>
+        <pc:picChg chg="del">
+          <ac:chgData name="Javier Patiño Serna" userId="S::jpatinos@eafit.edu.co::73276bcd-7ebe-4288-a77b-14e1e6e5189b" providerId="AD" clId="Web-{16A38915-6406-2129-2964-54F60F0A632C}" dt="2022-12-08T16:35:59.992" v="59"/>
+          <ac:picMkLst>
+            <pc:docMk/>
+            <pc:sldMk cId="2466202108" sldId="269"/>
+            <ac:picMk id="3" creationId="{6B805931-3434-AA0D-C881-45B00DD2B4B2}"/>
+          </ac:picMkLst>
+        </pc:picChg>
+        <pc:picChg chg="add mod">
+          <ac:chgData name="Javier Patiño Serna" userId="S::jpatinos@eafit.edu.co::73276bcd-7ebe-4288-a77b-14e1e6e5189b" providerId="AD" clId="Web-{16A38915-6406-2129-2964-54F60F0A632C}" dt="2022-12-08T16:44:46.583" v="101" actId="1076"/>
+          <ac:picMkLst>
+            <pc:docMk/>
+            <pc:sldMk cId="2466202108" sldId="269"/>
+            <ac:picMk id="7" creationId="{78174B7D-C170-B254-FFAA-776BC7D88C2B}"/>
+          </ac:picMkLst>
+        </pc:picChg>
+        <pc:picChg chg="add mod">
+          <ac:chgData name="Javier Patiño Serna" userId="S::jpatinos@eafit.edu.co::73276bcd-7ebe-4288-a77b-14e1e6e5189b" providerId="AD" clId="Web-{16A38915-6406-2129-2964-54F60F0A632C}" dt="2022-12-08T16:46:07.725" v="149" actId="1076"/>
+          <ac:picMkLst>
+            <pc:docMk/>
+            <pc:sldMk cId="2466202108" sldId="269"/>
+            <ac:picMk id="10" creationId="{EBCF8394-0D7C-41D4-F3B8-0B1C5197E55C}"/>
+          </ac:picMkLst>
+        </pc:picChg>
+        <pc:picChg chg="add del mod">
+          <ac:chgData name="Javier Patiño Serna" userId="S::jpatinos@eafit.edu.co::73276bcd-7ebe-4288-a77b-14e1e6e5189b" providerId="AD" clId="Web-{16A38915-6406-2129-2964-54F60F0A632C}" dt="2022-12-08T16:45:43.615" v="109"/>
+          <ac:picMkLst>
+            <pc:docMk/>
+            <pc:sldMk cId="2466202108" sldId="269"/>
+            <ac:picMk id="11" creationId="{E2657E14-DAEE-DC2F-FE7A-10B1D360F7C4}"/>
+          </ac:picMkLst>
+        </pc:picChg>
+      </pc:sldChg>
+      <pc:sldChg chg="addSp delSp modSp add replId">
+        <pc:chgData name="Javier Patiño Serna" userId="S::jpatinos@eafit.edu.co::73276bcd-7ebe-4288-a77b-14e1e6e5189b" providerId="AD" clId="Web-{16A38915-6406-2129-2964-54F60F0A632C}" dt="2022-12-08T17:39:55.488" v="660" actId="1076"/>
+        <pc:sldMkLst>
+          <pc:docMk/>
+          <pc:sldMk cId="3625733988" sldId="271"/>
+        </pc:sldMkLst>
+        <pc:spChg chg="add mod">
+          <ac:chgData name="Javier Patiño Serna" userId="S::jpatinos@eafit.edu.co::73276bcd-7ebe-4288-a77b-14e1e6e5189b" providerId="AD" clId="Web-{16A38915-6406-2129-2964-54F60F0A632C}" dt="2022-12-08T17:39:55.488" v="660" actId="1076"/>
+          <ac:spMkLst>
+            <pc:docMk/>
+            <pc:sldMk cId="3625733988" sldId="271"/>
+            <ac:spMk id="5" creationId="{E187C734-EBD9-AD9D-0766-6D5E98DB2CF1}"/>
+          </ac:spMkLst>
+        </pc:spChg>
+        <pc:spChg chg="mod">
+          <ac:chgData name="Javier Patiño Serna" userId="S::jpatinos@eafit.edu.co::73276bcd-7ebe-4288-a77b-14e1e6e5189b" providerId="AD" clId="Web-{16A38915-6406-2129-2964-54F60F0A632C}" dt="2022-12-08T17:04:26.175" v="152" actId="1076"/>
+          <ac:spMkLst>
+            <pc:docMk/>
+            <pc:sldMk cId="3625733988" sldId="271"/>
+            <ac:spMk id="8" creationId="{6C84337B-8CF9-736F-3295-9E1D6FA97EC1}"/>
           </ac:spMkLst>
         </pc:spChg>
         <pc:spChg chg="del">
-          <ac:chgData name="Cristian Castro Arias" userId="S::ccastroa@eafit.edu.co::be24d1df-70db-473d-97ae-2a9982a38bd8" providerId="AD" clId="Web-{34635944-ABBD-47B7-7AEA-32DEB677FEA5}" dt="2022-12-09T03:20:03.514" v="8"/>
-          <ac:spMkLst>
-            <pc:docMk/>
-            <pc:sldMk cId="3748891991" sldId="285"/>
+          <ac:chgData name="Javier Patiño Serna" userId="S::jpatinos@eafit.edu.co::73276bcd-7ebe-4288-a77b-14e1e6e5189b" providerId="AD" clId="Web-{16A38915-6406-2129-2964-54F60F0A632C}" dt="2022-12-08T17:04:30.160" v="155"/>
+          <ac:spMkLst>
+            <pc:docMk/>
+            <pc:sldMk cId="3625733988" sldId="271"/>
+            <ac:spMk id="9" creationId="{854CD6B5-7E73-939F-92DE-B841690E8EEF}"/>
+          </ac:spMkLst>
+        </pc:spChg>
+        <pc:spChg chg="del">
+          <ac:chgData name="Javier Patiño Serna" userId="S::jpatinos@eafit.edu.co::73276bcd-7ebe-4288-a77b-14e1e6e5189b" providerId="AD" clId="Web-{16A38915-6406-2129-2964-54F60F0A632C}" dt="2022-12-08T17:04:30.160" v="153"/>
+          <ac:spMkLst>
+            <pc:docMk/>
+            <pc:sldMk cId="3625733988" sldId="271"/>
+            <ac:spMk id="13" creationId="{536B0E48-65E8-67AD-12F7-3F8FD21DCB83}"/>
+          </ac:spMkLst>
+        </pc:spChg>
+        <pc:picChg chg="add mod">
+          <ac:chgData name="Javier Patiño Serna" userId="S::jpatinos@eafit.edu.co::73276bcd-7ebe-4288-a77b-14e1e6e5189b" providerId="AD" clId="Web-{16A38915-6406-2129-2964-54F60F0A632C}" dt="2022-12-08T17:05:11.786" v="159" actId="1076"/>
+          <ac:picMkLst>
+            <pc:docMk/>
+            <pc:sldMk cId="3625733988" sldId="271"/>
+            <ac:picMk id="2" creationId="{E8750513-A554-6E7A-2C01-4D19911A9A82}"/>
+          </ac:picMkLst>
+        </pc:picChg>
+        <pc:picChg chg="del">
+          <ac:chgData name="Javier Patiño Serna" userId="S::jpatinos@eafit.edu.co::73276bcd-7ebe-4288-a77b-14e1e6e5189b" providerId="AD" clId="Web-{16A38915-6406-2129-2964-54F60F0A632C}" dt="2022-12-08T17:04:31.738" v="156"/>
+          <ac:picMkLst>
+            <pc:docMk/>
+            <pc:sldMk cId="3625733988" sldId="271"/>
+            <ac:picMk id="7" creationId="{78174B7D-C170-B254-FFAA-776BC7D88C2B}"/>
+          </ac:picMkLst>
+        </pc:picChg>
+        <pc:picChg chg="del">
+          <ac:chgData name="Javier Patiño Serna" userId="S::jpatinos@eafit.edu.co::73276bcd-7ebe-4288-a77b-14e1e6e5189b" providerId="AD" clId="Web-{16A38915-6406-2129-2964-54F60F0A632C}" dt="2022-12-08T17:04:30.160" v="154"/>
+          <ac:picMkLst>
+            <pc:docMk/>
+            <pc:sldMk cId="3625733988" sldId="271"/>
+            <ac:picMk id="10" creationId="{EBCF8394-0D7C-41D4-F3B8-0B1C5197E55C}"/>
+          </ac:picMkLst>
+        </pc:picChg>
+      </pc:sldChg>
+      <pc:sldChg chg="addSp delSp modSp add replId">
+        <pc:chgData name="Javier Patiño Serna" userId="S::jpatinos@eafit.edu.co::73276bcd-7ebe-4288-a77b-14e1e6e5189b" providerId="AD" clId="Web-{16A38915-6406-2129-2964-54F60F0A632C}" dt="2022-12-08T17:59:24.749" v="978" actId="1076"/>
+        <pc:sldMkLst>
+          <pc:docMk/>
+          <pc:sldMk cId="129174363" sldId="272"/>
+        </pc:sldMkLst>
+        <pc:spChg chg="add mod">
+          <ac:chgData name="Javier Patiño Serna" userId="S::jpatinos@eafit.edu.co::73276bcd-7ebe-4288-a77b-14e1e6e5189b" providerId="AD" clId="Web-{16A38915-6406-2129-2964-54F60F0A632C}" dt="2022-12-08T17:42:46.664" v="743" actId="20577"/>
+          <ac:spMkLst>
+            <pc:docMk/>
+            <pc:sldMk cId="129174363" sldId="272"/>
+            <ac:spMk id="2" creationId="{2F65F154-8951-659F-C97A-8128093E5AE6}"/>
+          </ac:spMkLst>
+        </pc:spChg>
+        <pc:spChg chg="add mod">
+          <ac:chgData name="Javier Patiño Serna" userId="S::jpatinos@eafit.edu.co::73276bcd-7ebe-4288-a77b-14e1e6e5189b" providerId="AD" clId="Web-{16A38915-6406-2129-2964-54F60F0A632C}" dt="2022-12-08T17:43:53.853" v="806" actId="1076"/>
+          <ac:spMkLst>
+            <pc:docMk/>
+            <pc:sldMk cId="129174363" sldId="272"/>
+            <ac:spMk id="6" creationId="{88C8588E-AB24-6552-C3F1-EBCE176698DE}"/>
+          </ac:spMkLst>
+        </pc:spChg>
+        <pc:spChg chg="mod">
+          <ac:chgData name="Javier Patiño Serna" userId="S::jpatinos@eafit.edu.co::73276bcd-7ebe-4288-a77b-14e1e6e5189b" providerId="AD" clId="Web-{16A38915-6406-2129-2964-54F60F0A632C}" dt="2022-12-08T17:42:22.976" v="720" actId="20577"/>
+          <ac:spMkLst>
+            <pc:docMk/>
+            <pc:sldMk cId="129174363" sldId="272"/>
+            <ac:spMk id="7" creationId="{5AFE8C22-0B93-3963-FE32-3608E35C5CBD}"/>
+          </ac:spMkLst>
+        </pc:spChg>
+        <pc:spChg chg="add mod">
+          <ac:chgData name="Javier Patiño Serna" userId="S::jpatinos@eafit.edu.co::73276bcd-7ebe-4288-a77b-14e1e6e5189b" providerId="AD" clId="Web-{16A38915-6406-2129-2964-54F60F0A632C}" dt="2022-12-08T17:44:37.760" v="839" actId="1076"/>
+          <ac:spMkLst>
+            <pc:docMk/>
+            <pc:sldMk cId="129174363" sldId="272"/>
+            <ac:spMk id="8" creationId="{C45BD5DB-8AC8-430F-DAD3-692E13F84EBD}"/>
+          </ac:spMkLst>
+        </pc:spChg>
+        <pc:spChg chg="del">
+          <ac:chgData name="Javier Patiño Serna" userId="S::jpatinos@eafit.edu.co::73276bcd-7ebe-4288-a77b-14e1e6e5189b" providerId="AD" clId="Web-{16A38915-6406-2129-2964-54F60F0A632C}" dt="2022-12-08T17:42:27.835" v="722"/>
+          <ac:spMkLst>
+            <pc:docMk/>
+            <pc:sldMk cId="129174363" sldId="272"/>
+            <ac:spMk id="11" creationId="{12DC135C-A5EA-6D2E-69FC-E6F10E88B004}"/>
+          </ac:spMkLst>
+        </pc:spChg>
+        <pc:spChg chg="add del mod">
+          <ac:chgData name="Javier Patiño Serna" userId="S::jpatinos@eafit.edu.co::73276bcd-7ebe-4288-a77b-14e1e6e5189b" providerId="AD" clId="Web-{16A38915-6406-2129-2964-54F60F0A632C}" dt="2022-12-08T17:55:35.556" v="891"/>
+          <ac:spMkLst>
+            <pc:docMk/>
+            <pc:sldMk cId="129174363" sldId="272"/>
+            <ac:spMk id="13" creationId="{6EE861A9-145D-CEDB-54FA-A3F400EEF07E}"/>
+          </ac:spMkLst>
+        </pc:spChg>
+        <pc:spChg chg="add mod">
+          <ac:chgData name="Javier Patiño Serna" userId="S::jpatinos@eafit.edu.co::73276bcd-7ebe-4288-a77b-14e1e6e5189b" providerId="AD" clId="Web-{16A38915-6406-2129-2964-54F60F0A632C}" dt="2022-12-08T17:59:24.749" v="978" actId="1076"/>
+          <ac:spMkLst>
+            <pc:docMk/>
+            <pc:sldMk cId="129174363" sldId="272"/>
+            <ac:spMk id="15" creationId="{E8789706-4650-4296-05E2-72B749A4B0D3}"/>
+          </ac:spMkLst>
+        </pc:spChg>
+        <pc:graphicFrameChg chg="del">
+          <ac:chgData name="Javier Patiño Serna" userId="S::jpatinos@eafit.edu.co::73276bcd-7ebe-4288-a77b-14e1e6e5189b" providerId="AD" clId="Web-{16A38915-6406-2129-2964-54F60F0A632C}" dt="2022-12-08T17:42:26.320" v="721"/>
+          <ac:graphicFrameMkLst>
+            <pc:docMk/>
+            <pc:sldMk cId="129174363" sldId="272"/>
+            <ac:graphicFrameMk id="9" creationId="{037ABE74-FD10-8F5D-A380-D672EB9484AF}"/>
+          </ac:graphicFrameMkLst>
+        </pc:graphicFrameChg>
+        <pc:graphicFrameChg chg="add mod modGraphic">
+          <ac:chgData name="Javier Patiño Serna" userId="S::jpatinos@eafit.edu.co::73276bcd-7ebe-4288-a77b-14e1e6e5189b" providerId="AD" clId="Web-{16A38915-6406-2129-2964-54F60F0A632C}" dt="2022-12-08T17:59:24.749" v="977" actId="1076"/>
+          <ac:graphicFrameMkLst>
+            <pc:docMk/>
+            <pc:sldMk cId="129174363" sldId="272"/>
+            <ac:graphicFrameMk id="14" creationId="{3475C563-3F8C-D560-C6DC-762A4272D403}"/>
+          </ac:graphicFrameMkLst>
+        </pc:graphicFrameChg>
+        <pc:picChg chg="add mod">
+          <ac:chgData name="Javier Patiño Serna" userId="S::jpatinos@eafit.edu.co::73276bcd-7ebe-4288-a77b-14e1e6e5189b" providerId="AD" clId="Web-{16A38915-6406-2129-2964-54F60F0A632C}" dt="2022-12-08T17:43:51.494" v="805" actId="1076"/>
+          <ac:picMkLst>
+            <pc:docMk/>
+            <pc:sldMk cId="129174363" sldId="272"/>
+            <ac:picMk id="5" creationId="{B37007A9-C037-F9E8-8444-E651A4E4D964}"/>
+          </ac:picMkLst>
+        </pc:picChg>
+        <pc:picChg chg="add del mod">
+          <ac:chgData name="Javier Patiño Serna" userId="S::jpatinos@eafit.edu.co::73276bcd-7ebe-4288-a77b-14e1e6e5189b" providerId="AD" clId="Web-{16A38915-6406-2129-2964-54F60F0A632C}" dt="2022-12-08T17:59:19.077" v="976"/>
+          <ac:picMkLst>
+            <pc:docMk/>
+            <pc:sldMk cId="129174363" sldId="272"/>
+            <ac:picMk id="17" creationId="{EFB5D6B1-8076-8B33-1300-1F72328C6C5C}"/>
+          </ac:picMkLst>
+        </pc:picChg>
+      </pc:sldChg>
+      <pc:sldChg chg="addSp delSp modSp add replId">
+        <pc:chgData name="Javier Patiño Serna" userId="S::jpatinos@eafit.edu.co::73276bcd-7ebe-4288-a77b-14e1e6e5189b" providerId="AD" clId="Web-{16A38915-6406-2129-2964-54F60F0A632C}" dt="2022-12-08T17:59:47.609" v="1010" actId="20577"/>
+        <pc:sldMkLst>
+          <pc:docMk/>
+          <pc:sldMk cId="677003340" sldId="273"/>
+        </pc:sldMkLst>
+        <pc:spChg chg="del">
+          <ac:chgData name="Javier Patiño Serna" userId="S::jpatinos@eafit.edu.co::73276bcd-7ebe-4288-a77b-14e1e6e5189b" providerId="AD" clId="Web-{16A38915-6406-2129-2964-54F60F0A632C}" dt="2022-12-08T17:59:32.468" v="985"/>
+          <ac:spMkLst>
+            <pc:docMk/>
+            <pc:sldMk cId="677003340" sldId="273"/>
+            <ac:spMk id="2" creationId="{2F65F154-8951-659F-C97A-8128093E5AE6}"/>
+          </ac:spMkLst>
+        </pc:spChg>
+        <pc:spChg chg="del">
+          <ac:chgData name="Javier Patiño Serna" userId="S::jpatinos@eafit.edu.co::73276bcd-7ebe-4288-a77b-14e1e6e5189b" providerId="AD" clId="Web-{16A38915-6406-2129-2964-54F60F0A632C}" dt="2022-12-08T17:59:32.468" v="983"/>
+          <ac:spMkLst>
+            <pc:docMk/>
+            <pc:sldMk cId="677003340" sldId="273"/>
+            <ac:spMk id="6" creationId="{88C8588E-AB24-6552-C3F1-EBCE176698DE}"/>
+          </ac:spMkLst>
+        </pc:spChg>
+        <pc:spChg chg="del">
+          <ac:chgData name="Javier Patiño Serna" userId="S::jpatinos@eafit.edu.co::73276bcd-7ebe-4288-a77b-14e1e6e5189b" providerId="AD" clId="Web-{16A38915-6406-2129-2964-54F60F0A632C}" dt="2022-12-08T17:59:32.468" v="986"/>
+          <ac:spMkLst>
+            <pc:docMk/>
+            <pc:sldMk cId="677003340" sldId="273"/>
+            <ac:spMk id="7" creationId="{5AFE8C22-0B93-3963-FE32-3608E35C5CBD}"/>
+          </ac:spMkLst>
+        </pc:spChg>
+        <pc:spChg chg="del">
+          <ac:chgData name="Javier Patiño Serna" userId="S::jpatinos@eafit.edu.co::73276bcd-7ebe-4288-a77b-14e1e6e5189b" providerId="AD" clId="Web-{16A38915-6406-2129-2964-54F60F0A632C}" dt="2022-12-08T17:59:32.468" v="982"/>
+          <ac:spMkLst>
+            <pc:docMk/>
+            <pc:sldMk cId="677003340" sldId="273"/>
+            <ac:spMk id="8" creationId="{C45BD5DB-8AC8-430F-DAD3-692E13F84EBD}"/>
+          </ac:spMkLst>
+        </pc:spChg>
+        <pc:spChg chg="add mod">
+          <ac:chgData name="Javier Patiño Serna" userId="S::jpatinos@eafit.edu.co::73276bcd-7ebe-4288-a77b-14e1e6e5189b" providerId="AD" clId="Web-{16A38915-6406-2129-2964-54F60F0A632C}" dt="2022-12-08T17:59:47.609" v="1010" actId="20577"/>
+          <ac:spMkLst>
+            <pc:docMk/>
+            <pc:sldMk cId="677003340" sldId="273"/>
             <ac:spMk id="11" creationId="{01374E51-6828-44B9-7546-7D6DD19748D1}"/>
           </ac:spMkLst>
         </pc:spChg>
         <pc:spChg chg="del">
-          <ac:chgData name="Cristian Castro Arias" userId="S::ccastroa@eafit.edu.co::be24d1df-70db-473d-97ae-2a9982a38bd8" providerId="AD" clId="Web-{34635944-ABBD-47B7-7AEA-32DEB677FEA5}" dt="2022-12-09T03:20:06.967" v="9"/>
-          <ac:spMkLst>
-            <pc:docMk/>
-            <pc:sldMk cId="3748891991" sldId="285"/>
-            <ac:spMk id="13" creationId="{B4AA2761-4FA0-0CF2-C32B-D0D731708A46}"/>
-          </ac:spMkLst>
-        </pc:spChg>
-        <pc:spChg chg="add">
-          <ac:chgData name="Cristian Castro Arias" userId="S::ccastroa@eafit.edu.co::be24d1df-70db-473d-97ae-2a9982a38bd8" providerId="AD" clId="Web-{34635944-ABBD-47B7-7AEA-32DEB677FEA5}" dt="2022-12-09T03:20:57.375" v="15"/>
-          <ac:spMkLst>
-            <pc:docMk/>
-            <pc:sldMk cId="3748891991" sldId="285"/>
-            <ac:spMk id="14" creationId="{0B23DB37-735C-F41E-4595-3393B111979C}"/>
-          </ac:spMkLst>
-        </pc:spChg>
-        <pc:spChg chg="add">
-          <ac:chgData name="Cristian Castro Arias" userId="S::ccastroa@eafit.edu.co::be24d1df-70db-473d-97ae-2a9982a38bd8" providerId="AD" clId="Web-{34635944-ABBD-47B7-7AEA-32DEB677FEA5}" dt="2022-12-09T03:20:57.391" v="16"/>
-          <ac:spMkLst>
-            <pc:docMk/>
-            <pc:sldMk cId="3748891991" sldId="285"/>
-            <ac:spMk id="17" creationId="{F9890DC5-8C98-F592-C244-2D96D5BE0756}"/>
-          </ac:spMkLst>
-        </pc:spChg>
-        <pc:graphicFrameChg chg="del mod modGraphic">
-          <ac:chgData name="Cristian Castro Arias" userId="S::ccastroa@eafit.edu.co::be24d1df-70db-473d-97ae-2a9982a38bd8" providerId="AD" clId="Web-{34635944-ABBD-47B7-7AEA-32DEB677FEA5}" dt="2022-12-09T03:19:57.967" v="5"/>
+          <ac:chgData name="Javier Patiño Serna" userId="S::jpatinos@eafit.edu.co::73276bcd-7ebe-4288-a77b-14e1e6e5189b" providerId="AD" clId="Web-{16A38915-6406-2129-2964-54F60F0A632C}" dt="2022-12-08T17:59:32.468" v="980"/>
+          <ac:spMkLst>
+            <pc:docMk/>
+            <pc:sldMk cId="677003340" sldId="273"/>
+            <ac:spMk id="15" creationId="{E8789706-4650-4296-05E2-72B749A4B0D3}"/>
+          </ac:spMkLst>
+        </pc:spChg>
+        <pc:graphicFrameChg chg="del">
+          <ac:chgData name="Javier Patiño Serna" userId="S::jpatinos@eafit.edu.co::73276bcd-7ebe-4288-a77b-14e1e6e5189b" providerId="AD" clId="Web-{16A38915-6406-2129-2964-54F60F0A632C}" dt="2022-12-08T17:59:32.468" v="981"/>
           <ac:graphicFrameMkLst>
             <pc:docMk/>
-            <pc:sldMk cId="3748891991" sldId="285"/>
-            <ac:graphicFrameMk id="2" creationId="{0828EE45-F3BF-2BD0-5D4E-A032118F7FDE}"/>
+            <pc:sldMk cId="677003340" sldId="273"/>
+            <ac:graphicFrameMk id="14" creationId="{3475C563-3F8C-D560-C6DC-762A4272D403}"/>
           </ac:graphicFrameMkLst>
         </pc:graphicFrameChg>
         <pc:picChg chg="del">
-          <ac:chgData name="Cristian Castro Arias" userId="S::ccastroa@eafit.edu.co::be24d1df-70db-473d-97ae-2a9982a38bd8" providerId="AD" clId="Web-{34635944-ABBD-47B7-7AEA-32DEB677FEA5}" dt="2022-12-09T03:20:01.514" v="7"/>
+          <ac:chgData name="Javier Patiño Serna" userId="S::jpatinos@eafit.edu.co::73276bcd-7ebe-4288-a77b-14e1e6e5189b" providerId="AD" clId="Web-{16A38915-6406-2129-2964-54F60F0A632C}" dt="2022-12-08T17:59:32.468" v="984"/>
           <ac:picMkLst>
             <pc:docMk/>
-            <pc:sldMk cId="3748891991" sldId="285"/>
-            <ac:picMk id="6" creationId="{07EF319B-7DCC-A0E4-9558-14EC5B0FA8B8}"/>
+            <pc:sldMk cId="677003340" sldId="273"/>
+            <ac:picMk id="5" creationId="{B37007A9-C037-F9E8-8444-E651A4E4D964}"/>
           </ac:picMkLst>
         </pc:picChg>
-      </pc:sldChg>
-      <pc:sldChg chg="add del replId">
-        <pc:chgData name="Cristian Castro Arias" userId="S::ccastroa@eafit.edu.co::be24d1df-70db-473d-97ae-2a9982a38bd8" providerId="AD" clId="Web-{34635944-ABBD-47B7-7AEA-32DEB677FEA5}" dt="2022-12-09T03:20:24.296" v="11"/>
-        <pc:sldMkLst>
-          <pc:docMk/>
-          <pc:sldMk cId="866350705" sldId="286"/>
-        </pc:sldMkLst>
-      </pc:sldChg>
-      <pc:sldChg chg="add replId">
-        <pc:chgData name="Cristian Castro Arias" userId="S::ccastroa@eafit.edu.co::be24d1df-70db-473d-97ae-2a9982a38bd8" providerId="AD" clId="Web-{34635944-ABBD-47B7-7AEA-32DEB677FEA5}" dt="2022-12-09T03:21:43.392" v="18"/>
-        <pc:sldMkLst>
-          <pc:docMk/>
-          <pc:sldMk cId="3575864638" sldId="286"/>
-        </pc:sldMkLst>
       </pc:sldChg>
     </pc:docChg>
   </pc:docChgLst>
@@ -1118,94 +3288,182 @@
     </pc:docChg>
   </pc:docChgLst>
   <pc:docChgLst>
-    <pc:chgData name="Cristian Castro Arias" userId="S::ccastroa@eafit.edu.co::be24d1df-70db-473d-97ae-2a9982a38bd8" providerId="AD" clId="Web-{1505CB1A-B4D2-3C56-1495-59B25C0F4CFB}"/>
-    <pc:docChg chg="addSld delSld modSld">
-      <pc:chgData name="Cristian Castro Arias" userId="S::ccastroa@eafit.edu.co::be24d1df-70db-473d-97ae-2a9982a38bd8" providerId="AD" clId="Web-{1505CB1A-B4D2-3C56-1495-59B25C0F4CFB}" dt="2022-12-09T03:15:49.772" v="21"/>
+    <pc:chgData name="Cristian Castro Arias" userId="S::ccastroa@eafit.edu.co::be24d1df-70db-473d-97ae-2a9982a38bd8" providerId="AD" clId="Web-{007702A2-32CD-A37A-D4CF-482D40CF727C}"/>
+    <pc:docChg chg="addSld modSld sldOrd">
+      <pc:chgData name="Cristian Castro Arias" userId="S::ccastroa@eafit.edu.co::be24d1df-70db-473d-97ae-2a9982a38bd8" providerId="AD" clId="Web-{007702A2-32CD-A37A-D4CF-482D40CF727C}" dt="2022-12-07T17:10:04.844" v="9"/>
       <pc:docMkLst>
         <pc:docMk/>
       </pc:docMkLst>
-      <pc:sldChg chg="del">
-        <pc:chgData name="Cristian Castro Arias" userId="S::ccastroa@eafit.edu.co::be24d1df-70db-473d-97ae-2a9982a38bd8" providerId="AD" clId="Web-{1505CB1A-B4D2-3C56-1495-59B25C0F4CFB}" dt="2022-12-09T03:15:46.084" v="20"/>
+      <pc:sldChg chg="modSp ord">
+        <pc:chgData name="Cristian Castro Arias" userId="S::ccastroa@eafit.edu.co::be24d1df-70db-473d-97ae-2a9982a38bd8" providerId="AD" clId="Web-{007702A2-32CD-A37A-D4CF-482D40CF727C}" dt="2022-12-07T17:09:38.078" v="7" actId="20577"/>
         <pc:sldMkLst>
           <pc:docMk/>
-          <pc:sldMk cId="4009866458" sldId="268"/>
+          <pc:sldMk cId="497754927" sldId="259"/>
+        </pc:sldMkLst>
+        <pc:spChg chg="mod">
+          <ac:chgData name="Cristian Castro Arias" userId="S::ccastroa@eafit.edu.co::be24d1df-70db-473d-97ae-2a9982a38bd8" providerId="AD" clId="Web-{007702A2-32CD-A37A-D4CF-482D40CF727C}" dt="2022-12-07T17:09:38.078" v="7" actId="20577"/>
+          <ac:spMkLst>
+            <pc:docMk/>
+            <pc:sldMk cId="497754927" sldId="259"/>
+            <ac:spMk id="8" creationId="{6C84337B-8CF9-736F-3295-9E1D6FA97EC1}"/>
+          </ac:spMkLst>
+        </pc:spChg>
+        <pc:spChg chg="mod">
+          <ac:chgData name="Cristian Castro Arias" userId="S::ccastroa@eafit.edu.co::be24d1df-70db-473d-97ae-2a9982a38bd8" providerId="AD" clId="Web-{007702A2-32CD-A37A-D4CF-482D40CF727C}" dt="2022-12-07T17:09:38.015" v="5" actId="20577"/>
+          <ac:spMkLst>
+            <pc:docMk/>
+            <pc:sldMk cId="497754927" sldId="259"/>
+            <ac:spMk id="16" creationId="{4D73FAA3-2CB6-5F50-577D-A0BC3C1E9819}"/>
+          </ac:spMkLst>
+        </pc:spChg>
+      </pc:sldChg>
+      <pc:sldChg chg="modSp add ord replId">
+        <pc:chgData name="Cristian Castro Arias" userId="S::ccastroa@eafit.edu.co::be24d1df-70db-473d-97ae-2a9982a38bd8" providerId="AD" clId="Web-{007702A2-32CD-A37A-D4CF-482D40CF727C}" dt="2022-12-07T17:09:41.609" v="8" actId="20577"/>
+        <pc:sldMkLst>
+          <pc:docMk/>
+          <pc:sldMk cId="3206464282" sldId="260"/>
+        </pc:sldMkLst>
+        <pc:spChg chg="mod">
+          <ac:chgData name="Cristian Castro Arias" userId="S::ccastroa@eafit.edu.co::be24d1df-70db-473d-97ae-2a9982a38bd8" providerId="AD" clId="Web-{007702A2-32CD-A37A-D4CF-482D40CF727C}" dt="2022-12-07T17:09:41.609" v="8" actId="20577"/>
+          <ac:spMkLst>
+            <pc:docMk/>
+            <pc:sldMk cId="3206464282" sldId="260"/>
+            <ac:spMk id="8" creationId="{6C84337B-8CF9-736F-3295-9E1D6FA97EC1}"/>
+          </ac:spMkLst>
+        </pc:spChg>
+        <pc:spChg chg="mod">
+          <ac:chgData name="Cristian Castro Arias" userId="S::ccastroa@eafit.edu.co::be24d1df-70db-473d-97ae-2a9982a38bd8" providerId="AD" clId="Web-{007702A2-32CD-A37A-D4CF-482D40CF727C}" dt="2022-12-07T17:09:09.890" v="4" actId="20577"/>
+          <ac:spMkLst>
+            <pc:docMk/>
+            <pc:sldMk cId="3206464282" sldId="260"/>
+            <ac:spMk id="16" creationId="{4D73FAA3-2CB6-5F50-577D-A0BC3C1E9819}"/>
+          </ac:spMkLst>
+        </pc:spChg>
+      </pc:sldChg>
+      <pc:sldChg chg="add replId">
+        <pc:chgData name="Cristian Castro Arias" userId="S::ccastroa@eafit.edu.co::be24d1df-70db-473d-97ae-2a9982a38bd8" providerId="AD" clId="Web-{007702A2-32CD-A37A-D4CF-482D40CF727C}" dt="2022-12-07T17:10:04.844" v="9"/>
+        <pc:sldMkLst>
+          <pc:docMk/>
+          <pc:sldMk cId="218370719" sldId="261"/>
         </pc:sldMkLst>
       </pc:sldChg>
-      <pc:sldChg chg="del">
-        <pc:chgData name="Cristian Castro Arias" userId="S::ccastroa@eafit.edu.co::be24d1df-70db-473d-97ae-2a9982a38bd8" providerId="AD" clId="Web-{1505CB1A-B4D2-3C56-1495-59B25C0F4CFB}" dt="2022-12-09T03:15:49.772" v="21"/>
+    </pc:docChg>
+  </pc:docChgLst>
+  <pc:docChgLst>
+    <pc:chgData name="Javier Patiño Serna" userId="S::jpatinos@eafit.edu.co::73276bcd-7ebe-4288-a77b-14e1e6e5189b" providerId="AD" clId="Web-{8F6B66D3-EE7B-CD6B-67DA-B4C7874F7ED2}"/>
+    <pc:docChg chg="modSld">
+      <pc:chgData name="Javier Patiño Serna" userId="S::jpatinos@eafit.edu.co::73276bcd-7ebe-4288-a77b-14e1e6e5189b" providerId="AD" clId="Web-{8F6B66D3-EE7B-CD6B-67DA-B4C7874F7ED2}" dt="2022-12-08T19:19:59.383" v="102" actId="20577"/>
+      <pc:docMkLst>
+        <pc:docMk/>
+      </pc:docMkLst>
+      <pc:sldChg chg="modSp">
+        <pc:chgData name="Javier Patiño Serna" userId="S::jpatinos@eafit.edu.co::73276bcd-7ebe-4288-a77b-14e1e6e5189b" providerId="AD" clId="Web-{8F6B66D3-EE7B-CD6B-67DA-B4C7874F7ED2}" dt="2022-12-08T19:19:31.163" v="34" actId="20577"/>
         <pc:sldMkLst>
           <pc:docMk/>
-          <pc:sldMk cId="3362010317" sldId="281"/>
+          <pc:sldMk cId="129174363" sldId="272"/>
         </pc:sldMkLst>
+        <pc:spChg chg="mod">
+          <ac:chgData name="Javier Patiño Serna" userId="S::jpatinos@eafit.edu.co::73276bcd-7ebe-4288-a77b-14e1e6e5189b" providerId="AD" clId="Web-{8F6B66D3-EE7B-CD6B-67DA-B4C7874F7ED2}" dt="2022-12-08T19:19:31.163" v="34" actId="20577"/>
+          <ac:spMkLst>
+            <pc:docMk/>
+            <pc:sldMk cId="129174363" sldId="272"/>
+            <ac:spMk id="8" creationId="{C45BD5DB-8AC8-430F-DAD3-692E13F84EBD}"/>
+          </ac:spMkLst>
+        </pc:spChg>
       </pc:sldChg>
-      <pc:sldChg chg="addSp delSp modSp add replId">
-        <pc:chgData name="Cristian Castro Arias" userId="S::ccastroa@eafit.edu.co::be24d1df-70db-473d-97ae-2a9982a38bd8" providerId="AD" clId="Web-{1505CB1A-B4D2-3C56-1495-59B25C0F4CFB}" dt="2022-12-09T03:15:38.959" v="19" actId="20577"/>
+      <pc:sldChg chg="addSp modSp">
+        <pc:chgData name="Javier Patiño Serna" userId="S::jpatinos@eafit.edu.co::73276bcd-7ebe-4288-a77b-14e1e6e5189b" providerId="AD" clId="Web-{8F6B66D3-EE7B-CD6B-67DA-B4C7874F7ED2}" dt="2022-12-08T19:19:59.383" v="102" actId="20577"/>
         <pc:sldMkLst>
           <pc:docMk/>
-          <pc:sldMk cId="4107087460" sldId="284"/>
+          <pc:sldMk cId="677003340" sldId="273"/>
         </pc:sldMkLst>
-        <pc:spChg chg="mod">
-          <ac:chgData name="Cristian Castro Arias" userId="S::ccastroa@eafit.edu.co::be24d1df-70db-473d-97ae-2a9982a38bd8" providerId="AD" clId="Web-{1505CB1A-B4D2-3C56-1495-59B25C0F4CFB}" dt="2022-12-09T03:15:38.959" v="19" actId="20577"/>
-          <ac:spMkLst>
-            <pc:docMk/>
-            <pc:sldMk cId="4107087460" sldId="284"/>
-            <ac:spMk id="8" creationId="{6C84337B-8CF9-736F-3295-9E1D6FA97EC1}"/>
+        <pc:spChg chg="add mod">
+          <ac:chgData name="Javier Patiño Serna" userId="S::jpatinos@eafit.edu.co::73276bcd-7ebe-4288-a77b-14e1e6e5189b" providerId="AD" clId="Web-{8F6B66D3-EE7B-CD6B-67DA-B4C7874F7ED2}" dt="2022-12-08T19:19:51.586" v="91" actId="20577"/>
+          <ac:spMkLst>
+            <pc:docMk/>
+            <pc:sldMk cId="677003340" sldId="273"/>
+            <ac:spMk id="7" creationId="{86F75E8A-7FFA-BBA2-2A36-B2BEB1317CDE}"/>
+          </ac:spMkLst>
+        </pc:spChg>
+        <pc:spChg chg="add mod">
+          <ac:chgData name="Javier Patiño Serna" userId="S::jpatinos@eafit.edu.co::73276bcd-7ebe-4288-a77b-14e1e6e5189b" providerId="AD" clId="Web-{8F6B66D3-EE7B-CD6B-67DA-B4C7874F7ED2}" dt="2022-12-08T19:19:59.383" v="102" actId="20577"/>
+          <ac:spMkLst>
+            <pc:docMk/>
+            <pc:sldMk cId="677003340" sldId="273"/>
+            <ac:spMk id="8" creationId="{6EDA4361-6A65-B4FA-44F4-55390252A1DA}"/>
           </ac:spMkLst>
         </pc:spChg>
         <pc:picChg chg="add mod">
-          <ac:chgData name="Cristian Castro Arias" userId="S::ccastroa@eafit.edu.co::be24d1df-70db-473d-97ae-2a9982a38bd8" providerId="AD" clId="Web-{1505CB1A-B4D2-3C56-1495-59B25C0F4CFB}" dt="2022-12-09T03:15:20.631" v="15" actId="14100"/>
+          <ac:chgData name="Javier Patiño Serna" userId="S::jpatinos@eafit.edu.co::73276bcd-7ebe-4288-a77b-14e1e6e5189b" providerId="AD" clId="Web-{8F6B66D3-EE7B-CD6B-67DA-B4C7874F7ED2}" dt="2022-12-08T19:16:27.558" v="19" actId="1076"/>
           <ac:picMkLst>
             <pc:docMk/>
-            <pc:sldMk cId="4107087460" sldId="284"/>
-            <ac:picMk id="2" creationId="{2E36C26F-B53B-FB7F-B590-8EA3031D3034}"/>
+            <pc:sldMk cId="677003340" sldId="273"/>
+            <ac:picMk id="2" creationId="{CF61499F-A08D-1683-6627-0B78815C0888}"/>
           </ac:picMkLst>
         </pc:picChg>
-        <pc:picChg chg="del">
-          <ac:chgData name="Cristian Castro Arias" userId="S::ccastroa@eafit.edu.co::be24d1df-70db-473d-97ae-2a9982a38bd8" providerId="AD" clId="Web-{1505CB1A-B4D2-3C56-1495-59B25C0F4CFB}" dt="2022-12-09T03:14:46.130" v="1"/>
+        <pc:picChg chg="add mod">
+          <ac:chgData name="Javier Patiño Serna" userId="S::jpatinos@eafit.edu.co::73276bcd-7ebe-4288-a77b-14e1e6e5189b" providerId="AD" clId="Web-{8F6B66D3-EE7B-CD6B-67DA-B4C7874F7ED2}" dt="2022-12-08T19:19:11.536" v="24" actId="14100"/>
           <ac:picMkLst>
             <pc:docMk/>
-            <pc:sldMk cId="4107087460" sldId="284"/>
-            <ac:picMk id="3" creationId="{2F8019D9-FA46-D85F-1348-4A58A9B8FBD2}"/>
+            <pc:sldMk cId="677003340" sldId="273"/>
+            <ac:picMk id="5" creationId="{E85B8B06-2F67-76A3-295E-5CAFE3F4936E}"/>
           </ac:picMkLst>
         </pc:picChg>
       </pc:sldChg>
     </pc:docChg>
   </pc:docChgLst>
   <pc:docChgLst>
-    <pc:chgData name="Cristian Castro Arias" userId="S::ccastroa@eafit.edu.co::be24d1df-70db-473d-97ae-2a9982a38bd8" providerId="AD" clId="Web-{800812D7-EA78-079E-F373-F500EF30C8D0}"/>
-    <pc:docChg chg="addSld modSld">
-      <pc:chgData name="Cristian Castro Arias" userId="S::ccastroa@eafit.edu.co::be24d1df-70db-473d-97ae-2a9982a38bd8" providerId="AD" clId="Web-{800812D7-EA78-079E-F373-F500EF30C8D0}" dt="2022-12-07T18:23:06.381" v="3"/>
+    <pc:chgData name="Sandra Marcela Diaz Cordero" userId="S::smdiazc@eafit.edu.co::75d8c3d6-ed6c-4721-a95e-02435709600f" providerId="AD" clId="Web-{953DB1D6-A029-E5A4-A509-372B3AD0C5D0}"/>
+    <pc:docChg chg="modSld">
+      <pc:chgData name="Sandra Marcela Diaz Cordero" userId="S::smdiazc@eafit.edu.co::75d8c3d6-ed6c-4721-a95e-02435709600f" providerId="AD" clId="Web-{953DB1D6-A029-E5A4-A509-372B3AD0C5D0}" dt="2022-12-10T03:05:25.375" v="160" actId="1076"/>
       <pc:docMkLst>
         <pc:docMk/>
       </pc:docMkLst>
-      <pc:sldChg chg="modSp">
-        <pc:chgData name="Cristian Castro Arias" userId="S::ccastroa@eafit.edu.co::be24d1df-70db-473d-97ae-2a9982a38bd8" providerId="AD" clId="Web-{800812D7-EA78-079E-F373-F500EF30C8D0}" dt="2022-12-07T18:20:59.502" v="1" actId="20577"/>
+      <pc:sldChg chg="addSp modSp">
+        <pc:chgData name="Sandra Marcela Diaz Cordero" userId="S::smdiazc@eafit.edu.co::75d8c3d6-ed6c-4721-a95e-02435709600f" providerId="AD" clId="Web-{953DB1D6-A029-E5A4-A509-372B3AD0C5D0}" dt="2022-12-10T03:05:25.375" v="160" actId="1076"/>
         <pc:sldMkLst>
           <pc:docMk/>
-          <pc:sldMk cId="4215523861" sldId="264"/>
+          <pc:sldMk cId="860038365" sldId="280"/>
+        </pc:sldMkLst>
+        <pc:spChg chg="add mod">
+          <ac:chgData name="Sandra Marcela Diaz Cordero" userId="S::smdiazc@eafit.edu.co::75d8c3d6-ed6c-4721-a95e-02435709600f" providerId="AD" clId="Web-{953DB1D6-A029-E5A4-A509-372B3AD0C5D0}" dt="2022-12-10T03:04:44.420" v="132" actId="1076"/>
+          <ac:spMkLst>
+            <pc:docMk/>
+            <pc:sldMk cId="860038365" sldId="280"/>
+            <ac:spMk id="3" creationId="{26705F70-D4B7-BB14-710E-D716C4D63795}"/>
+          </ac:spMkLst>
+        </pc:spChg>
+        <pc:spChg chg="add mod">
+          <ac:chgData name="Sandra Marcela Diaz Cordero" userId="S::smdiazc@eafit.edu.co::75d8c3d6-ed6c-4721-a95e-02435709600f" providerId="AD" clId="Web-{953DB1D6-A029-E5A4-A509-372B3AD0C5D0}" dt="2022-12-10T03:05:25.375" v="160" actId="1076"/>
+          <ac:spMkLst>
+            <pc:docMk/>
+            <pc:sldMk cId="860038365" sldId="280"/>
+            <ac:spMk id="4" creationId="{370EF800-803C-E1E4-EDC9-9890B54D6B84}"/>
+          </ac:spMkLst>
+        </pc:spChg>
+      </pc:sldChg>
+      <pc:sldChg chg="modSp">
+        <pc:chgData name="Sandra Marcela Diaz Cordero" userId="S::smdiazc@eafit.edu.co::75d8c3d6-ed6c-4721-a95e-02435709600f" providerId="AD" clId="Web-{953DB1D6-A029-E5A4-A509-372B3AD0C5D0}" dt="2022-12-10T03:03:35.526" v="127" actId="1076"/>
+        <pc:sldMkLst>
+          <pc:docMk/>
+          <pc:sldMk cId="3748891991" sldId="285"/>
         </pc:sldMkLst>
         <pc:spChg chg="mod">
-          <ac:chgData name="Cristian Castro Arias" userId="S::ccastroa@eafit.edu.co::be24d1df-70db-473d-97ae-2a9982a38bd8" providerId="AD" clId="Web-{800812D7-EA78-079E-F373-F500EF30C8D0}" dt="2022-12-07T18:20:59.502" v="1" actId="20577"/>
-          <ac:spMkLst>
-            <pc:docMk/>
-            <pc:sldMk cId="4215523861" sldId="264"/>
-            <ac:spMk id="8" creationId="{6C84337B-8CF9-736F-3295-9E1D6FA97EC1}"/>
-          </ac:spMkLst>
-        </pc:spChg>
-      </pc:sldChg>
-      <pc:sldChg chg="new">
-        <pc:chgData name="Cristian Castro Arias" userId="S::ccastroa@eafit.edu.co::be24d1df-70db-473d-97ae-2a9982a38bd8" providerId="AD" clId="Web-{800812D7-EA78-079E-F373-F500EF30C8D0}" dt="2022-12-07T18:23:06.287" v="2"/>
-        <pc:sldMkLst>
-          <pc:docMk/>
-          <pc:sldMk cId="837064794" sldId="265"/>
-        </pc:sldMkLst>
-      </pc:sldChg>
-      <pc:sldChg chg="add replId">
-        <pc:chgData name="Cristian Castro Arias" userId="S::ccastroa@eafit.edu.co::be24d1df-70db-473d-97ae-2a9982a38bd8" providerId="AD" clId="Web-{800812D7-EA78-079E-F373-F500EF30C8D0}" dt="2022-12-07T18:23:06.381" v="3"/>
-        <pc:sldMkLst>
-          <pc:docMk/>
-          <pc:sldMk cId="270035790" sldId="266"/>
-        </pc:sldMkLst>
+          <ac:chgData name="Sandra Marcela Diaz Cordero" userId="S::smdiazc@eafit.edu.co::75d8c3d6-ed6c-4721-a95e-02435709600f" providerId="AD" clId="Web-{953DB1D6-A029-E5A4-A509-372B3AD0C5D0}" dt="2022-12-10T03:02:58.587" v="126" actId="20577"/>
+          <ac:spMkLst>
+            <pc:docMk/>
+            <pc:sldMk cId="3748891991" sldId="285"/>
+            <ac:spMk id="14" creationId="{0B23DB37-735C-F41E-4595-3393B111979C}"/>
+          </ac:spMkLst>
+        </pc:spChg>
+        <pc:spChg chg="mod">
+          <ac:chgData name="Sandra Marcela Diaz Cordero" userId="S::smdiazc@eafit.edu.co::75d8c3d6-ed6c-4721-a95e-02435709600f" providerId="AD" clId="Web-{953DB1D6-A029-E5A4-A509-372B3AD0C5D0}" dt="2022-12-10T03:03:35.526" v="127" actId="1076"/>
+          <ac:spMkLst>
+            <pc:docMk/>
+            <pc:sldMk cId="3748891991" sldId="285"/>
+            <ac:spMk id="17" creationId="{F9890DC5-8C98-F592-C244-2D96D5BE0756}"/>
+          </ac:spMkLst>
+        </pc:spChg>
       </pc:sldChg>
     </pc:docChg>
   </pc:docChgLst>
@@ -1241,2213 +3499,205 @@
     </pc:docChg>
   </pc:docChgLst>
   <pc:docChgLst>
-    <pc:chgData name="Sandra Marcela Diaz Cordero" userId="S::smdiazc@eafit.edu.co::75d8c3d6-ed6c-4721-a95e-02435709600f" providerId="AD" clId="Web-{75428C76-38BD-8EEA-E8CA-C0C4CFE39436}"/>
-    <pc:docChg chg="delSld modSld sldOrd">
-      <pc:chgData name="Sandra Marcela Diaz Cordero" userId="S::smdiazc@eafit.edu.co::75d8c3d6-ed6c-4721-a95e-02435709600f" providerId="AD" clId="Web-{75428C76-38BD-8EEA-E8CA-C0C4CFE39436}" dt="2022-12-08T22:37:20.286" v="22"/>
+    <pc:chgData name="Cristian Castro Arias" userId="S::ccastroa@eafit.edu.co::be24d1df-70db-473d-97ae-2a9982a38bd8" providerId="AD" clId="Web-{34635944-ABBD-47B7-7AEA-32DEB677FEA5}"/>
+    <pc:docChg chg="addSld delSld modSld sldOrd">
+      <pc:chgData name="Cristian Castro Arias" userId="S::ccastroa@eafit.edu.co::be24d1df-70db-473d-97ae-2a9982a38bd8" providerId="AD" clId="Web-{34635944-ABBD-47B7-7AEA-32DEB677FEA5}" dt="2022-12-09T03:22:47.003" v="29"/>
       <pc:docMkLst>
         <pc:docMk/>
       </pc:docMkLst>
       <pc:sldChg chg="del">
-        <pc:chgData name="Sandra Marcela Diaz Cordero" userId="S::smdiazc@eafit.edu.co::75d8c3d6-ed6c-4721-a95e-02435709600f" providerId="AD" clId="Web-{75428C76-38BD-8EEA-E8CA-C0C4CFE39436}" dt="2022-12-08T22:37:20.286" v="22"/>
-        <pc:sldMkLst>
-          <pc:docMk/>
-          <pc:sldMk cId="2427641800" sldId="257"/>
-        </pc:sldMkLst>
-      </pc:sldChg>
-      <pc:sldChg chg="ord">
-        <pc:chgData name="Sandra Marcela Diaz Cordero" userId="S::smdiazc@eafit.edu.co::75d8c3d6-ed6c-4721-a95e-02435709600f" providerId="AD" clId="Web-{75428C76-38BD-8EEA-E8CA-C0C4CFE39436}" dt="2022-12-08T22:37:11.770" v="21"/>
-        <pc:sldMkLst>
-          <pc:docMk/>
-          <pc:sldMk cId="4009866458" sldId="268"/>
-        </pc:sldMkLst>
-      </pc:sldChg>
-      <pc:sldChg chg="addSp delSp modSp">
-        <pc:chgData name="Sandra Marcela Diaz Cordero" userId="S::smdiazc@eafit.edu.co::75d8c3d6-ed6c-4721-a95e-02435709600f" providerId="AD" clId="Web-{75428C76-38BD-8EEA-E8CA-C0C4CFE39436}" dt="2022-12-08T22:36:42.628" v="19" actId="1076"/>
-        <pc:sldMkLst>
-          <pc:docMk/>
-          <pc:sldMk cId="3362010317" sldId="281"/>
-        </pc:sldMkLst>
-        <pc:spChg chg="mod">
-          <ac:chgData name="Sandra Marcela Diaz Cordero" userId="S::smdiazc@eafit.edu.co::75d8c3d6-ed6c-4721-a95e-02435709600f" providerId="AD" clId="Web-{75428C76-38BD-8EEA-E8CA-C0C4CFE39436}" dt="2022-12-08T22:36:36.549" v="18" actId="20577"/>
-          <ac:spMkLst>
-            <pc:docMk/>
-            <pc:sldMk cId="3362010317" sldId="281"/>
-            <ac:spMk id="3" creationId="{ADAAD70B-23D3-328D-F1F9-1C5B17B16F6E}"/>
-          </ac:spMkLst>
-        </pc:spChg>
-        <pc:picChg chg="add mod">
-          <ac:chgData name="Sandra Marcela Diaz Cordero" userId="S::smdiazc@eafit.edu.co::75d8c3d6-ed6c-4721-a95e-02435709600f" providerId="AD" clId="Web-{75428C76-38BD-8EEA-E8CA-C0C4CFE39436}" dt="2022-12-08T22:36:42.628" v="19" actId="1076"/>
-          <ac:picMkLst>
-            <pc:docMk/>
-            <pc:sldMk cId="3362010317" sldId="281"/>
-            <ac:picMk id="2" creationId="{67BEC276-8AA6-273B-C135-3A6E3FE0ECDC}"/>
-          </ac:picMkLst>
-        </pc:picChg>
-        <pc:picChg chg="del">
-          <ac:chgData name="Sandra Marcela Diaz Cordero" userId="S::smdiazc@eafit.edu.co::75d8c3d6-ed6c-4721-a95e-02435709600f" providerId="AD" clId="Web-{75428C76-38BD-8EEA-E8CA-C0C4CFE39436}" dt="2022-12-08T22:35:52.625" v="4"/>
-          <ac:picMkLst>
-            <pc:docMk/>
-            <pc:sldMk cId="3362010317" sldId="281"/>
-            <ac:picMk id="4" creationId="{634C13E9-8655-5DB1-D2E2-E6F70FC16D7E}"/>
-          </ac:picMkLst>
-        </pc:picChg>
-      </pc:sldChg>
-    </pc:docChg>
-  </pc:docChgLst>
-  <pc:docChgLst>
-    <pc:chgData name="Cristian Castro Arias" userId="S::ccastroa@eafit.edu.co::be24d1df-70db-473d-97ae-2a9982a38bd8" providerId="AD" clId="Web-{007702A2-32CD-A37A-D4CF-482D40CF727C}"/>
-    <pc:docChg chg="addSld modSld sldOrd">
-      <pc:chgData name="Cristian Castro Arias" userId="S::ccastroa@eafit.edu.co::be24d1df-70db-473d-97ae-2a9982a38bd8" providerId="AD" clId="Web-{007702A2-32CD-A37A-D4CF-482D40CF727C}" dt="2022-12-07T17:10:04.844" v="9"/>
-      <pc:docMkLst>
-        <pc:docMk/>
-      </pc:docMkLst>
-      <pc:sldChg chg="modSp ord">
-        <pc:chgData name="Cristian Castro Arias" userId="S::ccastroa@eafit.edu.co::be24d1df-70db-473d-97ae-2a9982a38bd8" providerId="AD" clId="Web-{007702A2-32CD-A37A-D4CF-482D40CF727C}" dt="2022-12-07T17:09:38.078" v="7" actId="20577"/>
-        <pc:sldMkLst>
-          <pc:docMk/>
-          <pc:sldMk cId="497754927" sldId="259"/>
-        </pc:sldMkLst>
-        <pc:spChg chg="mod">
-          <ac:chgData name="Cristian Castro Arias" userId="S::ccastroa@eafit.edu.co::be24d1df-70db-473d-97ae-2a9982a38bd8" providerId="AD" clId="Web-{007702A2-32CD-A37A-D4CF-482D40CF727C}" dt="2022-12-07T17:09:38.078" v="7" actId="20577"/>
-          <ac:spMkLst>
-            <pc:docMk/>
-            <pc:sldMk cId="497754927" sldId="259"/>
-            <ac:spMk id="8" creationId="{6C84337B-8CF9-736F-3295-9E1D6FA97EC1}"/>
-          </ac:spMkLst>
-        </pc:spChg>
-        <pc:spChg chg="mod">
-          <ac:chgData name="Cristian Castro Arias" userId="S::ccastroa@eafit.edu.co::be24d1df-70db-473d-97ae-2a9982a38bd8" providerId="AD" clId="Web-{007702A2-32CD-A37A-D4CF-482D40CF727C}" dt="2022-12-07T17:09:38.015" v="5" actId="20577"/>
-          <ac:spMkLst>
-            <pc:docMk/>
-            <pc:sldMk cId="497754927" sldId="259"/>
-            <ac:spMk id="16" creationId="{4D73FAA3-2CB6-5F50-577D-A0BC3C1E9819}"/>
-          </ac:spMkLst>
-        </pc:spChg>
-      </pc:sldChg>
-      <pc:sldChg chg="modSp add ord replId">
-        <pc:chgData name="Cristian Castro Arias" userId="S::ccastroa@eafit.edu.co::be24d1df-70db-473d-97ae-2a9982a38bd8" providerId="AD" clId="Web-{007702A2-32CD-A37A-D4CF-482D40CF727C}" dt="2022-12-07T17:09:41.609" v="8" actId="20577"/>
-        <pc:sldMkLst>
-          <pc:docMk/>
-          <pc:sldMk cId="3206464282" sldId="260"/>
-        </pc:sldMkLst>
-        <pc:spChg chg="mod">
-          <ac:chgData name="Cristian Castro Arias" userId="S::ccastroa@eafit.edu.co::be24d1df-70db-473d-97ae-2a9982a38bd8" providerId="AD" clId="Web-{007702A2-32CD-A37A-D4CF-482D40CF727C}" dt="2022-12-07T17:09:41.609" v="8" actId="20577"/>
-          <ac:spMkLst>
-            <pc:docMk/>
-            <pc:sldMk cId="3206464282" sldId="260"/>
-            <ac:spMk id="8" creationId="{6C84337B-8CF9-736F-3295-9E1D6FA97EC1}"/>
-          </ac:spMkLst>
-        </pc:spChg>
-        <pc:spChg chg="mod">
-          <ac:chgData name="Cristian Castro Arias" userId="S::ccastroa@eafit.edu.co::be24d1df-70db-473d-97ae-2a9982a38bd8" providerId="AD" clId="Web-{007702A2-32CD-A37A-D4CF-482D40CF727C}" dt="2022-12-07T17:09:09.890" v="4" actId="20577"/>
-          <ac:spMkLst>
-            <pc:docMk/>
-            <pc:sldMk cId="3206464282" sldId="260"/>
-            <ac:spMk id="16" creationId="{4D73FAA3-2CB6-5F50-577D-A0BC3C1E9819}"/>
-          </ac:spMkLst>
-        </pc:spChg>
-      </pc:sldChg>
-      <pc:sldChg chg="add replId">
-        <pc:chgData name="Cristian Castro Arias" userId="S::ccastroa@eafit.edu.co::be24d1df-70db-473d-97ae-2a9982a38bd8" providerId="AD" clId="Web-{007702A2-32CD-A37A-D4CF-482D40CF727C}" dt="2022-12-07T17:10:04.844" v="9"/>
-        <pc:sldMkLst>
-          <pc:docMk/>
-          <pc:sldMk cId="218370719" sldId="261"/>
-        </pc:sldMkLst>
-      </pc:sldChg>
-    </pc:docChg>
-  </pc:docChgLst>
-  <pc:docChgLst>
-    <pc:chgData name="Javier Patiño Serna" userId="S::jpatinos@eafit.edu.co::73276bcd-7ebe-4288-a77b-14e1e6e5189b" providerId="AD" clId="Web-{3930076D-D2EA-AEB3-B6FE-3505350EFB23}"/>
-    <pc:docChg chg="addSld modSld">
-      <pc:chgData name="Javier Patiño Serna" userId="S::jpatinos@eafit.edu.co::73276bcd-7ebe-4288-a77b-14e1e6e5189b" providerId="AD" clId="Web-{3930076D-D2EA-AEB3-B6FE-3505350EFB23}" dt="2022-12-08T19:37:19.202" v="55" actId="20577"/>
-      <pc:docMkLst>
-        <pc:docMk/>
-      </pc:docMkLst>
-      <pc:sldChg chg="modSp">
-        <pc:chgData name="Javier Patiño Serna" userId="S::jpatinos@eafit.edu.co::73276bcd-7ebe-4288-a77b-14e1e6e5189b" providerId="AD" clId="Web-{3930076D-D2EA-AEB3-B6FE-3505350EFB23}" dt="2022-12-08T19:32:44.897" v="15" actId="1076"/>
-        <pc:sldMkLst>
-          <pc:docMk/>
-          <pc:sldMk cId="677003340" sldId="273"/>
-        </pc:sldMkLst>
-        <pc:spChg chg="mod">
-          <ac:chgData name="Javier Patiño Serna" userId="S::jpatinos@eafit.edu.co::73276bcd-7ebe-4288-a77b-14e1e6e5189b" providerId="AD" clId="Web-{3930076D-D2EA-AEB3-B6FE-3505350EFB23}" dt="2022-12-08T19:32:44.897" v="14" actId="1076"/>
-          <ac:spMkLst>
-            <pc:docMk/>
-            <pc:sldMk cId="677003340" sldId="273"/>
-            <ac:spMk id="7" creationId="{86F75E8A-7FFA-BBA2-2A36-B2BEB1317CDE}"/>
-          </ac:spMkLst>
-        </pc:spChg>
-        <pc:spChg chg="mod">
-          <ac:chgData name="Javier Patiño Serna" userId="S::jpatinos@eafit.edu.co::73276bcd-7ebe-4288-a77b-14e1e6e5189b" providerId="AD" clId="Web-{3930076D-D2EA-AEB3-B6FE-3505350EFB23}" dt="2022-12-08T19:32:44.897" v="15" actId="1076"/>
-          <ac:spMkLst>
-            <pc:docMk/>
-            <pc:sldMk cId="677003340" sldId="273"/>
-            <ac:spMk id="8" creationId="{6EDA4361-6A65-B4FA-44F4-55390252A1DA}"/>
-          </ac:spMkLst>
-        </pc:spChg>
-        <pc:picChg chg="mod">
-          <ac:chgData name="Javier Patiño Serna" userId="S::jpatinos@eafit.edu.co::73276bcd-7ebe-4288-a77b-14e1e6e5189b" providerId="AD" clId="Web-{3930076D-D2EA-AEB3-B6FE-3505350EFB23}" dt="2022-12-08T19:32:44.866" v="12" actId="1076"/>
-          <ac:picMkLst>
-            <pc:docMk/>
-            <pc:sldMk cId="677003340" sldId="273"/>
-            <ac:picMk id="2" creationId="{CF61499F-A08D-1683-6627-0B78815C0888}"/>
-          </ac:picMkLst>
-        </pc:picChg>
-        <pc:picChg chg="mod">
-          <ac:chgData name="Javier Patiño Serna" userId="S::jpatinos@eafit.edu.co::73276bcd-7ebe-4288-a77b-14e1e6e5189b" providerId="AD" clId="Web-{3930076D-D2EA-AEB3-B6FE-3505350EFB23}" dt="2022-12-08T19:32:44.897" v="13" actId="1076"/>
-          <ac:picMkLst>
-            <pc:docMk/>
-            <pc:sldMk cId="677003340" sldId="273"/>
-            <ac:picMk id="5" creationId="{E85B8B06-2F67-76A3-295E-5CAFE3F4936E}"/>
-          </ac:picMkLst>
-        </pc:picChg>
-      </pc:sldChg>
-      <pc:sldChg chg="addSp delSp modSp add replId">
-        <pc:chgData name="Javier Patiño Serna" userId="S::jpatinos@eafit.edu.co::73276bcd-7ebe-4288-a77b-14e1e6e5189b" providerId="AD" clId="Web-{3930076D-D2EA-AEB3-B6FE-3505350EFB23}" dt="2022-12-08T19:37:19.202" v="55" actId="20577"/>
-        <pc:sldMkLst>
-          <pc:docMk/>
-          <pc:sldMk cId="1282824657" sldId="282"/>
-        </pc:sldMkLst>
-        <pc:spChg chg="del">
-          <ac:chgData name="Javier Patiño Serna" userId="S::jpatinos@eafit.edu.co::73276bcd-7ebe-4288-a77b-14e1e6e5189b" providerId="AD" clId="Web-{3930076D-D2EA-AEB3-B6FE-3505350EFB23}" dt="2022-12-08T19:32:15.459" v="2"/>
-          <ac:spMkLst>
-            <pc:docMk/>
-            <pc:sldMk cId="1282824657" sldId="282"/>
-            <ac:spMk id="7" creationId="{86F75E8A-7FFA-BBA2-2A36-B2BEB1317CDE}"/>
-          </ac:spMkLst>
-        </pc:spChg>
-        <pc:spChg chg="del">
-          <ac:chgData name="Javier Patiño Serna" userId="S::jpatinos@eafit.edu.co::73276bcd-7ebe-4288-a77b-14e1e6e5189b" providerId="AD" clId="Web-{3930076D-D2EA-AEB3-B6FE-3505350EFB23}" dt="2022-12-08T19:32:15.459" v="1"/>
-          <ac:spMkLst>
-            <pc:docMk/>
-            <pc:sldMk cId="1282824657" sldId="282"/>
-            <ac:spMk id="8" creationId="{6EDA4361-6A65-B4FA-44F4-55390252A1DA}"/>
-          </ac:spMkLst>
-        </pc:spChg>
-        <pc:spChg chg="add mod">
-          <ac:chgData name="Javier Patiño Serna" userId="S::jpatinos@eafit.edu.co::73276bcd-7ebe-4288-a77b-14e1e6e5189b" providerId="AD" clId="Web-{3930076D-D2EA-AEB3-B6FE-3505350EFB23}" dt="2022-12-08T19:37:19.202" v="55" actId="20577"/>
-          <ac:spMkLst>
-            <pc:docMk/>
-            <pc:sldMk cId="1282824657" sldId="282"/>
-            <ac:spMk id="13" creationId="{B4AA2761-4FA0-0CF2-C32B-D0D731708A46}"/>
-          </ac:spMkLst>
-        </pc:spChg>
-        <pc:picChg chg="del">
-          <ac:chgData name="Javier Patiño Serna" userId="S::jpatinos@eafit.edu.co::73276bcd-7ebe-4288-a77b-14e1e6e5189b" providerId="AD" clId="Web-{3930076D-D2EA-AEB3-B6FE-3505350EFB23}" dt="2022-12-08T19:32:15.459" v="4"/>
-          <ac:picMkLst>
-            <pc:docMk/>
-            <pc:sldMk cId="1282824657" sldId="282"/>
-            <ac:picMk id="2" creationId="{CF61499F-A08D-1683-6627-0B78815C0888}"/>
-          </ac:picMkLst>
-        </pc:picChg>
-        <pc:picChg chg="del">
-          <ac:chgData name="Javier Patiño Serna" userId="S::jpatinos@eafit.edu.co::73276bcd-7ebe-4288-a77b-14e1e6e5189b" providerId="AD" clId="Web-{3930076D-D2EA-AEB3-B6FE-3505350EFB23}" dt="2022-12-08T19:32:15.459" v="3"/>
-          <ac:picMkLst>
-            <pc:docMk/>
-            <pc:sldMk cId="1282824657" sldId="282"/>
-            <ac:picMk id="5" creationId="{E85B8B06-2F67-76A3-295E-5CAFE3F4936E}"/>
-          </ac:picMkLst>
-        </pc:picChg>
-        <pc:picChg chg="add mod">
-          <ac:chgData name="Javier Patiño Serna" userId="S::jpatinos@eafit.edu.co::73276bcd-7ebe-4288-a77b-14e1e6e5189b" providerId="AD" clId="Web-{3930076D-D2EA-AEB3-B6FE-3505350EFB23}" dt="2022-12-08T19:36:54.155" v="16" actId="1076"/>
-          <ac:picMkLst>
-            <pc:docMk/>
-            <pc:sldMk cId="1282824657" sldId="282"/>
-            <ac:picMk id="6" creationId="{07EF319B-7DCC-A0E4-9558-14EC5B0FA8B8}"/>
-          </ac:picMkLst>
-        </pc:picChg>
-      </pc:sldChg>
-    </pc:docChg>
-  </pc:docChgLst>
-  <pc:docChgLst>
-    <pc:chgData name="Cristian Castro Arias" userId="S::ccastroa@eafit.edu.co::be24d1df-70db-473d-97ae-2a9982a38bd8" providerId="AD" clId="Web-{74F4D478-6F6D-572D-C3F5-F8CC18FB4718}"/>
-    <pc:docChg chg="addSld modSld sldOrd">
-      <pc:chgData name="Cristian Castro Arias" userId="S::ccastroa@eafit.edu.co::be24d1df-70db-473d-97ae-2a9982a38bd8" providerId="AD" clId="Web-{74F4D478-6F6D-572D-C3F5-F8CC18FB4718}" dt="2022-12-09T03:14:17.094" v="31"/>
-      <pc:docMkLst>
-        <pc:docMk/>
-      </pc:docMkLst>
-      <pc:sldChg chg="addSp delSp modSp">
-        <pc:chgData name="Cristian Castro Arias" userId="S::ccastroa@eafit.edu.co::be24d1df-70db-473d-97ae-2a9982a38bd8" providerId="AD" clId="Web-{74F4D478-6F6D-572D-C3F5-F8CC18FB4718}" dt="2022-12-09T03:14:17.094" v="31"/>
-        <pc:sldMkLst>
-          <pc:docMk/>
-          <pc:sldMk cId="4009866458" sldId="268"/>
-        </pc:sldMkLst>
-        <pc:spChg chg="mod">
-          <ac:chgData name="Cristian Castro Arias" userId="S::ccastroa@eafit.edu.co::be24d1df-70db-473d-97ae-2a9982a38bd8" providerId="AD" clId="Web-{74F4D478-6F6D-572D-C3F5-F8CC18FB4718}" dt="2022-12-09T03:13:53.500" v="26" actId="1076"/>
-          <ac:spMkLst>
-            <pc:docMk/>
-            <pc:sldMk cId="4009866458" sldId="268"/>
-            <ac:spMk id="3" creationId="{ADAAD70B-23D3-328D-F1F9-1C5B17B16F6E}"/>
-          </ac:spMkLst>
-        </pc:spChg>
-        <pc:picChg chg="add del mod">
-          <ac:chgData name="Cristian Castro Arias" userId="S::ccastroa@eafit.edu.co::be24d1df-70db-473d-97ae-2a9982a38bd8" providerId="AD" clId="Web-{74F4D478-6F6D-572D-C3F5-F8CC18FB4718}" dt="2022-12-09T03:14:17.094" v="31"/>
-          <ac:picMkLst>
-            <pc:docMk/>
-            <pc:sldMk cId="4009866458" sldId="268"/>
-            <ac:picMk id="2" creationId="{E51D8086-8CF2-DFEB-94D1-7B674B240F55}"/>
-          </ac:picMkLst>
-        </pc:picChg>
-        <pc:picChg chg="del">
-          <ac:chgData name="Cristian Castro Arias" userId="S::ccastroa@eafit.edu.co::be24d1df-70db-473d-97ae-2a9982a38bd8" providerId="AD" clId="Web-{74F4D478-6F6D-572D-C3F5-F8CC18FB4718}" dt="2022-12-09T03:14:04.328" v="28"/>
-          <ac:picMkLst>
-            <pc:docMk/>
-            <pc:sldMk cId="4009866458" sldId="268"/>
-            <ac:picMk id="8" creationId="{1AB0DA02-2E01-2D7B-774D-60EC0C001773}"/>
-          </ac:picMkLst>
-        </pc:picChg>
-      </pc:sldChg>
-      <pc:sldChg chg="delSp modSp">
-        <pc:chgData name="Cristian Castro Arias" userId="S::ccastroa@eafit.edu.co::be24d1df-70db-473d-97ae-2a9982a38bd8" providerId="AD" clId="Web-{74F4D478-6F6D-572D-C3F5-F8CC18FB4718}" dt="2022-12-09T03:14:09.500" v="29"/>
-        <pc:sldMkLst>
-          <pc:docMk/>
-          <pc:sldMk cId="3362010317" sldId="281"/>
-        </pc:sldMkLst>
-        <pc:picChg chg="del mod">
-          <ac:chgData name="Cristian Castro Arias" userId="S::ccastroa@eafit.edu.co::be24d1df-70db-473d-97ae-2a9982a38bd8" providerId="AD" clId="Web-{74F4D478-6F6D-572D-C3F5-F8CC18FB4718}" dt="2022-12-09T03:14:09.500" v="29"/>
-          <ac:picMkLst>
-            <pc:docMk/>
-            <pc:sldMk cId="3362010317" sldId="281"/>
-            <ac:picMk id="2" creationId="{67BEC276-8AA6-273B-C135-3A6E3FE0ECDC}"/>
-          </ac:picMkLst>
-        </pc:picChg>
-      </pc:sldChg>
-      <pc:sldChg chg="addSp delSp modSp add ord replId delAnim">
-        <pc:chgData name="Cristian Castro Arias" userId="S::ccastroa@eafit.edu.co::be24d1df-70db-473d-97ae-2a9982a38bd8" providerId="AD" clId="Web-{74F4D478-6F6D-572D-C3F5-F8CC18FB4718}" dt="2022-12-09T03:13:56.891" v="27" actId="20577"/>
-        <pc:sldMkLst>
-          <pc:docMk/>
-          <pc:sldMk cId="3234692788" sldId="283"/>
-        </pc:sldMkLst>
-        <pc:spChg chg="del">
-          <ac:chgData name="Cristian Castro Arias" userId="S::ccastroa@eafit.edu.co::be24d1df-70db-473d-97ae-2a9982a38bd8" providerId="AD" clId="Web-{74F4D478-6F6D-572D-C3F5-F8CC18FB4718}" dt="2022-12-09T03:12:27.887" v="10"/>
-          <ac:spMkLst>
-            <pc:docMk/>
-            <pc:sldMk cId="3234692788" sldId="283"/>
-            <ac:spMk id="7" creationId="{76029143-B6D8-71F1-4039-88EA4F457958}"/>
-          </ac:spMkLst>
-        </pc:spChg>
-        <pc:spChg chg="mod">
-          <ac:chgData name="Cristian Castro Arias" userId="S::ccastroa@eafit.edu.co::be24d1df-70db-473d-97ae-2a9982a38bd8" providerId="AD" clId="Web-{74F4D478-6F6D-572D-C3F5-F8CC18FB4718}" dt="2022-12-09T03:13:56.891" v="27" actId="20577"/>
-          <ac:spMkLst>
-            <pc:docMk/>
-            <pc:sldMk cId="3234692788" sldId="283"/>
-            <ac:spMk id="8" creationId="{6C84337B-8CF9-736F-3295-9E1D6FA97EC1}"/>
-          </ac:spMkLst>
-        </pc:spChg>
-        <pc:spChg chg="del">
-          <ac:chgData name="Cristian Castro Arias" userId="S::ccastroa@eafit.edu.co::be24d1df-70db-473d-97ae-2a9982a38bd8" providerId="AD" clId="Web-{74F4D478-6F6D-572D-C3F5-F8CC18FB4718}" dt="2022-12-09T03:12:26.200" v="9"/>
-          <ac:spMkLst>
-            <pc:docMk/>
-            <pc:sldMk cId="3234692788" sldId="283"/>
-            <ac:spMk id="9" creationId="{8E6F0CB1-6203-C390-182D-0534E5DF6AF2}"/>
-          </ac:spMkLst>
-        </pc:spChg>
-        <pc:spChg chg="del mod">
-          <ac:chgData name="Cristian Castro Arias" userId="S::ccastroa@eafit.edu.co::be24d1df-70db-473d-97ae-2a9982a38bd8" providerId="AD" clId="Web-{74F4D478-6F6D-572D-C3F5-F8CC18FB4718}" dt="2022-12-09T03:12:32.872" v="13"/>
-          <ac:spMkLst>
-            <pc:docMk/>
-            <pc:sldMk cId="3234692788" sldId="283"/>
-            <ac:spMk id="10" creationId="{688B7398-390A-6E4A-A219-29A4C288E5B7}"/>
-          </ac:spMkLst>
-        </pc:spChg>
-        <pc:spChg chg="del">
-          <ac:chgData name="Cristian Castro Arias" userId="S::ccastroa@eafit.edu.co::be24d1df-70db-473d-97ae-2a9982a38bd8" providerId="AD" clId="Web-{74F4D478-6F6D-572D-C3F5-F8CC18FB4718}" dt="2022-12-09T03:12:30.591" v="11"/>
-          <ac:spMkLst>
-            <pc:docMk/>
-            <pc:sldMk cId="3234692788" sldId="283"/>
-            <ac:spMk id="11" creationId="{1D028F0B-7532-AEF7-DABE-82EA6278F683}"/>
-          </ac:spMkLst>
-        </pc:spChg>
-        <pc:picChg chg="add mod">
-          <ac:chgData name="Cristian Castro Arias" userId="S::ccastroa@eafit.edu.co::be24d1df-70db-473d-97ae-2a9982a38bd8" providerId="AD" clId="Web-{74F4D478-6F6D-572D-C3F5-F8CC18FB4718}" dt="2022-12-09T03:12:47.122" v="15" actId="1076"/>
-          <ac:picMkLst>
-            <pc:docMk/>
-            <pc:sldMk cId="3234692788" sldId="283"/>
-            <ac:picMk id="3" creationId="{2F8019D9-FA46-D85F-1348-4A58A9B8FBD2}"/>
-          </ac:picMkLst>
-        </pc:picChg>
-      </pc:sldChg>
-    </pc:docChg>
-  </pc:docChgLst>
-  <pc:docChgLst>
-    <pc:chgData name="Sandra Marcela Diaz Cordero" userId="S::smdiazc@eafit.edu.co::75d8c3d6-ed6c-4721-a95e-02435709600f" providerId="AD" clId="Web-{21325F55-FC72-1736-0862-AE3E02F14224}"/>
-    <pc:docChg chg="modSld">
-      <pc:chgData name="Sandra Marcela Diaz Cordero" userId="S::smdiazc@eafit.edu.co::75d8c3d6-ed6c-4721-a95e-02435709600f" providerId="AD" clId="Web-{21325F55-FC72-1736-0862-AE3E02F14224}" dt="2022-12-09T18:31:04.216" v="16" actId="14100"/>
-      <pc:docMkLst>
-        <pc:docMk/>
-      </pc:docMkLst>
-      <pc:sldChg chg="addSp delSp modSp">
-        <pc:chgData name="Sandra Marcela Diaz Cordero" userId="S::smdiazc@eafit.edu.co::75d8c3d6-ed6c-4721-a95e-02435709600f" providerId="AD" clId="Web-{21325F55-FC72-1736-0862-AE3E02F14224}" dt="2022-12-09T18:27:28.031" v="14" actId="1076"/>
-        <pc:sldMkLst>
-          <pc:docMk/>
-          <pc:sldMk cId="4107087460" sldId="284"/>
-        </pc:sldMkLst>
-        <pc:picChg chg="del">
-          <ac:chgData name="Sandra Marcela Diaz Cordero" userId="S::smdiazc@eafit.edu.co::75d8c3d6-ed6c-4721-a95e-02435709600f" providerId="AD" clId="Web-{21325F55-FC72-1736-0862-AE3E02F14224}" dt="2022-12-09T18:27:14.843" v="8"/>
-          <ac:picMkLst>
-            <pc:docMk/>
-            <pc:sldMk cId="4107087460" sldId="284"/>
-            <ac:picMk id="2" creationId="{2E36C26F-B53B-FB7F-B590-8EA3031D3034}"/>
-          </ac:picMkLst>
-        </pc:picChg>
-        <pc:picChg chg="add mod">
-          <ac:chgData name="Sandra Marcela Diaz Cordero" userId="S::smdiazc@eafit.edu.co::75d8c3d6-ed6c-4721-a95e-02435709600f" providerId="AD" clId="Web-{21325F55-FC72-1736-0862-AE3E02F14224}" dt="2022-12-09T18:27:28.031" v="14" actId="1076"/>
-          <ac:picMkLst>
-            <pc:docMk/>
-            <pc:sldMk cId="4107087460" sldId="284"/>
-            <ac:picMk id="3" creationId="{2F07CB9F-63B9-B6E6-34E2-304DFCA9E74C}"/>
-          </ac:picMkLst>
-        </pc:picChg>
-      </pc:sldChg>
-      <pc:sldChg chg="modSp">
-        <pc:chgData name="Sandra Marcela Diaz Cordero" userId="S::smdiazc@eafit.edu.co::75d8c3d6-ed6c-4721-a95e-02435709600f" providerId="AD" clId="Web-{21325F55-FC72-1736-0862-AE3E02F14224}" dt="2022-12-09T18:31:04.216" v="16" actId="14100"/>
-        <pc:sldMkLst>
-          <pc:docMk/>
-          <pc:sldMk cId="3748891991" sldId="285"/>
-        </pc:sldMkLst>
-        <pc:spChg chg="mod">
-          <ac:chgData name="Sandra Marcela Diaz Cordero" userId="S::smdiazc@eafit.edu.co::75d8c3d6-ed6c-4721-a95e-02435709600f" providerId="AD" clId="Web-{21325F55-FC72-1736-0862-AE3E02F14224}" dt="2022-12-09T18:31:04.216" v="16" actId="14100"/>
-          <ac:spMkLst>
-            <pc:docMk/>
-            <pc:sldMk cId="3748891991" sldId="285"/>
-            <ac:spMk id="14" creationId="{0B23DB37-735C-F41E-4595-3393B111979C}"/>
-          </ac:spMkLst>
-        </pc:spChg>
-      </pc:sldChg>
-      <pc:sldChg chg="modSp">
-        <pc:chgData name="Sandra Marcela Diaz Cordero" userId="S::smdiazc@eafit.edu.co::75d8c3d6-ed6c-4721-a95e-02435709600f" providerId="AD" clId="Web-{21325F55-FC72-1736-0862-AE3E02F14224}" dt="2022-12-09T18:20:22.710" v="7" actId="20577"/>
-        <pc:sldMkLst>
-          <pc:docMk/>
-          <pc:sldMk cId="3704163924" sldId="287"/>
-        </pc:sldMkLst>
-        <pc:spChg chg="mod">
-          <ac:chgData name="Sandra Marcela Diaz Cordero" userId="S::smdiazc@eafit.edu.co::75d8c3d6-ed6c-4721-a95e-02435709600f" providerId="AD" clId="Web-{21325F55-FC72-1736-0862-AE3E02F14224}" dt="2022-12-09T18:20:22.710" v="7" actId="20577"/>
-          <ac:spMkLst>
-            <pc:docMk/>
-            <pc:sldMk cId="3704163924" sldId="287"/>
-            <ac:spMk id="3" creationId="{5C6020AF-2FE9-6888-6434-3730057057AC}"/>
-          </ac:spMkLst>
-        </pc:spChg>
-      </pc:sldChg>
-    </pc:docChg>
-  </pc:docChgLst>
-  <pc:docChgLst>
-    <pc:chgData name="Sandra Marcela Diaz Cordero" userId="S::smdiazc@eafit.edu.co::75d8c3d6-ed6c-4721-a95e-02435709600f" providerId="AD" clId="Web-{4A64DAA1-839F-856F-9D13-9D6172BF019B}"/>
-    <pc:docChg chg="modSld">
-      <pc:chgData name="Sandra Marcela Diaz Cordero" userId="S::smdiazc@eafit.edu.co::75d8c3d6-ed6c-4721-a95e-02435709600f" providerId="AD" clId="Web-{4A64DAA1-839F-856F-9D13-9D6172BF019B}" dt="2022-12-09T11:38:06.097" v="5" actId="20577"/>
-      <pc:docMkLst>
-        <pc:docMk/>
-      </pc:docMkLst>
-      <pc:sldChg chg="modSp">
-        <pc:chgData name="Sandra Marcela Diaz Cordero" userId="S::smdiazc@eafit.edu.co::75d8c3d6-ed6c-4721-a95e-02435709600f" providerId="AD" clId="Web-{4A64DAA1-839F-856F-9D13-9D6172BF019B}" dt="2022-12-09T11:36:19.985" v="1" actId="20577"/>
-        <pc:sldMkLst>
-          <pc:docMk/>
-          <pc:sldMk cId="4107087460" sldId="284"/>
-        </pc:sldMkLst>
-        <pc:spChg chg="mod">
-          <ac:chgData name="Sandra Marcela Diaz Cordero" userId="S::smdiazc@eafit.edu.co::75d8c3d6-ed6c-4721-a95e-02435709600f" providerId="AD" clId="Web-{4A64DAA1-839F-856F-9D13-9D6172BF019B}" dt="2022-12-09T11:36:19.985" v="1" actId="20577"/>
-          <ac:spMkLst>
-            <pc:docMk/>
-            <pc:sldMk cId="4107087460" sldId="284"/>
-            <ac:spMk id="8" creationId="{6C84337B-8CF9-736F-3295-9E1D6FA97EC1}"/>
-          </ac:spMkLst>
-        </pc:spChg>
-      </pc:sldChg>
-      <pc:sldChg chg="modSp">
-        <pc:chgData name="Sandra Marcela Diaz Cordero" userId="S::smdiazc@eafit.edu.co::75d8c3d6-ed6c-4721-a95e-02435709600f" providerId="AD" clId="Web-{4A64DAA1-839F-856F-9D13-9D6172BF019B}" dt="2022-12-09T11:38:06.097" v="5" actId="20577"/>
-        <pc:sldMkLst>
-          <pc:docMk/>
-          <pc:sldMk cId="3748891991" sldId="285"/>
-        </pc:sldMkLst>
-        <pc:spChg chg="mod">
-          <ac:chgData name="Sandra Marcela Diaz Cordero" userId="S::smdiazc@eafit.edu.co::75d8c3d6-ed6c-4721-a95e-02435709600f" providerId="AD" clId="Web-{4A64DAA1-839F-856F-9D13-9D6172BF019B}" dt="2022-12-09T11:37:46.769" v="3" actId="20577"/>
-          <ac:spMkLst>
-            <pc:docMk/>
-            <pc:sldMk cId="3748891991" sldId="285"/>
-            <ac:spMk id="8" creationId="{C6200F7A-5157-7691-D0BB-D96158021859}"/>
-          </ac:spMkLst>
-        </pc:spChg>
-        <pc:spChg chg="mod">
-          <ac:chgData name="Sandra Marcela Diaz Cordero" userId="S::smdiazc@eafit.edu.co::75d8c3d6-ed6c-4721-a95e-02435709600f" providerId="AD" clId="Web-{4A64DAA1-839F-856F-9D13-9D6172BF019B}" dt="2022-12-09T11:38:06.097" v="5" actId="20577"/>
-          <ac:spMkLst>
-            <pc:docMk/>
-            <pc:sldMk cId="3748891991" sldId="285"/>
-            <ac:spMk id="17" creationId="{F9890DC5-8C98-F592-C244-2D96D5BE0756}"/>
-          </ac:spMkLst>
-        </pc:spChg>
-      </pc:sldChg>
-    </pc:docChg>
-  </pc:docChgLst>
-  <pc:docChgLst>
-    <pc:chgData name="Sandra Marcela Diaz Cordero" userId="S::smdiazc@eafit.edu.co::75d8c3d6-ed6c-4721-a95e-02435709600f" providerId="AD" clId="Web-{CB143206-897C-8902-B4F8-4E3DE4C39D95}"/>
-    <pc:docChg chg="modSld">
-      <pc:chgData name="Sandra Marcela Diaz Cordero" userId="S::smdiazc@eafit.edu.co::75d8c3d6-ed6c-4721-a95e-02435709600f" providerId="AD" clId="Web-{CB143206-897C-8902-B4F8-4E3DE4C39D95}" dt="2022-12-09T20:05:10.195" v="0"/>
-      <pc:docMkLst>
-        <pc:docMk/>
-      </pc:docMkLst>
-      <pc:sldChg chg="delAnim modAnim">
-        <pc:chgData name="Sandra Marcela Diaz Cordero" userId="S::smdiazc@eafit.edu.co::75d8c3d6-ed6c-4721-a95e-02435709600f" providerId="AD" clId="Web-{CB143206-897C-8902-B4F8-4E3DE4C39D95}" dt="2022-12-09T20:05:10.195" v="0"/>
-        <pc:sldMkLst>
-          <pc:docMk/>
-          <pc:sldMk cId="2637831117" sldId="275"/>
-        </pc:sldMkLst>
-      </pc:sldChg>
-    </pc:docChg>
-  </pc:docChgLst>
-  <pc:docChgLst>
-    <pc:chgData name="Javier Patiño Serna" userId="S::jpatinos@eafit.edu.co::73276bcd-7ebe-4288-a77b-14e1e6e5189b" providerId="AD" clId="Web-{16A38915-6406-2129-2964-54F60F0A632C}"/>
-    <pc:docChg chg="addSld modSld">
-      <pc:chgData name="Javier Patiño Serna" userId="S::jpatinos@eafit.edu.co::73276bcd-7ebe-4288-a77b-14e1e6e5189b" providerId="AD" clId="Web-{16A38915-6406-2129-2964-54F60F0A632C}" dt="2022-12-08T17:59:47.609" v="1010" actId="20577"/>
-      <pc:docMkLst>
-        <pc:docMk/>
-      </pc:docMkLst>
-      <pc:sldChg chg="delSp">
-        <pc:chgData name="Javier Patiño Serna" userId="S::jpatinos@eafit.edu.co::73276bcd-7ebe-4288-a77b-14e1e6e5189b" providerId="AD" clId="Web-{16A38915-6406-2129-2964-54F60F0A632C}" dt="2022-12-08T16:36:35.571" v="61"/>
-        <pc:sldMkLst>
-          <pc:docMk/>
-          <pc:sldMk cId="497754927" sldId="259"/>
-        </pc:sldMkLst>
-        <pc:spChg chg="del">
-          <ac:chgData name="Javier Patiño Serna" userId="S::jpatinos@eafit.edu.co::73276bcd-7ebe-4288-a77b-14e1e6e5189b" providerId="AD" clId="Web-{16A38915-6406-2129-2964-54F60F0A632C}" dt="2022-12-08T16:36:35.571" v="61"/>
-          <ac:spMkLst>
-            <pc:docMk/>
-            <pc:sldMk cId="497754927" sldId="259"/>
-            <ac:spMk id="10" creationId="{2FBE0690-72E2-3C2C-22E6-16DA68564B3D}"/>
-          </ac:spMkLst>
-        </pc:spChg>
-      </pc:sldChg>
-      <pc:sldChg chg="addSp delSp modSp">
-        <pc:chgData name="Javier Patiño Serna" userId="S::jpatinos@eafit.edu.co::73276bcd-7ebe-4288-a77b-14e1e6e5189b" providerId="AD" clId="Web-{16A38915-6406-2129-2964-54F60F0A632C}" dt="2022-12-08T17:39:26.066" v="634" actId="20577"/>
-        <pc:sldMkLst>
-          <pc:docMk/>
-          <pc:sldMk cId="3206464282" sldId="260"/>
-        </pc:sldMkLst>
-        <pc:spChg chg="add mod">
-          <ac:chgData name="Javier Patiño Serna" userId="S::jpatinos@eafit.edu.co::73276bcd-7ebe-4288-a77b-14e1e6e5189b" providerId="AD" clId="Web-{16A38915-6406-2129-2964-54F60F0A632C}" dt="2022-12-08T17:39:14.065" v="628" actId="20577"/>
-          <ac:spMkLst>
-            <pc:docMk/>
-            <pc:sldMk cId="3206464282" sldId="260"/>
-            <ac:spMk id="5" creationId="{D7F5D0E6-A811-55C3-7D77-650A9C65082F}"/>
-          </ac:spMkLst>
-        </pc:spChg>
-        <pc:spChg chg="add mod">
-          <ac:chgData name="Javier Patiño Serna" userId="S::jpatinos@eafit.edu.co::73276bcd-7ebe-4288-a77b-14e1e6e5189b" providerId="AD" clId="Web-{16A38915-6406-2129-2964-54F60F0A632C}" dt="2022-12-08T17:39:26.066" v="634" actId="20577"/>
-          <ac:spMkLst>
-            <pc:docMk/>
-            <pc:sldMk cId="3206464282" sldId="260"/>
-            <ac:spMk id="6" creationId="{CDC29DD7-7C92-FD57-B81A-EA714CECB24B}"/>
-          </ac:spMkLst>
-        </pc:spChg>
-        <pc:spChg chg="mod">
-          <ac:chgData name="Javier Patiño Serna" userId="S::jpatinos@eafit.edu.co::73276bcd-7ebe-4288-a77b-14e1e6e5189b" providerId="AD" clId="Web-{16A38915-6406-2129-2964-54F60F0A632C}" dt="2022-12-08T16:33:22.145" v="10" actId="1076"/>
-          <ac:spMkLst>
-            <pc:docMk/>
-            <pc:sldMk cId="3206464282" sldId="260"/>
-            <ac:spMk id="8" creationId="{6C84337B-8CF9-736F-3295-9E1D6FA97EC1}"/>
-          </ac:spMkLst>
-        </pc:spChg>
-        <pc:spChg chg="del mod">
-          <ac:chgData name="Javier Patiño Serna" userId="S::jpatinos@eafit.edu.co::73276bcd-7ebe-4288-a77b-14e1e6e5189b" providerId="AD" clId="Web-{16A38915-6406-2129-2964-54F60F0A632C}" dt="2022-12-08T16:33:29.410" v="12"/>
-          <ac:spMkLst>
-            <pc:docMk/>
-            <pc:sldMk cId="3206464282" sldId="260"/>
-            <ac:spMk id="10" creationId="{2FBE0690-72E2-3C2C-22E6-16DA68564B3D}"/>
-          </ac:spMkLst>
-        </pc:spChg>
-        <pc:picChg chg="mod">
-          <ac:chgData name="Javier Patiño Serna" userId="S::jpatinos@eafit.edu.co::73276bcd-7ebe-4288-a77b-14e1e6e5189b" providerId="AD" clId="Web-{16A38915-6406-2129-2964-54F60F0A632C}" dt="2022-12-08T16:34:13.599" v="20" actId="1076"/>
-          <ac:picMkLst>
-            <pc:docMk/>
-            <pc:sldMk cId="3206464282" sldId="260"/>
-            <ac:picMk id="2" creationId="{39F55272-7092-3DFD-5D9F-226EC23BA3A1}"/>
-          </ac:picMkLst>
-        </pc:picChg>
-        <pc:picChg chg="add mod">
-          <ac:chgData name="Javier Patiño Serna" userId="S::jpatinos@eafit.edu.co::73276bcd-7ebe-4288-a77b-14e1e6e5189b" providerId="AD" clId="Web-{16A38915-6406-2129-2964-54F60F0A632C}" dt="2022-12-08T16:34:18.615" v="21" actId="1076"/>
-          <ac:picMkLst>
-            <pc:docMk/>
-            <pc:sldMk cId="3206464282" sldId="260"/>
-            <ac:picMk id="3" creationId="{6B805931-3434-AA0D-C881-45B00DD2B4B2}"/>
-          </ac:picMkLst>
-        </pc:picChg>
-      </pc:sldChg>
-      <pc:sldChg chg="addSp delSp modSp">
-        <pc:chgData name="Javier Patiño Serna" userId="S::jpatinos@eafit.edu.co::73276bcd-7ebe-4288-a77b-14e1e6e5189b" providerId="AD" clId="Web-{16A38915-6406-2129-2964-54F60F0A632C}" dt="2022-12-08T17:41:33.694" v="716" actId="1076"/>
-        <pc:sldMkLst>
-          <pc:docMk/>
-          <pc:sldMk cId="218370719" sldId="261"/>
-        </pc:sldMkLst>
-        <pc:spChg chg="add mod">
-          <ac:chgData name="Javier Patiño Serna" userId="S::jpatinos@eafit.edu.co::73276bcd-7ebe-4288-a77b-14e1e6e5189b" providerId="AD" clId="Web-{16A38915-6406-2129-2964-54F60F0A632C}" dt="2022-12-08T17:06:02.709" v="222" actId="20577"/>
-          <ac:spMkLst>
-            <pc:docMk/>
-            <pc:sldMk cId="218370719" sldId="261"/>
-            <ac:spMk id="3" creationId="{5C6020AF-2FE9-6888-6434-3730057057AC}"/>
-          </ac:spMkLst>
-        </pc:spChg>
-        <pc:spChg chg="add del mod">
-          <ac:chgData name="Javier Patiño Serna" userId="S::jpatinos@eafit.edu.co::73276bcd-7ebe-4288-a77b-14e1e6e5189b" providerId="AD" clId="Web-{16A38915-6406-2129-2964-54F60F0A632C}" dt="2022-12-08T17:06:05.193" v="223"/>
-          <ac:spMkLst>
-            <pc:docMk/>
-            <pc:sldMk cId="218370719" sldId="261"/>
-            <ac:spMk id="6" creationId="{8C075941-277F-2381-8A0D-F9ECE8577F61}"/>
-          </ac:spMkLst>
-        </pc:spChg>
-        <pc:spChg chg="add mod">
-          <ac:chgData name="Javier Patiño Serna" userId="S::jpatinos@eafit.edu.co::73276bcd-7ebe-4288-a77b-14e1e6e5189b" providerId="AD" clId="Web-{16A38915-6406-2129-2964-54F60F0A632C}" dt="2022-12-08T17:38:37.612" v="619" actId="1076"/>
-          <ac:spMkLst>
-            <pc:docMk/>
-            <pc:sldMk cId="218370719" sldId="261"/>
-            <ac:spMk id="7" creationId="{5AFE8C22-0B93-3963-FE32-3608E35C5CBD}"/>
-          </ac:spMkLst>
-        </pc:spChg>
-        <pc:spChg chg="del mod">
-          <ac:chgData name="Javier Patiño Serna" userId="S::jpatinos@eafit.edu.co::73276bcd-7ebe-4288-a77b-14e1e6e5189b" providerId="AD" clId="Web-{16A38915-6406-2129-2964-54F60F0A632C}" dt="2022-12-08T17:05:56.474" v="207"/>
-          <ac:spMkLst>
-            <pc:docMk/>
-            <pc:sldMk cId="218370719" sldId="261"/>
-            <ac:spMk id="8" creationId="{6C84337B-8CF9-736F-3295-9E1D6FA97EC1}"/>
-          </ac:spMkLst>
-        </pc:spChg>
-        <pc:spChg chg="add">
-          <ac:chgData name="Javier Patiño Serna" userId="S::jpatinos@eafit.edu.co::73276bcd-7ebe-4288-a77b-14e1e6e5189b" providerId="AD" clId="Web-{16A38915-6406-2129-2964-54F60F0A632C}" dt="2022-12-08T17:38:54.674" v="621"/>
-          <ac:spMkLst>
-            <pc:docMk/>
-            <pc:sldMk cId="218370719" sldId="261"/>
-            <ac:spMk id="10" creationId="{BF4547F6-AC69-B351-66F4-64BA0F2DA550}"/>
-          </ac:spMkLst>
-        </pc:spChg>
-        <pc:spChg chg="add mod">
-          <ac:chgData name="Javier Patiño Serna" userId="S::jpatinos@eafit.edu.co::73276bcd-7ebe-4288-a77b-14e1e6e5189b" providerId="AD" clId="Web-{16A38915-6406-2129-2964-54F60F0A632C}" dt="2022-12-08T17:41:33.694" v="716" actId="1076"/>
-          <ac:spMkLst>
-            <pc:docMk/>
-            <pc:sldMk cId="218370719" sldId="261"/>
-            <ac:spMk id="11" creationId="{12DC135C-A5EA-6D2E-69FC-E6F10E88B004}"/>
-          </ac:spMkLst>
-        </pc:spChg>
-        <pc:graphicFrameChg chg="add mod modGraphic">
-          <ac:chgData name="Javier Patiño Serna" userId="S::jpatinos@eafit.edu.co::73276bcd-7ebe-4288-a77b-14e1e6e5189b" providerId="AD" clId="Web-{16A38915-6406-2129-2964-54F60F0A632C}" dt="2022-12-08T17:41:26.912" v="715" actId="1076"/>
-          <ac:graphicFrameMkLst>
-            <pc:docMk/>
-            <pc:sldMk cId="218370719" sldId="261"/>
-            <ac:graphicFrameMk id="9" creationId="{037ABE74-FD10-8F5D-A380-D672EB9484AF}"/>
-          </ac:graphicFrameMkLst>
-        </pc:graphicFrameChg>
-      </pc:sldChg>
-      <pc:sldChg chg="addSp delSp modSp add replId">
-        <pc:chgData name="Javier Patiño Serna" userId="S::jpatinos@eafit.edu.co::73276bcd-7ebe-4288-a77b-14e1e6e5189b" providerId="AD" clId="Web-{16A38915-6406-2129-2964-54F60F0A632C}" dt="2022-12-08T17:39:43.863" v="649" actId="20577"/>
-        <pc:sldMkLst>
-          <pc:docMk/>
-          <pc:sldMk cId="2466202108" sldId="269"/>
-        </pc:sldMkLst>
-        <pc:spChg chg="del">
-          <ac:chgData name="Javier Patiño Serna" userId="S::jpatinos@eafit.edu.co::73276bcd-7ebe-4288-a77b-14e1e6e5189b" providerId="AD" clId="Web-{16A38915-6406-2129-2964-54F60F0A632C}" dt="2022-12-08T16:35:59.977" v="58"/>
-          <ac:spMkLst>
-            <pc:docMk/>
-            <pc:sldMk cId="2466202108" sldId="269"/>
-            <ac:spMk id="5" creationId="{D7F5D0E6-A811-55C3-7D77-650A9C65082F}"/>
-          </ac:spMkLst>
-        </pc:spChg>
-        <pc:spChg chg="del">
-          <ac:chgData name="Javier Patiño Serna" userId="S::jpatinos@eafit.edu.co::73276bcd-7ebe-4288-a77b-14e1e6e5189b" providerId="AD" clId="Web-{16A38915-6406-2129-2964-54F60F0A632C}" dt="2022-12-08T16:35:59.977" v="57"/>
-          <ac:spMkLst>
-            <pc:docMk/>
-            <pc:sldMk cId="2466202108" sldId="269"/>
-            <ac:spMk id="6" creationId="{CDC29DD7-7C92-FD57-B81A-EA714CECB24B}"/>
-          </ac:spMkLst>
-        </pc:spChg>
-        <pc:spChg chg="add mod">
-          <ac:chgData name="Javier Patiño Serna" userId="S::jpatinos@eafit.edu.co::73276bcd-7ebe-4288-a77b-14e1e6e5189b" providerId="AD" clId="Web-{16A38915-6406-2129-2964-54F60F0A632C}" dt="2022-12-08T17:39:36.410" v="640" actId="20577"/>
-          <ac:spMkLst>
-            <pc:docMk/>
-            <pc:sldMk cId="2466202108" sldId="269"/>
-            <ac:spMk id="9" creationId="{854CD6B5-7E73-939F-92DE-B841690E8EEF}"/>
-          </ac:spMkLst>
-        </pc:spChg>
-        <pc:spChg chg="add mod">
-          <ac:chgData name="Javier Patiño Serna" userId="S::jpatinos@eafit.edu.co::73276bcd-7ebe-4288-a77b-14e1e6e5189b" providerId="AD" clId="Web-{16A38915-6406-2129-2964-54F60F0A632C}" dt="2022-12-08T17:39:43.863" v="649" actId="20577"/>
-          <ac:spMkLst>
-            <pc:docMk/>
-            <pc:sldMk cId="2466202108" sldId="269"/>
-            <ac:spMk id="13" creationId="{536B0E48-65E8-67AD-12F7-3F8FD21DCB83}"/>
-          </ac:spMkLst>
-        </pc:spChg>
-        <pc:picChg chg="del">
-          <ac:chgData name="Javier Patiño Serna" userId="S::jpatinos@eafit.edu.co::73276bcd-7ebe-4288-a77b-14e1e6e5189b" providerId="AD" clId="Web-{16A38915-6406-2129-2964-54F60F0A632C}" dt="2022-12-08T16:36:00.023" v="60"/>
-          <ac:picMkLst>
-            <pc:docMk/>
-            <pc:sldMk cId="2466202108" sldId="269"/>
-            <ac:picMk id="2" creationId="{39F55272-7092-3DFD-5D9F-226EC23BA3A1}"/>
-          </ac:picMkLst>
-        </pc:picChg>
-        <pc:picChg chg="del">
-          <ac:chgData name="Javier Patiño Serna" userId="S::jpatinos@eafit.edu.co::73276bcd-7ebe-4288-a77b-14e1e6e5189b" providerId="AD" clId="Web-{16A38915-6406-2129-2964-54F60F0A632C}" dt="2022-12-08T16:35:59.992" v="59"/>
-          <ac:picMkLst>
-            <pc:docMk/>
-            <pc:sldMk cId="2466202108" sldId="269"/>
-            <ac:picMk id="3" creationId="{6B805931-3434-AA0D-C881-45B00DD2B4B2}"/>
-          </ac:picMkLst>
-        </pc:picChg>
-        <pc:picChg chg="add mod">
-          <ac:chgData name="Javier Patiño Serna" userId="S::jpatinos@eafit.edu.co::73276bcd-7ebe-4288-a77b-14e1e6e5189b" providerId="AD" clId="Web-{16A38915-6406-2129-2964-54F60F0A632C}" dt="2022-12-08T16:44:46.583" v="101" actId="1076"/>
-          <ac:picMkLst>
-            <pc:docMk/>
-            <pc:sldMk cId="2466202108" sldId="269"/>
-            <ac:picMk id="7" creationId="{78174B7D-C170-B254-FFAA-776BC7D88C2B}"/>
-          </ac:picMkLst>
-        </pc:picChg>
-        <pc:picChg chg="add mod">
-          <ac:chgData name="Javier Patiño Serna" userId="S::jpatinos@eafit.edu.co::73276bcd-7ebe-4288-a77b-14e1e6e5189b" providerId="AD" clId="Web-{16A38915-6406-2129-2964-54F60F0A632C}" dt="2022-12-08T16:46:07.725" v="149" actId="1076"/>
-          <ac:picMkLst>
-            <pc:docMk/>
-            <pc:sldMk cId="2466202108" sldId="269"/>
-            <ac:picMk id="10" creationId="{EBCF8394-0D7C-41D4-F3B8-0B1C5197E55C}"/>
-          </ac:picMkLst>
-        </pc:picChg>
-        <pc:picChg chg="add del mod">
-          <ac:chgData name="Javier Patiño Serna" userId="S::jpatinos@eafit.edu.co::73276bcd-7ebe-4288-a77b-14e1e6e5189b" providerId="AD" clId="Web-{16A38915-6406-2129-2964-54F60F0A632C}" dt="2022-12-08T16:45:43.615" v="109"/>
-          <ac:picMkLst>
-            <pc:docMk/>
-            <pc:sldMk cId="2466202108" sldId="269"/>
-            <ac:picMk id="11" creationId="{E2657E14-DAEE-DC2F-FE7A-10B1D360F7C4}"/>
-          </ac:picMkLst>
-        </pc:picChg>
-      </pc:sldChg>
-      <pc:sldChg chg="addSp delSp modSp add replId">
-        <pc:chgData name="Javier Patiño Serna" userId="S::jpatinos@eafit.edu.co::73276bcd-7ebe-4288-a77b-14e1e6e5189b" providerId="AD" clId="Web-{16A38915-6406-2129-2964-54F60F0A632C}" dt="2022-12-08T17:39:55.488" v="660" actId="1076"/>
-        <pc:sldMkLst>
-          <pc:docMk/>
-          <pc:sldMk cId="3625733988" sldId="271"/>
-        </pc:sldMkLst>
-        <pc:spChg chg="add mod">
-          <ac:chgData name="Javier Patiño Serna" userId="S::jpatinos@eafit.edu.co::73276bcd-7ebe-4288-a77b-14e1e6e5189b" providerId="AD" clId="Web-{16A38915-6406-2129-2964-54F60F0A632C}" dt="2022-12-08T17:39:55.488" v="660" actId="1076"/>
-          <ac:spMkLst>
-            <pc:docMk/>
-            <pc:sldMk cId="3625733988" sldId="271"/>
-            <ac:spMk id="5" creationId="{E187C734-EBD9-AD9D-0766-6D5E98DB2CF1}"/>
-          </ac:spMkLst>
-        </pc:spChg>
-        <pc:spChg chg="mod">
-          <ac:chgData name="Javier Patiño Serna" userId="S::jpatinos@eafit.edu.co::73276bcd-7ebe-4288-a77b-14e1e6e5189b" providerId="AD" clId="Web-{16A38915-6406-2129-2964-54F60F0A632C}" dt="2022-12-08T17:04:26.175" v="152" actId="1076"/>
-          <ac:spMkLst>
-            <pc:docMk/>
-            <pc:sldMk cId="3625733988" sldId="271"/>
-            <ac:spMk id="8" creationId="{6C84337B-8CF9-736F-3295-9E1D6FA97EC1}"/>
-          </ac:spMkLst>
-        </pc:spChg>
-        <pc:spChg chg="del">
-          <ac:chgData name="Javier Patiño Serna" userId="S::jpatinos@eafit.edu.co::73276bcd-7ebe-4288-a77b-14e1e6e5189b" providerId="AD" clId="Web-{16A38915-6406-2129-2964-54F60F0A632C}" dt="2022-12-08T17:04:30.160" v="155"/>
-          <ac:spMkLst>
-            <pc:docMk/>
-            <pc:sldMk cId="3625733988" sldId="271"/>
-            <ac:spMk id="9" creationId="{854CD6B5-7E73-939F-92DE-B841690E8EEF}"/>
-          </ac:spMkLst>
-        </pc:spChg>
-        <pc:spChg chg="del">
-          <ac:chgData name="Javier Patiño Serna" userId="S::jpatinos@eafit.edu.co::73276bcd-7ebe-4288-a77b-14e1e6e5189b" providerId="AD" clId="Web-{16A38915-6406-2129-2964-54F60F0A632C}" dt="2022-12-08T17:04:30.160" v="153"/>
-          <ac:spMkLst>
-            <pc:docMk/>
-            <pc:sldMk cId="3625733988" sldId="271"/>
-            <ac:spMk id="13" creationId="{536B0E48-65E8-67AD-12F7-3F8FD21DCB83}"/>
-          </ac:spMkLst>
-        </pc:spChg>
-        <pc:picChg chg="add mod">
-          <ac:chgData name="Javier Patiño Serna" userId="S::jpatinos@eafit.edu.co::73276bcd-7ebe-4288-a77b-14e1e6e5189b" providerId="AD" clId="Web-{16A38915-6406-2129-2964-54F60F0A632C}" dt="2022-12-08T17:05:11.786" v="159" actId="1076"/>
-          <ac:picMkLst>
-            <pc:docMk/>
-            <pc:sldMk cId="3625733988" sldId="271"/>
-            <ac:picMk id="2" creationId="{E8750513-A554-6E7A-2C01-4D19911A9A82}"/>
-          </ac:picMkLst>
-        </pc:picChg>
-        <pc:picChg chg="del">
-          <ac:chgData name="Javier Patiño Serna" userId="S::jpatinos@eafit.edu.co::73276bcd-7ebe-4288-a77b-14e1e6e5189b" providerId="AD" clId="Web-{16A38915-6406-2129-2964-54F60F0A632C}" dt="2022-12-08T17:04:31.738" v="156"/>
-          <ac:picMkLst>
-            <pc:docMk/>
-            <pc:sldMk cId="3625733988" sldId="271"/>
-            <ac:picMk id="7" creationId="{78174B7D-C170-B254-FFAA-776BC7D88C2B}"/>
-          </ac:picMkLst>
-        </pc:picChg>
-        <pc:picChg chg="del">
-          <ac:chgData name="Javier Patiño Serna" userId="S::jpatinos@eafit.edu.co::73276bcd-7ebe-4288-a77b-14e1e6e5189b" providerId="AD" clId="Web-{16A38915-6406-2129-2964-54F60F0A632C}" dt="2022-12-08T17:04:30.160" v="154"/>
-          <ac:picMkLst>
-            <pc:docMk/>
-            <pc:sldMk cId="3625733988" sldId="271"/>
-            <ac:picMk id="10" creationId="{EBCF8394-0D7C-41D4-F3B8-0B1C5197E55C}"/>
-          </ac:picMkLst>
-        </pc:picChg>
-      </pc:sldChg>
-      <pc:sldChg chg="addSp delSp modSp add replId">
-        <pc:chgData name="Javier Patiño Serna" userId="S::jpatinos@eafit.edu.co::73276bcd-7ebe-4288-a77b-14e1e6e5189b" providerId="AD" clId="Web-{16A38915-6406-2129-2964-54F60F0A632C}" dt="2022-12-08T17:59:24.749" v="978" actId="1076"/>
-        <pc:sldMkLst>
-          <pc:docMk/>
-          <pc:sldMk cId="129174363" sldId="272"/>
-        </pc:sldMkLst>
-        <pc:spChg chg="add mod">
-          <ac:chgData name="Javier Patiño Serna" userId="S::jpatinos@eafit.edu.co::73276bcd-7ebe-4288-a77b-14e1e6e5189b" providerId="AD" clId="Web-{16A38915-6406-2129-2964-54F60F0A632C}" dt="2022-12-08T17:42:46.664" v="743" actId="20577"/>
-          <ac:spMkLst>
-            <pc:docMk/>
-            <pc:sldMk cId="129174363" sldId="272"/>
-            <ac:spMk id="2" creationId="{2F65F154-8951-659F-C97A-8128093E5AE6}"/>
-          </ac:spMkLst>
-        </pc:spChg>
-        <pc:spChg chg="add mod">
-          <ac:chgData name="Javier Patiño Serna" userId="S::jpatinos@eafit.edu.co::73276bcd-7ebe-4288-a77b-14e1e6e5189b" providerId="AD" clId="Web-{16A38915-6406-2129-2964-54F60F0A632C}" dt="2022-12-08T17:43:53.853" v="806" actId="1076"/>
-          <ac:spMkLst>
-            <pc:docMk/>
-            <pc:sldMk cId="129174363" sldId="272"/>
-            <ac:spMk id="6" creationId="{88C8588E-AB24-6552-C3F1-EBCE176698DE}"/>
-          </ac:spMkLst>
-        </pc:spChg>
-        <pc:spChg chg="mod">
-          <ac:chgData name="Javier Patiño Serna" userId="S::jpatinos@eafit.edu.co::73276bcd-7ebe-4288-a77b-14e1e6e5189b" providerId="AD" clId="Web-{16A38915-6406-2129-2964-54F60F0A632C}" dt="2022-12-08T17:42:22.976" v="720" actId="20577"/>
-          <ac:spMkLst>
-            <pc:docMk/>
-            <pc:sldMk cId="129174363" sldId="272"/>
-            <ac:spMk id="7" creationId="{5AFE8C22-0B93-3963-FE32-3608E35C5CBD}"/>
-          </ac:spMkLst>
-        </pc:spChg>
-        <pc:spChg chg="add mod">
-          <ac:chgData name="Javier Patiño Serna" userId="S::jpatinos@eafit.edu.co::73276bcd-7ebe-4288-a77b-14e1e6e5189b" providerId="AD" clId="Web-{16A38915-6406-2129-2964-54F60F0A632C}" dt="2022-12-08T17:44:37.760" v="839" actId="1076"/>
-          <ac:spMkLst>
-            <pc:docMk/>
-            <pc:sldMk cId="129174363" sldId="272"/>
-            <ac:spMk id="8" creationId="{C45BD5DB-8AC8-430F-DAD3-692E13F84EBD}"/>
-          </ac:spMkLst>
-        </pc:spChg>
-        <pc:spChg chg="del">
-          <ac:chgData name="Javier Patiño Serna" userId="S::jpatinos@eafit.edu.co::73276bcd-7ebe-4288-a77b-14e1e6e5189b" providerId="AD" clId="Web-{16A38915-6406-2129-2964-54F60F0A632C}" dt="2022-12-08T17:42:27.835" v="722"/>
-          <ac:spMkLst>
-            <pc:docMk/>
-            <pc:sldMk cId="129174363" sldId="272"/>
-            <ac:spMk id="11" creationId="{12DC135C-A5EA-6D2E-69FC-E6F10E88B004}"/>
-          </ac:spMkLst>
-        </pc:spChg>
-        <pc:spChg chg="add del mod">
-          <ac:chgData name="Javier Patiño Serna" userId="S::jpatinos@eafit.edu.co::73276bcd-7ebe-4288-a77b-14e1e6e5189b" providerId="AD" clId="Web-{16A38915-6406-2129-2964-54F60F0A632C}" dt="2022-12-08T17:55:35.556" v="891"/>
-          <ac:spMkLst>
-            <pc:docMk/>
-            <pc:sldMk cId="129174363" sldId="272"/>
-            <ac:spMk id="13" creationId="{6EE861A9-145D-CEDB-54FA-A3F400EEF07E}"/>
-          </ac:spMkLst>
-        </pc:spChg>
-        <pc:spChg chg="add mod">
-          <ac:chgData name="Javier Patiño Serna" userId="S::jpatinos@eafit.edu.co::73276bcd-7ebe-4288-a77b-14e1e6e5189b" providerId="AD" clId="Web-{16A38915-6406-2129-2964-54F60F0A632C}" dt="2022-12-08T17:59:24.749" v="978" actId="1076"/>
-          <ac:spMkLst>
-            <pc:docMk/>
-            <pc:sldMk cId="129174363" sldId="272"/>
-            <ac:spMk id="15" creationId="{E8789706-4650-4296-05E2-72B749A4B0D3}"/>
-          </ac:spMkLst>
-        </pc:spChg>
-        <pc:graphicFrameChg chg="del">
-          <ac:chgData name="Javier Patiño Serna" userId="S::jpatinos@eafit.edu.co::73276bcd-7ebe-4288-a77b-14e1e6e5189b" providerId="AD" clId="Web-{16A38915-6406-2129-2964-54F60F0A632C}" dt="2022-12-08T17:42:26.320" v="721"/>
-          <ac:graphicFrameMkLst>
-            <pc:docMk/>
-            <pc:sldMk cId="129174363" sldId="272"/>
-            <ac:graphicFrameMk id="9" creationId="{037ABE74-FD10-8F5D-A380-D672EB9484AF}"/>
-          </ac:graphicFrameMkLst>
-        </pc:graphicFrameChg>
-        <pc:graphicFrameChg chg="add mod modGraphic">
-          <ac:chgData name="Javier Patiño Serna" userId="S::jpatinos@eafit.edu.co::73276bcd-7ebe-4288-a77b-14e1e6e5189b" providerId="AD" clId="Web-{16A38915-6406-2129-2964-54F60F0A632C}" dt="2022-12-08T17:59:24.749" v="977" actId="1076"/>
-          <ac:graphicFrameMkLst>
-            <pc:docMk/>
-            <pc:sldMk cId="129174363" sldId="272"/>
-            <ac:graphicFrameMk id="14" creationId="{3475C563-3F8C-D560-C6DC-762A4272D403}"/>
-          </ac:graphicFrameMkLst>
-        </pc:graphicFrameChg>
-        <pc:picChg chg="add mod">
-          <ac:chgData name="Javier Patiño Serna" userId="S::jpatinos@eafit.edu.co::73276bcd-7ebe-4288-a77b-14e1e6e5189b" providerId="AD" clId="Web-{16A38915-6406-2129-2964-54F60F0A632C}" dt="2022-12-08T17:43:51.494" v="805" actId="1076"/>
-          <ac:picMkLst>
-            <pc:docMk/>
-            <pc:sldMk cId="129174363" sldId="272"/>
-            <ac:picMk id="5" creationId="{B37007A9-C037-F9E8-8444-E651A4E4D964}"/>
-          </ac:picMkLst>
-        </pc:picChg>
-        <pc:picChg chg="add del mod">
-          <ac:chgData name="Javier Patiño Serna" userId="S::jpatinos@eafit.edu.co::73276bcd-7ebe-4288-a77b-14e1e6e5189b" providerId="AD" clId="Web-{16A38915-6406-2129-2964-54F60F0A632C}" dt="2022-12-08T17:59:19.077" v="976"/>
-          <ac:picMkLst>
-            <pc:docMk/>
-            <pc:sldMk cId="129174363" sldId="272"/>
-            <ac:picMk id="17" creationId="{EFB5D6B1-8076-8B33-1300-1F72328C6C5C}"/>
-          </ac:picMkLst>
-        </pc:picChg>
-      </pc:sldChg>
-      <pc:sldChg chg="addSp delSp modSp add replId">
-        <pc:chgData name="Javier Patiño Serna" userId="S::jpatinos@eafit.edu.co::73276bcd-7ebe-4288-a77b-14e1e6e5189b" providerId="AD" clId="Web-{16A38915-6406-2129-2964-54F60F0A632C}" dt="2022-12-08T17:59:47.609" v="1010" actId="20577"/>
-        <pc:sldMkLst>
-          <pc:docMk/>
-          <pc:sldMk cId="677003340" sldId="273"/>
-        </pc:sldMkLst>
-        <pc:spChg chg="del">
-          <ac:chgData name="Javier Patiño Serna" userId="S::jpatinos@eafit.edu.co::73276bcd-7ebe-4288-a77b-14e1e6e5189b" providerId="AD" clId="Web-{16A38915-6406-2129-2964-54F60F0A632C}" dt="2022-12-08T17:59:32.468" v="985"/>
-          <ac:spMkLst>
-            <pc:docMk/>
-            <pc:sldMk cId="677003340" sldId="273"/>
-            <ac:spMk id="2" creationId="{2F65F154-8951-659F-C97A-8128093E5AE6}"/>
-          </ac:spMkLst>
-        </pc:spChg>
-        <pc:spChg chg="del">
-          <ac:chgData name="Javier Patiño Serna" userId="S::jpatinos@eafit.edu.co::73276bcd-7ebe-4288-a77b-14e1e6e5189b" providerId="AD" clId="Web-{16A38915-6406-2129-2964-54F60F0A632C}" dt="2022-12-08T17:59:32.468" v="983"/>
-          <ac:spMkLst>
-            <pc:docMk/>
-            <pc:sldMk cId="677003340" sldId="273"/>
-            <ac:spMk id="6" creationId="{88C8588E-AB24-6552-C3F1-EBCE176698DE}"/>
-          </ac:spMkLst>
-        </pc:spChg>
-        <pc:spChg chg="del">
-          <ac:chgData name="Javier Patiño Serna" userId="S::jpatinos@eafit.edu.co::73276bcd-7ebe-4288-a77b-14e1e6e5189b" providerId="AD" clId="Web-{16A38915-6406-2129-2964-54F60F0A632C}" dt="2022-12-08T17:59:32.468" v="986"/>
-          <ac:spMkLst>
-            <pc:docMk/>
-            <pc:sldMk cId="677003340" sldId="273"/>
-            <ac:spMk id="7" creationId="{5AFE8C22-0B93-3963-FE32-3608E35C5CBD}"/>
-          </ac:spMkLst>
-        </pc:spChg>
-        <pc:spChg chg="del">
-          <ac:chgData name="Javier Patiño Serna" userId="S::jpatinos@eafit.edu.co::73276bcd-7ebe-4288-a77b-14e1e6e5189b" providerId="AD" clId="Web-{16A38915-6406-2129-2964-54F60F0A632C}" dt="2022-12-08T17:59:32.468" v="982"/>
-          <ac:spMkLst>
-            <pc:docMk/>
-            <pc:sldMk cId="677003340" sldId="273"/>
-            <ac:spMk id="8" creationId="{C45BD5DB-8AC8-430F-DAD3-692E13F84EBD}"/>
-          </ac:spMkLst>
-        </pc:spChg>
-        <pc:spChg chg="add mod">
-          <ac:chgData name="Javier Patiño Serna" userId="S::jpatinos@eafit.edu.co::73276bcd-7ebe-4288-a77b-14e1e6e5189b" providerId="AD" clId="Web-{16A38915-6406-2129-2964-54F60F0A632C}" dt="2022-12-08T17:59:47.609" v="1010" actId="20577"/>
-          <ac:spMkLst>
-            <pc:docMk/>
-            <pc:sldMk cId="677003340" sldId="273"/>
-            <ac:spMk id="11" creationId="{01374E51-6828-44B9-7546-7D6DD19748D1}"/>
-          </ac:spMkLst>
-        </pc:spChg>
-        <pc:spChg chg="del">
-          <ac:chgData name="Javier Patiño Serna" userId="S::jpatinos@eafit.edu.co::73276bcd-7ebe-4288-a77b-14e1e6e5189b" providerId="AD" clId="Web-{16A38915-6406-2129-2964-54F60F0A632C}" dt="2022-12-08T17:59:32.468" v="980"/>
-          <ac:spMkLst>
-            <pc:docMk/>
-            <pc:sldMk cId="677003340" sldId="273"/>
-            <ac:spMk id="15" creationId="{E8789706-4650-4296-05E2-72B749A4B0D3}"/>
-          </ac:spMkLst>
-        </pc:spChg>
-        <pc:graphicFrameChg chg="del">
-          <ac:chgData name="Javier Patiño Serna" userId="S::jpatinos@eafit.edu.co::73276bcd-7ebe-4288-a77b-14e1e6e5189b" providerId="AD" clId="Web-{16A38915-6406-2129-2964-54F60F0A632C}" dt="2022-12-08T17:59:32.468" v="981"/>
-          <ac:graphicFrameMkLst>
-            <pc:docMk/>
-            <pc:sldMk cId="677003340" sldId="273"/>
-            <ac:graphicFrameMk id="14" creationId="{3475C563-3F8C-D560-C6DC-762A4272D403}"/>
-          </ac:graphicFrameMkLst>
-        </pc:graphicFrameChg>
-        <pc:picChg chg="del">
-          <ac:chgData name="Javier Patiño Serna" userId="S::jpatinos@eafit.edu.co::73276bcd-7ebe-4288-a77b-14e1e6e5189b" providerId="AD" clId="Web-{16A38915-6406-2129-2964-54F60F0A632C}" dt="2022-12-08T17:59:32.468" v="984"/>
-          <ac:picMkLst>
-            <pc:docMk/>
-            <pc:sldMk cId="677003340" sldId="273"/>
-            <ac:picMk id="5" creationId="{B37007A9-C037-F9E8-8444-E651A4E4D964}"/>
-          </ac:picMkLst>
-        </pc:picChg>
-      </pc:sldChg>
-    </pc:docChg>
-  </pc:docChgLst>
-  <pc:docChgLst>
-    <pc:chgData name="Cristian Castro Arias" userId="S::ccastroa@eafit.edu.co::be24d1df-70db-473d-97ae-2a9982a38bd8" providerId="AD" clId="Web-{16248086-5C13-BB9C-0BD6-746894047EBA}"/>
-    <pc:docChg chg="addSld delSld modSld addMainMaster delMainMaster">
-      <pc:chgData name="Cristian Castro Arias" userId="S::ccastroa@eafit.edu.co::be24d1df-70db-473d-97ae-2a9982a38bd8" providerId="AD" clId="Web-{16248086-5C13-BB9C-0BD6-746894047EBA}" dt="2022-12-06T23:33:55.654" v="372" actId="14100"/>
-      <pc:docMkLst>
-        <pc:docMk/>
-      </pc:docMkLst>
-      <pc:sldChg chg="addSp delSp modSp mod setBg modClrScheme addAnim chgLayout">
-        <pc:chgData name="Cristian Castro Arias" userId="S::ccastroa@eafit.edu.co::be24d1df-70db-473d-97ae-2a9982a38bd8" providerId="AD" clId="Web-{16248086-5C13-BB9C-0BD6-746894047EBA}" dt="2022-12-06T21:14:59.040" v="32" actId="1076"/>
-        <pc:sldMkLst>
-          <pc:docMk/>
-          <pc:sldMk cId="2406273178" sldId="256"/>
-        </pc:sldMkLst>
-        <pc:spChg chg="mod ord">
-          <ac:chgData name="Cristian Castro Arias" userId="S::ccastroa@eafit.edu.co::be24d1df-70db-473d-97ae-2a9982a38bd8" providerId="AD" clId="Web-{16248086-5C13-BB9C-0BD6-746894047EBA}" dt="2022-12-06T21:14:59.009" v="31" actId="1076"/>
-          <ac:spMkLst>
-            <pc:docMk/>
-            <pc:sldMk cId="2406273178" sldId="256"/>
-            <ac:spMk id="2" creationId="{00000000-0000-0000-0000-000000000000}"/>
-          </ac:spMkLst>
-        </pc:spChg>
-        <pc:spChg chg="del mod ord">
-          <ac:chgData name="Cristian Castro Arias" userId="S::ccastroa@eafit.edu.co::be24d1df-70db-473d-97ae-2a9982a38bd8" providerId="AD" clId="Web-{16248086-5C13-BB9C-0BD6-746894047EBA}" dt="2022-12-06T20:42:15.990" v="12"/>
-          <ac:spMkLst>
-            <pc:docMk/>
-            <pc:sldMk cId="2406273178" sldId="256"/>
-            <ac:spMk id="3" creationId="{00000000-0000-0000-0000-000000000000}"/>
-          </ac:spMkLst>
-        </pc:spChg>
-        <pc:spChg chg="add del">
-          <ac:chgData name="Cristian Castro Arias" userId="S::ccastroa@eafit.edu.co::be24d1df-70db-473d-97ae-2a9982a38bd8" providerId="AD" clId="Web-{16248086-5C13-BB9C-0BD6-746894047EBA}" dt="2022-12-06T20:41:21.301" v="9"/>
-          <ac:spMkLst>
-            <pc:docMk/>
-            <pc:sldMk cId="2406273178" sldId="256"/>
-            <ac:spMk id="9" creationId="{E91DC736-0EF8-4F87-9146-EBF1D2EE4D3D}"/>
-          </ac:spMkLst>
-        </pc:spChg>
-        <pc:spChg chg="add del">
-          <ac:chgData name="Cristian Castro Arias" userId="S::ccastroa@eafit.edu.co::be24d1df-70db-473d-97ae-2a9982a38bd8" providerId="AD" clId="Web-{16248086-5C13-BB9C-0BD6-746894047EBA}" dt="2022-12-06T20:41:21.301" v="9"/>
-          <ac:spMkLst>
-            <pc:docMk/>
-            <pc:sldMk cId="2406273178" sldId="256"/>
-            <ac:spMk id="11" creationId="{097CD68E-23E3-4007-8847-CD0944C4F7BE}"/>
-          </ac:spMkLst>
-        </pc:spChg>
-        <pc:spChg chg="add del">
-          <ac:chgData name="Cristian Castro Arias" userId="S::ccastroa@eafit.edu.co::be24d1df-70db-473d-97ae-2a9982a38bd8" providerId="AD" clId="Web-{16248086-5C13-BB9C-0BD6-746894047EBA}" dt="2022-12-06T20:41:21.301" v="9"/>
-          <ac:spMkLst>
-            <pc:docMk/>
-            <pc:sldMk cId="2406273178" sldId="256"/>
-            <ac:spMk id="13" creationId="{AF2F604E-43BE-4DC3-B983-E071523364F8}"/>
-          </ac:spMkLst>
-        </pc:spChg>
-        <pc:spChg chg="add del">
-          <ac:chgData name="Cristian Castro Arias" userId="S::ccastroa@eafit.edu.co::be24d1df-70db-473d-97ae-2a9982a38bd8" providerId="AD" clId="Web-{16248086-5C13-BB9C-0BD6-746894047EBA}" dt="2022-12-06T20:41:21.301" v="9"/>
-          <ac:spMkLst>
-            <pc:docMk/>
-            <pc:sldMk cId="2406273178" sldId="256"/>
-            <ac:spMk id="15" creationId="{08C9B587-E65E-4B52-B37C-ABEBB6E87928}"/>
-          </ac:spMkLst>
-        </pc:spChg>
-        <pc:spChg chg="add del">
-          <ac:chgData name="Cristian Castro Arias" userId="S::ccastroa@eafit.edu.co::be24d1df-70db-473d-97ae-2a9982a38bd8" providerId="AD" clId="Web-{16248086-5C13-BB9C-0BD6-746894047EBA}" dt="2022-12-06T20:42:15.990" v="12"/>
-          <ac:spMkLst>
-            <pc:docMk/>
-            <pc:sldMk cId="2406273178" sldId="256"/>
-            <ac:spMk id="20" creationId="{CAA37442-EAE9-6CFC-AC74-44222B37FA80}"/>
-          </ac:spMkLst>
-        </pc:spChg>
-        <pc:spChg chg="add del">
-          <ac:chgData name="Cristian Castro Arias" userId="S::ccastroa@eafit.edu.co::be24d1df-70db-473d-97ae-2a9982a38bd8" providerId="AD" clId="Web-{16248086-5C13-BB9C-0BD6-746894047EBA}" dt="2022-12-06T20:42:15.990" v="12"/>
-          <ac:spMkLst>
-            <pc:docMk/>
-            <pc:sldMk cId="2406273178" sldId="256"/>
-            <ac:spMk id="22" creationId="{54117A24-9D5E-A791-A2F4-8C81AC603C15}"/>
-          </ac:spMkLst>
-        </pc:spChg>
-        <pc:spChg chg="add mod">
-          <ac:chgData name="Cristian Castro Arias" userId="S::ccastroa@eafit.edu.co::be24d1df-70db-473d-97ae-2a9982a38bd8" providerId="AD" clId="Web-{16248086-5C13-BB9C-0BD6-746894047EBA}" dt="2022-12-06T21:14:59.040" v="32" actId="1076"/>
-          <ac:spMkLst>
-            <pc:docMk/>
-            <pc:sldMk cId="2406273178" sldId="256"/>
-            <ac:spMk id="27" creationId="{F8FE6C11-B56E-D593-91F8-4157FCB4AFD4}"/>
-          </ac:spMkLst>
-        </pc:spChg>
-        <pc:spChg chg="add">
-          <ac:chgData name="Cristian Castro Arias" userId="S::ccastroa@eafit.edu.co::be24d1df-70db-473d-97ae-2a9982a38bd8" providerId="AD" clId="Web-{16248086-5C13-BB9C-0BD6-746894047EBA}" dt="2022-12-06T20:42:15.990" v="12"/>
-          <ac:spMkLst>
-            <pc:docMk/>
-            <pc:sldMk cId="2406273178" sldId="256"/>
-            <ac:spMk id="29" creationId="{6D3A378B-30F2-677E-ADE3-D99793471434}"/>
-          </ac:spMkLst>
-        </pc:spChg>
-        <pc:spChg chg="add">
-          <ac:chgData name="Cristian Castro Arias" userId="S::ccastroa@eafit.edu.co::be24d1df-70db-473d-97ae-2a9982a38bd8" providerId="AD" clId="Web-{16248086-5C13-BB9C-0BD6-746894047EBA}" dt="2022-12-06T20:42:15.990" v="12"/>
-          <ac:spMkLst>
-            <pc:docMk/>
-            <pc:sldMk cId="2406273178" sldId="256"/>
-            <ac:spMk id="31" creationId="{9C23378E-16EF-7D77-ECA0-65A9A9CBCAEA}"/>
-          </ac:spMkLst>
-        </pc:spChg>
-        <pc:spChg chg="add">
-          <ac:chgData name="Cristian Castro Arias" userId="S::ccastroa@eafit.edu.co::be24d1df-70db-473d-97ae-2a9982a38bd8" providerId="AD" clId="Web-{16248086-5C13-BB9C-0BD6-746894047EBA}" dt="2022-12-06T20:42:15.990" v="12"/>
-          <ac:spMkLst>
-            <pc:docMk/>
-            <pc:sldMk cId="2406273178" sldId="256"/>
-            <ac:spMk id="33" creationId="{EE0CB3F7-D607-DD27-6318-D95A7FBB1439}"/>
-          </ac:spMkLst>
-        </pc:spChg>
-        <pc:picChg chg="add mod ord">
-          <ac:chgData name="Cristian Castro Arias" userId="S::ccastroa@eafit.edu.co::be24d1df-70db-473d-97ae-2a9982a38bd8" providerId="AD" clId="Web-{16248086-5C13-BB9C-0BD6-746894047EBA}" dt="2022-12-06T20:42:15.990" v="12"/>
-          <ac:picMkLst>
-            <pc:docMk/>
-            <pc:sldMk cId="2406273178" sldId="256"/>
-            <ac:picMk id="4" creationId="{6750F1B9-70A8-0EAF-765F-E0F3775C07C3}"/>
-          </ac:picMkLst>
-        </pc:picChg>
-      </pc:sldChg>
-      <pc:sldChg chg="addSp delSp modSp new mod modClrScheme chgLayout">
-        <pc:chgData name="Cristian Castro Arias" userId="S::ccastroa@eafit.edu.co::be24d1df-70db-473d-97ae-2a9982a38bd8" providerId="AD" clId="Web-{16248086-5C13-BB9C-0BD6-746894047EBA}" dt="2022-12-06T23:33:55.654" v="372" actId="14100"/>
-        <pc:sldMkLst>
-          <pc:docMk/>
-          <pc:sldMk cId="2427641800" sldId="257"/>
-        </pc:sldMkLst>
-        <pc:spChg chg="del">
-          <ac:chgData name="Cristian Castro Arias" userId="S::ccastroa@eafit.edu.co::be24d1df-70db-473d-97ae-2a9982a38bd8" providerId="AD" clId="Web-{16248086-5C13-BB9C-0BD6-746894047EBA}" dt="2022-12-06T20:56:25.090" v="16"/>
-          <ac:spMkLst>
-            <pc:docMk/>
-            <pc:sldMk cId="2427641800" sldId="257"/>
-            <ac:spMk id="2" creationId="{3CED8DB9-F28A-9BCD-D8BA-69043FB6D03C}"/>
-          </ac:spMkLst>
-        </pc:spChg>
-        <pc:spChg chg="add del mod">
-          <ac:chgData name="Cristian Castro Arias" userId="S::ccastroa@eafit.edu.co::be24d1df-70db-473d-97ae-2a9982a38bd8" providerId="AD" clId="Web-{16248086-5C13-BB9C-0BD6-746894047EBA}" dt="2022-12-06T22:46:55.256" v="36"/>
-          <ac:spMkLst>
-            <pc:docMk/>
-            <pc:sldMk cId="2427641800" sldId="257"/>
-            <ac:spMk id="2" creationId="{68659209-D1EB-F5C0-74CA-E68DF1CF4D48}"/>
-          </ac:spMkLst>
-        </pc:spChg>
-        <pc:spChg chg="del">
-          <ac:chgData name="Cristian Castro Arias" userId="S::ccastroa@eafit.edu.co::be24d1df-70db-473d-97ae-2a9982a38bd8" providerId="AD" clId="Web-{16248086-5C13-BB9C-0BD6-746894047EBA}" dt="2022-12-06T20:56:25.090" v="16"/>
-          <ac:spMkLst>
-            <pc:docMk/>
-            <pc:sldMk cId="2427641800" sldId="257"/>
-            <ac:spMk id="3" creationId="{5A9BD8DD-5865-DBD6-8E6B-B1AED683E982}"/>
-          </ac:spMkLst>
-        </pc:spChg>
-        <pc:spChg chg="add mod">
-          <ac:chgData name="Cristian Castro Arias" userId="S::ccastroa@eafit.edu.co::be24d1df-70db-473d-97ae-2a9982a38bd8" providerId="AD" clId="Web-{16248086-5C13-BB9C-0BD6-746894047EBA}" dt="2022-12-06T22:47:16.928" v="41" actId="14100"/>
-          <ac:spMkLst>
-            <pc:docMk/>
-            <pc:sldMk cId="2427641800" sldId="257"/>
-            <ac:spMk id="3" creationId="{B6B3C84B-5FB7-E861-6C21-85E508C04AD5}"/>
-          </ac:spMkLst>
-        </pc:spChg>
-        <pc:spChg chg="add mod">
-          <ac:chgData name="Cristian Castro Arias" userId="S::ccastroa@eafit.edu.co::be24d1df-70db-473d-97ae-2a9982a38bd8" providerId="AD" clId="Web-{16248086-5C13-BB9C-0BD6-746894047EBA}" dt="2022-12-06T23:15:05.173" v="229" actId="1076"/>
-          <ac:spMkLst>
-            <pc:docMk/>
-            <pc:sldMk cId="2427641800" sldId="257"/>
-            <ac:spMk id="7" creationId="{5104D03E-2301-BFF6-3A72-A5F0DE6EC80E}"/>
-          </ac:spMkLst>
-        </pc:spChg>
-        <pc:spChg chg="add del mod">
-          <ac:chgData name="Cristian Castro Arias" userId="S::ccastroa@eafit.edu.co::be24d1df-70db-473d-97ae-2a9982a38bd8" providerId="AD" clId="Web-{16248086-5C13-BB9C-0BD6-746894047EBA}" dt="2022-12-06T22:46:22.333" v="33"/>
-          <ac:spMkLst>
-            <pc:docMk/>
-            <pc:sldMk cId="2427641800" sldId="257"/>
-            <ac:spMk id="8" creationId="{6C84337B-8CF9-736F-3295-9E1D6FA97EC1}"/>
-          </ac:spMkLst>
-        </pc:spChg>
-        <pc:spChg chg="add mod">
-          <ac:chgData name="Cristian Castro Arias" userId="S::ccastroa@eafit.edu.co::be24d1df-70db-473d-97ae-2a9982a38bd8" providerId="AD" clId="Web-{16248086-5C13-BB9C-0BD6-746894047EBA}" dt="2022-12-06T22:51:57.513" v="68" actId="1076"/>
-          <ac:spMkLst>
-            <pc:docMk/>
-            <pc:sldMk cId="2427641800" sldId="257"/>
-            <ac:spMk id="9" creationId="{36888DA4-8191-EEF4-2D49-DD3FEB28EB51}"/>
-          </ac:spMkLst>
-        </pc:spChg>
-        <pc:spChg chg="add del mod">
-          <ac:chgData name="Cristian Castro Arias" userId="S::ccastroa@eafit.edu.co::be24d1df-70db-473d-97ae-2a9982a38bd8" providerId="AD" clId="Web-{16248086-5C13-BB9C-0BD6-746894047EBA}" dt="2022-12-06T23:14:51.047" v="227"/>
-          <ac:spMkLst>
-            <pc:docMk/>
-            <pc:sldMk cId="2427641800" sldId="257"/>
-            <ac:spMk id="10" creationId="{2FBE0690-72E2-3C2C-22E6-16DA68564B3D}"/>
-          </ac:spMkLst>
-        </pc:spChg>
-        <pc:spChg chg="add mod">
-          <ac:chgData name="Cristian Castro Arias" userId="S::ccastroa@eafit.edu.co::be24d1df-70db-473d-97ae-2a9982a38bd8" providerId="AD" clId="Web-{16248086-5C13-BB9C-0BD6-746894047EBA}" dt="2022-12-06T23:15:37.158" v="237" actId="1076"/>
-          <ac:spMkLst>
-            <pc:docMk/>
-            <pc:sldMk cId="2427641800" sldId="257"/>
-            <ac:spMk id="11" creationId="{3E3C7E69-C14C-56A0-70EF-B413CE2D9D47}"/>
-          </ac:spMkLst>
-        </pc:spChg>
-        <pc:spChg chg="add mod">
-          <ac:chgData name="Cristian Castro Arias" userId="S::ccastroa@eafit.edu.co::be24d1df-70db-473d-97ae-2a9982a38bd8" providerId="AD" clId="Web-{16248086-5C13-BB9C-0BD6-746894047EBA}" dt="2022-12-06T20:56:25.090" v="16"/>
-          <ac:spMkLst>
-            <pc:docMk/>
-            <pc:sldMk cId="2427641800" sldId="257"/>
-            <ac:spMk id="12" creationId="{B58F934D-B69C-6114-644A-68334C9A12AD}"/>
-          </ac:spMkLst>
-        </pc:spChg>
-        <pc:spChg chg="add del">
-          <ac:chgData name="Cristian Castro Arias" userId="S::ccastroa@eafit.edu.co::be24d1df-70db-473d-97ae-2a9982a38bd8" providerId="AD" clId="Web-{16248086-5C13-BB9C-0BD6-746894047EBA}" dt="2022-12-06T22:56:00.816" v="77"/>
-          <ac:spMkLst>
-            <pc:docMk/>
-            <pc:sldMk cId="2427641800" sldId="257"/>
-            <ac:spMk id="13" creationId="{B6B3C84B-5FB7-E861-6C21-85E508C04AD5}"/>
-          </ac:spMkLst>
-        </pc:spChg>
-        <pc:spChg chg="add del mod">
-          <ac:chgData name="Cristian Castro Arias" userId="S::ccastroa@eafit.edu.co::be24d1df-70db-473d-97ae-2a9982a38bd8" providerId="AD" clId="Web-{16248086-5C13-BB9C-0BD6-746894047EBA}" dt="2022-12-06T20:57:54.451" v="24"/>
-          <ac:spMkLst>
-            <pc:docMk/>
-            <pc:sldMk cId="2427641800" sldId="257"/>
-            <ac:spMk id="14" creationId="{2BADA83D-9020-6C14-0DD9-90C7C22C5EA9}"/>
-          </ac:spMkLst>
-        </pc:spChg>
-        <pc:spChg chg="add mod">
-          <ac:chgData name="Cristian Castro Arias" userId="S::ccastroa@eafit.edu.co::be24d1df-70db-473d-97ae-2a9982a38bd8" providerId="AD" clId="Web-{16248086-5C13-BB9C-0BD6-746894047EBA}" dt="2022-12-06T20:56:25.090" v="16"/>
-          <ac:spMkLst>
-            <pc:docMk/>
-            <pc:sldMk cId="2427641800" sldId="257"/>
-            <ac:spMk id="16" creationId="{4D73FAA3-2CB6-5F50-577D-A0BC3C1E9819}"/>
-          </ac:spMkLst>
-        </pc:spChg>
-        <pc:spChg chg="add mod">
-          <ac:chgData name="Cristian Castro Arias" userId="S::ccastroa@eafit.edu.co::be24d1df-70db-473d-97ae-2a9982a38bd8" providerId="AD" clId="Web-{16248086-5C13-BB9C-0BD6-746894047EBA}" dt="2022-12-06T23:00:20.291" v="145" actId="1076"/>
-          <ac:spMkLst>
-            <pc:docMk/>
-            <pc:sldMk cId="2427641800" sldId="257"/>
-            <ac:spMk id="17" creationId="{5F3D0F7A-028E-CD0F-B7CC-164D5C5152D0}"/>
-          </ac:spMkLst>
-        </pc:spChg>
-        <pc:spChg chg="add del mod">
-          <ac:chgData name="Cristian Castro Arias" userId="S::ccastroa@eafit.edu.co::be24d1df-70db-473d-97ae-2a9982a38bd8" providerId="AD" clId="Web-{16248086-5C13-BB9C-0BD6-746894047EBA}" dt="2022-12-06T22:59:42.384" v="122"/>
-          <ac:spMkLst>
-            <pc:docMk/>
-            <pc:sldMk cId="2427641800" sldId="257"/>
-            <ac:spMk id="18" creationId="{15DB64F4-BD46-2EA4-A2FB-349EBCB9EA91}"/>
-          </ac:spMkLst>
-        </pc:spChg>
-        <pc:spChg chg="add del mod">
-          <ac:chgData name="Cristian Castro Arias" userId="S::ccastroa@eafit.edu.co::be24d1df-70db-473d-97ae-2a9982a38bd8" providerId="AD" clId="Web-{16248086-5C13-BB9C-0BD6-746894047EBA}" dt="2022-12-06T22:59:42.384" v="120"/>
-          <ac:spMkLst>
-            <pc:docMk/>
-            <pc:sldMk cId="2427641800" sldId="257"/>
-            <ac:spMk id="20" creationId="{C81A23DD-EA06-EA71-A350-16CEC66BE362}"/>
-          </ac:spMkLst>
-        </pc:spChg>
-        <pc:spChg chg="add mod">
-          <ac:chgData name="Cristian Castro Arias" userId="S::ccastroa@eafit.edu.co::be24d1df-70db-473d-97ae-2a9982a38bd8" providerId="AD" clId="Web-{16248086-5C13-BB9C-0BD6-746894047EBA}" dt="2022-12-06T23:27:04.690" v="306" actId="1076"/>
-          <ac:spMkLst>
-            <pc:docMk/>
-            <pc:sldMk cId="2427641800" sldId="257"/>
-            <ac:spMk id="21" creationId="{AD9E41EA-6F2E-C3F8-7D2B-9239B650C8FF}"/>
-          </ac:spMkLst>
-        </pc:spChg>
-        <pc:spChg chg="add mod">
-          <ac:chgData name="Cristian Castro Arias" userId="S::ccastroa@eafit.edu.co::be24d1df-70db-473d-97ae-2a9982a38bd8" providerId="AD" clId="Web-{16248086-5C13-BB9C-0BD6-746894047EBA}" dt="2022-12-06T23:00:26.698" v="148" actId="1076"/>
-          <ac:spMkLst>
-            <pc:docMk/>
-            <pc:sldMk cId="2427641800" sldId="257"/>
-            <ac:spMk id="23" creationId="{51998C90-AD38-2194-3A77-544695E04092}"/>
-          </ac:spMkLst>
-        </pc:spChg>
-        <pc:spChg chg="add mod">
-          <ac:chgData name="Cristian Castro Arias" userId="S::ccastroa@eafit.edu.co::be24d1df-70db-473d-97ae-2a9982a38bd8" providerId="AD" clId="Web-{16248086-5C13-BB9C-0BD6-746894047EBA}" dt="2022-12-06T23:28:02.614" v="335" actId="1076"/>
-          <ac:spMkLst>
-            <pc:docMk/>
-            <pc:sldMk cId="2427641800" sldId="257"/>
-            <ac:spMk id="24" creationId="{5456FE28-8352-566F-3556-78903F46AFFB}"/>
-          </ac:spMkLst>
-        </pc:spChg>
-        <pc:spChg chg="add mod">
-          <ac:chgData name="Cristian Castro Arias" userId="S::ccastroa@eafit.edu.co::be24d1df-70db-473d-97ae-2a9982a38bd8" providerId="AD" clId="Web-{16248086-5C13-BB9C-0BD6-746894047EBA}" dt="2022-12-06T23:00:15.432" v="141" actId="1076"/>
-          <ac:spMkLst>
-            <pc:docMk/>
-            <pc:sldMk cId="2427641800" sldId="257"/>
-            <ac:spMk id="26" creationId="{2A3B4902-85B3-A000-639B-82C78C5572BD}"/>
-          </ac:spMkLst>
-        </pc:spChg>
-        <pc:spChg chg="add mod">
-          <ac:chgData name="Cristian Castro Arias" userId="S::ccastroa@eafit.edu.co::be24d1df-70db-473d-97ae-2a9982a38bd8" providerId="AD" clId="Web-{16248086-5C13-BB9C-0BD6-746894047EBA}" dt="2022-12-06T23:04:47.157" v="164" actId="1076"/>
-          <ac:spMkLst>
-            <pc:docMk/>
-            <pc:sldMk cId="2427641800" sldId="257"/>
-            <ac:spMk id="30" creationId="{5E1D6394-19B1-A305-4BE0-0A80B8348F4D}"/>
-          </ac:spMkLst>
-        </pc:spChg>
-        <pc:spChg chg="add mod">
-          <ac:chgData name="Cristian Castro Arias" userId="S::ccastroa@eafit.edu.co::be24d1df-70db-473d-97ae-2a9982a38bd8" providerId="AD" clId="Web-{16248086-5C13-BB9C-0BD6-746894047EBA}" dt="2022-12-06T23:27:44.082" v="334" actId="1076"/>
-          <ac:spMkLst>
-            <pc:docMk/>
-            <pc:sldMk cId="2427641800" sldId="257"/>
-            <ac:spMk id="32" creationId="{FCA743DD-A038-2F7D-6D2E-F39CA114FC00}"/>
-          </ac:spMkLst>
-        </pc:spChg>
-        <pc:spChg chg="add mod">
-          <ac:chgData name="Cristian Castro Arias" userId="S::ccastroa@eafit.edu.co::be24d1df-70db-473d-97ae-2a9982a38bd8" providerId="AD" clId="Web-{16248086-5C13-BB9C-0BD6-746894047EBA}" dt="2022-12-06T23:27:35.160" v="332" actId="1076"/>
-          <ac:spMkLst>
-            <pc:docMk/>
-            <pc:sldMk cId="2427641800" sldId="257"/>
-            <ac:spMk id="34" creationId="{2705491B-677F-A9F9-E39D-BCB6AB706BFB}"/>
-          </ac:spMkLst>
-        </pc:spChg>
-        <pc:spChg chg="add mod">
-          <ac:chgData name="Cristian Castro Arias" userId="S::ccastroa@eafit.edu.co::be24d1df-70db-473d-97ae-2a9982a38bd8" providerId="AD" clId="Web-{16248086-5C13-BB9C-0BD6-746894047EBA}" dt="2022-12-06T23:27:18.363" v="328" actId="1076"/>
-          <ac:spMkLst>
-            <pc:docMk/>
-            <pc:sldMk cId="2427641800" sldId="257"/>
-            <ac:spMk id="36" creationId="{92405251-3164-C989-EA62-D38DE7E5DE10}"/>
-          </ac:spMkLst>
-        </pc:spChg>
-        <pc:spChg chg="add mod">
-          <ac:chgData name="Cristian Castro Arias" userId="S::ccastroa@eafit.edu.co::be24d1df-70db-473d-97ae-2a9982a38bd8" providerId="AD" clId="Web-{16248086-5C13-BB9C-0BD6-746894047EBA}" dt="2022-12-06T23:14:15.015" v="219" actId="20577"/>
-          <ac:spMkLst>
-            <pc:docMk/>
-            <pc:sldMk cId="2427641800" sldId="257"/>
-            <ac:spMk id="37" creationId="{7A5500F2-D0DD-5B36-D143-B56B220993DA}"/>
-          </ac:spMkLst>
-        </pc:spChg>
-        <pc:spChg chg="add mod">
-          <ac:chgData name="Cristian Castro Arias" userId="S::ccastroa@eafit.edu.co::be24d1df-70db-473d-97ae-2a9982a38bd8" providerId="AD" clId="Web-{16248086-5C13-BB9C-0BD6-746894047EBA}" dt="2022-12-06T23:14:10.828" v="218" actId="20577"/>
-          <ac:spMkLst>
-            <pc:docMk/>
-            <pc:sldMk cId="2427641800" sldId="257"/>
-            <ac:spMk id="38" creationId="{6C65C516-6158-6C91-043F-1C4594E8AF8A}"/>
-          </ac:spMkLst>
-        </pc:spChg>
-        <pc:spChg chg="add mod">
-          <ac:chgData name="Cristian Castro Arias" userId="S::ccastroa@eafit.edu.co::be24d1df-70db-473d-97ae-2a9982a38bd8" providerId="AD" clId="Web-{16248086-5C13-BB9C-0BD6-746894047EBA}" dt="2022-12-06T23:13:59.343" v="216" actId="1076"/>
-          <ac:spMkLst>
-            <pc:docMk/>
-            <pc:sldMk cId="2427641800" sldId="257"/>
-            <ac:spMk id="39" creationId="{141CC6E3-5F92-A8ED-D7F4-9B86E6483933}"/>
-          </ac:spMkLst>
-        </pc:spChg>
-        <pc:spChg chg="add mod">
-          <ac:chgData name="Cristian Castro Arias" userId="S::ccastroa@eafit.edu.co::be24d1df-70db-473d-97ae-2a9982a38bd8" providerId="AD" clId="Web-{16248086-5C13-BB9C-0BD6-746894047EBA}" dt="2022-12-06T23:32:30.980" v="363" actId="14100"/>
-          <ac:spMkLst>
-            <pc:docMk/>
-            <pc:sldMk cId="2427641800" sldId="257"/>
-            <ac:spMk id="40" creationId="{F436EA6C-2E61-487B-41FA-61DD7AD4EAB8}"/>
-          </ac:spMkLst>
-        </pc:spChg>
-        <pc:spChg chg="add mod">
-          <ac:chgData name="Cristian Castro Arias" userId="S::ccastroa@eafit.edu.co::be24d1df-70db-473d-97ae-2a9982a38bd8" providerId="AD" clId="Web-{16248086-5C13-BB9C-0BD6-746894047EBA}" dt="2022-12-06T23:27:31.051" v="329" actId="1076"/>
-          <ac:spMkLst>
-            <pc:docMk/>
-            <pc:sldMk cId="2427641800" sldId="257"/>
-            <ac:spMk id="42" creationId="{8D606B99-9738-3266-E039-7DD575A7CF50}"/>
-          </ac:spMkLst>
-        </pc:spChg>
-        <pc:spChg chg="add mod">
-          <ac:chgData name="Cristian Castro Arias" userId="S::ccastroa@eafit.edu.co::be24d1df-70db-473d-97ae-2a9982a38bd8" providerId="AD" clId="Web-{16248086-5C13-BB9C-0BD6-746894047EBA}" dt="2022-12-06T23:27:31.066" v="330" actId="1076"/>
-          <ac:spMkLst>
-            <pc:docMk/>
-            <pc:sldMk cId="2427641800" sldId="257"/>
-            <ac:spMk id="43" creationId="{8D606B99-9738-3266-E039-7DD575A7CF50}"/>
-          </ac:spMkLst>
-        </pc:spChg>
-        <pc:spChg chg="add mod">
-          <ac:chgData name="Cristian Castro Arias" userId="S::ccastroa@eafit.edu.co::be24d1df-70db-473d-97ae-2a9982a38bd8" providerId="AD" clId="Web-{16248086-5C13-BB9C-0BD6-746894047EBA}" dt="2022-12-06T23:27:18.347" v="327" actId="1076"/>
-          <ac:spMkLst>
-            <pc:docMk/>
-            <pc:sldMk cId="2427641800" sldId="257"/>
-            <ac:spMk id="44" creationId="{18AD2D1D-A112-2BEC-C0D2-9A66BB0E3AB3}"/>
-          </ac:spMkLst>
-        </pc:spChg>
-        <pc:spChg chg="add del mod">
-          <ac:chgData name="Cristian Castro Arias" userId="S::ccastroa@eafit.edu.co::be24d1df-70db-473d-97ae-2a9982a38bd8" providerId="AD" clId="Web-{16248086-5C13-BB9C-0BD6-746894047EBA}" dt="2022-12-06T23:28:42.412" v="341"/>
-          <ac:spMkLst>
-            <pc:docMk/>
-            <pc:sldMk cId="2427641800" sldId="257"/>
-            <ac:spMk id="45" creationId="{80D5DF0B-68BA-CE52-C0CC-99097A24E244}"/>
-          </ac:spMkLst>
-        </pc:spChg>
-        <pc:grpChg chg="add mod">
-          <ac:chgData name="Cristian Castro Arias" userId="S::ccastroa@eafit.edu.co::be24d1df-70db-473d-97ae-2a9982a38bd8" providerId="AD" clId="Web-{16248086-5C13-BB9C-0BD6-746894047EBA}" dt="2022-12-06T23:14:47.750" v="226" actId="14100"/>
-          <ac:grpSpMkLst>
-            <pc:docMk/>
-            <pc:sldMk cId="2427641800" sldId="257"/>
-            <ac:grpSpMk id="6" creationId="{4559F161-327E-160C-4BFE-C86CE8293AC2}"/>
-          </ac:grpSpMkLst>
-        </pc:grpChg>
-        <pc:picChg chg="add mod">
-          <ac:chgData name="Cristian Castro Arias" userId="S::ccastroa@eafit.edu.co::be24d1df-70db-473d-97ae-2a9982a38bd8" providerId="AD" clId="Web-{16248086-5C13-BB9C-0BD6-746894047EBA}" dt="2022-12-06T20:57:56.951" v="25" actId="1076"/>
-          <ac:picMkLst>
-            <pc:docMk/>
-            <pc:sldMk cId="2427641800" sldId="257"/>
-            <ac:picMk id="4" creationId="{634C13E9-8655-5DB1-D2E2-E6F70FC16D7E}"/>
-          </ac:picMkLst>
-        </pc:picChg>
-        <pc:picChg chg="add mod">
-          <ac:chgData name="Cristian Castro Arias" userId="S::ccastroa@eafit.edu.co::be24d1df-70db-473d-97ae-2a9982a38bd8" providerId="AD" clId="Web-{16248086-5C13-BB9C-0BD6-746894047EBA}" dt="2022-12-06T22:48:17.617" v="52" actId="14100"/>
-          <ac:picMkLst>
-            <pc:docMk/>
-            <pc:sldMk cId="2427641800" sldId="257"/>
-            <ac:picMk id="5" creationId="{D9A3FC04-27FA-975A-5779-B3DBAAD7B783}"/>
-          </ac:picMkLst>
-        </pc:picChg>
-        <pc:picChg chg="add del">
-          <ac:chgData name="Cristian Castro Arias" userId="S::ccastroa@eafit.edu.co::be24d1df-70db-473d-97ae-2a9982a38bd8" providerId="AD" clId="Web-{16248086-5C13-BB9C-0BD6-746894047EBA}" dt="2022-12-06T22:56:00.816" v="77"/>
-          <ac:picMkLst>
-            <pc:docMk/>
-            <pc:sldMk cId="2427641800" sldId="257"/>
-            <ac:picMk id="14" creationId="{D9A3FC04-27FA-975A-5779-B3DBAAD7B783}"/>
-          </ac:picMkLst>
-        </pc:picChg>
-        <pc:picChg chg="add mod">
-          <ac:chgData name="Cristian Castro Arias" userId="S::ccastroa@eafit.edu.co::be24d1df-70db-473d-97ae-2a9982a38bd8" providerId="AD" clId="Web-{16248086-5C13-BB9C-0BD6-746894047EBA}" dt="2022-12-06T23:00:20.291" v="144" actId="1076"/>
-          <ac:picMkLst>
-            <pc:docMk/>
-            <pc:sldMk cId="2427641800" sldId="257"/>
-            <ac:picMk id="15" creationId="{A77D1B42-CA6B-6DBE-3168-A1A8F8AEF1D7}"/>
-          </ac:picMkLst>
-        </pc:picChg>
-        <pc:picChg chg="add del mod">
-          <ac:chgData name="Cristian Castro Arias" userId="S::ccastroa@eafit.edu.co::be24d1df-70db-473d-97ae-2a9982a38bd8" providerId="AD" clId="Web-{16248086-5C13-BB9C-0BD6-746894047EBA}" dt="2022-12-06T22:59:42.384" v="121"/>
-          <ac:picMkLst>
-            <pc:docMk/>
-            <pc:sldMk cId="2427641800" sldId="257"/>
-            <ac:picMk id="19" creationId="{21B30BEB-116B-0CBF-95FC-5C29B4A2A496}"/>
-          </ac:picMkLst>
-        </pc:picChg>
-        <pc:picChg chg="add mod">
-          <ac:chgData name="Cristian Castro Arias" userId="S::ccastroa@eafit.edu.co::be24d1df-70db-473d-97ae-2a9982a38bd8" providerId="AD" clId="Web-{16248086-5C13-BB9C-0BD6-746894047EBA}" dt="2022-12-06T23:00:26.698" v="147" actId="1076"/>
-          <ac:picMkLst>
-            <pc:docMk/>
-            <pc:sldMk cId="2427641800" sldId="257"/>
-            <ac:picMk id="22" creationId="{9EC379A2-698E-87EA-8C18-1D7F042EDF21}"/>
-          </ac:picMkLst>
-        </pc:picChg>
-        <pc:picChg chg="add mod">
-          <ac:chgData name="Cristian Castro Arias" userId="S::ccastroa@eafit.edu.co::be24d1df-70db-473d-97ae-2a9982a38bd8" providerId="AD" clId="Web-{16248086-5C13-BB9C-0BD6-746894047EBA}" dt="2022-12-06T23:00:15.432" v="142" actId="1076"/>
-          <ac:picMkLst>
-            <pc:docMk/>
-            <pc:sldMk cId="2427641800" sldId="257"/>
-            <ac:picMk id="25" creationId="{94ADADCD-E2EA-7BAF-760B-107D6F8DCB0F}"/>
-          </ac:picMkLst>
-        </pc:picChg>
-        <pc:picChg chg="add mod">
-          <ac:chgData name="Cristian Castro Arias" userId="S::ccastroa@eafit.edu.co::be24d1df-70db-473d-97ae-2a9982a38bd8" providerId="AD" clId="Web-{16248086-5C13-BB9C-0BD6-746894047EBA}" dt="2022-12-06T23:27:18.222" v="318" actId="1076"/>
-          <ac:picMkLst>
-            <pc:docMk/>
-            <pc:sldMk cId="2427641800" sldId="257"/>
-            <ac:picMk id="27" creationId="{57511BCD-5721-E9BB-C18A-25199250BF91}"/>
-          </ac:picMkLst>
-        </pc:picChg>
-        <pc:picChg chg="add mod">
-          <ac:chgData name="Cristian Castro Arias" userId="S::ccastroa@eafit.edu.co::be24d1df-70db-473d-97ae-2a9982a38bd8" providerId="AD" clId="Web-{16248086-5C13-BB9C-0BD6-746894047EBA}" dt="2022-12-06T23:23:08.763" v="296" actId="1076"/>
-          <ac:picMkLst>
-            <pc:docMk/>
-            <pc:sldMk cId="2427641800" sldId="257"/>
-            <ac:picMk id="28" creationId="{49CF20B7-2481-F9B0-CBE6-2AF772DF6512}"/>
-          </ac:picMkLst>
-        </pc:picChg>
-        <pc:picChg chg="add mod">
-          <ac:chgData name="Cristian Castro Arias" userId="S::ccastroa@eafit.edu.co::be24d1df-70db-473d-97ae-2a9982a38bd8" providerId="AD" clId="Web-{16248086-5C13-BB9C-0BD6-746894047EBA}" dt="2022-12-06T23:04:43.470" v="163" actId="1076"/>
-          <ac:picMkLst>
-            <pc:docMk/>
-            <pc:sldMk cId="2427641800" sldId="257"/>
-            <ac:picMk id="29" creationId="{BCC84561-EF76-182D-1E25-64CEE41F879E}"/>
-          </ac:picMkLst>
-        </pc:picChg>
-        <pc:picChg chg="add mod">
-          <ac:chgData name="Cristian Castro Arias" userId="S::ccastroa@eafit.edu.co::be24d1df-70db-473d-97ae-2a9982a38bd8" providerId="AD" clId="Web-{16248086-5C13-BB9C-0BD6-746894047EBA}" dt="2022-12-06T23:27:44.082" v="333" actId="1076"/>
-          <ac:picMkLst>
-            <pc:docMk/>
-            <pc:sldMk cId="2427641800" sldId="257"/>
-            <ac:picMk id="31" creationId="{1E32D140-F808-6AF8-23EE-7B31EB9765FE}"/>
-          </ac:picMkLst>
-        </pc:picChg>
-        <pc:picChg chg="add mod">
-          <ac:chgData name="Cristian Castro Arias" userId="S::ccastroa@eafit.edu.co::be24d1df-70db-473d-97ae-2a9982a38bd8" providerId="AD" clId="Web-{16248086-5C13-BB9C-0BD6-746894047EBA}" dt="2022-12-06T23:27:35.144" v="331" actId="1076"/>
-          <ac:picMkLst>
-            <pc:docMk/>
-            <pc:sldMk cId="2427641800" sldId="257"/>
-            <ac:picMk id="33" creationId="{3A876C76-6254-3DF0-97B9-FD5BDFB289C7}"/>
-          </ac:picMkLst>
-        </pc:picChg>
-        <pc:picChg chg="add mod">
-          <ac:chgData name="Cristian Castro Arias" userId="S::ccastroa@eafit.edu.co::be24d1df-70db-473d-97ae-2a9982a38bd8" providerId="AD" clId="Web-{16248086-5C13-BB9C-0BD6-746894047EBA}" dt="2022-12-06T23:27:18.285" v="323" actId="1076"/>
-          <ac:picMkLst>
-            <pc:docMk/>
-            <pc:sldMk cId="2427641800" sldId="257"/>
-            <ac:picMk id="35" creationId="{008FDD16-C79C-F37F-6585-9BAB6C4605EF}"/>
-          </ac:picMkLst>
-        </pc:picChg>
-        <pc:cxnChg chg="add del mod">
-          <ac:chgData name="Cristian Castro Arias" userId="S::ccastroa@eafit.edu.co::be24d1df-70db-473d-97ae-2a9982a38bd8" providerId="AD" clId="Web-{16248086-5C13-BB9C-0BD6-746894047EBA}" dt="2022-12-06T23:22:05.636" v="293"/>
-          <ac:cxnSpMkLst>
-            <pc:docMk/>
-            <pc:sldMk cId="2427641800" sldId="257"/>
-            <ac:cxnSpMk id="41" creationId="{44B99605-5F1A-5F75-83D0-EF25E8AC0482}"/>
-          </ac:cxnSpMkLst>
-        </pc:cxnChg>
-        <pc:cxnChg chg="add del mod">
-          <ac:chgData name="Cristian Castro Arias" userId="S::ccastroa@eafit.edu.co::be24d1df-70db-473d-97ae-2a9982a38bd8" providerId="AD" clId="Web-{16248086-5C13-BB9C-0BD6-746894047EBA}" dt="2022-12-06T23:29:56.179" v="347"/>
-          <ac:cxnSpMkLst>
-            <pc:docMk/>
-            <pc:sldMk cId="2427641800" sldId="257"/>
-            <ac:cxnSpMk id="46" creationId="{7C9DC8C6-66EE-267C-9F69-9DE31FEF3402}"/>
-          </ac:cxnSpMkLst>
-        </pc:cxnChg>
-        <pc:cxnChg chg="add del mod">
-          <ac:chgData name="Cristian Castro Arias" userId="S::ccastroa@eafit.edu.co::be24d1df-70db-473d-97ae-2a9982a38bd8" providerId="AD" clId="Web-{16248086-5C13-BB9C-0BD6-746894047EBA}" dt="2022-12-06T23:30:47.649" v="357"/>
-          <ac:cxnSpMkLst>
-            <pc:docMk/>
-            <pc:sldMk cId="2427641800" sldId="257"/>
-            <ac:cxnSpMk id="47" creationId="{23D83369-6E86-0AE1-FE73-041B4C30EED1}"/>
-          </ac:cxnSpMkLst>
-        </pc:cxnChg>
-        <pc:cxnChg chg="add mod">
-          <ac:chgData name="Cristian Castro Arias" userId="S::ccastroa@eafit.edu.co::be24d1df-70db-473d-97ae-2a9982a38bd8" providerId="AD" clId="Web-{16248086-5C13-BB9C-0BD6-746894047EBA}" dt="2022-12-06T23:32:35.011" v="364" actId="14100"/>
-          <ac:cxnSpMkLst>
-            <pc:docMk/>
-            <pc:sldMk cId="2427641800" sldId="257"/>
-            <ac:cxnSpMk id="48" creationId="{4F316790-C4B3-0A49-7B08-4F508C0E4EB8}"/>
-          </ac:cxnSpMkLst>
-        </pc:cxnChg>
-        <pc:cxnChg chg="add mod">
-          <ac:chgData name="Cristian Castro Arias" userId="S::ccastroa@eafit.edu.co::be24d1df-70db-473d-97ae-2a9982a38bd8" providerId="AD" clId="Web-{16248086-5C13-BB9C-0BD6-746894047EBA}" dt="2022-12-06T23:33:14.168" v="369" actId="14100"/>
-          <ac:cxnSpMkLst>
-            <pc:docMk/>
-            <pc:sldMk cId="2427641800" sldId="257"/>
-            <ac:cxnSpMk id="49" creationId="{E2F0EC22-74A0-6E5D-2BBA-4900441A5B9D}"/>
-          </ac:cxnSpMkLst>
-        </pc:cxnChg>
-        <pc:cxnChg chg="add mod">
-          <ac:chgData name="Cristian Castro Arias" userId="S::ccastroa@eafit.edu.co::be24d1df-70db-473d-97ae-2a9982a38bd8" providerId="AD" clId="Web-{16248086-5C13-BB9C-0BD6-746894047EBA}" dt="2022-12-06T23:33:55.654" v="372" actId="14100"/>
-          <ac:cxnSpMkLst>
-            <pc:docMk/>
-            <pc:sldMk cId="2427641800" sldId="257"/>
-            <ac:cxnSpMk id="50" creationId="{5D9A524C-9D95-E7B0-D961-A1684CFEB197}"/>
-          </ac:cxnSpMkLst>
-        </pc:cxnChg>
-      </pc:sldChg>
-      <pc:sldChg chg="new del">
-        <pc:chgData name="Cristian Castro Arias" userId="S::ccastroa@eafit.edu.co::be24d1df-70db-473d-97ae-2a9982a38bd8" providerId="AD" clId="Web-{16248086-5C13-BB9C-0BD6-746894047EBA}" dt="2022-12-06T21:14:28.039" v="29"/>
-        <pc:sldMkLst>
-          <pc:docMk/>
-          <pc:sldMk cId="2749991655" sldId="258"/>
-        </pc:sldMkLst>
-      </pc:sldChg>
-      <pc:sldChg chg="add replId">
-        <pc:chgData name="Cristian Castro Arias" userId="S::ccastroa@eafit.edu.co::be24d1df-70db-473d-97ae-2a9982a38bd8" providerId="AD" clId="Web-{16248086-5C13-BB9C-0BD6-746894047EBA}" dt="2022-12-06T21:14:08.226" v="28"/>
+        <pc:chgData name="Cristian Castro Arias" userId="S::ccastroa@eafit.edu.co::be24d1df-70db-473d-97ae-2a9982a38bd8" providerId="AD" clId="Web-{34635944-ABBD-47B7-7AEA-32DEB677FEA5}" dt="2022-12-09T03:22:47.003" v="29"/>
         <pc:sldMkLst>
           <pc:docMk/>
           <pc:sldMk cId="497754927" sldId="259"/>
         </pc:sldMkLst>
       </pc:sldChg>
-      <pc:sldMasterChg chg="del delSldLayout">
-        <pc:chgData name="Cristian Castro Arias" userId="S::ccastroa@eafit.edu.co::be24d1df-70db-473d-97ae-2a9982a38bd8" providerId="AD" clId="Web-{16248086-5C13-BB9C-0BD6-746894047EBA}" dt="2022-12-06T20:40:34.956" v="0"/>
-        <pc:sldMasterMkLst>
-          <pc:docMk/>
-          <pc:sldMasterMk cId="2933118997" sldId="2147483648"/>
-        </pc:sldMasterMkLst>
-        <pc:sldLayoutChg chg="del">
-          <pc:chgData name="Cristian Castro Arias" userId="S::ccastroa@eafit.edu.co::be24d1df-70db-473d-97ae-2a9982a38bd8" providerId="AD" clId="Web-{16248086-5C13-BB9C-0BD6-746894047EBA}" dt="2022-12-06T20:40:34.956" v="0"/>
-          <pc:sldLayoutMkLst>
-            <pc:docMk/>
-            <pc:sldMasterMk cId="2933118997" sldId="2147483648"/>
-            <pc:sldLayoutMk cId="2288191458" sldId="2147483649"/>
-          </pc:sldLayoutMkLst>
-        </pc:sldLayoutChg>
-        <pc:sldLayoutChg chg="del">
-          <pc:chgData name="Cristian Castro Arias" userId="S::ccastroa@eafit.edu.co::be24d1df-70db-473d-97ae-2a9982a38bd8" providerId="AD" clId="Web-{16248086-5C13-BB9C-0BD6-746894047EBA}" dt="2022-12-06T20:40:34.956" v="0"/>
-          <pc:sldLayoutMkLst>
-            <pc:docMk/>
-            <pc:sldMasterMk cId="2933118997" sldId="2147483648"/>
-            <pc:sldLayoutMk cId="3398174421" sldId="2147483650"/>
-          </pc:sldLayoutMkLst>
-        </pc:sldLayoutChg>
-        <pc:sldLayoutChg chg="del">
-          <pc:chgData name="Cristian Castro Arias" userId="S::ccastroa@eafit.edu.co::be24d1df-70db-473d-97ae-2a9982a38bd8" providerId="AD" clId="Web-{16248086-5C13-BB9C-0BD6-746894047EBA}" dt="2022-12-06T20:40:34.956" v="0"/>
-          <pc:sldLayoutMkLst>
-            <pc:docMk/>
-            <pc:sldMasterMk cId="2933118997" sldId="2147483648"/>
-            <pc:sldLayoutMk cId="2339700568" sldId="2147483651"/>
-          </pc:sldLayoutMkLst>
-        </pc:sldLayoutChg>
-        <pc:sldLayoutChg chg="del">
-          <pc:chgData name="Cristian Castro Arias" userId="S::ccastroa@eafit.edu.co::be24d1df-70db-473d-97ae-2a9982a38bd8" providerId="AD" clId="Web-{16248086-5C13-BB9C-0BD6-746894047EBA}" dt="2022-12-06T20:40:34.956" v="0"/>
-          <pc:sldLayoutMkLst>
-            <pc:docMk/>
-            <pc:sldMasterMk cId="2933118997" sldId="2147483648"/>
-            <pc:sldLayoutMk cId="979029867" sldId="2147483652"/>
-          </pc:sldLayoutMkLst>
-        </pc:sldLayoutChg>
-        <pc:sldLayoutChg chg="del">
-          <pc:chgData name="Cristian Castro Arias" userId="S::ccastroa@eafit.edu.co::be24d1df-70db-473d-97ae-2a9982a38bd8" providerId="AD" clId="Web-{16248086-5C13-BB9C-0BD6-746894047EBA}" dt="2022-12-06T20:40:34.956" v="0"/>
-          <pc:sldLayoutMkLst>
-            <pc:docMk/>
-            <pc:sldMasterMk cId="2933118997" sldId="2147483648"/>
-            <pc:sldLayoutMk cId="1752394269" sldId="2147483653"/>
-          </pc:sldLayoutMkLst>
-        </pc:sldLayoutChg>
-        <pc:sldLayoutChg chg="del">
-          <pc:chgData name="Cristian Castro Arias" userId="S::ccastroa@eafit.edu.co::be24d1df-70db-473d-97ae-2a9982a38bd8" providerId="AD" clId="Web-{16248086-5C13-BB9C-0BD6-746894047EBA}" dt="2022-12-06T20:40:34.956" v="0"/>
-          <pc:sldLayoutMkLst>
-            <pc:docMk/>
-            <pc:sldMasterMk cId="2933118997" sldId="2147483648"/>
-            <pc:sldLayoutMk cId="3630658609" sldId="2147483654"/>
-          </pc:sldLayoutMkLst>
-        </pc:sldLayoutChg>
-        <pc:sldLayoutChg chg="del">
-          <pc:chgData name="Cristian Castro Arias" userId="S::ccastroa@eafit.edu.co::be24d1df-70db-473d-97ae-2a9982a38bd8" providerId="AD" clId="Web-{16248086-5C13-BB9C-0BD6-746894047EBA}" dt="2022-12-06T20:40:34.956" v="0"/>
-          <pc:sldLayoutMkLst>
-            <pc:docMk/>
-            <pc:sldMasterMk cId="2933118997" sldId="2147483648"/>
-            <pc:sldLayoutMk cId="3682375612" sldId="2147483655"/>
-          </pc:sldLayoutMkLst>
-        </pc:sldLayoutChg>
-        <pc:sldLayoutChg chg="del">
-          <pc:chgData name="Cristian Castro Arias" userId="S::ccastroa@eafit.edu.co::be24d1df-70db-473d-97ae-2a9982a38bd8" providerId="AD" clId="Web-{16248086-5C13-BB9C-0BD6-746894047EBA}" dt="2022-12-06T20:40:34.956" v="0"/>
-          <pc:sldLayoutMkLst>
-            <pc:docMk/>
-            <pc:sldMasterMk cId="2933118997" sldId="2147483648"/>
-            <pc:sldLayoutMk cId="1360449816" sldId="2147483656"/>
-          </pc:sldLayoutMkLst>
-        </pc:sldLayoutChg>
-        <pc:sldLayoutChg chg="del">
-          <pc:chgData name="Cristian Castro Arias" userId="S::ccastroa@eafit.edu.co::be24d1df-70db-473d-97ae-2a9982a38bd8" providerId="AD" clId="Web-{16248086-5C13-BB9C-0BD6-746894047EBA}" dt="2022-12-06T20:40:34.956" v="0"/>
-          <pc:sldLayoutMkLst>
-            <pc:docMk/>
-            <pc:sldMasterMk cId="2933118997" sldId="2147483648"/>
-            <pc:sldLayoutMk cId="383603595" sldId="2147483657"/>
-          </pc:sldLayoutMkLst>
-        </pc:sldLayoutChg>
-        <pc:sldLayoutChg chg="del">
-          <pc:chgData name="Cristian Castro Arias" userId="S::ccastroa@eafit.edu.co::be24d1df-70db-473d-97ae-2a9982a38bd8" providerId="AD" clId="Web-{16248086-5C13-BB9C-0BD6-746894047EBA}" dt="2022-12-06T20:40:34.956" v="0"/>
-          <pc:sldLayoutMkLst>
-            <pc:docMk/>
-            <pc:sldMasterMk cId="2933118997" sldId="2147483648"/>
-            <pc:sldLayoutMk cId="541863252" sldId="2147483658"/>
-          </pc:sldLayoutMkLst>
-        </pc:sldLayoutChg>
-        <pc:sldLayoutChg chg="del">
-          <pc:chgData name="Cristian Castro Arias" userId="S::ccastroa@eafit.edu.co::be24d1df-70db-473d-97ae-2a9982a38bd8" providerId="AD" clId="Web-{16248086-5C13-BB9C-0BD6-746894047EBA}" dt="2022-12-06T20:40:34.956" v="0"/>
-          <pc:sldLayoutMkLst>
-            <pc:docMk/>
-            <pc:sldMasterMk cId="2933118997" sldId="2147483648"/>
-            <pc:sldLayoutMk cId="2215096201" sldId="2147483659"/>
-          </pc:sldLayoutMkLst>
-        </pc:sldLayoutChg>
-      </pc:sldMasterChg>
-      <pc:sldMasterChg chg="add del addSldLayout delSldLayout modSldLayout">
-        <pc:chgData name="Cristian Castro Arias" userId="S::ccastroa@eafit.edu.co::be24d1df-70db-473d-97ae-2a9982a38bd8" providerId="AD" clId="Web-{16248086-5C13-BB9C-0BD6-746894047EBA}" dt="2022-12-06T20:40:38.847" v="1"/>
-        <pc:sldMasterMkLst>
-          <pc:docMk/>
-          <pc:sldMasterMk cId="3619997516" sldId="2147483660"/>
-        </pc:sldMasterMkLst>
-        <pc:sldLayoutChg chg="add del mod replId">
-          <pc:chgData name="Cristian Castro Arias" userId="S::ccastroa@eafit.edu.co::be24d1df-70db-473d-97ae-2a9982a38bd8" providerId="AD" clId="Web-{16248086-5C13-BB9C-0BD6-746894047EBA}" dt="2022-12-06T20:40:38.847" v="1"/>
-          <pc:sldLayoutMkLst>
-            <pc:docMk/>
-            <pc:sldMasterMk cId="3619997516" sldId="2147483660"/>
-            <pc:sldLayoutMk cId="2760882239" sldId="2147483661"/>
-          </pc:sldLayoutMkLst>
-        </pc:sldLayoutChg>
-        <pc:sldLayoutChg chg="add del mod replId">
-          <pc:chgData name="Cristian Castro Arias" userId="S::ccastroa@eafit.edu.co::be24d1df-70db-473d-97ae-2a9982a38bd8" providerId="AD" clId="Web-{16248086-5C13-BB9C-0BD6-746894047EBA}" dt="2022-12-06T20:40:38.847" v="1"/>
-          <pc:sldLayoutMkLst>
-            <pc:docMk/>
-            <pc:sldMasterMk cId="3619997516" sldId="2147483660"/>
-            <pc:sldLayoutMk cId="1313176639" sldId="2147483662"/>
-          </pc:sldLayoutMkLst>
-        </pc:sldLayoutChg>
-        <pc:sldLayoutChg chg="add del mod replId">
-          <pc:chgData name="Cristian Castro Arias" userId="S::ccastroa@eafit.edu.co::be24d1df-70db-473d-97ae-2a9982a38bd8" providerId="AD" clId="Web-{16248086-5C13-BB9C-0BD6-746894047EBA}" dt="2022-12-06T20:40:38.847" v="1"/>
-          <pc:sldLayoutMkLst>
-            <pc:docMk/>
-            <pc:sldMasterMk cId="3619997516" sldId="2147483660"/>
-            <pc:sldLayoutMk cId="2545943459" sldId="2147483663"/>
-          </pc:sldLayoutMkLst>
-        </pc:sldLayoutChg>
-        <pc:sldLayoutChg chg="add del mod replId">
-          <pc:chgData name="Cristian Castro Arias" userId="S::ccastroa@eafit.edu.co::be24d1df-70db-473d-97ae-2a9982a38bd8" providerId="AD" clId="Web-{16248086-5C13-BB9C-0BD6-746894047EBA}" dt="2022-12-06T20:40:38.847" v="1"/>
-          <pc:sldLayoutMkLst>
-            <pc:docMk/>
-            <pc:sldMasterMk cId="3619997516" sldId="2147483660"/>
-            <pc:sldLayoutMk cId="377152592" sldId="2147483664"/>
-          </pc:sldLayoutMkLst>
-        </pc:sldLayoutChg>
-        <pc:sldLayoutChg chg="add del mod replId">
-          <pc:chgData name="Cristian Castro Arias" userId="S::ccastroa@eafit.edu.co::be24d1df-70db-473d-97ae-2a9982a38bd8" providerId="AD" clId="Web-{16248086-5C13-BB9C-0BD6-746894047EBA}" dt="2022-12-06T20:40:38.847" v="1"/>
-          <pc:sldLayoutMkLst>
-            <pc:docMk/>
-            <pc:sldMasterMk cId="3619997516" sldId="2147483660"/>
-            <pc:sldLayoutMk cId="1100421734" sldId="2147483665"/>
-          </pc:sldLayoutMkLst>
-        </pc:sldLayoutChg>
-        <pc:sldLayoutChg chg="add del mod replId">
-          <pc:chgData name="Cristian Castro Arias" userId="S::ccastroa@eafit.edu.co::be24d1df-70db-473d-97ae-2a9982a38bd8" providerId="AD" clId="Web-{16248086-5C13-BB9C-0BD6-746894047EBA}" dt="2022-12-06T20:40:38.847" v="1"/>
-          <pc:sldLayoutMkLst>
-            <pc:docMk/>
-            <pc:sldMasterMk cId="3619997516" sldId="2147483660"/>
-            <pc:sldLayoutMk cId="3417436428" sldId="2147483666"/>
-          </pc:sldLayoutMkLst>
-        </pc:sldLayoutChg>
-        <pc:sldLayoutChg chg="add del mod replId">
-          <pc:chgData name="Cristian Castro Arias" userId="S::ccastroa@eafit.edu.co::be24d1df-70db-473d-97ae-2a9982a38bd8" providerId="AD" clId="Web-{16248086-5C13-BB9C-0BD6-746894047EBA}" dt="2022-12-06T20:40:38.847" v="1"/>
-          <pc:sldLayoutMkLst>
-            <pc:docMk/>
-            <pc:sldMasterMk cId="3619997516" sldId="2147483660"/>
-            <pc:sldLayoutMk cId="2364486759" sldId="2147483667"/>
-          </pc:sldLayoutMkLst>
-        </pc:sldLayoutChg>
-        <pc:sldLayoutChg chg="add del mod replId">
-          <pc:chgData name="Cristian Castro Arias" userId="S::ccastroa@eafit.edu.co::be24d1df-70db-473d-97ae-2a9982a38bd8" providerId="AD" clId="Web-{16248086-5C13-BB9C-0BD6-746894047EBA}" dt="2022-12-06T20:40:38.847" v="1"/>
-          <pc:sldLayoutMkLst>
-            <pc:docMk/>
-            <pc:sldMasterMk cId="3619997516" sldId="2147483660"/>
-            <pc:sldLayoutMk cId="1567788551" sldId="2147483668"/>
-          </pc:sldLayoutMkLst>
-        </pc:sldLayoutChg>
-        <pc:sldLayoutChg chg="add del mod replId">
-          <pc:chgData name="Cristian Castro Arias" userId="S::ccastroa@eafit.edu.co::be24d1df-70db-473d-97ae-2a9982a38bd8" providerId="AD" clId="Web-{16248086-5C13-BB9C-0BD6-746894047EBA}" dt="2022-12-06T20:40:38.847" v="1"/>
-          <pc:sldLayoutMkLst>
-            <pc:docMk/>
-            <pc:sldMasterMk cId="3619997516" sldId="2147483660"/>
-            <pc:sldLayoutMk cId="415559504" sldId="2147483669"/>
-          </pc:sldLayoutMkLst>
-        </pc:sldLayoutChg>
-        <pc:sldLayoutChg chg="add del mod replId">
-          <pc:chgData name="Cristian Castro Arias" userId="S::ccastroa@eafit.edu.co::be24d1df-70db-473d-97ae-2a9982a38bd8" providerId="AD" clId="Web-{16248086-5C13-BB9C-0BD6-746894047EBA}" dt="2022-12-06T20:40:38.847" v="1"/>
-          <pc:sldLayoutMkLst>
-            <pc:docMk/>
-            <pc:sldMasterMk cId="3619997516" sldId="2147483660"/>
-            <pc:sldLayoutMk cId="2826116574" sldId="2147483670"/>
-          </pc:sldLayoutMkLst>
-        </pc:sldLayoutChg>
-        <pc:sldLayoutChg chg="add del mod replId">
-          <pc:chgData name="Cristian Castro Arias" userId="S::ccastroa@eafit.edu.co::be24d1df-70db-473d-97ae-2a9982a38bd8" providerId="AD" clId="Web-{16248086-5C13-BB9C-0BD6-746894047EBA}" dt="2022-12-06T20:40:38.847" v="1"/>
-          <pc:sldLayoutMkLst>
-            <pc:docMk/>
-            <pc:sldMasterMk cId="3619997516" sldId="2147483660"/>
-            <pc:sldLayoutMk cId="2020289707" sldId="2147483671"/>
-          </pc:sldLayoutMkLst>
-        </pc:sldLayoutChg>
-      </pc:sldMasterChg>
-      <pc:sldMasterChg chg="add del addSldLayout delSldLayout modSldLayout">
-        <pc:chgData name="Cristian Castro Arias" userId="S::ccastroa@eafit.edu.co::be24d1df-70db-473d-97ae-2a9982a38bd8" providerId="AD" clId="Web-{16248086-5C13-BB9C-0BD6-746894047EBA}" dt="2022-12-06T20:40:49.394" v="2"/>
-        <pc:sldMasterMkLst>
-          <pc:docMk/>
-          <pc:sldMasterMk cId="3460018013" sldId="2147483672"/>
-        </pc:sldMasterMkLst>
-        <pc:sldLayoutChg chg="add del mod replId">
-          <pc:chgData name="Cristian Castro Arias" userId="S::ccastroa@eafit.edu.co::be24d1df-70db-473d-97ae-2a9982a38bd8" providerId="AD" clId="Web-{16248086-5C13-BB9C-0BD6-746894047EBA}" dt="2022-12-06T20:40:49.394" v="2"/>
-          <pc:sldLayoutMkLst>
-            <pc:docMk/>
-            <pc:sldMasterMk cId="3460018013" sldId="2147483672"/>
-            <pc:sldLayoutMk cId="3612712788" sldId="2147483673"/>
-          </pc:sldLayoutMkLst>
-        </pc:sldLayoutChg>
-        <pc:sldLayoutChg chg="add del mod replId">
-          <pc:chgData name="Cristian Castro Arias" userId="S::ccastroa@eafit.edu.co::be24d1df-70db-473d-97ae-2a9982a38bd8" providerId="AD" clId="Web-{16248086-5C13-BB9C-0BD6-746894047EBA}" dt="2022-12-06T20:40:49.394" v="2"/>
-          <pc:sldLayoutMkLst>
-            <pc:docMk/>
-            <pc:sldMasterMk cId="3460018013" sldId="2147483672"/>
-            <pc:sldLayoutMk cId="1260696428" sldId="2147483674"/>
-          </pc:sldLayoutMkLst>
-        </pc:sldLayoutChg>
-        <pc:sldLayoutChg chg="add del mod replId">
-          <pc:chgData name="Cristian Castro Arias" userId="S::ccastroa@eafit.edu.co::be24d1df-70db-473d-97ae-2a9982a38bd8" providerId="AD" clId="Web-{16248086-5C13-BB9C-0BD6-746894047EBA}" dt="2022-12-06T20:40:49.394" v="2"/>
-          <pc:sldLayoutMkLst>
-            <pc:docMk/>
-            <pc:sldMasterMk cId="3460018013" sldId="2147483672"/>
-            <pc:sldLayoutMk cId="1649193775" sldId="2147483675"/>
-          </pc:sldLayoutMkLst>
-        </pc:sldLayoutChg>
-        <pc:sldLayoutChg chg="add del mod replId">
-          <pc:chgData name="Cristian Castro Arias" userId="S::ccastroa@eafit.edu.co::be24d1df-70db-473d-97ae-2a9982a38bd8" providerId="AD" clId="Web-{16248086-5C13-BB9C-0BD6-746894047EBA}" dt="2022-12-06T20:40:49.394" v="2"/>
-          <pc:sldLayoutMkLst>
-            <pc:docMk/>
-            <pc:sldMasterMk cId="3460018013" sldId="2147483672"/>
-            <pc:sldLayoutMk cId="2808564067" sldId="2147483676"/>
-          </pc:sldLayoutMkLst>
-        </pc:sldLayoutChg>
-        <pc:sldLayoutChg chg="add del mod replId">
-          <pc:chgData name="Cristian Castro Arias" userId="S::ccastroa@eafit.edu.co::be24d1df-70db-473d-97ae-2a9982a38bd8" providerId="AD" clId="Web-{16248086-5C13-BB9C-0BD6-746894047EBA}" dt="2022-12-06T20:40:49.394" v="2"/>
-          <pc:sldLayoutMkLst>
-            <pc:docMk/>
-            <pc:sldMasterMk cId="3460018013" sldId="2147483672"/>
-            <pc:sldLayoutMk cId="398684714" sldId="2147483677"/>
-          </pc:sldLayoutMkLst>
-        </pc:sldLayoutChg>
-        <pc:sldLayoutChg chg="add del mod replId">
-          <pc:chgData name="Cristian Castro Arias" userId="S::ccastroa@eafit.edu.co::be24d1df-70db-473d-97ae-2a9982a38bd8" providerId="AD" clId="Web-{16248086-5C13-BB9C-0BD6-746894047EBA}" dt="2022-12-06T20:40:49.394" v="2"/>
-          <pc:sldLayoutMkLst>
-            <pc:docMk/>
-            <pc:sldMasterMk cId="3460018013" sldId="2147483672"/>
-            <pc:sldLayoutMk cId="564788503" sldId="2147483678"/>
-          </pc:sldLayoutMkLst>
-        </pc:sldLayoutChg>
-        <pc:sldLayoutChg chg="add del mod replId">
-          <pc:chgData name="Cristian Castro Arias" userId="S::ccastroa@eafit.edu.co::be24d1df-70db-473d-97ae-2a9982a38bd8" providerId="AD" clId="Web-{16248086-5C13-BB9C-0BD6-746894047EBA}" dt="2022-12-06T20:40:49.394" v="2"/>
-          <pc:sldLayoutMkLst>
-            <pc:docMk/>
-            <pc:sldMasterMk cId="3460018013" sldId="2147483672"/>
-            <pc:sldLayoutMk cId="2756062127" sldId="2147483679"/>
-          </pc:sldLayoutMkLst>
-        </pc:sldLayoutChg>
-        <pc:sldLayoutChg chg="add del mod replId">
-          <pc:chgData name="Cristian Castro Arias" userId="S::ccastroa@eafit.edu.co::be24d1df-70db-473d-97ae-2a9982a38bd8" providerId="AD" clId="Web-{16248086-5C13-BB9C-0BD6-746894047EBA}" dt="2022-12-06T20:40:49.394" v="2"/>
-          <pc:sldLayoutMkLst>
-            <pc:docMk/>
-            <pc:sldMasterMk cId="3460018013" sldId="2147483672"/>
-            <pc:sldLayoutMk cId="271575935" sldId="2147483680"/>
-          </pc:sldLayoutMkLst>
-        </pc:sldLayoutChg>
-        <pc:sldLayoutChg chg="add del mod replId">
-          <pc:chgData name="Cristian Castro Arias" userId="S::ccastroa@eafit.edu.co::be24d1df-70db-473d-97ae-2a9982a38bd8" providerId="AD" clId="Web-{16248086-5C13-BB9C-0BD6-746894047EBA}" dt="2022-12-06T20:40:49.394" v="2"/>
-          <pc:sldLayoutMkLst>
-            <pc:docMk/>
-            <pc:sldMasterMk cId="3460018013" sldId="2147483672"/>
-            <pc:sldLayoutMk cId="2586575068" sldId="2147483681"/>
-          </pc:sldLayoutMkLst>
-        </pc:sldLayoutChg>
-        <pc:sldLayoutChg chg="add del mod replId">
-          <pc:chgData name="Cristian Castro Arias" userId="S::ccastroa@eafit.edu.co::be24d1df-70db-473d-97ae-2a9982a38bd8" providerId="AD" clId="Web-{16248086-5C13-BB9C-0BD6-746894047EBA}" dt="2022-12-06T20:40:49.394" v="2"/>
-          <pc:sldLayoutMkLst>
-            <pc:docMk/>
-            <pc:sldMasterMk cId="3460018013" sldId="2147483672"/>
-            <pc:sldLayoutMk cId="3912953554" sldId="2147483682"/>
-          </pc:sldLayoutMkLst>
-        </pc:sldLayoutChg>
-        <pc:sldLayoutChg chg="add del mod replId">
-          <pc:chgData name="Cristian Castro Arias" userId="S::ccastroa@eafit.edu.co::be24d1df-70db-473d-97ae-2a9982a38bd8" providerId="AD" clId="Web-{16248086-5C13-BB9C-0BD6-746894047EBA}" dt="2022-12-06T20:40:49.394" v="2"/>
-          <pc:sldLayoutMkLst>
-            <pc:docMk/>
-            <pc:sldMasterMk cId="3460018013" sldId="2147483672"/>
-            <pc:sldLayoutMk cId="1526843116" sldId="2147483683"/>
-          </pc:sldLayoutMkLst>
-        </pc:sldLayoutChg>
-      </pc:sldMasterChg>
-      <pc:sldMasterChg chg="add del addSldLayout delSldLayout">
-        <pc:chgData name="Cristian Castro Arias" userId="S::ccastroa@eafit.edu.co::be24d1df-70db-473d-97ae-2a9982a38bd8" providerId="AD" clId="Web-{16248086-5C13-BB9C-0BD6-746894047EBA}" dt="2022-12-06T20:41:21.301" v="9"/>
-        <pc:sldMasterMkLst>
-          <pc:docMk/>
-          <pc:sldMasterMk cId="3684067189" sldId="2147483710"/>
-        </pc:sldMasterMkLst>
-        <pc:sldLayoutChg chg="add del">
-          <pc:chgData name="Cristian Castro Arias" userId="S::ccastroa@eafit.edu.co::be24d1df-70db-473d-97ae-2a9982a38bd8" providerId="AD" clId="Web-{16248086-5C13-BB9C-0BD6-746894047EBA}" dt="2022-12-06T20:41:21.301" v="9"/>
-          <pc:sldLayoutMkLst>
-            <pc:docMk/>
-            <pc:sldMasterMk cId="3684067189" sldId="2147483710"/>
-            <pc:sldLayoutMk cId="2185070672" sldId="2147483699"/>
-          </pc:sldLayoutMkLst>
-        </pc:sldLayoutChg>
-        <pc:sldLayoutChg chg="add del">
-          <pc:chgData name="Cristian Castro Arias" userId="S::ccastroa@eafit.edu.co::be24d1df-70db-473d-97ae-2a9982a38bd8" providerId="AD" clId="Web-{16248086-5C13-BB9C-0BD6-746894047EBA}" dt="2022-12-06T20:41:21.301" v="9"/>
-          <pc:sldLayoutMkLst>
-            <pc:docMk/>
-            <pc:sldMasterMk cId="3684067189" sldId="2147483710"/>
-            <pc:sldLayoutMk cId="3105991629" sldId="2147483700"/>
-          </pc:sldLayoutMkLst>
-        </pc:sldLayoutChg>
-        <pc:sldLayoutChg chg="add del">
-          <pc:chgData name="Cristian Castro Arias" userId="S::ccastroa@eafit.edu.co::be24d1df-70db-473d-97ae-2a9982a38bd8" providerId="AD" clId="Web-{16248086-5C13-BB9C-0BD6-746894047EBA}" dt="2022-12-06T20:41:21.301" v="9"/>
-          <pc:sldLayoutMkLst>
-            <pc:docMk/>
-            <pc:sldMasterMk cId="3684067189" sldId="2147483710"/>
-            <pc:sldLayoutMk cId="3737999859" sldId="2147483701"/>
-          </pc:sldLayoutMkLst>
-        </pc:sldLayoutChg>
-        <pc:sldLayoutChg chg="add del">
-          <pc:chgData name="Cristian Castro Arias" userId="S::ccastroa@eafit.edu.co::be24d1df-70db-473d-97ae-2a9982a38bd8" providerId="AD" clId="Web-{16248086-5C13-BB9C-0BD6-746894047EBA}" dt="2022-12-06T20:41:21.301" v="9"/>
-          <pc:sldLayoutMkLst>
-            <pc:docMk/>
-            <pc:sldMasterMk cId="3684067189" sldId="2147483710"/>
-            <pc:sldLayoutMk cId="1307796311" sldId="2147483702"/>
-          </pc:sldLayoutMkLst>
-        </pc:sldLayoutChg>
-        <pc:sldLayoutChg chg="add del">
-          <pc:chgData name="Cristian Castro Arias" userId="S::ccastroa@eafit.edu.co::be24d1df-70db-473d-97ae-2a9982a38bd8" providerId="AD" clId="Web-{16248086-5C13-BB9C-0BD6-746894047EBA}" dt="2022-12-06T20:41:21.301" v="9"/>
-          <pc:sldLayoutMkLst>
-            <pc:docMk/>
-            <pc:sldMasterMk cId="3684067189" sldId="2147483710"/>
-            <pc:sldLayoutMk cId="4142423289" sldId="2147483703"/>
-          </pc:sldLayoutMkLst>
-        </pc:sldLayoutChg>
-        <pc:sldLayoutChg chg="add del">
-          <pc:chgData name="Cristian Castro Arias" userId="S::ccastroa@eafit.edu.co::be24d1df-70db-473d-97ae-2a9982a38bd8" providerId="AD" clId="Web-{16248086-5C13-BB9C-0BD6-746894047EBA}" dt="2022-12-06T20:41:21.301" v="9"/>
-          <pc:sldLayoutMkLst>
-            <pc:docMk/>
-            <pc:sldMasterMk cId="3684067189" sldId="2147483710"/>
-            <pc:sldLayoutMk cId="585878898" sldId="2147483704"/>
-          </pc:sldLayoutMkLst>
-        </pc:sldLayoutChg>
-        <pc:sldLayoutChg chg="add del">
-          <pc:chgData name="Cristian Castro Arias" userId="S::ccastroa@eafit.edu.co::be24d1df-70db-473d-97ae-2a9982a38bd8" providerId="AD" clId="Web-{16248086-5C13-BB9C-0BD6-746894047EBA}" dt="2022-12-06T20:41:21.301" v="9"/>
-          <pc:sldLayoutMkLst>
-            <pc:docMk/>
-            <pc:sldMasterMk cId="3684067189" sldId="2147483710"/>
-            <pc:sldLayoutMk cId="2115139198" sldId="2147483705"/>
-          </pc:sldLayoutMkLst>
-        </pc:sldLayoutChg>
-        <pc:sldLayoutChg chg="add del">
-          <pc:chgData name="Cristian Castro Arias" userId="S::ccastroa@eafit.edu.co::be24d1df-70db-473d-97ae-2a9982a38bd8" providerId="AD" clId="Web-{16248086-5C13-BB9C-0BD6-746894047EBA}" dt="2022-12-06T20:41:21.301" v="9"/>
-          <pc:sldLayoutMkLst>
-            <pc:docMk/>
-            <pc:sldMasterMk cId="3684067189" sldId="2147483710"/>
-            <pc:sldLayoutMk cId="2765381045" sldId="2147483706"/>
-          </pc:sldLayoutMkLst>
-        </pc:sldLayoutChg>
-        <pc:sldLayoutChg chg="add del">
-          <pc:chgData name="Cristian Castro Arias" userId="S::ccastroa@eafit.edu.co::be24d1df-70db-473d-97ae-2a9982a38bd8" providerId="AD" clId="Web-{16248086-5C13-BB9C-0BD6-746894047EBA}" dt="2022-12-06T20:41:21.301" v="9"/>
-          <pc:sldLayoutMkLst>
-            <pc:docMk/>
-            <pc:sldMasterMk cId="3684067189" sldId="2147483710"/>
-            <pc:sldLayoutMk cId="1074113094" sldId="2147483707"/>
-          </pc:sldLayoutMkLst>
-        </pc:sldLayoutChg>
-        <pc:sldLayoutChg chg="add del">
-          <pc:chgData name="Cristian Castro Arias" userId="S::ccastroa@eafit.edu.co::be24d1df-70db-473d-97ae-2a9982a38bd8" providerId="AD" clId="Web-{16248086-5C13-BB9C-0BD6-746894047EBA}" dt="2022-12-06T20:41:21.301" v="9"/>
-          <pc:sldLayoutMkLst>
-            <pc:docMk/>
-            <pc:sldMasterMk cId="3684067189" sldId="2147483710"/>
-            <pc:sldLayoutMk cId="4224677530" sldId="2147483708"/>
-          </pc:sldLayoutMkLst>
-        </pc:sldLayoutChg>
-        <pc:sldLayoutChg chg="add del">
-          <pc:chgData name="Cristian Castro Arias" userId="S::ccastroa@eafit.edu.co::be24d1df-70db-473d-97ae-2a9982a38bd8" providerId="AD" clId="Web-{16248086-5C13-BB9C-0BD6-746894047EBA}" dt="2022-12-06T20:41:21.301" v="9"/>
-          <pc:sldLayoutMkLst>
-            <pc:docMk/>
-            <pc:sldMasterMk cId="3684067189" sldId="2147483710"/>
-            <pc:sldLayoutMk cId="2556129646" sldId="2147483709"/>
-          </pc:sldLayoutMkLst>
-        </pc:sldLayoutChg>
-      </pc:sldMasterChg>
-      <pc:sldMasterChg chg="add addSldLayout">
-        <pc:chgData name="Cristian Castro Arias" userId="S::ccastroa@eafit.edu.co::be24d1df-70db-473d-97ae-2a9982a38bd8" providerId="AD" clId="Web-{16248086-5C13-BB9C-0BD6-746894047EBA}" dt="2022-12-06T20:41:21.301" v="9"/>
-        <pc:sldMasterMkLst>
-          <pc:docMk/>
-          <pc:sldMasterMk cId="3629147958" sldId="2147483711"/>
-        </pc:sldMasterMkLst>
-        <pc:sldLayoutChg chg="add">
-          <pc:chgData name="Cristian Castro Arias" userId="S::ccastroa@eafit.edu.co::be24d1df-70db-473d-97ae-2a9982a38bd8" providerId="AD" clId="Web-{16248086-5C13-BB9C-0BD6-746894047EBA}" dt="2022-12-06T20:41:21.301" v="9"/>
-          <pc:sldLayoutMkLst>
-            <pc:docMk/>
-            <pc:sldMasterMk cId="3629147958" sldId="2147483711"/>
-            <pc:sldLayoutMk cId="3138001712" sldId="2147483712"/>
-          </pc:sldLayoutMkLst>
-        </pc:sldLayoutChg>
-        <pc:sldLayoutChg chg="add">
-          <pc:chgData name="Cristian Castro Arias" userId="S::ccastroa@eafit.edu.co::be24d1df-70db-473d-97ae-2a9982a38bd8" providerId="AD" clId="Web-{16248086-5C13-BB9C-0BD6-746894047EBA}" dt="2022-12-06T20:41:21.301" v="9"/>
-          <pc:sldLayoutMkLst>
-            <pc:docMk/>
-            <pc:sldMasterMk cId="3629147958" sldId="2147483711"/>
-            <pc:sldLayoutMk cId="1039636098" sldId="2147483713"/>
-          </pc:sldLayoutMkLst>
-        </pc:sldLayoutChg>
-        <pc:sldLayoutChg chg="add">
-          <pc:chgData name="Cristian Castro Arias" userId="S::ccastroa@eafit.edu.co::be24d1df-70db-473d-97ae-2a9982a38bd8" providerId="AD" clId="Web-{16248086-5C13-BB9C-0BD6-746894047EBA}" dt="2022-12-06T20:41:21.301" v="9"/>
-          <pc:sldLayoutMkLst>
-            <pc:docMk/>
-            <pc:sldMasterMk cId="3629147958" sldId="2147483711"/>
-            <pc:sldLayoutMk cId="2775950397" sldId="2147483714"/>
-          </pc:sldLayoutMkLst>
-        </pc:sldLayoutChg>
-        <pc:sldLayoutChg chg="add">
-          <pc:chgData name="Cristian Castro Arias" userId="S::ccastroa@eafit.edu.co::be24d1df-70db-473d-97ae-2a9982a38bd8" providerId="AD" clId="Web-{16248086-5C13-BB9C-0BD6-746894047EBA}" dt="2022-12-06T20:41:21.301" v="9"/>
-          <pc:sldLayoutMkLst>
-            <pc:docMk/>
-            <pc:sldMasterMk cId="3629147958" sldId="2147483711"/>
-            <pc:sldLayoutMk cId="466715999" sldId="2147483715"/>
-          </pc:sldLayoutMkLst>
-        </pc:sldLayoutChg>
-        <pc:sldLayoutChg chg="add">
-          <pc:chgData name="Cristian Castro Arias" userId="S::ccastroa@eafit.edu.co::be24d1df-70db-473d-97ae-2a9982a38bd8" providerId="AD" clId="Web-{16248086-5C13-BB9C-0BD6-746894047EBA}" dt="2022-12-06T20:41:21.301" v="9"/>
-          <pc:sldLayoutMkLst>
-            <pc:docMk/>
-            <pc:sldMasterMk cId="3629147958" sldId="2147483711"/>
-            <pc:sldLayoutMk cId="1501443338" sldId="2147483716"/>
-          </pc:sldLayoutMkLst>
-        </pc:sldLayoutChg>
-        <pc:sldLayoutChg chg="add">
-          <pc:chgData name="Cristian Castro Arias" userId="S::ccastroa@eafit.edu.co::be24d1df-70db-473d-97ae-2a9982a38bd8" providerId="AD" clId="Web-{16248086-5C13-BB9C-0BD6-746894047EBA}" dt="2022-12-06T20:41:21.301" v="9"/>
-          <pc:sldLayoutMkLst>
-            <pc:docMk/>
-            <pc:sldMasterMk cId="3629147958" sldId="2147483711"/>
-            <pc:sldLayoutMk cId="2372853024" sldId="2147483717"/>
-          </pc:sldLayoutMkLst>
-        </pc:sldLayoutChg>
-        <pc:sldLayoutChg chg="add">
-          <pc:chgData name="Cristian Castro Arias" userId="S::ccastroa@eafit.edu.co::be24d1df-70db-473d-97ae-2a9982a38bd8" providerId="AD" clId="Web-{16248086-5C13-BB9C-0BD6-746894047EBA}" dt="2022-12-06T20:41:21.301" v="9"/>
-          <pc:sldLayoutMkLst>
-            <pc:docMk/>
-            <pc:sldMasterMk cId="3629147958" sldId="2147483711"/>
-            <pc:sldLayoutMk cId="2680105761" sldId="2147483718"/>
-          </pc:sldLayoutMkLst>
-        </pc:sldLayoutChg>
-        <pc:sldLayoutChg chg="add">
-          <pc:chgData name="Cristian Castro Arias" userId="S::ccastroa@eafit.edu.co::be24d1df-70db-473d-97ae-2a9982a38bd8" providerId="AD" clId="Web-{16248086-5C13-BB9C-0BD6-746894047EBA}" dt="2022-12-06T20:41:21.301" v="9"/>
-          <pc:sldLayoutMkLst>
-            <pc:docMk/>
-            <pc:sldMasterMk cId="3629147958" sldId="2147483711"/>
-            <pc:sldLayoutMk cId="64065319" sldId="2147483719"/>
-          </pc:sldLayoutMkLst>
-        </pc:sldLayoutChg>
-        <pc:sldLayoutChg chg="add">
-          <pc:chgData name="Cristian Castro Arias" userId="S::ccastroa@eafit.edu.co::be24d1df-70db-473d-97ae-2a9982a38bd8" providerId="AD" clId="Web-{16248086-5C13-BB9C-0BD6-746894047EBA}" dt="2022-12-06T20:41:21.301" v="9"/>
-          <pc:sldLayoutMkLst>
-            <pc:docMk/>
-            <pc:sldMasterMk cId="3629147958" sldId="2147483711"/>
-            <pc:sldLayoutMk cId="3518224411" sldId="2147483720"/>
-          </pc:sldLayoutMkLst>
-        </pc:sldLayoutChg>
-        <pc:sldLayoutChg chg="add">
-          <pc:chgData name="Cristian Castro Arias" userId="S::ccastroa@eafit.edu.co::be24d1df-70db-473d-97ae-2a9982a38bd8" providerId="AD" clId="Web-{16248086-5C13-BB9C-0BD6-746894047EBA}" dt="2022-12-06T20:41:21.301" v="9"/>
-          <pc:sldLayoutMkLst>
-            <pc:docMk/>
-            <pc:sldMasterMk cId="3629147958" sldId="2147483711"/>
-            <pc:sldLayoutMk cId="4291948276" sldId="2147483721"/>
-          </pc:sldLayoutMkLst>
-        </pc:sldLayoutChg>
-        <pc:sldLayoutChg chg="add">
-          <pc:chgData name="Cristian Castro Arias" userId="S::ccastroa@eafit.edu.co::be24d1df-70db-473d-97ae-2a9982a38bd8" providerId="AD" clId="Web-{16248086-5C13-BB9C-0BD6-746894047EBA}" dt="2022-12-06T20:41:21.301" v="9"/>
-          <pc:sldLayoutMkLst>
-            <pc:docMk/>
-            <pc:sldMasterMk cId="3629147958" sldId="2147483711"/>
-            <pc:sldLayoutMk cId="1334962327" sldId="2147483722"/>
-          </pc:sldLayoutMkLst>
-        </pc:sldLayoutChg>
-      </pc:sldMasterChg>
-    </pc:docChg>
-  </pc:docChgLst>
-  <pc:docChgLst>
-    <pc:chgData name="Javier Patiño Serna" userId="S::jpatinos@eafit.edu.co::73276bcd-7ebe-4288-a77b-14e1e6e5189b" providerId="AD" clId="Web-{8F6B66D3-EE7B-CD6B-67DA-B4C7874F7ED2}"/>
-    <pc:docChg chg="modSld">
-      <pc:chgData name="Javier Patiño Serna" userId="S::jpatinos@eafit.edu.co::73276bcd-7ebe-4288-a77b-14e1e6e5189b" providerId="AD" clId="Web-{8F6B66D3-EE7B-CD6B-67DA-B4C7874F7ED2}" dt="2022-12-08T19:19:59.383" v="102" actId="20577"/>
-      <pc:docMkLst>
-        <pc:docMk/>
-      </pc:docMkLst>
-      <pc:sldChg chg="modSp">
-        <pc:chgData name="Javier Patiño Serna" userId="S::jpatinos@eafit.edu.co::73276bcd-7ebe-4288-a77b-14e1e6e5189b" providerId="AD" clId="Web-{8F6B66D3-EE7B-CD6B-67DA-B4C7874F7ED2}" dt="2022-12-08T19:19:31.163" v="34" actId="20577"/>
+      <pc:sldChg chg="addSp delSp modSp addAnim delAnim">
+        <pc:chgData name="Cristian Castro Arias" userId="S::ccastroa@eafit.edu.co::be24d1df-70db-473d-97ae-2a9982a38bd8" providerId="AD" clId="Web-{34635944-ABBD-47B7-7AEA-32DEB677FEA5}" dt="2022-12-09T03:22:19.002" v="28"/>
         <pc:sldMkLst>
           <pc:docMk/>
-          <pc:sldMk cId="129174363" sldId="272"/>
+          <pc:sldMk cId="2637831117" sldId="275"/>
         </pc:sldMkLst>
-        <pc:spChg chg="mod">
-          <ac:chgData name="Javier Patiño Serna" userId="S::jpatinos@eafit.edu.co::73276bcd-7ebe-4288-a77b-14e1e6e5189b" providerId="AD" clId="Web-{8F6B66D3-EE7B-CD6B-67DA-B4C7874F7ED2}" dt="2022-12-08T19:19:31.163" v="34" actId="20577"/>
-          <ac:spMkLst>
-            <pc:docMk/>
-            <pc:sldMk cId="129174363" sldId="272"/>
-            <ac:spMk id="8" creationId="{C45BD5DB-8AC8-430F-DAD3-692E13F84EBD}"/>
-          </ac:spMkLst>
-        </pc:spChg>
-      </pc:sldChg>
-      <pc:sldChg chg="addSp modSp">
-        <pc:chgData name="Javier Patiño Serna" userId="S::jpatinos@eafit.edu.co::73276bcd-7ebe-4288-a77b-14e1e6e5189b" providerId="AD" clId="Web-{8F6B66D3-EE7B-CD6B-67DA-B4C7874F7ED2}" dt="2022-12-08T19:19:59.383" v="102" actId="20577"/>
-        <pc:sldMkLst>
-          <pc:docMk/>
-          <pc:sldMk cId="677003340" sldId="273"/>
-        </pc:sldMkLst>
-        <pc:spChg chg="add mod">
-          <ac:chgData name="Javier Patiño Serna" userId="S::jpatinos@eafit.edu.co::73276bcd-7ebe-4288-a77b-14e1e6e5189b" providerId="AD" clId="Web-{8F6B66D3-EE7B-CD6B-67DA-B4C7874F7ED2}" dt="2022-12-08T19:19:51.586" v="91" actId="20577"/>
-          <ac:spMkLst>
-            <pc:docMk/>
-            <pc:sldMk cId="677003340" sldId="273"/>
-            <ac:spMk id="7" creationId="{86F75E8A-7FFA-BBA2-2A36-B2BEB1317CDE}"/>
-          </ac:spMkLst>
-        </pc:spChg>
-        <pc:spChg chg="add mod">
-          <ac:chgData name="Javier Patiño Serna" userId="S::jpatinos@eafit.edu.co::73276bcd-7ebe-4288-a77b-14e1e6e5189b" providerId="AD" clId="Web-{8F6B66D3-EE7B-CD6B-67DA-B4C7874F7ED2}" dt="2022-12-08T19:19:59.383" v="102" actId="20577"/>
-          <ac:spMkLst>
-            <pc:docMk/>
-            <pc:sldMk cId="677003340" sldId="273"/>
-            <ac:spMk id="8" creationId="{6EDA4361-6A65-B4FA-44F4-55390252A1DA}"/>
-          </ac:spMkLst>
-        </pc:spChg>
-        <pc:picChg chg="add mod">
-          <ac:chgData name="Javier Patiño Serna" userId="S::jpatinos@eafit.edu.co::73276bcd-7ebe-4288-a77b-14e1e6e5189b" providerId="AD" clId="Web-{8F6B66D3-EE7B-CD6B-67DA-B4C7874F7ED2}" dt="2022-12-08T19:16:27.558" v="19" actId="1076"/>
+        <pc:spChg chg="add del mod">
+          <ac:chgData name="Cristian Castro Arias" userId="S::ccastroa@eafit.edu.co::be24d1df-70db-473d-97ae-2a9982a38bd8" providerId="AD" clId="Web-{34635944-ABBD-47B7-7AEA-32DEB677FEA5}" dt="2022-12-09T03:22:02.643" v="22"/>
+          <ac:spMkLst>
+            <pc:docMk/>
+            <pc:sldMk cId="2637831117" sldId="275"/>
+            <ac:spMk id="3" creationId="{4E14801E-4CCC-716F-D2B6-39B18431BD75}"/>
+          </ac:spMkLst>
+        </pc:spChg>
+        <pc:spChg chg="add">
+          <ac:chgData name="Cristian Castro Arias" userId="S::ccastroa@eafit.edu.co::be24d1df-70db-473d-97ae-2a9982a38bd8" providerId="AD" clId="Web-{34635944-ABBD-47B7-7AEA-32DEB677FEA5}" dt="2022-12-09T03:22:18.924" v="25"/>
+          <ac:spMkLst>
+            <pc:docMk/>
+            <pc:sldMk cId="2637831117" sldId="275"/>
+            <ac:spMk id="6" creationId="{5018D2A8-40DC-D1C3-6B51-C570A11F1F90}"/>
+          </ac:spMkLst>
+        </pc:spChg>
+        <pc:spChg chg="del">
+          <ac:chgData name="Cristian Castro Arias" userId="S::ccastroa@eafit.edu.co::be24d1df-70db-473d-97ae-2a9982a38bd8" providerId="AD" clId="Web-{34635944-ABBD-47B7-7AEA-32DEB677FEA5}" dt="2022-12-09T03:22:00.674" v="21"/>
+          <ac:spMkLst>
+            <pc:docMk/>
+            <pc:sldMk cId="2637831117" sldId="275"/>
+            <ac:spMk id="7" creationId="{76029143-B6D8-71F1-4039-88EA4F457958}"/>
+          </ac:spMkLst>
+        </pc:spChg>
+        <pc:spChg chg="del">
+          <ac:chgData name="Cristian Castro Arias" userId="S::ccastroa@eafit.edu.co::be24d1df-70db-473d-97ae-2a9982a38bd8" providerId="AD" clId="Web-{34635944-ABBD-47B7-7AEA-32DEB677FEA5}" dt="2022-12-09T03:21:56.002" v="19"/>
+          <ac:spMkLst>
+            <pc:docMk/>
+            <pc:sldMk cId="2637831117" sldId="275"/>
+            <ac:spMk id="8" creationId="{6C84337B-8CF9-736F-3295-9E1D6FA97EC1}"/>
+          </ac:spMkLst>
+        </pc:spChg>
+        <pc:spChg chg="del">
+          <ac:chgData name="Cristian Castro Arias" userId="S::ccastroa@eafit.edu.co::be24d1df-70db-473d-97ae-2a9982a38bd8" providerId="AD" clId="Web-{34635944-ABBD-47B7-7AEA-32DEB677FEA5}" dt="2022-12-09T03:21:57.064" v="20"/>
+          <ac:spMkLst>
+            <pc:docMk/>
+            <pc:sldMk cId="2637831117" sldId="275"/>
+            <ac:spMk id="9" creationId="{8E6F0CB1-6203-C390-182D-0534E5DF6AF2}"/>
+          </ac:spMkLst>
+        </pc:spChg>
+        <pc:spChg chg="del">
+          <ac:chgData name="Cristian Castro Arias" userId="S::ccastroa@eafit.edu.co::be24d1df-70db-473d-97ae-2a9982a38bd8" providerId="AD" clId="Web-{34635944-ABBD-47B7-7AEA-32DEB677FEA5}" dt="2022-12-09T03:22:05.502" v="24"/>
+          <ac:spMkLst>
+            <pc:docMk/>
+            <pc:sldMk cId="2637831117" sldId="275"/>
+            <ac:spMk id="10" creationId="{688B7398-390A-6E4A-A219-29A4C288E5B7}"/>
+          </ac:spMkLst>
+        </pc:spChg>
+        <pc:spChg chg="del">
+          <ac:chgData name="Cristian Castro Arias" userId="S::ccastroa@eafit.edu.co::be24d1df-70db-473d-97ae-2a9982a38bd8" providerId="AD" clId="Web-{34635944-ABBD-47B7-7AEA-32DEB677FEA5}" dt="2022-12-09T03:22:04.424" v="23"/>
+          <ac:spMkLst>
+            <pc:docMk/>
+            <pc:sldMk cId="2637831117" sldId="275"/>
+            <ac:spMk id="11" creationId="{1D028F0B-7532-AEF7-DABE-82EA6278F683}"/>
+          </ac:spMkLst>
+        </pc:spChg>
+        <pc:spChg chg="add">
+          <ac:chgData name="Cristian Castro Arias" userId="S::ccastroa@eafit.edu.co::be24d1df-70db-473d-97ae-2a9982a38bd8" providerId="AD" clId="Web-{34635944-ABBD-47B7-7AEA-32DEB677FEA5}" dt="2022-12-09T03:22:19.002" v="28"/>
+          <ac:spMkLst>
+            <pc:docMk/>
+            <pc:sldMk cId="2637831117" sldId="275"/>
+            <ac:spMk id="19" creationId="{C7900EA9-5115-42B7-3AEE-B50C3157D473}"/>
+          </ac:spMkLst>
+        </pc:spChg>
+        <pc:picChg chg="add">
+          <ac:chgData name="Cristian Castro Arias" userId="S::ccastroa@eafit.edu.co::be24d1df-70db-473d-97ae-2a9982a38bd8" providerId="AD" clId="Web-{34635944-ABBD-47B7-7AEA-32DEB677FEA5}" dt="2022-12-09T03:22:18.956" v="26"/>
           <ac:picMkLst>
             <pc:docMk/>
-            <pc:sldMk cId="677003340" sldId="273"/>
-            <ac:picMk id="2" creationId="{CF61499F-A08D-1683-6627-0B78815C0888}"/>
+            <pc:sldMk cId="2637831117" sldId="275"/>
+            <ac:picMk id="14" creationId="{222194B8-80DC-F53D-3962-2E6895F2730D}"/>
           </ac:picMkLst>
         </pc:picChg>
-        <pc:picChg chg="add mod">
-          <ac:chgData name="Javier Patiño Serna" userId="S::jpatinos@eafit.edu.co::73276bcd-7ebe-4288-a77b-14e1e6e5189b" providerId="AD" clId="Web-{8F6B66D3-EE7B-CD6B-67DA-B4C7874F7ED2}" dt="2022-12-08T19:19:11.536" v="24" actId="14100"/>
+        <pc:picChg chg="add">
+          <ac:chgData name="Cristian Castro Arias" userId="S::ccastroa@eafit.edu.co::be24d1df-70db-473d-97ae-2a9982a38bd8" providerId="AD" clId="Web-{34635944-ABBD-47B7-7AEA-32DEB677FEA5}" dt="2022-12-09T03:22:18.987" v="27"/>
           <ac:picMkLst>
             <pc:docMk/>
-            <pc:sldMk cId="677003340" sldId="273"/>
-            <ac:picMk id="5" creationId="{E85B8B06-2F67-76A3-295E-5CAFE3F4936E}"/>
+            <pc:sldMk cId="2637831117" sldId="275"/>
+            <ac:picMk id="17" creationId="{5F86C05A-9742-6C39-CF59-961025EABE7F}"/>
           </ac:picMkLst>
         </pc:picChg>
       </pc:sldChg>
-    </pc:docChg>
-  </pc:docChgLst>
-  <pc:docChgLst>
-    <pc:chgData name="Cristian Castro Arias" userId="S::ccastroa@eafit.edu.co::be24d1df-70db-473d-97ae-2a9982a38bd8" providerId="AD" clId="Web-{4D5ED21D-EBB3-FB8D-214B-95E6200276A9}"/>
-    <pc:docChg chg="addSld modSld">
-      <pc:chgData name="Cristian Castro Arias" userId="S::ccastroa@eafit.edu.co::be24d1df-70db-473d-97ae-2a9982a38bd8" providerId="AD" clId="Web-{4D5ED21D-EBB3-FB8D-214B-95E6200276A9}" dt="2022-12-07T17:35:49.560" v="12"/>
-      <pc:docMkLst>
-        <pc:docMk/>
-      </pc:docMkLst>
-      <pc:sldChg chg="addSp modSp">
-        <pc:chgData name="Cristian Castro Arias" userId="S::ccastroa@eafit.edu.co::be24d1df-70db-473d-97ae-2a9982a38bd8" providerId="AD" clId="Web-{4D5ED21D-EBB3-FB8D-214B-95E6200276A9}" dt="2022-12-07T17:31:30.134" v="6" actId="1076"/>
+      <pc:sldChg chg="del">
+        <pc:chgData name="Cristian Castro Arias" userId="S::ccastroa@eafit.edu.co::be24d1df-70db-473d-97ae-2a9982a38bd8" providerId="AD" clId="Web-{34635944-ABBD-47B7-7AEA-32DEB677FEA5}" dt="2022-12-09T03:21:07.657" v="17"/>
         <pc:sldMkLst>
           <pc:docMk/>
-          <pc:sldMk cId="3206464282" sldId="260"/>
+          <pc:sldMk cId="1780959748" sldId="279"/>
         </pc:sldMkLst>
-        <pc:spChg chg="mod">
-          <ac:chgData name="Cristian Castro Arias" userId="S::ccastroa@eafit.edu.co::be24d1df-70db-473d-97ae-2a9982a38bd8" providerId="AD" clId="Web-{4D5ED21D-EBB3-FB8D-214B-95E6200276A9}" dt="2022-12-07T17:31:29.009" v="5" actId="1076"/>
-          <ac:spMkLst>
-            <pc:docMk/>
-            <pc:sldMk cId="3206464282" sldId="260"/>
-            <ac:spMk id="10" creationId="{2FBE0690-72E2-3C2C-22E6-16DA68564B3D}"/>
-          </ac:spMkLst>
-        </pc:spChg>
-        <pc:picChg chg="add mod">
-          <ac:chgData name="Cristian Castro Arias" userId="S::ccastroa@eafit.edu.co::be24d1df-70db-473d-97ae-2a9982a38bd8" providerId="AD" clId="Web-{4D5ED21D-EBB3-FB8D-214B-95E6200276A9}" dt="2022-12-07T17:31:30.134" v="6" actId="1076"/>
+      </pc:sldChg>
+      <pc:sldChg chg="addSp delSp modSp add ord replId">
+        <pc:chgData name="Cristian Castro Arias" userId="S::ccastroa@eafit.edu.co::be24d1df-70db-473d-97ae-2a9982a38bd8" providerId="AD" clId="Web-{34635944-ABBD-47B7-7AEA-32DEB677FEA5}" dt="2022-12-09T03:20:57.391" v="16"/>
+        <pc:sldMkLst>
+          <pc:docMk/>
+          <pc:sldMk cId="3748891991" sldId="285"/>
+        </pc:sldMkLst>
+        <pc:spChg chg="del">
+          <ac:chgData name="Cristian Castro Arias" userId="S::ccastroa@eafit.edu.co::be24d1df-70db-473d-97ae-2a9982a38bd8" providerId="AD" clId="Web-{34635944-ABBD-47B7-7AEA-32DEB677FEA5}" dt="2022-12-09T03:20:55.516" v="13"/>
+          <ac:spMkLst>
+            <pc:docMk/>
+            <pc:sldMk cId="3748891991" sldId="285"/>
+            <ac:spMk id="3" creationId="{5C6020AF-2FE9-6888-6434-3730057057AC}"/>
+          </ac:spMkLst>
+        </pc:spChg>
+        <pc:spChg chg="del">
+          <ac:chgData name="Cristian Castro Arias" userId="S::ccastroa@eafit.edu.co::be24d1df-70db-473d-97ae-2a9982a38bd8" providerId="AD" clId="Web-{34635944-ABBD-47B7-7AEA-32DEB677FEA5}" dt="2022-12-09T03:20:00.061" v="6"/>
+          <ac:spMkLst>
+            <pc:docMk/>
+            <pc:sldMk cId="3748891991" sldId="285"/>
+            <ac:spMk id="7" creationId="{18AA061B-5A98-EAFA-F368-7797A435306D}"/>
+          </ac:spMkLst>
+        </pc:spChg>
+        <pc:spChg chg="add">
+          <ac:chgData name="Cristian Castro Arias" userId="S::ccastroa@eafit.edu.co::be24d1df-70db-473d-97ae-2a9982a38bd8" providerId="AD" clId="Web-{34635944-ABBD-47B7-7AEA-32DEB677FEA5}" dt="2022-12-09T03:20:57.359" v="14"/>
+          <ac:spMkLst>
+            <pc:docMk/>
+            <pc:sldMk cId="3748891991" sldId="285"/>
+            <ac:spMk id="8" creationId="{C6200F7A-5157-7691-D0BB-D96158021859}"/>
+          </ac:spMkLst>
+        </pc:spChg>
+        <pc:spChg chg="del">
+          <ac:chgData name="Cristian Castro Arias" userId="S::ccastroa@eafit.edu.co::be24d1df-70db-473d-97ae-2a9982a38bd8" providerId="AD" clId="Web-{34635944-ABBD-47B7-7AEA-32DEB677FEA5}" dt="2022-12-09T03:20:03.514" v="8"/>
+          <ac:spMkLst>
+            <pc:docMk/>
+            <pc:sldMk cId="3748891991" sldId="285"/>
+            <ac:spMk id="11" creationId="{01374E51-6828-44B9-7546-7D6DD19748D1}"/>
+          </ac:spMkLst>
+        </pc:spChg>
+        <pc:spChg chg="del">
+          <ac:chgData name="Cristian Castro Arias" userId="S::ccastroa@eafit.edu.co::be24d1df-70db-473d-97ae-2a9982a38bd8" providerId="AD" clId="Web-{34635944-ABBD-47B7-7AEA-32DEB677FEA5}" dt="2022-12-09T03:20:06.967" v="9"/>
+          <ac:spMkLst>
+            <pc:docMk/>
+            <pc:sldMk cId="3748891991" sldId="285"/>
+            <ac:spMk id="13" creationId="{B4AA2761-4FA0-0CF2-C32B-D0D731708A46}"/>
+          </ac:spMkLst>
+        </pc:spChg>
+        <pc:spChg chg="add">
+          <ac:chgData name="Cristian Castro Arias" userId="S::ccastroa@eafit.edu.co::be24d1df-70db-473d-97ae-2a9982a38bd8" providerId="AD" clId="Web-{34635944-ABBD-47B7-7AEA-32DEB677FEA5}" dt="2022-12-09T03:20:57.375" v="15"/>
+          <ac:spMkLst>
+            <pc:docMk/>
+            <pc:sldMk cId="3748891991" sldId="285"/>
+            <ac:spMk id="14" creationId="{0B23DB37-735C-F41E-4595-3393B111979C}"/>
+          </ac:spMkLst>
+        </pc:spChg>
+        <pc:spChg chg="add">
+          <ac:chgData name="Cristian Castro Arias" userId="S::ccastroa@eafit.edu.co::be24d1df-70db-473d-97ae-2a9982a38bd8" providerId="AD" clId="Web-{34635944-ABBD-47B7-7AEA-32DEB677FEA5}" dt="2022-12-09T03:20:57.391" v="16"/>
+          <ac:spMkLst>
+            <pc:docMk/>
+            <pc:sldMk cId="3748891991" sldId="285"/>
+            <ac:spMk id="17" creationId="{F9890DC5-8C98-F592-C244-2D96D5BE0756}"/>
+          </ac:spMkLst>
+        </pc:spChg>
+        <pc:graphicFrameChg chg="del mod modGraphic">
+          <ac:chgData name="Cristian Castro Arias" userId="S::ccastroa@eafit.edu.co::be24d1df-70db-473d-97ae-2a9982a38bd8" providerId="AD" clId="Web-{34635944-ABBD-47B7-7AEA-32DEB677FEA5}" dt="2022-12-09T03:19:57.967" v="5"/>
+          <ac:graphicFrameMkLst>
+            <pc:docMk/>
+            <pc:sldMk cId="3748891991" sldId="285"/>
+            <ac:graphicFrameMk id="2" creationId="{0828EE45-F3BF-2BD0-5D4E-A032118F7FDE}"/>
+          </ac:graphicFrameMkLst>
+        </pc:graphicFrameChg>
+        <pc:picChg chg="del">
+          <ac:chgData name="Cristian Castro Arias" userId="S::ccastroa@eafit.edu.co::be24d1df-70db-473d-97ae-2a9982a38bd8" providerId="AD" clId="Web-{34635944-ABBD-47B7-7AEA-32DEB677FEA5}" dt="2022-12-09T03:20:01.514" v="7"/>
           <ac:picMkLst>
             <pc:docMk/>
-            <pc:sldMk cId="3206464282" sldId="260"/>
-            <ac:picMk id="2" creationId="{39F55272-7092-3DFD-5D9F-226EC23BA3A1}"/>
+            <pc:sldMk cId="3748891991" sldId="285"/>
+            <ac:picMk id="6" creationId="{07EF319B-7DCC-A0E4-9558-14EC5B0FA8B8}"/>
           </ac:picMkLst>
         </pc:picChg>
       </pc:sldChg>
-      <pc:sldChg chg="delSp modSp">
-        <pc:chgData name="Cristian Castro Arias" userId="S::ccastroa@eafit.edu.co::be24d1df-70db-473d-97ae-2a9982a38bd8" providerId="AD" clId="Web-{4D5ED21D-EBB3-FB8D-214B-95E6200276A9}" dt="2022-12-07T17:32:29.604" v="9"/>
+      <pc:sldChg chg="add del replId">
+        <pc:chgData name="Cristian Castro Arias" userId="S::ccastroa@eafit.edu.co::be24d1df-70db-473d-97ae-2a9982a38bd8" providerId="AD" clId="Web-{34635944-ABBD-47B7-7AEA-32DEB677FEA5}" dt="2022-12-09T03:20:24.296" v="11"/>
         <pc:sldMkLst>
           <pc:docMk/>
-          <pc:sldMk cId="218370719" sldId="261"/>
+          <pc:sldMk cId="866350705" sldId="286"/>
         </pc:sldMkLst>
-        <pc:spChg chg="mod">
-          <ac:chgData name="Cristian Castro Arias" userId="S::ccastroa@eafit.edu.co::be24d1df-70db-473d-97ae-2a9982a38bd8" providerId="AD" clId="Web-{4D5ED21D-EBB3-FB8D-214B-95E6200276A9}" dt="2022-12-07T17:32:29.557" v="8" actId="20577"/>
-          <ac:spMkLst>
-            <pc:docMk/>
-            <pc:sldMk cId="218370719" sldId="261"/>
-            <ac:spMk id="8" creationId="{6C84337B-8CF9-736F-3295-9E1D6FA97EC1}"/>
-          </ac:spMkLst>
-        </pc:spChg>
-        <pc:spChg chg="del">
-          <ac:chgData name="Cristian Castro Arias" userId="S::ccastroa@eafit.edu.co::be24d1df-70db-473d-97ae-2a9982a38bd8" providerId="AD" clId="Web-{4D5ED21D-EBB3-FB8D-214B-95E6200276A9}" dt="2022-12-07T17:32:29.604" v="9"/>
-          <ac:spMkLst>
-            <pc:docMk/>
-            <pc:sldMk cId="218370719" sldId="261"/>
-            <ac:spMk id="10" creationId="{2FBE0690-72E2-3C2C-22E6-16DA68564B3D}"/>
-          </ac:spMkLst>
-        </pc:spChg>
       </pc:sldChg>
-      <pc:sldChg chg="modSp add replId">
-        <pc:chgData name="Cristian Castro Arias" userId="S::ccastroa@eafit.edu.co::be24d1df-70db-473d-97ae-2a9982a38bd8" providerId="AD" clId="Web-{4D5ED21D-EBB3-FB8D-214B-95E6200276A9}" dt="2022-12-07T17:35:36.029" v="11" actId="20577"/>
+      <pc:sldChg chg="add replId">
+        <pc:chgData name="Cristian Castro Arias" userId="S::ccastroa@eafit.edu.co::be24d1df-70db-473d-97ae-2a9982a38bd8" providerId="AD" clId="Web-{34635944-ABBD-47B7-7AEA-32DEB677FEA5}" dt="2022-12-09T03:21:43.392" v="18"/>
         <pc:sldMkLst>
           <pc:docMk/>
-          <pc:sldMk cId="1931765798" sldId="262"/>
+          <pc:sldMk cId="3575864638" sldId="286"/>
         </pc:sldMkLst>
-        <pc:spChg chg="mod">
-          <ac:chgData name="Cristian Castro Arias" userId="S::ccastroa@eafit.edu.co::be24d1df-70db-473d-97ae-2a9982a38bd8" providerId="AD" clId="Web-{4D5ED21D-EBB3-FB8D-214B-95E6200276A9}" dt="2022-12-07T17:35:36.029" v="11" actId="20577"/>
-          <ac:spMkLst>
-            <pc:docMk/>
-            <pc:sldMk cId="1931765798" sldId="262"/>
-            <ac:spMk id="8" creationId="{6C84337B-8CF9-736F-3295-9E1D6FA97EC1}"/>
-          </ac:spMkLst>
-        </pc:spChg>
-      </pc:sldChg>
-      <pc:sldChg chg="add replId">
-        <pc:chgData name="Cristian Castro Arias" userId="S::ccastroa@eafit.edu.co::be24d1df-70db-473d-97ae-2a9982a38bd8" providerId="AD" clId="Web-{4D5ED21D-EBB3-FB8D-214B-95E6200276A9}" dt="2022-12-07T17:35:49.560" v="12"/>
-        <pc:sldMkLst>
-          <pc:docMk/>
-          <pc:sldMk cId="4055847151" sldId="263"/>
-        </pc:sldMkLst>
-      </pc:sldChg>
-    </pc:docChg>
-  </pc:docChgLst>
-  <pc:docChgLst>
-    <pc:chgData name="Simón Madrid Álvarez" userId="S::smadrida@eafit.edu.co::6f4efad3-e448-495f-90da-29be945a5783" providerId="AD" clId="Web-{29E25A0E-6CA4-E92C-1F16-72D477401A61}"/>
-    <pc:docChg chg="addSld modSld">
-      <pc:chgData name="Simón Madrid Álvarez" userId="S::smadrida@eafit.edu.co::6f4efad3-e448-495f-90da-29be945a5783" providerId="AD" clId="Web-{29E25A0E-6CA4-E92C-1F16-72D477401A61}" dt="2022-12-09T19:25:50.967" v="98" actId="1076"/>
-      <pc:docMkLst>
-        <pc:docMk/>
-      </pc:docMkLst>
-      <pc:sldChg chg="delSp modSp">
-        <pc:chgData name="Simón Madrid Álvarez" userId="S::smadrida@eafit.edu.co::6f4efad3-e448-495f-90da-29be945a5783" providerId="AD" clId="Web-{29E25A0E-6CA4-E92C-1F16-72D477401A61}" dt="2022-12-09T19:25:50.967" v="98" actId="1076"/>
-        <pc:sldMkLst>
-          <pc:docMk/>
-          <pc:sldMk cId="677003340" sldId="273"/>
-        </pc:sldMkLst>
-        <pc:spChg chg="mod">
-          <ac:chgData name="Simón Madrid Álvarez" userId="S::smadrida@eafit.edu.co::6f4efad3-e448-495f-90da-29be945a5783" providerId="AD" clId="Web-{29E25A0E-6CA4-E92C-1F16-72D477401A61}" dt="2022-12-09T19:25:50.967" v="98" actId="1076"/>
-          <ac:spMkLst>
-            <pc:docMk/>
-            <pc:sldMk cId="677003340" sldId="273"/>
-            <ac:spMk id="7" creationId="{86F75E8A-7FFA-BBA2-2A36-B2BEB1317CDE}"/>
-          </ac:spMkLst>
-        </pc:spChg>
-        <pc:spChg chg="mod">
-          <ac:chgData name="Simón Madrid Álvarez" userId="S::smadrida@eafit.edu.co::6f4efad3-e448-495f-90da-29be945a5783" providerId="AD" clId="Web-{29E25A0E-6CA4-E92C-1F16-72D477401A61}" dt="2022-12-09T19:25:39.873" v="96" actId="1076"/>
-          <ac:spMkLst>
-            <pc:docMk/>
-            <pc:sldMk cId="677003340" sldId="273"/>
-            <ac:spMk id="8" creationId="{6EDA4361-6A65-B4FA-44F4-55390252A1DA}"/>
-          </ac:spMkLst>
-        </pc:spChg>
-        <pc:spChg chg="del">
-          <ac:chgData name="Simón Madrid Álvarez" userId="S::smadrida@eafit.edu.co::6f4efad3-e448-495f-90da-29be945a5783" providerId="AD" clId="Web-{29E25A0E-6CA4-E92C-1F16-72D477401A61}" dt="2022-12-09T13:42:59.004" v="52"/>
-          <ac:spMkLst>
-            <pc:docMk/>
-            <pc:sldMk cId="677003340" sldId="273"/>
-            <ac:spMk id="10" creationId="{BF4547F6-AC69-B351-66F4-64BA0F2DA550}"/>
-          </ac:spMkLst>
-        </pc:spChg>
-        <pc:spChg chg="mod">
-          <ac:chgData name="Simón Madrid Álvarez" userId="S::smadrida@eafit.edu.co::6f4efad3-e448-495f-90da-29be945a5783" providerId="AD" clId="Web-{29E25A0E-6CA4-E92C-1F16-72D477401A61}" dt="2022-12-09T19:24:59.841" v="91" actId="1076"/>
-          <ac:spMkLst>
-            <pc:docMk/>
-            <pc:sldMk cId="677003340" sldId="273"/>
-            <ac:spMk id="11" creationId="{01374E51-6828-44B9-7546-7D6DD19748D1}"/>
-          </ac:spMkLst>
-        </pc:spChg>
-        <pc:picChg chg="mod">
-          <ac:chgData name="Simón Madrid Álvarez" userId="S::smadrida@eafit.edu.co::6f4efad3-e448-495f-90da-29be945a5783" providerId="AD" clId="Web-{29E25A0E-6CA4-E92C-1F16-72D477401A61}" dt="2022-12-09T19:25:35.779" v="95" actId="1076"/>
-          <ac:picMkLst>
-            <pc:docMk/>
-            <pc:sldMk cId="677003340" sldId="273"/>
-            <ac:picMk id="2" creationId="{CF61499F-A08D-1683-6627-0B78815C0888}"/>
-          </ac:picMkLst>
-        </pc:picChg>
-        <pc:picChg chg="mod">
-          <ac:chgData name="Simón Madrid Álvarez" userId="S::smadrida@eafit.edu.co::6f4efad3-e448-495f-90da-29be945a5783" providerId="AD" clId="Web-{29E25A0E-6CA4-E92C-1F16-72D477401A61}" dt="2022-12-09T19:25:45.420" v="97" actId="1076"/>
-          <ac:picMkLst>
-            <pc:docMk/>
-            <pc:sldMk cId="677003340" sldId="273"/>
-            <ac:picMk id="5" creationId="{E85B8B06-2F67-76A3-295E-5CAFE3F4936E}"/>
-          </ac:picMkLst>
-        </pc:picChg>
-      </pc:sldChg>
-      <pc:sldChg chg="addSp delSp modSp add replId">
-        <pc:chgData name="Simón Madrid Álvarez" userId="S::smadrida@eafit.edu.co::6f4efad3-e448-495f-90da-29be945a5783" providerId="AD" clId="Web-{29E25A0E-6CA4-E92C-1F16-72D477401A61}" dt="2022-12-09T15:04:03.931" v="90" actId="14100"/>
-        <pc:sldMkLst>
-          <pc:docMk/>
-          <pc:sldMk cId="3704163924" sldId="287"/>
-        </pc:sldMkLst>
-        <pc:spChg chg="mod">
-          <ac:chgData name="Simón Madrid Álvarez" userId="S::smadrida@eafit.edu.co::6f4efad3-e448-495f-90da-29be945a5783" providerId="AD" clId="Web-{29E25A0E-6CA4-E92C-1F16-72D477401A61}" dt="2022-12-09T15:02:30.508" v="69" actId="20577"/>
-          <ac:spMkLst>
-            <pc:docMk/>
-            <pc:sldMk cId="3704163924" sldId="287"/>
-            <ac:spMk id="3" creationId="{5C6020AF-2FE9-6888-6434-3730057057AC}"/>
-          </ac:spMkLst>
-        </pc:spChg>
-        <pc:spChg chg="del mod">
-          <ac:chgData name="Simón Madrid Álvarez" userId="S::smadrida@eafit.edu.co::6f4efad3-e448-495f-90da-29be945a5783" providerId="AD" clId="Web-{29E25A0E-6CA4-E92C-1F16-72D477401A61}" dt="2022-12-09T15:02:49.414" v="80"/>
-          <ac:spMkLst>
-            <pc:docMk/>
-            <pc:sldMk cId="3704163924" sldId="287"/>
-            <ac:spMk id="7" creationId="{18AA061B-5A98-EAFA-F368-7797A435306D}"/>
-          </ac:spMkLst>
-        </pc:spChg>
-        <pc:spChg chg="del mod">
-          <ac:chgData name="Simón Madrid Álvarez" userId="S::smadrida@eafit.edu.co::6f4efad3-e448-495f-90da-29be945a5783" providerId="AD" clId="Web-{29E25A0E-6CA4-E92C-1F16-72D477401A61}" dt="2022-12-09T15:02:42.524" v="75"/>
-          <ac:spMkLst>
-            <pc:docMk/>
-            <pc:sldMk cId="3704163924" sldId="287"/>
-            <ac:spMk id="11" creationId="{01374E51-6828-44B9-7546-7D6DD19748D1}"/>
-          </ac:spMkLst>
-        </pc:spChg>
-        <pc:spChg chg="del mod">
-          <ac:chgData name="Simón Madrid Álvarez" userId="S::smadrida@eafit.edu.co::6f4efad3-e448-495f-90da-29be945a5783" providerId="AD" clId="Web-{29E25A0E-6CA4-E92C-1F16-72D477401A61}" dt="2022-12-09T15:02:46.696" v="78"/>
-          <ac:spMkLst>
-            <pc:docMk/>
-            <pc:sldMk cId="3704163924" sldId="287"/>
-            <ac:spMk id="13" creationId="{B4AA2761-4FA0-0CF2-C32B-D0D731708A46}"/>
-          </ac:spMkLst>
-        </pc:spChg>
-        <pc:graphicFrameChg chg="del mod modGraphic">
-          <ac:chgData name="Simón Madrid Álvarez" userId="S::smadrida@eafit.edu.co::6f4efad3-e448-495f-90da-29be945a5783" providerId="AD" clId="Web-{29E25A0E-6CA4-E92C-1F16-72D477401A61}" dt="2022-12-09T15:02:39.930" v="74"/>
-          <ac:graphicFrameMkLst>
-            <pc:docMk/>
-            <pc:sldMk cId="3704163924" sldId="287"/>
-            <ac:graphicFrameMk id="2" creationId="{0828EE45-F3BF-2BD0-5D4E-A032118F7FDE}"/>
-          </ac:graphicFrameMkLst>
-        </pc:graphicFrameChg>
-        <pc:picChg chg="mod">
-          <ac:chgData name="Simón Madrid Álvarez" userId="S::smadrida@eafit.edu.co::6f4efad3-e448-495f-90da-29be945a5783" providerId="AD" clId="Web-{29E25A0E-6CA4-E92C-1F16-72D477401A61}" dt="2022-12-09T15:03:59.822" v="89" actId="1076"/>
-          <ac:picMkLst>
-            <pc:docMk/>
-            <pc:sldMk cId="3704163924" sldId="287"/>
-            <ac:picMk id="4" creationId="{634C13E9-8655-5DB1-D2E2-E6F70FC16D7E}"/>
-          </ac:picMkLst>
-        </pc:picChg>
-        <pc:picChg chg="add mod">
-          <ac:chgData name="Simón Madrid Álvarez" userId="S::smadrida@eafit.edu.co::6f4efad3-e448-495f-90da-29be945a5783" providerId="AD" clId="Web-{29E25A0E-6CA4-E92C-1F16-72D477401A61}" dt="2022-12-09T15:04:03.931" v="90" actId="14100"/>
-          <ac:picMkLst>
-            <pc:docMk/>
-            <pc:sldMk cId="3704163924" sldId="287"/>
-            <ac:picMk id="5" creationId="{5B97CFB5-F003-6324-AC70-D049445A7B49}"/>
-          </ac:picMkLst>
-        </pc:picChg>
-        <pc:picChg chg="del">
-          <ac:chgData name="Simón Madrid Álvarez" userId="S::smadrida@eafit.edu.co::6f4efad3-e448-495f-90da-29be945a5783" providerId="AD" clId="Web-{29E25A0E-6CA4-E92C-1F16-72D477401A61}" dt="2022-12-09T15:02:31.602" v="70"/>
-          <ac:picMkLst>
-            <pc:docMk/>
-            <pc:sldMk cId="3704163924" sldId="287"/>
-            <ac:picMk id="6" creationId="{07EF319B-7DCC-A0E4-9558-14EC5B0FA8B8}"/>
-          </ac:picMkLst>
-        </pc:picChg>
       </pc:sldChg>
     </pc:docChg>
   </pc:docChgLst>
@@ -3819,7 +4069,7 @@
           <a:p>
             <a:fld id="{5A33CB2A-1702-4C1D-9CC4-8D472D39F19E}" type="slidenum">
               <a:rPr lang="en-US" smtClean="0"/>
-              <a:t>‹Nº›</a:t>
+              <a:t>‹#›</a:t>
             </a:fld>
             <a:endParaRPr lang="en-US"/>
           </a:p>
@@ -4027,7 +4277,7 @@
           <a:p>
             <a:fld id="{5A33CB2A-1702-4C1D-9CC4-8D472D39F19E}" type="slidenum">
               <a:rPr lang="en-US" smtClean="0"/>
-              <a:t>‹Nº›</a:t>
+              <a:t>‹#›</a:t>
             </a:fld>
             <a:endParaRPr lang="en-US"/>
           </a:p>
@@ -4235,7 +4485,7 @@
           <a:p>
             <a:fld id="{5A33CB2A-1702-4C1D-9CC4-8D472D39F19E}" type="slidenum">
               <a:rPr lang="en-US" smtClean="0"/>
-              <a:t>‹Nº›</a:t>
+              <a:t>‹#›</a:t>
             </a:fld>
             <a:endParaRPr lang="en-US"/>
           </a:p>
@@ -4433,7 +4683,7 @@
           <a:p>
             <a:fld id="{5A33CB2A-1702-4C1D-9CC4-8D472D39F19E}" type="slidenum">
               <a:rPr lang="en-US" smtClean="0"/>
-              <a:t>‹Nº›</a:t>
+              <a:t>‹#›</a:t>
             </a:fld>
             <a:endParaRPr lang="en-US"/>
           </a:p>
@@ -5010,7 +5260,7 @@
           <a:p>
             <a:fld id="{5A33CB2A-1702-4C1D-9CC4-8D472D39F19E}" type="slidenum">
               <a:rPr lang="en-US" smtClean="0"/>
-              <a:t>‹Nº›</a:t>
+              <a:t>‹#›</a:t>
             </a:fld>
             <a:endParaRPr lang="en-US"/>
           </a:p>
@@ -5280,7 +5530,7 @@
           <a:p>
             <a:fld id="{5A33CB2A-1702-4C1D-9CC4-8D472D39F19E}" type="slidenum">
               <a:rPr lang="en-US" smtClean="0"/>
-              <a:t>‹Nº›</a:t>
+              <a:t>‹#›</a:t>
             </a:fld>
             <a:endParaRPr lang="en-US"/>
           </a:p>
@@ -5696,7 +5946,7 @@
           <a:p>
             <a:fld id="{5A33CB2A-1702-4C1D-9CC4-8D472D39F19E}" type="slidenum">
               <a:rPr lang="en-US" smtClean="0"/>
-              <a:t>‹Nº›</a:t>
+              <a:t>‹#›</a:t>
             </a:fld>
             <a:endParaRPr lang="en-US"/>
           </a:p>
@@ -5842,7 +6092,7 @@
           <a:p>
             <a:fld id="{5A33CB2A-1702-4C1D-9CC4-8D472D39F19E}" type="slidenum">
               <a:rPr lang="en-US" smtClean="0"/>
-              <a:t>‹Nº›</a:t>
+              <a:t>‹#›</a:t>
             </a:fld>
             <a:endParaRPr lang="en-US"/>
           </a:p>
@@ -5955,7 +6205,7 @@
           <a:p>
             <a:fld id="{5A33CB2A-1702-4C1D-9CC4-8D472D39F19E}" type="slidenum">
               <a:rPr lang="en-US" smtClean="0"/>
-              <a:t>‹Nº›</a:t>
+              <a:t>‹#›</a:t>
             </a:fld>
             <a:endParaRPr lang="en-US"/>
           </a:p>
@@ -6268,7 +6518,7 @@
           <a:p>
             <a:fld id="{5A33CB2A-1702-4C1D-9CC4-8D472D39F19E}" type="slidenum">
               <a:rPr lang="en-US" smtClean="0"/>
-              <a:t>‹Nº›</a:t>
+              <a:t>‹#›</a:t>
             </a:fld>
             <a:endParaRPr lang="en-US"/>
           </a:p>
@@ -6561,7 +6811,7 @@
           <a:p>
             <a:fld id="{5A33CB2A-1702-4C1D-9CC4-8D472D39F19E}" type="slidenum">
               <a:rPr lang="en-US" smtClean="0"/>
-              <a:t>‹Nº›</a:t>
+              <a:t>‹#›</a:t>
             </a:fld>
             <a:endParaRPr lang="en-US"/>
           </a:p>
@@ -6832,7 +7082,7 @@
           <a:p>
             <a:fld id="{5A33CB2A-1702-4C1D-9CC4-8D472D39F19E}" type="slidenum">
               <a:rPr lang="en-US" smtClean="0"/>
-              <a:t>‹Nº›</a:t>
+              <a:t>‹#›</a:t>
             </a:fld>
             <a:endParaRPr lang="en-US"/>
           </a:p>
@@ -7631,6 +7881,368 @@
       </p:pic>
       <p:pic>
         <p:nvPicPr>
+          <p:cNvPr id="7" name="Imagen 8">
+            <a:extLst>
+              <a:ext uri="{FF2B5EF4-FFF2-40B4-BE49-F238E27FC236}">
+                <a16:creationId xmlns:a16="http://schemas.microsoft.com/office/drawing/2014/main" id="{78174B7D-C170-B254-FFAA-776BC7D88C2B}"/>
+              </a:ext>
+            </a:extLst>
+          </p:cNvPr>
+          <p:cNvPicPr>
+            <a:picLocks noChangeAspect="1"/>
+          </p:cNvPicPr>
+          <p:nvPr/>
+        </p:nvPicPr>
+        <p:blipFill>
+          <a:blip r:embed="rId3"/>
+          <a:stretch>
+            <a:fillRect/>
+          </a:stretch>
+        </p:blipFill>
+        <p:spPr>
+          <a:xfrm>
+            <a:off x="353484" y="3150923"/>
+            <a:ext cx="4231126" cy="3289039"/>
+          </a:xfrm>
+          <a:prstGeom prst="rect">
+            <a:avLst/>
+          </a:prstGeom>
+        </p:spPr>
+      </p:pic>
+      <p:sp>
+        <p:nvSpPr>
+          <p:cNvPr id="9" name="CuadroTexto 8">
+            <a:extLst>
+              <a:ext uri="{FF2B5EF4-FFF2-40B4-BE49-F238E27FC236}">
+                <a16:creationId xmlns:a16="http://schemas.microsoft.com/office/drawing/2014/main" id="{854CD6B5-7E73-939F-92DE-B841690E8EEF}"/>
+              </a:ext>
+            </a:extLst>
+          </p:cNvPr>
+          <p:cNvSpPr txBox="1"/>
+          <p:nvPr/>
+        </p:nvSpPr>
+        <p:spPr>
+          <a:xfrm>
+            <a:off x="1246187" y="2166937"/>
+            <a:ext cx="2844270" cy="646331"/>
+          </a:xfrm>
+          <a:prstGeom prst="rect">
+            <a:avLst/>
+          </a:prstGeom>
+          <a:noFill/>
+        </p:spPr>
+        <p:txBody>
+          <a:bodyPr rot="0" spcFirstLastPara="0" vertOverflow="overflow" horzOverflow="overflow" vert="horz" wrap="square" lIns="91440" tIns="45720" rIns="91440" bIns="45720" numCol="1" spcCol="0" rtlCol="0" fromWordArt="0" anchor="t" anchorCtr="0" forceAA="0" compatLnSpc="1">
+            <a:prstTxWarp prst="textNoShape">
+              <a:avLst/>
+            </a:prstTxWarp>
+            <a:spAutoFit/>
+          </a:bodyPr>
+          <a:lstStyle/>
+          <a:p>
+            <a:pPr algn="ctr"/>
+            <a:r>
+              <a:rPr lang="es-ES" b="1" i="1"/>
+              <a:t>Fig.</a:t>
+            </a:r>
+            <a:r>
+              <a:rPr lang="es-ES"/>
+              <a:t> Mapa de calor correlación de variables </a:t>
+            </a:r>
+          </a:p>
+        </p:txBody>
+      </p:sp>
+      <p:pic>
+        <p:nvPicPr>
+          <p:cNvPr id="10" name="Imagen 10" descr="Tabla&#10;&#10;Descripción generada automáticamente">
+            <a:extLst>
+              <a:ext uri="{FF2B5EF4-FFF2-40B4-BE49-F238E27FC236}">
+                <a16:creationId xmlns:a16="http://schemas.microsoft.com/office/drawing/2014/main" id="{EBCF8394-0D7C-41D4-F3B8-0B1C5197E55C}"/>
+              </a:ext>
+            </a:extLst>
+          </p:cNvPr>
+          <p:cNvPicPr>
+            <a:picLocks noChangeAspect="1"/>
+          </p:cNvPicPr>
+          <p:nvPr/>
+        </p:nvPicPr>
+        <p:blipFill>
+          <a:blip r:embed="rId4"/>
+          <a:stretch>
+            <a:fillRect/>
+          </a:stretch>
+        </p:blipFill>
+        <p:spPr>
+          <a:xfrm>
+            <a:off x="5613401" y="3332409"/>
+            <a:ext cx="5367866" cy="1717182"/>
+          </a:xfrm>
+          <a:prstGeom prst="rect">
+            <a:avLst/>
+          </a:prstGeom>
+        </p:spPr>
+      </p:pic>
+      <p:sp>
+        <p:nvSpPr>
+          <p:cNvPr id="13" name="CuadroTexto 12">
+            <a:extLst>
+              <a:ext uri="{FF2B5EF4-FFF2-40B4-BE49-F238E27FC236}">
+                <a16:creationId xmlns:a16="http://schemas.microsoft.com/office/drawing/2014/main" id="{536B0E48-65E8-67AD-12F7-3F8FD21DCB83}"/>
+              </a:ext>
+            </a:extLst>
+          </p:cNvPr>
+          <p:cNvSpPr txBox="1"/>
+          <p:nvPr/>
+        </p:nvSpPr>
+        <p:spPr>
+          <a:xfrm>
+            <a:off x="6887103" y="2029353"/>
+            <a:ext cx="2844270" cy="923330"/>
+          </a:xfrm>
+          <a:prstGeom prst="rect">
+            <a:avLst/>
+          </a:prstGeom>
+          <a:noFill/>
+        </p:spPr>
+        <p:txBody>
+          <a:bodyPr rot="0" spcFirstLastPara="0" vertOverflow="overflow" horzOverflow="overflow" vert="horz" wrap="square" lIns="91440" tIns="45720" rIns="91440" bIns="45720" numCol="1" spcCol="0" rtlCol="0" fromWordArt="0" anchor="t" anchorCtr="0" forceAA="0" compatLnSpc="1">
+            <a:prstTxWarp prst="textNoShape">
+              <a:avLst/>
+            </a:prstTxWarp>
+            <a:spAutoFit/>
+          </a:bodyPr>
+          <a:lstStyle/>
+          <a:p>
+            <a:pPr algn="ctr"/>
+            <a:r>
+              <a:rPr lang="es-ES" b="1" i="1"/>
+              <a:t>Tabla.</a:t>
+            </a:r>
+            <a:r>
+              <a:rPr lang="es-ES"/>
+              <a:t> Variables con mayor correlación con la variable objetivo</a:t>
+            </a:r>
+          </a:p>
+        </p:txBody>
+      </p:sp>
+    </p:spTree>
+    <p:extLst>
+      <p:ext uri="{BB962C8B-B14F-4D97-AF65-F5344CB8AC3E}">
+        <p14:creationId xmlns:p14="http://schemas.microsoft.com/office/powerpoint/2010/main" val="2466202108"/>
+      </p:ext>
+    </p:extLst>
+  </p:cSld>
+  <p:clrMapOvr>
+    <a:masterClrMapping/>
+  </p:clrMapOvr>
+</p:sld>
+</file>
+
+<file path=ppt/slides/slide11.xml><?xml version="1.0" encoding="utf-8"?>
+<p:sld xmlns:a="http://schemas.openxmlformats.org/drawingml/2006/main" xmlns:r="http://schemas.openxmlformats.org/officeDocument/2006/relationships" xmlns:p="http://schemas.openxmlformats.org/presentationml/2006/main">
+  <p:cSld>
+    <p:spTree>
+      <p:nvGrpSpPr>
+        <p:cNvPr id="1" name=""/>
+        <p:cNvGrpSpPr/>
+        <p:nvPr/>
+      </p:nvGrpSpPr>
+      <p:grpSpPr>
+        <a:xfrm>
+          <a:off x="0" y="0"/>
+          <a:ext cx="0" cy="0"/>
+          <a:chOff x="0" y="0"/>
+          <a:chExt cx="0" cy="0"/>
+        </a:xfrm>
+      </p:grpSpPr>
+      <p:sp>
+        <p:nvSpPr>
+          <p:cNvPr id="8" name="Title 1">
+            <a:extLst>
+              <a:ext uri="{FF2B5EF4-FFF2-40B4-BE49-F238E27FC236}">
+                <a16:creationId xmlns:a16="http://schemas.microsoft.com/office/drawing/2014/main" id="{6C84337B-8CF9-736F-3295-9E1D6FA97EC1}"/>
+              </a:ext>
+            </a:extLst>
+          </p:cNvPr>
+          <p:cNvSpPr>
+            <a:spLocks noGrp="1"/>
+          </p:cNvSpPr>
+          <p:nvPr>
+            <p:ph type="ctrTitle"/>
+          </p:nvPr>
+        </p:nvSpPr>
+        <p:spPr>
+          <a:xfrm>
+            <a:off x="119645" y="91550"/>
+            <a:ext cx="5214069" cy="1284106"/>
+          </a:xfrm>
+        </p:spPr>
+        <p:txBody>
+          <a:bodyPr anchor="ctr">
+            <a:normAutofit/>
+          </a:bodyPr>
+          <a:lstStyle/>
+          <a:p>
+            <a:pPr algn="r"/>
+            <a:r>
+              <a:rPr lang="en-US" err="1">
+                <a:ea typeface="+mj-lt"/>
+                <a:cs typeface="+mj-lt"/>
+              </a:rPr>
+              <a:t>Análisis</a:t>
+            </a:r>
+            <a:r>
+              <a:rPr lang="en-US">
+                <a:ea typeface="+mj-lt"/>
+                <a:cs typeface="+mj-lt"/>
+              </a:rPr>
+              <a:t> </a:t>
+            </a:r>
+            <a:r>
+              <a:rPr lang="en-US" err="1">
+                <a:ea typeface="+mj-lt"/>
+                <a:cs typeface="+mj-lt"/>
+              </a:rPr>
+              <a:t>Exploratorio</a:t>
+            </a:r>
+            <a:r>
+              <a:rPr lang="en-US">
+                <a:ea typeface="+mj-lt"/>
+                <a:cs typeface="+mj-lt"/>
+              </a:rPr>
+              <a:t> de </a:t>
+            </a:r>
+            <a:r>
+              <a:rPr lang="en-US" err="1">
+                <a:ea typeface="+mj-lt"/>
+                <a:cs typeface="+mj-lt"/>
+              </a:rPr>
+              <a:t>Datos</a:t>
+            </a:r>
+            <a:endParaRPr lang="es-ES" err="1"/>
+          </a:p>
+        </p:txBody>
+      </p:sp>
+      <p:sp>
+        <p:nvSpPr>
+          <p:cNvPr id="12" name="Date Placeholder 3">
+            <a:extLst>
+              <a:ext uri="{FF2B5EF4-FFF2-40B4-BE49-F238E27FC236}">
+                <a16:creationId xmlns:a16="http://schemas.microsoft.com/office/drawing/2014/main" id="{B58F934D-B69C-6114-644A-68334C9A12AD}"/>
+              </a:ext>
+            </a:extLst>
+          </p:cNvPr>
+          <p:cNvSpPr>
+            <a:spLocks noGrp="1"/>
+          </p:cNvSpPr>
+          <p:nvPr>
+            <p:ph type="dt" sz="half" idx="10"/>
+          </p:nvPr>
+        </p:nvSpPr>
+        <p:spPr>
+          <a:xfrm rot="5400000">
+            <a:off x="10477379" y="4629744"/>
+            <a:ext cx="2653508" cy="365125"/>
+          </a:xfrm>
+        </p:spPr>
+        <p:txBody>
+          <a:bodyPr/>
+          <a:lstStyle/>
+          <a:p>
+            <a:pPr>
+              <a:spcAft>
+                <a:spcPts val="600"/>
+              </a:spcAft>
+            </a:pPr>
+            <a:fld id="{DCBD14A5-F12E-4BEB-864B-AB2AA0190870}" type="datetime1">
+              <a:rPr lang="en-US" smtClean="0"/>
+              <a:pPr>
+                <a:spcAft>
+                  <a:spcPts val="600"/>
+                </a:spcAft>
+              </a:pPr>
+              <a:t>12/9/2022</a:t>
+            </a:fld>
+            <a:endParaRPr lang="en-US"/>
+          </a:p>
+        </p:txBody>
+      </p:sp>
+      <p:sp>
+        <p:nvSpPr>
+          <p:cNvPr id="16" name="Slide Number Placeholder 5">
+            <a:extLst>
+              <a:ext uri="{FF2B5EF4-FFF2-40B4-BE49-F238E27FC236}">
+                <a16:creationId xmlns:a16="http://schemas.microsoft.com/office/drawing/2014/main" id="{4D73FAA3-2CB6-5F50-577D-A0BC3C1E9819}"/>
+              </a:ext>
+            </a:extLst>
+          </p:cNvPr>
+          <p:cNvSpPr>
+            <a:spLocks noGrp="1"/>
+          </p:cNvSpPr>
+          <p:nvPr>
+            <p:ph type="sldNum" sz="quarter" idx="12"/>
+          </p:nvPr>
+        </p:nvSpPr>
+        <p:spPr>
+          <a:xfrm>
+            <a:off x="11353800" y="6318446"/>
+            <a:ext cx="615696" cy="365125"/>
+          </a:xfrm>
+        </p:spPr>
+        <p:txBody>
+          <a:bodyPr/>
+          <a:lstStyle/>
+          <a:p>
+            <a:pPr>
+              <a:spcAft>
+                <a:spcPts val="600"/>
+              </a:spcAft>
+            </a:pPr>
+            <a:fld id="{5E84AC6A-A0EF-437B-BCEE-4772B0214A58}" type="slidenum">
+              <a:rPr lang="en-US" dirty="0" smtClean="0"/>
+              <a:pPr>
+                <a:spcAft>
+                  <a:spcPts val="600"/>
+                </a:spcAft>
+              </a:pPr>
+              <a:t>11</a:t>
+            </a:fld>
+            <a:endParaRPr lang="en-US"/>
+          </a:p>
+        </p:txBody>
+      </p:sp>
+      <p:pic>
+        <p:nvPicPr>
+          <p:cNvPr id="4" name="Imagen 4" descr="Logotipo&#10;&#10;Descripción generada automáticamente">
+            <a:extLst>
+              <a:ext uri="{FF2B5EF4-FFF2-40B4-BE49-F238E27FC236}">
+                <a16:creationId xmlns:a16="http://schemas.microsoft.com/office/drawing/2014/main" id="{634C13E9-8655-5DB1-D2E2-E6F70FC16D7E}"/>
+              </a:ext>
+            </a:extLst>
+          </p:cNvPr>
+          <p:cNvPicPr>
+            <a:picLocks noChangeAspect="1"/>
+          </p:cNvPicPr>
+          <p:nvPr/>
+        </p:nvPicPr>
+        <p:blipFill>
+          <a:blip r:embed="rId2"/>
+          <a:stretch>
+            <a:fillRect/>
+          </a:stretch>
+        </p:blipFill>
+        <p:spPr>
+          <a:xfrm>
+            <a:off x="9860845" y="5800822"/>
+            <a:ext cx="1435571" cy="976062"/>
+          </a:xfrm>
+          <a:prstGeom prst="rect">
+            <a:avLst/>
+          </a:prstGeom>
+        </p:spPr>
+      </p:pic>
+      <p:pic>
+        <p:nvPicPr>
           <p:cNvPr id="2" name="Imagen 2" descr="Tabla&#10;&#10;Descripción generada automáticamente">
             <a:extLst>
               <a:ext uri="{FF2B5EF4-FFF2-40B4-BE49-F238E27FC236}">
@@ -7715,7 +8327,7 @@
 </p:sld>
 </file>
 
-<file path=ppt/slides/slide11.xml><?xml version="1.0" encoding="utf-8"?>
+<file path=ppt/slides/slide12.xml><?xml version="1.0" encoding="utf-8"?>
 <p:sld xmlns:a="http://schemas.openxmlformats.org/drawingml/2006/main" xmlns:r="http://schemas.openxmlformats.org/officeDocument/2006/relationships" xmlns:p="http://schemas.openxmlformats.org/presentationml/2006/main">
   <p:cSld>
     <p:bg>
@@ -8179,7 +8791,7 @@
 </p:sld>
 </file>
 
-<file path=ppt/slides/slide12.xml><?xml version="1.0" encoding="utf-8"?>
+<file path=ppt/slides/slide13.xml><?xml version="1.0" encoding="utf-8"?>
 <p:sld xmlns:a="http://schemas.openxmlformats.org/drawingml/2006/main" xmlns:r="http://schemas.openxmlformats.org/officeDocument/2006/relationships" xmlns:p="http://schemas.openxmlformats.org/presentationml/2006/main">
   <p:cSld>
     <p:spTree>
@@ -8278,7 +8890,7 @@
                   <a:spcPts val="600"/>
                 </a:spcAft>
               </a:pPr>
-              <a:t>12</a:t>
+              <a:t>13</a:t>
             </a:fld>
             <a:endParaRPr lang="en-US"/>
           </a:p>
@@ -8975,7 +9587,7 @@
 </p:sld>
 </file>
 
-<file path=ppt/slides/slide13.xml><?xml version="1.0" encoding="utf-8"?>
+<file path=ppt/slides/slide14.xml><?xml version="1.0" encoding="utf-8"?>
 <p:sld xmlns:a="http://schemas.openxmlformats.org/drawingml/2006/main" xmlns:r="http://schemas.openxmlformats.org/officeDocument/2006/relationships" xmlns:p="http://schemas.openxmlformats.org/presentationml/2006/main">
   <p:cSld>
     <p:spTree>
@@ -9074,7 +9686,7 @@
                   <a:spcPts val="600"/>
                 </a:spcAft>
               </a:pPr>
-              <a:t>13</a:t>
+              <a:t>14</a:t>
             </a:fld>
             <a:endParaRPr lang="en-US"/>
           </a:p>
@@ -9588,7 +10200,7 @@
 </p:sld>
 </file>
 
-<file path=ppt/slides/slide14.xml><?xml version="1.0" encoding="utf-8"?>
+<file path=ppt/slides/slide15.xml><?xml version="1.0" encoding="utf-8"?>
 <p:sld xmlns:a="http://schemas.openxmlformats.org/drawingml/2006/main" xmlns:r="http://schemas.openxmlformats.org/officeDocument/2006/relationships" xmlns:p="http://schemas.openxmlformats.org/presentationml/2006/main">
   <p:cSld>
     <p:spTree>
@@ -9687,7 +10299,7 @@
                   <a:spcPts val="600"/>
                 </a:spcAft>
               </a:pPr>
-              <a:t>14</a:t>
+              <a:t>15</a:t>
             </a:fld>
             <a:endParaRPr lang="en-US"/>
           </a:p>
@@ -10011,7 +10623,7 @@
 </p:sld>
 </file>
 
-<file path=ppt/slides/slide15.xml><?xml version="1.0" encoding="utf-8"?>
+<file path=ppt/slides/slide16.xml><?xml version="1.0" encoding="utf-8"?>
 <p:sld xmlns:a="http://schemas.openxmlformats.org/drawingml/2006/main" xmlns:r="http://schemas.openxmlformats.org/officeDocument/2006/relationships" xmlns:p="http://schemas.openxmlformats.org/presentationml/2006/main">
   <p:cSld>
     <p:spTree>
@@ -10110,7 +10722,7 @@
                   <a:spcPts val="600"/>
                 </a:spcAft>
               </a:pPr>
-              <a:t>15</a:t>
+              <a:t>16</a:t>
             </a:fld>
             <a:endParaRPr lang="en-US"/>
           </a:p>
@@ -10715,7 +11327,7 @@
 </p:sld>
 </file>
 
-<file path=ppt/slides/slide16.xml><?xml version="1.0" encoding="utf-8"?>
+<file path=ppt/slides/slide17.xml><?xml version="1.0" encoding="utf-8"?>
 <p:sld xmlns:a="http://schemas.openxmlformats.org/drawingml/2006/main" xmlns:r="http://schemas.openxmlformats.org/officeDocument/2006/relationships" xmlns:p="http://schemas.openxmlformats.org/presentationml/2006/main">
   <p:cSld>
     <p:spTree>
@@ -10814,7 +11426,7 @@
                   <a:spcPts val="600"/>
                 </a:spcAft>
               </a:pPr>
-              <a:t>16</a:t>
+              <a:t>17</a:t>
             </a:fld>
             <a:endParaRPr lang="en-US"/>
           </a:p>
@@ -10996,7 +11608,7 @@
 </p:sld>
 </file>
 
-<file path=ppt/slides/slide17.xml><?xml version="1.0" encoding="utf-8"?>
+<file path=ppt/slides/slide18.xml><?xml version="1.0" encoding="utf-8"?>
 <p:sld xmlns:a="http://schemas.openxmlformats.org/drawingml/2006/main" xmlns:r="http://schemas.openxmlformats.org/officeDocument/2006/relationships" xmlns:p="http://schemas.openxmlformats.org/presentationml/2006/main">
   <p:cSld>
     <p:bg>
@@ -11461,7 +12073,7 @@
 </p:sld>
 </file>
 
-<file path=ppt/slides/slide18.xml><?xml version="1.0" encoding="utf-8"?>
+<file path=ppt/slides/slide19.xml><?xml version="1.0" encoding="utf-8"?>
 <p:sld xmlns:a="http://schemas.openxmlformats.org/drawingml/2006/main" xmlns:r="http://schemas.openxmlformats.org/officeDocument/2006/relationships" xmlns:p="http://schemas.openxmlformats.org/presentationml/2006/main">
   <p:cSld>
     <p:spTree>
@@ -11560,7 +12172,7 @@
                   <a:spcPts val="600"/>
                 </a:spcAft>
               </a:pPr>
-              <a:t>18</a:t>
+              <a:t>19</a:t>
             </a:fld>
             <a:endParaRPr lang="en-US"/>
           </a:p>
@@ -11705,8 +12317,8 @@
         </p:nvSpPr>
         <p:spPr>
           <a:xfrm>
-            <a:off x="752592" y="1665111"/>
-            <a:ext cx="10357555" cy="369332"/>
+            <a:off x="731715" y="1372837"/>
+            <a:ext cx="10733335" cy="3139321"/>
           </a:xfrm>
           <a:prstGeom prst="rect">
             <a:avLst/>
@@ -11722,10 +12334,88 @@
           </a:bodyPr>
           <a:lstStyle/>
           <a:p>
-            <a:r>
-              <a:rPr lang="es-ES"/>
-              <a:t>Se recomienda esperar a tener más información para que el modelo sea más preciso</a:t>
-            </a:r>
+            <a:pPr algn="just"/>
+            <a:r>
+              <a:rPr lang="es-ES">
+                <a:ea typeface="+mn-lt"/>
+                <a:cs typeface="+mn-lt"/>
+              </a:rPr>
+              <a:t>se logró implementar un modelo que combina la regresión lineal, PCA y </a:t>
+            </a:r>
+            <a:r>
+              <a:rPr lang="es-ES" err="1">
+                <a:ea typeface="+mn-lt"/>
+                <a:cs typeface="+mn-lt"/>
+              </a:rPr>
+              <a:t>clusterización</a:t>
+            </a:r>
+            <a:r>
+              <a:rPr lang="es-ES">
+                <a:ea typeface="+mn-lt"/>
+                <a:cs typeface="+mn-lt"/>
+              </a:rPr>
+              <a:t> capaz de predecir el número de motos vendidas por AUTECO cada semana (nivel de error de tan solo 12 unidades por semana)</a:t>
+            </a:r>
+          </a:p>
+          <a:p>
+            <a:pPr algn="just"/>
+            <a:endParaRPr lang="es-ES"/>
+          </a:p>
+          <a:p>
+            <a:pPr algn="just"/>
+            <a:r>
+              <a:rPr lang="es-ES">
+                <a:ea typeface="+mn-lt"/>
+                <a:cs typeface="+mn-lt"/>
+              </a:rPr>
+              <a:t>Por el momento sólo se tienen 96 semanas, se espera tener más datos para construir un modelo más robusto</a:t>
+            </a:r>
+          </a:p>
+          <a:p>
+            <a:pPr algn="just"/>
+            <a:endParaRPr lang="es-ES">
+              <a:ea typeface="+mn-lt"/>
+              <a:cs typeface="+mn-lt"/>
+            </a:endParaRPr>
+          </a:p>
+          <a:p>
+            <a:pPr algn="just"/>
+            <a:r>
+              <a:rPr lang="es-ES">
+                <a:ea typeface="+mn-lt"/>
+                <a:cs typeface="+mn-lt"/>
+              </a:rPr>
+              <a:t>La arquitectura se diseñó de tipo </a:t>
+            </a:r>
+            <a:r>
+              <a:rPr lang="es-ES" err="1">
+                <a:ea typeface="+mn-lt"/>
+                <a:cs typeface="+mn-lt"/>
+              </a:rPr>
+              <a:t>Batch</a:t>
+            </a:r>
+            <a:r>
+              <a:rPr lang="es-ES">
+                <a:ea typeface="+mn-lt"/>
+                <a:cs typeface="+mn-lt"/>
+              </a:rPr>
+              <a:t> para datos estructurados, si bien los datos se podrían obtener en línea, el modelo necesita un rezago de una semana para ser calculado y el equipo comercial toma decisiones con las ventas semanales por lo que no se ve la necesidad de incrementar los costos con una arquitectura de ingesta en </a:t>
+            </a:r>
+            <a:r>
+              <a:rPr lang="es-ES" err="1">
+                <a:ea typeface="+mn-lt"/>
+                <a:cs typeface="+mn-lt"/>
+              </a:rPr>
+              <a:t>streaming</a:t>
+            </a:r>
+            <a:r>
+              <a:rPr lang="es-ES">
+                <a:ea typeface="+mn-lt"/>
+                <a:cs typeface="+mn-lt"/>
+              </a:rPr>
+              <a:t>.</a:t>
+            </a:r>
+            <a:endParaRPr lang="es-ES"/>
           </a:p>
         </p:txBody>
       </p:sp>
@@ -11743,7 +12433,7 @@
         </p:nvSpPr>
         <p:spPr>
           <a:xfrm>
-            <a:off x="780814" y="3791185"/>
+            <a:off x="791252" y="4668007"/>
             <a:ext cx="9106370" cy="1477328"/>
           </a:xfrm>
           <a:prstGeom prst="rect">
@@ -11812,582 +12502,6 @@
     <p:extLst>
       <p:ext uri="{BB962C8B-B14F-4D97-AF65-F5344CB8AC3E}">
         <p14:creationId xmlns:p14="http://schemas.microsoft.com/office/powerpoint/2010/main" val="3748891991"/>
-      </p:ext>
-    </p:extLst>
-  </p:cSld>
-  <p:clrMapOvr>
-    <a:masterClrMapping/>
-  </p:clrMapOvr>
-</p:sld>
-</file>
-
-<file path=ppt/slides/slide19.xml><?xml version="1.0" encoding="utf-8"?>
-<p:sld xmlns:a="http://schemas.openxmlformats.org/drawingml/2006/main" xmlns:r="http://schemas.openxmlformats.org/officeDocument/2006/relationships" xmlns:p="http://schemas.openxmlformats.org/presentationml/2006/main">
-  <p:cSld>
-    <p:bg>
-      <p:bgPr>
-        <a:solidFill>
-          <a:schemeClr val="bg1"/>
-        </a:solidFill>
-        <a:effectLst/>
-      </p:bgPr>
-    </p:bg>
-    <p:spTree>
-      <p:nvGrpSpPr>
-        <p:cNvPr id="1" name=""/>
-        <p:cNvGrpSpPr/>
-        <p:nvPr/>
-      </p:nvGrpSpPr>
-      <p:grpSpPr>
-        <a:xfrm>
-          <a:off x="0" y="0"/>
-          <a:ext cx="0" cy="0"/>
-          <a:chOff x="0" y="0"/>
-          <a:chExt cx="0" cy="0"/>
-        </a:xfrm>
-      </p:grpSpPr>
-      <p:sp>
-        <p:nvSpPr>
-          <p:cNvPr id="7" name="Freeform: Shape 6">
-            <a:extLst>
-              <a:ext uri="{FF2B5EF4-FFF2-40B4-BE49-F238E27FC236}">
-                <a16:creationId xmlns:a16="http://schemas.microsoft.com/office/drawing/2014/main" id="{48D7368D-31D9-8101-473D-CD39E706FD22}"/>
-              </a:ext>
-              <a:ext uri="{C183D7F6-B498-43B3-948B-1728B52AA6E4}">
-                <adec:decorative xmlns:adec="http://schemas.microsoft.com/office/drawing/2017/decorative" val="1"/>
-              </a:ext>
-            </a:extLst>
-          </p:cNvPr>
-          <p:cNvSpPr>
-            <a:spLocks noGrp="1" noRot="1" noChangeAspect="1" noMove="1" noResize="1" noEditPoints="1" noAdjustHandles="1" noChangeArrowheads="1" noChangeShapeType="1" noTextEdit="1"/>
-          </p:cNvSpPr>
-          <p:nvPr>
-            <p:extLst>
-              <p:ext uri="{386F3935-93C4-4BCD-93E2-E3B085C9AB24}">
-                <p16:designElem xmlns:p16="http://schemas.microsoft.com/office/powerpoint/2015/main" val="1"/>
-              </p:ext>
-            </p:extLst>
-          </p:nvPr>
-        </p:nvSpPr>
-        <p:spPr>
-          <a:xfrm>
-            <a:off x="5796401" y="3378954"/>
-            <a:ext cx="6394567" cy="3479046"/>
-          </a:xfrm>
-          <a:custGeom>
-            <a:avLst/>
-            <a:gdLst/>
-            <a:ahLst/>
-            <a:cxnLst/>
-            <a:rect l="l" t="t" r="r" b="b"/>
-            <a:pathLst>
-              <a:path w="6394567" h="3479046">
-                <a:moveTo>
-                  <a:pt x="5171297" y="284"/>
-                </a:moveTo>
-                <a:cubicBezTo>
-                  <a:pt x="5607674" y="7531"/>
-                  <a:pt x="6039042" y="153650"/>
-                  <a:pt x="6394290" y="430072"/>
-                </a:cubicBezTo>
-                <a:lnTo>
-                  <a:pt x="6394567" y="430316"/>
-                </a:lnTo>
-                <a:lnTo>
-                  <a:pt x="6394567" y="3479046"/>
-                </a:lnTo>
-                <a:lnTo>
-                  <a:pt x="0" y="3479046"/>
-                </a:lnTo>
-                <a:lnTo>
-                  <a:pt x="3916974" y="405504"/>
-                </a:lnTo>
-                <a:lnTo>
-                  <a:pt x="3959456" y="373857"/>
-                </a:lnTo>
-                <a:cubicBezTo>
-                  <a:pt x="4291086" y="139664"/>
-                  <a:pt x="4671097" y="17528"/>
-                  <a:pt x="5052215" y="1756"/>
-                </a:cubicBezTo>
-                <a:cubicBezTo>
-                  <a:pt x="5091916" y="114"/>
-                  <a:pt x="5131627" y="-375"/>
-                  <a:pt x="5171297" y="284"/>
-                </a:cubicBezTo>
-                <a:close/>
-              </a:path>
-            </a:pathLst>
-          </a:custGeom>
-          <a:gradFill>
-            <a:gsLst>
-              <a:gs pos="39000">
-                <a:schemeClr val="bg2"/>
-              </a:gs>
-              <a:gs pos="100000">
-                <a:schemeClr val="accent1">
-                  <a:lumMod val="60000"/>
-                  <a:lumOff val="40000"/>
-                </a:schemeClr>
-              </a:gs>
-            </a:gsLst>
-            <a:lin ang="1200000" scaled="0"/>
-          </a:gradFill>
-          <a:ln>
-            <a:noFill/>
-          </a:ln>
-        </p:spPr>
-        <p:style>
-          <a:lnRef idx="2">
-            <a:schemeClr val="accent1">
-              <a:shade val="50000"/>
-            </a:schemeClr>
-          </a:lnRef>
-          <a:fillRef idx="1">
-            <a:schemeClr val="accent1"/>
-          </a:fillRef>
-          <a:effectRef idx="0">
-            <a:schemeClr val="accent1"/>
-          </a:effectRef>
-          <a:fontRef idx="minor">
-            <a:schemeClr val="lt1"/>
-          </a:fontRef>
-        </p:style>
-        <p:txBody>
-          <a:bodyPr wrap="square" rtlCol="0" anchor="ctr">
-            <a:noAutofit/>
-          </a:bodyPr>
-          <a:lstStyle/>
-          <a:p>
-            <a:pPr algn="ctr"/>
-            <a:endParaRPr lang="en-US"/>
-          </a:p>
-        </p:txBody>
-      </p:sp>
-      <p:sp useBgFill="1">
-        <p:nvSpPr>
-          <p:cNvPr id="9" name="Rectangle 8">
-            <a:extLst>
-              <a:ext uri="{FF2B5EF4-FFF2-40B4-BE49-F238E27FC236}">
-                <a16:creationId xmlns:a16="http://schemas.microsoft.com/office/drawing/2014/main" id="{6DC6ADC0-1E80-E767-456F-00C778805124}"/>
-              </a:ext>
-              <a:ext uri="{C183D7F6-B498-43B3-948B-1728B52AA6E4}">
-                <adec:decorative xmlns:adec="http://schemas.microsoft.com/office/drawing/2017/decorative" val="1"/>
-              </a:ext>
-            </a:extLst>
-          </p:cNvPr>
-          <p:cNvSpPr>
-            <a:spLocks noGrp="1" noRot="1" noChangeAspect="1" noMove="1" noResize="1" noEditPoints="1" noAdjustHandles="1" noChangeArrowheads="1" noChangeShapeType="1" noTextEdit="1"/>
-          </p:cNvSpPr>
-          <p:nvPr>
-            <p:extLst>
-              <p:ext uri="{386F3935-93C4-4BCD-93E2-E3B085C9AB24}">
-                <p16:designElem xmlns:p16="http://schemas.microsoft.com/office/powerpoint/2015/main" val="1"/>
-              </p:ext>
-            </p:extLst>
-          </p:nvPr>
-        </p:nvSpPr>
-        <p:spPr>
-          <a:xfrm>
-            <a:off x="0" y="0"/>
-            <a:ext cx="12192000" cy="6858000"/>
-          </a:xfrm>
-          <a:prstGeom prst="rect">
-            <a:avLst/>
-          </a:prstGeom>
-          <a:ln w="12700" cap="flat" cmpd="sng" algn="ctr">
-            <a:noFill/>
-            <a:prstDash val="solid"/>
-            <a:miter lim="800000"/>
-          </a:ln>
-          <a:effectLst/>
-          <a:extLst>
-            <a:ext uri="{91240B29-F687-4F45-9708-019B960494DF}">
-              <a14:hiddenLine xmlns:a14="http://schemas.microsoft.com/office/drawing/2010/main" w="12700" cap="flat" cmpd="sng" algn="ctr">
-                <a:solidFill>
-                  <a:schemeClr val="accent1">
-                    <a:shade val="50000"/>
-                  </a:schemeClr>
-                </a:solidFill>
-                <a:prstDash val="solid"/>
-                <a:miter lim="800000"/>
-              </a14:hiddenLine>
-            </a:ext>
-          </a:extLst>
-        </p:spPr>
-        <p:style>
-          <a:lnRef idx="2">
-            <a:schemeClr val="accent1">
-              <a:shade val="50000"/>
-            </a:schemeClr>
-          </a:lnRef>
-          <a:fillRef idx="1">
-            <a:schemeClr val="accent1"/>
-          </a:fillRef>
-          <a:effectRef idx="0">
-            <a:schemeClr val="accent1"/>
-          </a:effectRef>
-          <a:fontRef idx="minor">
-            <a:schemeClr val="lt1"/>
-          </a:fontRef>
-        </p:style>
-        <p:txBody>
-          <a:bodyPr rtlCol="0" anchor="ctr"/>
-          <a:lstStyle/>
-          <a:p>
-            <a:pPr algn="ctr"/>
-            <a:endParaRPr lang="en-US"/>
-          </a:p>
-        </p:txBody>
-      </p:sp>
-      <p:sp>
-        <p:nvSpPr>
-          <p:cNvPr id="11" name="Freeform: Shape 10">
-            <a:extLst>
-              <a:ext uri="{FF2B5EF4-FFF2-40B4-BE49-F238E27FC236}">
-                <a16:creationId xmlns:a16="http://schemas.microsoft.com/office/drawing/2014/main" id="{9ACDA2C5-1323-7206-D8A4-C1E325BEE747}"/>
-              </a:ext>
-              <a:ext uri="{C183D7F6-B498-43B3-948B-1728B52AA6E4}">
-                <adec:decorative xmlns:adec="http://schemas.microsoft.com/office/drawing/2017/decorative" val="1"/>
-              </a:ext>
-            </a:extLst>
-          </p:cNvPr>
-          <p:cNvSpPr>
-            <a:spLocks noGrp="1" noRot="1" noChangeAspect="1" noMove="1" noResize="1" noEditPoints="1" noAdjustHandles="1" noChangeArrowheads="1" noChangeShapeType="1" noTextEdit="1"/>
-          </p:cNvSpPr>
-          <p:nvPr>
-            <p:extLst>
-              <p:ext uri="{386F3935-93C4-4BCD-93E2-E3B085C9AB24}">
-                <p16:designElem xmlns:p16="http://schemas.microsoft.com/office/powerpoint/2015/main" val="1"/>
-              </p:ext>
-            </p:extLst>
-          </p:nvPr>
-        </p:nvSpPr>
-        <p:spPr>
-          <a:xfrm rot="21540000" flipV="1">
-            <a:off x="-35782" y="-71844"/>
-            <a:ext cx="8344574" cy="4692581"/>
-          </a:xfrm>
-          <a:custGeom>
-            <a:avLst/>
-            <a:gdLst>
-              <a:gd name="connsiteX0" fmla="*/ 76107 w 8344574"/>
-              <a:gd name="connsiteY0" fmla="*/ 4692581 h 4692581"/>
-              <a:gd name="connsiteX1" fmla="*/ 8344574 w 8344574"/>
-              <a:gd name="connsiteY1" fmla="*/ 4548255 h 4692581"/>
-              <a:gd name="connsiteX2" fmla="*/ 3062204 w 8344574"/>
-              <a:gd name="connsiteY2" fmla="*/ 550287 h 4692581"/>
-              <a:gd name="connsiteX3" fmla="*/ 3000617 w 8344574"/>
-              <a:gd name="connsiteY3" fmla="*/ 506058 h 4692581"/>
-              <a:gd name="connsiteX4" fmla="*/ 1427470 w 8344574"/>
-              <a:gd name="connsiteY4" fmla="*/ 840 h 4692581"/>
-              <a:gd name="connsiteX5" fmla="*/ 1257014 w 8344574"/>
-              <a:gd name="connsiteY5" fmla="*/ 1707 h 4692581"/>
-              <a:gd name="connsiteX6" fmla="*/ 27020 w 8344574"/>
-              <a:gd name="connsiteY6" fmla="*/ 317762 h 4692581"/>
-              <a:gd name="connsiteX7" fmla="*/ 0 w 8344574"/>
-              <a:gd name="connsiteY7" fmla="*/ 332434 h 4692581"/>
-            </a:gdLst>
-            <a:ahLst/>
-            <a:cxnLst>
-              <a:cxn ang="0">
-                <a:pos x="connsiteX0" y="connsiteY0"/>
-              </a:cxn>
-              <a:cxn ang="0">
-                <a:pos x="connsiteX1" y="connsiteY1"/>
-              </a:cxn>
-              <a:cxn ang="0">
-                <a:pos x="connsiteX2" y="connsiteY2"/>
-              </a:cxn>
-              <a:cxn ang="0">
-                <a:pos x="connsiteX3" y="connsiteY3"/>
-              </a:cxn>
-              <a:cxn ang="0">
-                <a:pos x="connsiteX4" y="connsiteY4"/>
-              </a:cxn>
-              <a:cxn ang="0">
-                <a:pos x="connsiteX5" y="connsiteY5"/>
-              </a:cxn>
-              <a:cxn ang="0">
-                <a:pos x="connsiteX6" y="connsiteY6"/>
-              </a:cxn>
-              <a:cxn ang="0">
-                <a:pos x="connsiteX7" y="connsiteY7"/>
-              </a:cxn>
-            </a:cxnLst>
-            <a:rect l="l" t="t" r="r" b="b"/>
-            <a:pathLst>
-              <a:path w="8344574" h="4692581">
-                <a:moveTo>
-                  <a:pt x="76107" y="4692581"/>
-                </a:moveTo>
-                <a:lnTo>
-                  <a:pt x="8344574" y="4548255"/>
-                </a:lnTo>
-                <a:lnTo>
-                  <a:pt x="3062204" y="550287"/>
-                </a:lnTo>
-                <a:lnTo>
-                  <a:pt x="3000617" y="506058"/>
-                </a:lnTo>
-                <a:cubicBezTo>
-                  <a:pt x="2520169" y="179187"/>
-                  <a:pt x="1973285" y="13891"/>
-                  <a:pt x="1427470" y="840"/>
-                </a:cubicBezTo>
-                <a:cubicBezTo>
-                  <a:pt x="1370615" y="-519"/>
-                  <a:pt x="1313770" y="-227"/>
-                  <a:pt x="1257014" y="1707"/>
-                </a:cubicBezTo>
-                <a:cubicBezTo>
-                  <a:pt x="831342" y="16212"/>
-                  <a:pt x="410614" y="123046"/>
-                  <a:pt x="27020" y="317762"/>
-                </a:cubicBezTo>
-                <a:lnTo>
-                  <a:pt x="0" y="332434"/>
-                </a:lnTo>
-                <a:close/>
-              </a:path>
-            </a:pathLst>
-          </a:custGeom>
-          <a:gradFill>
-            <a:gsLst>
-              <a:gs pos="39000">
-                <a:schemeClr val="bg2"/>
-              </a:gs>
-              <a:gs pos="100000">
-                <a:schemeClr val="accent1">
-                  <a:lumMod val="60000"/>
-                  <a:lumOff val="40000"/>
-                </a:schemeClr>
-              </a:gs>
-            </a:gsLst>
-            <a:lin ang="9600000" scaled="0"/>
-          </a:gradFill>
-          <a:ln>
-            <a:noFill/>
-          </a:ln>
-        </p:spPr>
-        <p:style>
-          <a:lnRef idx="2">
-            <a:schemeClr val="accent1">
-              <a:shade val="50000"/>
-            </a:schemeClr>
-          </a:lnRef>
-          <a:fillRef idx="1">
-            <a:schemeClr val="accent1"/>
-          </a:fillRef>
-          <a:effectRef idx="0">
-            <a:schemeClr val="accent1"/>
-          </a:effectRef>
-          <a:fontRef idx="minor">
-            <a:schemeClr val="lt1"/>
-          </a:fontRef>
-        </p:style>
-        <p:txBody>
-          <a:bodyPr wrap="square" rtlCol="0" anchor="ctr">
-            <a:noAutofit/>
-          </a:bodyPr>
-          <a:lstStyle/>
-          <a:p>
-            <a:pPr algn="ctr"/>
-            <a:endParaRPr lang="en-US"/>
-          </a:p>
-        </p:txBody>
-      </p:sp>
-      <p:sp>
-        <p:nvSpPr>
-          <p:cNvPr id="2" name="Título 1">
-            <a:extLst>
-              <a:ext uri="{FF2B5EF4-FFF2-40B4-BE49-F238E27FC236}">
-                <a16:creationId xmlns:a16="http://schemas.microsoft.com/office/drawing/2014/main" id="{1A669C8A-C177-1F14-EE79-E958F38FFE13}"/>
-              </a:ext>
-            </a:extLst>
-          </p:cNvPr>
-          <p:cNvSpPr>
-            <a:spLocks noGrp="1"/>
-          </p:cNvSpPr>
-          <p:nvPr>
-            <p:ph type="title"/>
-          </p:nvPr>
-        </p:nvSpPr>
-        <p:spPr>
-          <a:xfrm>
-            <a:off x="6277969" y="1676698"/>
-            <a:ext cx="5002403" cy="2554106"/>
-          </a:xfrm>
-        </p:spPr>
-        <p:txBody>
-          <a:bodyPr vert="horz" lIns="91440" tIns="45720" rIns="91440" bIns="45720" rtlCol="0" anchor="ctr">
-            <a:normAutofit/>
-          </a:bodyPr>
-          <a:lstStyle/>
-          <a:p>
-            <a:pPr algn="r">
-              <a:lnSpc>
-                <a:spcPct val="100000"/>
-              </a:lnSpc>
-            </a:pPr>
-            <a:r>
-              <a:rPr lang="en-US"/>
-              <a:t>GRACIAS</a:t>
-            </a:r>
-          </a:p>
-        </p:txBody>
-      </p:sp>
-      <p:sp>
-        <p:nvSpPr>
-          <p:cNvPr id="13" name="Freeform: Shape 12">
-            <a:extLst>
-              <a:ext uri="{FF2B5EF4-FFF2-40B4-BE49-F238E27FC236}">
-                <a16:creationId xmlns:a16="http://schemas.microsoft.com/office/drawing/2014/main" id="{E5CF57A1-3DD8-C1AD-BF62-241C569D366E}"/>
-              </a:ext>
-              <a:ext uri="{C183D7F6-B498-43B3-948B-1728B52AA6E4}">
-                <adec:decorative xmlns:adec="http://schemas.microsoft.com/office/drawing/2017/decorative" val="1"/>
-              </a:ext>
-            </a:extLst>
-          </p:cNvPr>
-          <p:cNvSpPr>
-            <a:spLocks noGrp="1" noRot="1" noChangeAspect="1" noMove="1" noResize="1" noEditPoints="1" noAdjustHandles="1" noChangeArrowheads="1" noChangeShapeType="1" noTextEdit="1"/>
-          </p:cNvSpPr>
-          <p:nvPr>
-            <p:extLst>
-              <p:ext uri="{386F3935-93C4-4BCD-93E2-E3B085C9AB24}">
-                <p16:designElem xmlns:p16="http://schemas.microsoft.com/office/powerpoint/2015/main" val="1"/>
-              </p:ext>
-            </p:extLst>
-          </p:nvPr>
-        </p:nvSpPr>
-        <p:spPr>
-          <a:xfrm rot="10740000" flipV="1">
-            <a:off x="7888979" y="5020683"/>
-            <a:ext cx="4324338" cy="1889417"/>
-          </a:xfrm>
-          <a:custGeom>
-            <a:avLst/>
-            <a:gdLst>
-              <a:gd name="connsiteX0" fmla="*/ 26412 w 4324338"/>
-              <a:gd name="connsiteY0" fmla="*/ 1889417 h 1889417"/>
-              <a:gd name="connsiteX1" fmla="*/ 4324338 w 4324338"/>
-              <a:gd name="connsiteY1" fmla="*/ 1814397 h 1889417"/>
-              <a:gd name="connsiteX2" fmla="*/ 2459858 w 4324338"/>
-              <a:gd name="connsiteY2" fmla="*/ 403264 h 1889417"/>
-              <a:gd name="connsiteX3" fmla="*/ 2414726 w 4324338"/>
-              <a:gd name="connsiteY3" fmla="*/ 370852 h 1889417"/>
-              <a:gd name="connsiteX4" fmla="*/ 1261883 w 4324338"/>
-              <a:gd name="connsiteY4" fmla="*/ 615 h 1889417"/>
-              <a:gd name="connsiteX5" fmla="*/ 70385 w 4324338"/>
-              <a:gd name="connsiteY5" fmla="*/ 326182 h 1889417"/>
-              <a:gd name="connsiteX6" fmla="*/ 0 w 4324338"/>
-              <a:gd name="connsiteY6" fmla="*/ 376291 h 1889417"/>
-            </a:gdLst>
-            <a:ahLst/>
-            <a:cxnLst>
-              <a:cxn ang="0">
-                <a:pos x="connsiteX0" y="connsiteY0"/>
-              </a:cxn>
-              <a:cxn ang="0">
-                <a:pos x="connsiteX1" y="connsiteY1"/>
-              </a:cxn>
-              <a:cxn ang="0">
-                <a:pos x="connsiteX2" y="connsiteY2"/>
-              </a:cxn>
-              <a:cxn ang="0">
-                <a:pos x="connsiteX3" y="connsiteY3"/>
-              </a:cxn>
-              <a:cxn ang="0">
-                <a:pos x="connsiteX4" y="connsiteY4"/>
-              </a:cxn>
-              <a:cxn ang="0">
-                <a:pos x="connsiteX5" y="connsiteY5"/>
-              </a:cxn>
-              <a:cxn ang="0">
-                <a:pos x="connsiteX6" y="connsiteY6"/>
-              </a:cxn>
-            </a:cxnLst>
-            <a:rect l="l" t="t" r="r" b="b"/>
-            <a:pathLst>
-              <a:path w="4324338" h="1889417">
-                <a:moveTo>
-                  <a:pt x="26412" y="1889417"/>
-                </a:moveTo>
-                <a:lnTo>
-                  <a:pt x="4324338" y="1814397"/>
-                </a:lnTo>
-                <a:lnTo>
-                  <a:pt x="2459858" y="403264"/>
-                </a:lnTo>
-                <a:lnTo>
-                  <a:pt x="2414726" y="370852"/>
-                </a:lnTo>
-                <a:cubicBezTo>
-                  <a:pt x="2062641" y="131313"/>
-                  <a:pt x="1661870" y="10180"/>
-                  <a:pt x="1261883" y="615"/>
-                </a:cubicBezTo>
-                <a:cubicBezTo>
-                  <a:pt x="845229" y="-9347"/>
-                  <a:pt x="429425" y="101751"/>
-                  <a:pt x="70385" y="326182"/>
-                </a:cubicBezTo>
-                <a:lnTo>
-                  <a:pt x="0" y="376291"/>
-                </a:lnTo>
-                <a:close/>
-              </a:path>
-            </a:pathLst>
-          </a:custGeom>
-          <a:gradFill>
-            <a:gsLst>
-              <a:gs pos="32000">
-                <a:schemeClr val="bg2"/>
-              </a:gs>
-              <a:gs pos="100000">
-                <a:schemeClr val="accent1">
-                  <a:lumMod val="60000"/>
-                  <a:lumOff val="40000"/>
-                </a:schemeClr>
-              </a:gs>
-            </a:gsLst>
-            <a:lin ang="14400000" scaled="0"/>
-          </a:gradFill>
-          <a:ln>
-            <a:noFill/>
-          </a:ln>
-        </p:spPr>
-        <p:style>
-          <a:lnRef idx="2">
-            <a:schemeClr val="accent1">
-              <a:shade val="50000"/>
-            </a:schemeClr>
-          </a:lnRef>
-          <a:fillRef idx="1">
-            <a:schemeClr val="accent1"/>
-          </a:fillRef>
-          <a:effectRef idx="0">
-            <a:schemeClr val="accent1"/>
-          </a:effectRef>
-          <a:fontRef idx="minor">
-            <a:schemeClr val="lt1"/>
-          </a:fontRef>
-        </p:style>
-        <p:txBody>
-          <a:bodyPr wrap="square" rtlCol="0" anchor="ctr">
-            <a:noAutofit/>
-          </a:bodyPr>
-          <a:lstStyle/>
-          <a:p>
-            <a:pPr algn="ctr"/>
-            <a:endParaRPr lang="en-US"/>
-          </a:p>
-        </p:txBody>
-      </p:sp>
-    </p:spTree>
-    <p:extLst>
-      <p:ext uri="{BB962C8B-B14F-4D97-AF65-F5344CB8AC3E}">
-        <p14:creationId xmlns:p14="http://schemas.microsoft.com/office/powerpoint/2010/main" val="860038365"/>
       </p:ext>
     </p:extLst>
   </p:cSld>
@@ -12823,6 +12937,667 @@
       </p:par>
     </p:tnLst>
   </p:timing>
+</p:sld>
+</file>
+
+<file path=ppt/slides/slide20.xml><?xml version="1.0" encoding="utf-8"?>
+<p:sld xmlns:a="http://schemas.openxmlformats.org/drawingml/2006/main" xmlns:r="http://schemas.openxmlformats.org/officeDocument/2006/relationships" xmlns:p="http://schemas.openxmlformats.org/presentationml/2006/main">
+  <p:cSld>
+    <p:bg>
+      <p:bgPr>
+        <a:solidFill>
+          <a:schemeClr val="bg1"/>
+        </a:solidFill>
+        <a:effectLst/>
+      </p:bgPr>
+    </p:bg>
+    <p:spTree>
+      <p:nvGrpSpPr>
+        <p:cNvPr id="1" name=""/>
+        <p:cNvGrpSpPr/>
+        <p:nvPr/>
+      </p:nvGrpSpPr>
+      <p:grpSpPr>
+        <a:xfrm>
+          <a:off x="0" y="0"/>
+          <a:ext cx="0" cy="0"/>
+          <a:chOff x="0" y="0"/>
+          <a:chExt cx="0" cy="0"/>
+        </a:xfrm>
+      </p:grpSpPr>
+      <p:sp>
+        <p:nvSpPr>
+          <p:cNvPr id="7" name="Freeform: Shape 6">
+            <a:extLst>
+              <a:ext uri="{FF2B5EF4-FFF2-40B4-BE49-F238E27FC236}">
+                <a16:creationId xmlns:a16="http://schemas.microsoft.com/office/drawing/2014/main" id="{48D7368D-31D9-8101-473D-CD39E706FD22}"/>
+              </a:ext>
+              <a:ext uri="{C183D7F6-B498-43B3-948B-1728B52AA6E4}">
+                <adec:decorative xmlns:adec="http://schemas.microsoft.com/office/drawing/2017/decorative" val="1"/>
+              </a:ext>
+            </a:extLst>
+          </p:cNvPr>
+          <p:cNvSpPr>
+            <a:spLocks noGrp="1" noRot="1" noChangeAspect="1" noMove="1" noResize="1" noEditPoints="1" noAdjustHandles="1" noChangeArrowheads="1" noChangeShapeType="1" noTextEdit="1"/>
+          </p:cNvSpPr>
+          <p:nvPr>
+            <p:extLst>
+              <p:ext uri="{386F3935-93C4-4BCD-93E2-E3B085C9AB24}">
+                <p16:designElem xmlns:p16="http://schemas.microsoft.com/office/powerpoint/2015/main" val="1"/>
+              </p:ext>
+            </p:extLst>
+          </p:nvPr>
+        </p:nvSpPr>
+        <p:spPr>
+          <a:xfrm>
+            <a:off x="5796401" y="3378954"/>
+            <a:ext cx="6394567" cy="3479046"/>
+          </a:xfrm>
+          <a:custGeom>
+            <a:avLst/>
+            <a:gdLst/>
+            <a:ahLst/>
+            <a:cxnLst/>
+            <a:rect l="l" t="t" r="r" b="b"/>
+            <a:pathLst>
+              <a:path w="6394567" h="3479046">
+                <a:moveTo>
+                  <a:pt x="5171297" y="284"/>
+                </a:moveTo>
+                <a:cubicBezTo>
+                  <a:pt x="5607674" y="7531"/>
+                  <a:pt x="6039042" y="153650"/>
+                  <a:pt x="6394290" y="430072"/>
+                </a:cubicBezTo>
+                <a:lnTo>
+                  <a:pt x="6394567" y="430316"/>
+                </a:lnTo>
+                <a:lnTo>
+                  <a:pt x="6394567" y="3479046"/>
+                </a:lnTo>
+                <a:lnTo>
+                  <a:pt x="0" y="3479046"/>
+                </a:lnTo>
+                <a:lnTo>
+                  <a:pt x="3916974" y="405504"/>
+                </a:lnTo>
+                <a:lnTo>
+                  <a:pt x="3959456" y="373857"/>
+                </a:lnTo>
+                <a:cubicBezTo>
+                  <a:pt x="4291086" y="139664"/>
+                  <a:pt x="4671097" y="17528"/>
+                  <a:pt x="5052215" y="1756"/>
+                </a:cubicBezTo>
+                <a:cubicBezTo>
+                  <a:pt x="5091916" y="114"/>
+                  <a:pt x="5131627" y="-375"/>
+                  <a:pt x="5171297" y="284"/>
+                </a:cubicBezTo>
+                <a:close/>
+              </a:path>
+            </a:pathLst>
+          </a:custGeom>
+          <a:gradFill>
+            <a:gsLst>
+              <a:gs pos="39000">
+                <a:schemeClr val="bg2"/>
+              </a:gs>
+              <a:gs pos="100000">
+                <a:schemeClr val="accent1">
+                  <a:lumMod val="60000"/>
+                  <a:lumOff val="40000"/>
+                </a:schemeClr>
+              </a:gs>
+            </a:gsLst>
+            <a:lin ang="1200000" scaled="0"/>
+          </a:gradFill>
+          <a:ln>
+            <a:noFill/>
+          </a:ln>
+        </p:spPr>
+        <p:style>
+          <a:lnRef idx="2">
+            <a:schemeClr val="accent1">
+              <a:shade val="50000"/>
+            </a:schemeClr>
+          </a:lnRef>
+          <a:fillRef idx="1">
+            <a:schemeClr val="accent1"/>
+          </a:fillRef>
+          <a:effectRef idx="0">
+            <a:schemeClr val="accent1"/>
+          </a:effectRef>
+          <a:fontRef idx="minor">
+            <a:schemeClr val="lt1"/>
+          </a:fontRef>
+        </p:style>
+        <p:txBody>
+          <a:bodyPr wrap="square" rtlCol="0" anchor="ctr">
+            <a:noAutofit/>
+          </a:bodyPr>
+          <a:lstStyle/>
+          <a:p>
+            <a:pPr algn="ctr"/>
+            <a:endParaRPr lang="en-US"/>
+          </a:p>
+        </p:txBody>
+      </p:sp>
+      <p:sp useBgFill="1">
+        <p:nvSpPr>
+          <p:cNvPr id="9" name="Rectangle 8">
+            <a:extLst>
+              <a:ext uri="{FF2B5EF4-FFF2-40B4-BE49-F238E27FC236}">
+                <a16:creationId xmlns:a16="http://schemas.microsoft.com/office/drawing/2014/main" id="{6DC6ADC0-1E80-E767-456F-00C778805124}"/>
+              </a:ext>
+              <a:ext uri="{C183D7F6-B498-43B3-948B-1728B52AA6E4}">
+                <adec:decorative xmlns:adec="http://schemas.microsoft.com/office/drawing/2017/decorative" val="1"/>
+              </a:ext>
+            </a:extLst>
+          </p:cNvPr>
+          <p:cNvSpPr>
+            <a:spLocks noGrp="1" noRot="1" noChangeAspect="1" noMove="1" noResize="1" noEditPoints="1" noAdjustHandles="1" noChangeArrowheads="1" noChangeShapeType="1" noTextEdit="1"/>
+          </p:cNvSpPr>
+          <p:nvPr>
+            <p:extLst>
+              <p:ext uri="{386F3935-93C4-4BCD-93E2-E3B085C9AB24}">
+                <p16:designElem xmlns:p16="http://schemas.microsoft.com/office/powerpoint/2015/main" val="1"/>
+              </p:ext>
+            </p:extLst>
+          </p:nvPr>
+        </p:nvSpPr>
+        <p:spPr>
+          <a:xfrm>
+            <a:off x="0" y="0"/>
+            <a:ext cx="12192000" cy="6858000"/>
+          </a:xfrm>
+          <a:prstGeom prst="rect">
+            <a:avLst/>
+          </a:prstGeom>
+          <a:ln w="12700" cap="flat" cmpd="sng" algn="ctr">
+            <a:noFill/>
+            <a:prstDash val="solid"/>
+            <a:miter lim="800000"/>
+          </a:ln>
+          <a:effectLst/>
+          <a:extLst>
+            <a:ext uri="{91240B29-F687-4F45-9708-019B960494DF}">
+              <a14:hiddenLine xmlns:a14="http://schemas.microsoft.com/office/drawing/2010/main" w="12700" cap="flat" cmpd="sng" algn="ctr">
+                <a:solidFill>
+                  <a:schemeClr val="accent1">
+                    <a:shade val="50000"/>
+                  </a:schemeClr>
+                </a:solidFill>
+                <a:prstDash val="solid"/>
+                <a:miter lim="800000"/>
+              </a14:hiddenLine>
+            </a:ext>
+          </a:extLst>
+        </p:spPr>
+        <p:style>
+          <a:lnRef idx="2">
+            <a:schemeClr val="accent1">
+              <a:shade val="50000"/>
+            </a:schemeClr>
+          </a:lnRef>
+          <a:fillRef idx="1">
+            <a:schemeClr val="accent1"/>
+          </a:fillRef>
+          <a:effectRef idx="0">
+            <a:schemeClr val="accent1"/>
+          </a:effectRef>
+          <a:fontRef idx="minor">
+            <a:schemeClr val="lt1"/>
+          </a:fontRef>
+        </p:style>
+        <p:txBody>
+          <a:bodyPr rtlCol="0" anchor="ctr"/>
+          <a:lstStyle/>
+          <a:p>
+            <a:pPr algn="ctr"/>
+            <a:endParaRPr lang="en-US"/>
+          </a:p>
+        </p:txBody>
+      </p:sp>
+      <p:sp>
+        <p:nvSpPr>
+          <p:cNvPr id="11" name="Freeform: Shape 10">
+            <a:extLst>
+              <a:ext uri="{FF2B5EF4-FFF2-40B4-BE49-F238E27FC236}">
+                <a16:creationId xmlns:a16="http://schemas.microsoft.com/office/drawing/2014/main" id="{9ACDA2C5-1323-7206-D8A4-C1E325BEE747}"/>
+              </a:ext>
+              <a:ext uri="{C183D7F6-B498-43B3-948B-1728B52AA6E4}">
+                <adec:decorative xmlns:adec="http://schemas.microsoft.com/office/drawing/2017/decorative" val="1"/>
+              </a:ext>
+            </a:extLst>
+          </p:cNvPr>
+          <p:cNvSpPr>
+            <a:spLocks noGrp="1" noRot="1" noChangeAspect="1" noMove="1" noResize="1" noEditPoints="1" noAdjustHandles="1" noChangeArrowheads="1" noChangeShapeType="1" noTextEdit="1"/>
+          </p:cNvSpPr>
+          <p:nvPr>
+            <p:extLst>
+              <p:ext uri="{386F3935-93C4-4BCD-93E2-E3B085C9AB24}">
+                <p16:designElem xmlns:p16="http://schemas.microsoft.com/office/powerpoint/2015/main" val="1"/>
+              </p:ext>
+            </p:extLst>
+          </p:nvPr>
+        </p:nvSpPr>
+        <p:spPr>
+          <a:xfrm rot="21540000" flipV="1">
+            <a:off x="-35782" y="-71844"/>
+            <a:ext cx="8344574" cy="4692581"/>
+          </a:xfrm>
+          <a:custGeom>
+            <a:avLst/>
+            <a:gdLst>
+              <a:gd name="connsiteX0" fmla="*/ 76107 w 8344574"/>
+              <a:gd name="connsiteY0" fmla="*/ 4692581 h 4692581"/>
+              <a:gd name="connsiteX1" fmla="*/ 8344574 w 8344574"/>
+              <a:gd name="connsiteY1" fmla="*/ 4548255 h 4692581"/>
+              <a:gd name="connsiteX2" fmla="*/ 3062204 w 8344574"/>
+              <a:gd name="connsiteY2" fmla="*/ 550287 h 4692581"/>
+              <a:gd name="connsiteX3" fmla="*/ 3000617 w 8344574"/>
+              <a:gd name="connsiteY3" fmla="*/ 506058 h 4692581"/>
+              <a:gd name="connsiteX4" fmla="*/ 1427470 w 8344574"/>
+              <a:gd name="connsiteY4" fmla="*/ 840 h 4692581"/>
+              <a:gd name="connsiteX5" fmla="*/ 1257014 w 8344574"/>
+              <a:gd name="connsiteY5" fmla="*/ 1707 h 4692581"/>
+              <a:gd name="connsiteX6" fmla="*/ 27020 w 8344574"/>
+              <a:gd name="connsiteY6" fmla="*/ 317762 h 4692581"/>
+              <a:gd name="connsiteX7" fmla="*/ 0 w 8344574"/>
+              <a:gd name="connsiteY7" fmla="*/ 332434 h 4692581"/>
+            </a:gdLst>
+            <a:ahLst/>
+            <a:cxnLst>
+              <a:cxn ang="0">
+                <a:pos x="connsiteX0" y="connsiteY0"/>
+              </a:cxn>
+              <a:cxn ang="0">
+                <a:pos x="connsiteX1" y="connsiteY1"/>
+              </a:cxn>
+              <a:cxn ang="0">
+                <a:pos x="connsiteX2" y="connsiteY2"/>
+              </a:cxn>
+              <a:cxn ang="0">
+                <a:pos x="connsiteX3" y="connsiteY3"/>
+              </a:cxn>
+              <a:cxn ang="0">
+                <a:pos x="connsiteX4" y="connsiteY4"/>
+              </a:cxn>
+              <a:cxn ang="0">
+                <a:pos x="connsiteX5" y="connsiteY5"/>
+              </a:cxn>
+              <a:cxn ang="0">
+                <a:pos x="connsiteX6" y="connsiteY6"/>
+              </a:cxn>
+              <a:cxn ang="0">
+                <a:pos x="connsiteX7" y="connsiteY7"/>
+              </a:cxn>
+            </a:cxnLst>
+            <a:rect l="l" t="t" r="r" b="b"/>
+            <a:pathLst>
+              <a:path w="8344574" h="4692581">
+                <a:moveTo>
+                  <a:pt x="76107" y="4692581"/>
+                </a:moveTo>
+                <a:lnTo>
+                  <a:pt x="8344574" y="4548255"/>
+                </a:lnTo>
+                <a:lnTo>
+                  <a:pt x="3062204" y="550287"/>
+                </a:lnTo>
+                <a:lnTo>
+                  <a:pt x="3000617" y="506058"/>
+                </a:lnTo>
+                <a:cubicBezTo>
+                  <a:pt x="2520169" y="179187"/>
+                  <a:pt x="1973285" y="13891"/>
+                  <a:pt x="1427470" y="840"/>
+                </a:cubicBezTo>
+                <a:cubicBezTo>
+                  <a:pt x="1370615" y="-519"/>
+                  <a:pt x="1313770" y="-227"/>
+                  <a:pt x="1257014" y="1707"/>
+                </a:cubicBezTo>
+                <a:cubicBezTo>
+                  <a:pt x="831342" y="16212"/>
+                  <a:pt x="410614" y="123046"/>
+                  <a:pt x="27020" y="317762"/>
+                </a:cubicBezTo>
+                <a:lnTo>
+                  <a:pt x="0" y="332434"/>
+                </a:lnTo>
+                <a:close/>
+              </a:path>
+            </a:pathLst>
+          </a:custGeom>
+          <a:gradFill>
+            <a:gsLst>
+              <a:gs pos="39000">
+                <a:schemeClr val="bg2"/>
+              </a:gs>
+              <a:gs pos="100000">
+                <a:schemeClr val="accent1">
+                  <a:lumMod val="60000"/>
+                  <a:lumOff val="40000"/>
+                </a:schemeClr>
+              </a:gs>
+            </a:gsLst>
+            <a:lin ang="9600000" scaled="0"/>
+          </a:gradFill>
+          <a:ln>
+            <a:noFill/>
+          </a:ln>
+        </p:spPr>
+        <p:style>
+          <a:lnRef idx="2">
+            <a:schemeClr val="accent1">
+              <a:shade val="50000"/>
+            </a:schemeClr>
+          </a:lnRef>
+          <a:fillRef idx="1">
+            <a:schemeClr val="accent1"/>
+          </a:fillRef>
+          <a:effectRef idx="0">
+            <a:schemeClr val="accent1"/>
+          </a:effectRef>
+          <a:fontRef idx="minor">
+            <a:schemeClr val="lt1"/>
+          </a:fontRef>
+        </p:style>
+        <p:txBody>
+          <a:bodyPr wrap="square" rtlCol="0" anchor="ctr">
+            <a:noAutofit/>
+          </a:bodyPr>
+          <a:lstStyle/>
+          <a:p>
+            <a:pPr algn="ctr"/>
+            <a:endParaRPr lang="en-US"/>
+          </a:p>
+        </p:txBody>
+      </p:sp>
+      <p:sp>
+        <p:nvSpPr>
+          <p:cNvPr id="2" name="Título 1">
+            <a:extLst>
+              <a:ext uri="{FF2B5EF4-FFF2-40B4-BE49-F238E27FC236}">
+                <a16:creationId xmlns:a16="http://schemas.microsoft.com/office/drawing/2014/main" id="{1A669C8A-C177-1F14-EE79-E958F38FFE13}"/>
+              </a:ext>
+            </a:extLst>
+          </p:cNvPr>
+          <p:cNvSpPr>
+            <a:spLocks noGrp="1"/>
+          </p:cNvSpPr>
+          <p:nvPr>
+            <p:ph type="title"/>
+          </p:nvPr>
+        </p:nvSpPr>
+        <p:spPr>
+          <a:xfrm>
+            <a:off x="6277969" y="1676698"/>
+            <a:ext cx="5002403" cy="2554106"/>
+          </a:xfrm>
+        </p:spPr>
+        <p:txBody>
+          <a:bodyPr vert="horz" lIns="91440" tIns="45720" rIns="91440" bIns="45720" rtlCol="0" anchor="ctr">
+            <a:normAutofit/>
+          </a:bodyPr>
+          <a:lstStyle/>
+          <a:p>
+            <a:pPr algn="r">
+              <a:lnSpc>
+                <a:spcPct val="100000"/>
+              </a:lnSpc>
+            </a:pPr>
+            <a:r>
+              <a:rPr lang="en-US"/>
+              <a:t>GRACIAS</a:t>
+            </a:r>
+          </a:p>
+        </p:txBody>
+      </p:sp>
+      <p:sp>
+        <p:nvSpPr>
+          <p:cNvPr id="13" name="Freeform: Shape 12">
+            <a:extLst>
+              <a:ext uri="{FF2B5EF4-FFF2-40B4-BE49-F238E27FC236}">
+                <a16:creationId xmlns:a16="http://schemas.microsoft.com/office/drawing/2014/main" id="{E5CF57A1-3DD8-C1AD-BF62-241C569D366E}"/>
+              </a:ext>
+              <a:ext uri="{C183D7F6-B498-43B3-948B-1728B52AA6E4}">
+                <adec:decorative xmlns:adec="http://schemas.microsoft.com/office/drawing/2017/decorative" val="1"/>
+              </a:ext>
+            </a:extLst>
+          </p:cNvPr>
+          <p:cNvSpPr>
+            <a:spLocks noGrp="1" noRot="1" noChangeAspect="1" noMove="1" noResize="1" noEditPoints="1" noAdjustHandles="1" noChangeArrowheads="1" noChangeShapeType="1" noTextEdit="1"/>
+          </p:cNvSpPr>
+          <p:nvPr>
+            <p:extLst>
+              <p:ext uri="{386F3935-93C4-4BCD-93E2-E3B085C9AB24}">
+                <p16:designElem xmlns:p16="http://schemas.microsoft.com/office/powerpoint/2015/main" val="1"/>
+              </p:ext>
+            </p:extLst>
+          </p:nvPr>
+        </p:nvSpPr>
+        <p:spPr>
+          <a:xfrm rot="10740000" flipV="1">
+            <a:off x="7888979" y="5020683"/>
+            <a:ext cx="4324338" cy="1889417"/>
+          </a:xfrm>
+          <a:custGeom>
+            <a:avLst/>
+            <a:gdLst>
+              <a:gd name="connsiteX0" fmla="*/ 26412 w 4324338"/>
+              <a:gd name="connsiteY0" fmla="*/ 1889417 h 1889417"/>
+              <a:gd name="connsiteX1" fmla="*/ 4324338 w 4324338"/>
+              <a:gd name="connsiteY1" fmla="*/ 1814397 h 1889417"/>
+              <a:gd name="connsiteX2" fmla="*/ 2459858 w 4324338"/>
+              <a:gd name="connsiteY2" fmla="*/ 403264 h 1889417"/>
+              <a:gd name="connsiteX3" fmla="*/ 2414726 w 4324338"/>
+              <a:gd name="connsiteY3" fmla="*/ 370852 h 1889417"/>
+              <a:gd name="connsiteX4" fmla="*/ 1261883 w 4324338"/>
+              <a:gd name="connsiteY4" fmla="*/ 615 h 1889417"/>
+              <a:gd name="connsiteX5" fmla="*/ 70385 w 4324338"/>
+              <a:gd name="connsiteY5" fmla="*/ 326182 h 1889417"/>
+              <a:gd name="connsiteX6" fmla="*/ 0 w 4324338"/>
+              <a:gd name="connsiteY6" fmla="*/ 376291 h 1889417"/>
+            </a:gdLst>
+            <a:ahLst/>
+            <a:cxnLst>
+              <a:cxn ang="0">
+                <a:pos x="connsiteX0" y="connsiteY0"/>
+              </a:cxn>
+              <a:cxn ang="0">
+                <a:pos x="connsiteX1" y="connsiteY1"/>
+              </a:cxn>
+              <a:cxn ang="0">
+                <a:pos x="connsiteX2" y="connsiteY2"/>
+              </a:cxn>
+              <a:cxn ang="0">
+                <a:pos x="connsiteX3" y="connsiteY3"/>
+              </a:cxn>
+              <a:cxn ang="0">
+                <a:pos x="connsiteX4" y="connsiteY4"/>
+              </a:cxn>
+              <a:cxn ang="0">
+                <a:pos x="connsiteX5" y="connsiteY5"/>
+              </a:cxn>
+              <a:cxn ang="0">
+                <a:pos x="connsiteX6" y="connsiteY6"/>
+              </a:cxn>
+            </a:cxnLst>
+            <a:rect l="l" t="t" r="r" b="b"/>
+            <a:pathLst>
+              <a:path w="4324338" h="1889417">
+                <a:moveTo>
+                  <a:pt x="26412" y="1889417"/>
+                </a:moveTo>
+                <a:lnTo>
+                  <a:pt x="4324338" y="1814397"/>
+                </a:lnTo>
+                <a:lnTo>
+                  <a:pt x="2459858" y="403264"/>
+                </a:lnTo>
+                <a:lnTo>
+                  <a:pt x="2414726" y="370852"/>
+                </a:lnTo>
+                <a:cubicBezTo>
+                  <a:pt x="2062641" y="131313"/>
+                  <a:pt x="1661870" y="10180"/>
+                  <a:pt x="1261883" y="615"/>
+                </a:cubicBezTo>
+                <a:cubicBezTo>
+                  <a:pt x="845229" y="-9347"/>
+                  <a:pt x="429425" y="101751"/>
+                  <a:pt x="70385" y="326182"/>
+                </a:cubicBezTo>
+                <a:lnTo>
+                  <a:pt x="0" y="376291"/>
+                </a:lnTo>
+                <a:close/>
+              </a:path>
+            </a:pathLst>
+          </a:custGeom>
+          <a:gradFill>
+            <a:gsLst>
+              <a:gs pos="32000">
+                <a:schemeClr val="bg2"/>
+              </a:gs>
+              <a:gs pos="100000">
+                <a:schemeClr val="accent1">
+                  <a:lumMod val="60000"/>
+                  <a:lumOff val="40000"/>
+                </a:schemeClr>
+              </a:gs>
+            </a:gsLst>
+            <a:lin ang="14400000" scaled="0"/>
+          </a:gradFill>
+          <a:ln>
+            <a:noFill/>
+          </a:ln>
+        </p:spPr>
+        <p:style>
+          <a:lnRef idx="2">
+            <a:schemeClr val="accent1">
+              <a:shade val="50000"/>
+            </a:schemeClr>
+          </a:lnRef>
+          <a:fillRef idx="1">
+            <a:schemeClr val="accent1"/>
+          </a:fillRef>
+          <a:effectRef idx="0">
+            <a:schemeClr val="accent1"/>
+          </a:effectRef>
+          <a:fontRef idx="minor">
+            <a:schemeClr val="lt1"/>
+          </a:fontRef>
+        </p:style>
+        <p:txBody>
+          <a:bodyPr wrap="square" rtlCol="0" anchor="ctr">
+            <a:noAutofit/>
+          </a:bodyPr>
+          <a:lstStyle/>
+          <a:p>
+            <a:pPr algn="ctr"/>
+            <a:endParaRPr lang="en-US"/>
+          </a:p>
+        </p:txBody>
+      </p:sp>
+      <p:sp>
+        <p:nvSpPr>
+          <p:cNvPr id="3" name="CuadroTexto 2">
+            <a:extLst>
+              <a:ext uri="{FF2B5EF4-FFF2-40B4-BE49-F238E27FC236}">
+                <a16:creationId xmlns:a16="http://schemas.microsoft.com/office/drawing/2014/main" id="{26705F70-D4B7-BB14-710E-D716C4D63795}"/>
+              </a:ext>
+            </a:extLst>
+          </p:cNvPr>
+          <p:cNvSpPr txBox="1"/>
+          <p:nvPr/>
+        </p:nvSpPr>
+        <p:spPr>
+          <a:xfrm>
+            <a:off x="402920" y="5642975"/>
+            <a:ext cx="6605391" cy="369332"/>
+          </a:xfrm>
+          <a:prstGeom prst="rect">
+            <a:avLst/>
+          </a:prstGeom>
+          <a:noFill/>
+        </p:spPr>
+        <p:txBody>
+          <a:bodyPr rot="0" spcFirstLastPara="0" vertOverflow="overflow" horzOverflow="overflow" vert="horz" wrap="square" lIns="91440" tIns="45720" rIns="91440" bIns="45720" numCol="1" spcCol="0" rtlCol="0" fromWordArt="0" anchor="t" anchorCtr="0" forceAA="0" compatLnSpc="1">
+            <a:prstTxWarp prst="textNoShape">
+              <a:avLst/>
+            </a:prstTxWarp>
+            <a:spAutoFit/>
+          </a:bodyPr>
+          <a:lstStyle/>
+          <a:p>
+            <a:r>
+              <a:rPr lang="en-US"/>
+              <a:t>https://github.com/CristianEafit/proyectoIntegradorCDA</a:t>
+            </a:r>
+          </a:p>
+        </p:txBody>
+      </p:sp>
+      <p:sp>
+        <p:nvSpPr>
+          <p:cNvPr id="4" name="CuadroTexto 3">
+            <a:extLst>
+              <a:ext uri="{FF2B5EF4-FFF2-40B4-BE49-F238E27FC236}">
+                <a16:creationId xmlns:a16="http://schemas.microsoft.com/office/drawing/2014/main" id="{370EF800-803C-E1E4-EDC9-9890B54D6B84}"/>
+              </a:ext>
+            </a:extLst>
+          </p:cNvPr>
+          <p:cNvSpPr txBox="1"/>
+          <p:nvPr/>
+        </p:nvSpPr>
+        <p:spPr>
+          <a:xfrm>
+            <a:off x="409705" y="5234836"/>
+            <a:ext cx="6579687" cy="369332"/>
+          </a:xfrm>
+          <a:prstGeom prst="rect">
+            <a:avLst/>
+          </a:prstGeom>
+          <a:noFill/>
+        </p:spPr>
+        <p:txBody>
+          <a:bodyPr rot="0" spcFirstLastPara="0" vertOverflow="overflow" horzOverflow="overflow" vert="horz" wrap="square" lIns="91440" tIns="45720" rIns="91440" bIns="45720" numCol="1" spcCol="0" rtlCol="0" fromWordArt="0" anchor="t" anchorCtr="0" forceAA="0" compatLnSpc="1">
+            <a:prstTxWarp prst="textNoShape">
+              <a:avLst/>
+            </a:prstTxWarp>
+            <a:spAutoFit/>
+          </a:bodyPr>
+          <a:lstStyle/>
+          <a:p>
+            <a:r>
+              <a:rPr lang="es-ES"/>
+              <a:t>Repositorio </a:t>
+            </a:r>
+            <a:r>
+              <a:rPr lang="es-ES" err="1"/>
+              <a:t>github</a:t>
+            </a:r>
+            <a:r>
+              <a:rPr lang="es-ES"/>
+              <a:t> con los códigos:</a:t>
+            </a:r>
+            <a:endParaRPr lang="es-ES" err="1"/>
+          </a:p>
+        </p:txBody>
+      </p:sp>
+    </p:spTree>
+    <p:extLst>
+      <p:ext uri="{BB962C8B-B14F-4D97-AF65-F5344CB8AC3E}">
+        <p14:creationId xmlns:p14="http://schemas.microsoft.com/office/powerpoint/2010/main" val="860038365"/>
+      </p:ext>
+    </p:extLst>
+  </p:cSld>
+  <p:clrMapOvr>
+    <a:masterClrMapping/>
+  </p:clrMapOvr>
 </p:sld>
 </file>
 
@@ -14953,7 +15728,7 @@
         </p:nvSpPr>
         <p:spPr>
           <a:xfrm>
-            <a:off x="119645" y="91550"/>
+            <a:off x="236062" y="155050"/>
             <a:ext cx="5214069" cy="1284106"/>
           </a:xfrm>
         </p:spPr>
@@ -15121,12 +15896,73 @@
           </a:prstGeom>
         </p:spPr>
       </p:pic>
+      <p:sp>
+        <p:nvSpPr>
+          <p:cNvPr id="7" name="CuadroTexto 6">
+            <a:extLst>
+              <a:ext uri="{FF2B5EF4-FFF2-40B4-BE49-F238E27FC236}">
+                <a16:creationId xmlns:a16="http://schemas.microsoft.com/office/drawing/2014/main" id="{3E46BC8D-CDD0-CFC0-05CB-F83B695C4D88}"/>
+              </a:ext>
+            </a:extLst>
+          </p:cNvPr>
+          <p:cNvSpPr txBox="1"/>
+          <p:nvPr/>
+        </p:nvSpPr>
+        <p:spPr>
+          <a:xfrm>
+            <a:off x="1016000" y="1931457"/>
+            <a:ext cx="4434417" cy="1200329"/>
+          </a:xfrm>
+          <a:prstGeom prst="rect">
+            <a:avLst/>
+          </a:prstGeom>
+          <a:noFill/>
+        </p:spPr>
+        <p:txBody>
+          <a:bodyPr rot="0" spcFirstLastPara="0" vertOverflow="overflow" horzOverflow="overflow" vert="horz" wrap="square" lIns="91440" tIns="45720" rIns="91440" bIns="45720" numCol="1" spcCol="0" rtlCol="0" fromWordArt="0" anchor="t" anchorCtr="0" forceAA="0" compatLnSpc="1">
+            <a:prstTxWarp prst="textNoShape">
+              <a:avLst/>
+            </a:prstTxWarp>
+            <a:spAutoFit/>
+          </a:bodyPr>
+          <a:lstStyle/>
+          <a:p>
+            <a:r>
+              <a:rPr lang="es-ES"/>
+              <a:t>Se realizó una limpieza del </a:t>
+            </a:r>
+            <a:r>
+              <a:rPr lang="es-ES" err="1"/>
+              <a:t>dataframe</a:t>
+            </a:r>
+            <a:r>
+              <a:rPr lang="es-ES"/>
+              <a:t>:</a:t>
+            </a:r>
+          </a:p>
+          <a:p>
+            <a:endParaRPr lang="es-ES"/>
+          </a:p>
+          <a:p>
+            <a:r>
+              <a:rPr lang="es-ES"/>
+              <a:t>- Registros nulos e inválidos.</a:t>
+            </a:r>
+          </a:p>
+          <a:p>
+            <a:r>
+              <a:rPr lang="es-ES"/>
+              <a:t>- Registros anteriores a la pandemia</a:t>
+            </a:r>
+          </a:p>
+        </p:txBody>
+      </p:sp>
       <p:pic>
         <p:nvPicPr>
-          <p:cNvPr id="2" name="Imagen 2" descr="Gráfico, Gráfico de líneas&#10;&#10;Descripción generada automáticamente">
-            <a:extLst>
-              <a:ext uri="{FF2B5EF4-FFF2-40B4-BE49-F238E27FC236}">
-                <a16:creationId xmlns:a16="http://schemas.microsoft.com/office/drawing/2014/main" id="{39F55272-7092-3DFD-5D9F-226EC23BA3A1}"/>
+          <p:cNvPr id="9" name="Imagen 9" descr="Tabla&#10;&#10;Descripción generada automáticamente">
+            <a:extLst>
+              <a:ext uri="{FF2B5EF4-FFF2-40B4-BE49-F238E27FC236}">
+                <a16:creationId xmlns:a16="http://schemas.microsoft.com/office/drawing/2014/main" id="{528A2FBF-0F67-85E3-3C4C-1EF115A1EE06}"/>
               </a:ext>
             </a:extLst>
           </p:cNvPr>
@@ -15143,50 +15979,20 @@
         </p:blipFill>
         <p:spPr>
           <a:xfrm>
-            <a:off x="239490" y="4394114"/>
-            <a:ext cx="7067320" cy="2165905"/>
+            <a:off x="5983817" y="3433461"/>
+            <a:ext cx="5293783" cy="2277077"/>
           </a:xfrm>
           <a:prstGeom prst="rect">
             <a:avLst/>
           </a:prstGeom>
         </p:spPr>
       </p:pic>
-      <p:pic>
-        <p:nvPicPr>
-          <p:cNvPr id="3" name="Imagen 4" descr="Gráfico, Gráfico de líneas&#10;&#10;Descripción generada automáticamente">
-            <a:extLst>
-              <a:ext uri="{FF2B5EF4-FFF2-40B4-BE49-F238E27FC236}">
-                <a16:creationId xmlns:a16="http://schemas.microsoft.com/office/drawing/2014/main" id="{6B805931-3434-AA0D-C881-45B00DD2B4B2}"/>
-              </a:ext>
-            </a:extLst>
-          </p:cNvPr>
-          <p:cNvPicPr>
-            <a:picLocks noChangeAspect="1"/>
-          </p:cNvPicPr>
-          <p:nvPr/>
-        </p:nvPicPr>
-        <p:blipFill>
-          <a:blip r:embed="rId4"/>
-          <a:stretch>
-            <a:fillRect/>
-          </a:stretch>
-        </p:blipFill>
-        <p:spPr>
-          <a:xfrm>
-            <a:off x="4279900" y="1795452"/>
-            <a:ext cx="7481402" cy="2182080"/>
-          </a:xfrm>
-          <a:prstGeom prst="rect">
-            <a:avLst/>
-          </a:prstGeom>
-        </p:spPr>
-      </p:pic>
-      <p:sp>
-        <p:nvSpPr>
-          <p:cNvPr id="5" name="CuadroTexto 4">
-            <a:extLst>
-              <a:ext uri="{FF2B5EF4-FFF2-40B4-BE49-F238E27FC236}">
-                <a16:creationId xmlns:a16="http://schemas.microsoft.com/office/drawing/2014/main" id="{D7F5D0E6-A811-55C3-7D77-650A9C65082F}"/>
+      <p:sp>
+        <p:nvSpPr>
+          <p:cNvPr id="10" name="CuadroTexto 9">
+            <a:extLst>
+              <a:ext uri="{FF2B5EF4-FFF2-40B4-BE49-F238E27FC236}">
+                <a16:creationId xmlns:a16="http://schemas.microsoft.com/office/drawing/2014/main" id="{F8A54B4D-4F4F-65D4-01F7-925E7A25A44C}"/>
               </a:ext>
             </a:extLst>
           </p:cNvPr>
@@ -15195,8 +16001,8 @@
         </p:nvSpPr>
         <p:spPr>
           <a:xfrm>
-            <a:off x="920749" y="2325687"/>
-            <a:ext cx="3029479" cy="646331"/>
+            <a:off x="836082" y="4164540"/>
+            <a:ext cx="4434417" cy="923330"/>
           </a:xfrm>
           <a:prstGeom prst="rect">
             <a:avLst/>
@@ -15212,24 +16018,19 @@
           </a:bodyPr>
           <a:lstStyle/>
           <a:p>
-            <a:pPr algn="ctr"/>
-            <a:r>
-              <a:rPr lang="es-ES" b="1" i="1"/>
-              <a:t>Fig.</a:t>
-            </a:r>
             <a:r>
               <a:rPr lang="es-ES"/>
-              <a:t> Variación semanal de unidades</a:t>
-            </a:r>
-          </a:p>
-        </p:txBody>
-      </p:sp>
-      <p:sp>
-        <p:nvSpPr>
-          <p:cNvPr id="6" name="CuadroTexto 5">
-            <a:extLst>
-              <a:ext uri="{FF2B5EF4-FFF2-40B4-BE49-F238E27FC236}">
-                <a16:creationId xmlns:a16="http://schemas.microsoft.com/office/drawing/2014/main" id="{CDC29DD7-7C92-FD57-B81A-EA714CECB24B}"/>
+              <a:t>Se escogió el segmento COMMUTER y de este sector las motos con mayor cantidad de unidades vendidas.</a:t>
+            </a:r>
+          </a:p>
+        </p:txBody>
+      </p:sp>
+      <p:sp>
+        <p:nvSpPr>
+          <p:cNvPr id="14" name="CuadroTexto 13">
+            <a:extLst>
+              <a:ext uri="{FF2B5EF4-FFF2-40B4-BE49-F238E27FC236}">
+                <a16:creationId xmlns:a16="http://schemas.microsoft.com/office/drawing/2014/main" id="{C70B2C33-B22A-CD3C-6FAA-2FF9F1C15D6E}"/>
               </a:ext>
             </a:extLst>
           </p:cNvPr>
@@ -15238,8 +16039,8 @@
         </p:nvSpPr>
         <p:spPr>
           <a:xfrm>
-            <a:off x="7418915" y="4950353"/>
-            <a:ext cx="3029479" cy="646331"/>
+            <a:off x="6950603" y="2378603"/>
+            <a:ext cx="2844270" cy="923330"/>
           </a:xfrm>
           <a:prstGeom prst="rect">
             <a:avLst/>
@@ -15258,11 +16059,11 @@
             <a:pPr algn="ctr"/>
             <a:r>
               <a:rPr lang="es-ES" b="1" i="1"/>
-              <a:t>Fig.</a:t>
+              <a:t>Tabla.</a:t>
             </a:r>
             <a:r>
               <a:rPr lang="es-ES"/>
-              <a:t> Variación semanal de precios</a:t>
+              <a:t> Referencias más vendidas segmento COMMUTER</a:t>
             </a:r>
           </a:p>
         </p:txBody>
@@ -15270,7 +16071,7 @@
     </p:spTree>
     <p:extLst>
       <p:ext uri="{BB962C8B-B14F-4D97-AF65-F5344CB8AC3E}">
-        <p14:creationId xmlns:p14="http://schemas.microsoft.com/office/powerpoint/2010/main" val="3206464282"/>
+        <p14:creationId xmlns:p14="http://schemas.microsoft.com/office/powerpoint/2010/main" val="3593459895"/>
       </p:ext>
     </p:extLst>
   </p:cSld>
@@ -15485,10 +16286,10 @@
       </p:pic>
       <p:pic>
         <p:nvPicPr>
-          <p:cNvPr id="7" name="Imagen 8">
-            <a:extLst>
-              <a:ext uri="{FF2B5EF4-FFF2-40B4-BE49-F238E27FC236}">
-                <a16:creationId xmlns:a16="http://schemas.microsoft.com/office/drawing/2014/main" id="{78174B7D-C170-B254-FFAA-776BC7D88C2B}"/>
+          <p:cNvPr id="2" name="Imagen 2" descr="Gráfico, Gráfico de líneas&#10;&#10;Descripción generada automáticamente">
+            <a:extLst>
+              <a:ext uri="{FF2B5EF4-FFF2-40B4-BE49-F238E27FC236}">
+                <a16:creationId xmlns:a16="http://schemas.microsoft.com/office/drawing/2014/main" id="{39F55272-7092-3DFD-5D9F-226EC23BA3A1}"/>
               </a:ext>
             </a:extLst>
           </p:cNvPr>
@@ -15505,63 +16306,20 @@
         </p:blipFill>
         <p:spPr>
           <a:xfrm>
-            <a:off x="353484" y="3150923"/>
-            <a:ext cx="4231126" cy="3289039"/>
+            <a:off x="239490" y="4394114"/>
+            <a:ext cx="7067320" cy="2165905"/>
           </a:xfrm>
           <a:prstGeom prst="rect">
             <a:avLst/>
           </a:prstGeom>
         </p:spPr>
       </p:pic>
-      <p:sp>
-        <p:nvSpPr>
-          <p:cNvPr id="9" name="CuadroTexto 8">
-            <a:extLst>
-              <a:ext uri="{FF2B5EF4-FFF2-40B4-BE49-F238E27FC236}">
-                <a16:creationId xmlns:a16="http://schemas.microsoft.com/office/drawing/2014/main" id="{854CD6B5-7E73-939F-92DE-B841690E8EEF}"/>
-              </a:ext>
-            </a:extLst>
-          </p:cNvPr>
-          <p:cNvSpPr txBox="1"/>
-          <p:nvPr/>
-        </p:nvSpPr>
-        <p:spPr>
-          <a:xfrm>
-            <a:off x="1246187" y="2166937"/>
-            <a:ext cx="2844270" cy="646331"/>
-          </a:xfrm>
-          <a:prstGeom prst="rect">
-            <a:avLst/>
-          </a:prstGeom>
-          <a:noFill/>
-        </p:spPr>
-        <p:txBody>
-          <a:bodyPr rot="0" spcFirstLastPara="0" vertOverflow="overflow" horzOverflow="overflow" vert="horz" wrap="square" lIns="91440" tIns="45720" rIns="91440" bIns="45720" numCol="1" spcCol="0" rtlCol="0" fromWordArt="0" anchor="t" anchorCtr="0" forceAA="0" compatLnSpc="1">
-            <a:prstTxWarp prst="textNoShape">
-              <a:avLst/>
-            </a:prstTxWarp>
-            <a:spAutoFit/>
-          </a:bodyPr>
-          <a:lstStyle/>
-          <a:p>
-            <a:pPr algn="ctr"/>
-            <a:r>
-              <a:rPr lang="es-ES" b="1" i="1"/>
-              <a:t>Fig.</a:t>
-            </a:r>
-            <a:r>
-              <a:rPr lang="es-ES"/>
-              <a:t> Mapa de calor correlación de variables </a:t>
-            </a:r>
-          </a:p>
-        </p:txBody>
-      </p:sp>
       <p:pic>
         <p:nvPicPr>
-          <p:cNvPr id="10" name="Imagen 10" descr="Tabla&#10;&#10;Descripción generada automáticamente">
-            <a:extLst>
-              <a:ext uri="{FF2B5EF4-FFF2-40B4-BE49-F238E27FC236}">
-                <a16:creationId xmlns:a16="http://schemas.microsoft.com/office/drawing/2014/main" id="{EBCF8394-0D7C-41D4-F3B8-0B1C5197E55C}"/>
+          <p:cNvPr id="3" name="Imagen 4" descr="Gráfico, Gráfico de líneas&#10;&#10;Descripción generada automáticamente">
+            <a:extLst>
+              <a:ext uri="{FF2B5EF4-FFF2-40B4-BE49-F238E27FC236}">
+                <a16:creationId xmlns:a16="http://schemas.microsoft.com/office/drawing/2014/main" id="{6B805931-3434-AA0D-C881-45B00DD2B4B2}"/>
               </a:ext>
             </a:extLst>
           </p:cNvPr>
@@ -15578,8 +16336,8 @@
         </p:blipFill>
         <p:spPr>
           <a:xfrm>
-            <a:off x="5613401" y="3332409"/>
-            <a:ext cx="5367866" cy="1717182"/>
+            <a:off x="4279900" y="1795452"/>
+            <a:ext cx="7481402" cy="2182080"/>
           </a:xfrm>
           <a:prstGeom prst="rect">
             <a:avLst/>
@@ -15588,10 +16346,10 @@
       </p:pic>
       <p:sp>
         <p:nvSpPr>
-          <p:cNvPr id="13" name="CuadroTexto 12">
-            <a:extLst>
-              <a:ext uri="{FF2B5EF4-FFF2-40B4-BE49-F238E27FC236}">
-                <a16:creationId xmlns:a16="http://schemas.microsoft.com/office/drawing/2014/main" id="{536B0E48-65E8-67AD-12F7-3F8FD21DCB83}"/>
+          <p:cNvPr id="5" name="CuadroTexto 4">
+            <a:extLst>
+              <a:ext uri="{FF2B5EF4-FFF2-40B4-BE49-F238E27FC236}">
+                <a16:creationId xmlns:a16="http://schemas.microsoft.com/office/drawing/2014/main" id="{D7F5D0E6-A811-55C3-7D77-650A9C65082F}"/>
               </a:ext>
             </a:extLst>
           </p:cNvPr>
@@ -15600,8 +16358,8 @@
         </p:nvSpPr>
         <p:spPr>
           <a:xfrm>
-            <a:off x="6887103" y="2029353"/>
-            <a:ext cx="2844270" cy="923330"/>
+            <a:off x="920749" y="2325687"/>
+            <a:ext cx="3029479" cy="646331"/>
           </a:xfrm>
           <a:prstGeom prst="rect">
             <a:avLst/>
@@ -15620,11 +16378,54 @@
             <a:pPr algn="ctr"/>
             <a:r>
               <a:rPr lang="es-ES" b="1" i="1"/>
-              <a:t>Tabla.</a:t>
+              <a:t>Fig.</a:t>
             </a:r>
             <a:r>
               <a:rPr lang="es-ES"/>
-              <a:t> Variables con mayor correlación con la variable objetivo</a:t>
+              <a:t> Variación semanal de unidades</a:t>
+            </a:r>
+          </a:p>
+        </p:txBody>
+      </p:sp>
+      <p:sp>
+        <p:nvSpPr>
+          <p:cNvPr id="6" name="CuadroTexto 5">
+            <a:extLst>
+              <a:ext uri="{FF2B5EF4-FFF2-40B4-BE49-F238E27FC236}">
+                <a16:creationId xmlns:a16="http://schemas.microsoft.com/office/drawing/2014/main" id="{CDC29DD7-7C92-FD57-B81A-EA714CECB24B}"/>
+              </a:ext>
+            </a:extLst>
+          </p:cNvPr>
+          <p:cNvSpPr txBox="1"/>
+          <p:nvPr/>
+        </p:nvSpPr>
+        <p:spPr>
+          <a:xfrm>
+            <a:off x="7418915" y="4950353"/>
+            <a:ext cx="3029479" cy="646331"/>
+          </a:xfrm>
+          <a:prstGeom prst="rect">
+            <a:avLst/>
+          </a:prstGeom>
+          <a:noFill/>
+        </p:spPr>
+        <p:txBody>
+          <a:bodyPr rot="0" spcFirstLastPara="0" vertOverflow="overflow" horzOverflow="overflow" vert="horz" wrap="square" lIns="91440" tIns="45720" rIns="91440" bIns="45720" numCol="1" spcCol="0" rtlCol="0" fromWordArt="0" anchor="t" anchorCtr="0" forceAA="0" compatLnSpc="1">
+            <a:prstTxWarp prst="textNoShape">
+              <a:avLst/>
+            </a:prstTxWarp>
+            <a:spAutoFit/>
+          </a:bodyPr>
+          <a:lstStyle/>
+          <a:p>
+            <a:pPr algn="ctr"/>
+            <a:r>
+              <a:rPr lang="es-ES" b="1" i="1"/>
+              <a:t>Fig.</a:t>
+            </a:r>
+            <a:r>
+              <a:rPr lang="es-ES"/>
+              <a:t> Variación semanal de precios</a:t>
             </a:r>
           </a:p>
         </p:txBody>
@@ -15632,7 +16433,7 @@
     </p:spTree>
     <p:extLst>
       <p:ext uri="{BB962C8B-B14F-4D97-AF65-F5344CB8AC3E}">
-        <p14:creationId xmlns:p14="http://schemas.microsoft.com/office/powerpoint/2010/main" val="2466202108"/>
+        <p14:creationId xmlns:p14="http://schemas.microsoft.com/office/powerpoint/2010/main" val="258887427"/>
       </p:ext>
     </p:extLst>
   </p:cSld>
